--- a/project_3_team_E/Final Presentation.pptx
+++ b/project_3_team_E/Final Presentation.pptx
@@ -5,16 +5,18 @@
     <p:sldMasterId id="2147483660" r:id="rId1"/>
   </p:sldMasterIdLst>
   <p:notesMasterIdLst>
-    <p:notesMasterId r:id="rId6"/>
+    <p:notesMasterId r:id="rId8"/>
   </p:notesMasterIdLst>
   <p:handoutMasterIdLst>
-    <p:handoutMasterId r:id="rId7"/>
+    <p:handoutMasterId r:id="rId9"/>
   </p:handoutMasterIdLst>
   <p:sldIdLst>
     <p:sldId id="256" r:id="rId2"/>
     <p:sldId id="257" r:id="rId3"/>
     <p:sldId id="258" r:id="rId4"/>
-    <p:sldId id="259" r:id="rId5"/>
+    <p:sldId id="261" r:id="rId5"/>
+    <p:sldId id="260" r:id="rId6"/>
+    <p:sldId id="259" r:id="rId7"/>
   </p:sldIdLst>
   <p:sldSz cx="12192000" cy="6858000"/>
   <p:notesSz cx="7102475" cy="10234613"/>
@@ -206,7 +208,7 @@
           <a:p>
             <a:fld id="{05E02316-A3A9-40CE-8399-988D8D269502}" type="datetimeFigureOut">
               <a:rPr lang="de-AT" smtClean="0"/>
-              <a:t>14.01.2024</a:t>
+              <a:t>16.01.2024</a:t>
             </a:fld>
             <a:endParaRPr lang="de-AT"/>
           </a:p>
@@ -272,7 +274,7 @@
           <a:p>
             <a:fld id="{5C731D18-B53C-4622-9947-A3FBDDB0C9B1}" type="slidenum">
               <a:rPr lang="de-AT" smtClean="0"/>
-              <a:t>‹Nr.›</a:t>
+              <a:t>‹#›</a:t>
             </a:fld>
             <a:endParaRPr lang="de-AT"/>
           </a:p>
@@ -371,7 +373,7 @@
           <a:p>
             <a:fld id="{F5E89DEF-C035-41A2-9AFE-A6026D4C04BE}" type="datetimeFigureOut">
               <a:rPr lang="de-AT" smtClean="0"/>
-              <a:t>14.01.2024</a:t>
+              <a:t>16.01.2024</a:t>
             </a:fld>
             <a:endParaRPr lang="de-AT"/>
           </a:p>
@@ -530,7 +532,7 @@
           <a:p>
             <a:fld id="{BEF2A079-E7F8-4A78-8EEA-DD00A8D5DE37}" type="slidenum">
               <a:rPr lang="de-AT" smtClean="0"/>
-              <a:t>‹Nr.›</a:t>
+              <a:t>‹#›</a:t>
             </a:fld>
             <a:endParaRPr lang="de-AT"/>
           </a:p>
@@ -1022,7 +1024,7 @@
             <a:fld id="{2E1B1CB6-5C5C-443C-B788-F7ADFC29778E}" type="slidenum">
               <a:rPr lang="en-US" smtClean="0"/>
               <a:pPr/>
-              <a:t>‹Nr.›</a:t>
+              <a:t>‹#›</a:t>
             </a:fld>
             <a:endParaRPr lang="en-US" dirty="0"/>
           </a:p>
@@ -1281,7 +1283,7 @@
             <a:fld id="{2E1B1CB6-5C5C-443C-B788-F7ADFC29778E}" type="slidenum">
               <a:rPr lang="en-US" smtClean="0"/>
               <a:pPr/>
-              <a:t>‹Nr.›</a:t>
+              <a:t>‹#›</a:t>
             </a:fld>
             <a:endParaRPr lang="en-US" dirty="0"/>
           </a:p>
@@ -1531,7 +1533,7 @@
             <a:fld id="{2E1B1CB6-5C5C-443C-B788-F7ADFC29778E}" type="slidenum">
               <a:rPr lang="en-US" smtClean="0"/>
               <a:pPr/>
-              <a:t>‹Nr.›</a:t>
+              <a:t>‹#›</a:t>
             </a:fld>
             <a:endParaRPr lang="en-US" dirty="0"/>
           </a:p>
@@ -1932,7 +1934,7 @@
             <a:fld id="{2E1B1CB6-5C5C-443C-B788-F7ADFC29778E}" type="slidenum">
               <a:rPr lang="en-US" smtClean="0"/>
               <a:pPr/>
-              <a:t>‹Nr.›</a:t>
+              <a:t>‹#›</a:t>
             </a:fld>
             <a:endParaRPr lang="en-US" dirty="0"/>
           </a:p>
@@ -2180,7 +2182,7 @@
             <a:fld id="{2E1B1CB6-5C5C-443C-B788-F7ADFC29778E}" type="slidenum">
               <a:rPr lang="en-US" smtClean="0"/>
               <a:pPr/>
-              <a:t>‹Nr.›</a:t>
+              <a:t>‹#›</a:t>
             </a:fld>
             <a:endParaRPr lang="en-US" dirty="0"/>
           </a:p>
@@ -2370,7 +2372,7 @@
             <a:fld id="{2E1B1CB6-5C5C-443C-B788-F7ADFC29778E}" type="slidenum">
               <a:rPr lang="en-US" smtClean="0"/>
               <a:pPr/>
-              <a:t>‹Nr.›</a:t>
+              <a:t>‹#›</a:t>
             </a:fld>
             <a:endParaRPr lang="en-US" dirty="0"/>
           </a:p>
@@ -3183,7 +3185,7 @@
             <a:fld id="{2E1B1CB6-5C5C-443C-B788-F7ADFC29778E}" type="slidenum">
               <a:rPr lang="en-US" smtClean="0"/>
               <a:pPr/>
-              <a:t>‹Nr.›</a:t>
+              <a:t>‹#›</a:t>
             </a:fld>
             <a:endParaRPr lang="en-US" dirty="0"/>
           </a:p>
@@ -4433,7 +4435,7 @@
             <a:fld id="{2E1B1CB6-5C5C-443C-B788-F7ADFC29778E}" type="slidenum">
               <a:rPr lang="en-US" smtClean="0"/>
               <a:pPr/>
-              <a:t>‹Nr.›</a:t>
+              <a:t>‹#›</a:t>
             </a:fld>
             <a:endParaRPr lang="en-US" dirty="0"/>
           </a:p>
@@ -5265,7 +5267,7 @@
             <a:fld id="{2E1B1CB6-5C5C-443C-B788-F7ADFC29778E}" type="slidenum">
               <a:rPr lang="en-US" smtClean="0"/>
               <a:pPr/>
-              <a:t>‹Nr.›</a:t>
+              <a:t>‹#›</a:t>
             </a:fld>
             <a:endParaRPr lang="en-US" dirty="0"/>
           </a:p>
@@ -6097,7 +6099,7 @@
             <a:fld id="{2E1B1CB6-5C5C-443C-B788-F7ADFC29778E}" type="slidenum">
               <a:rPr lang="en-US" smtClean="0"/>
               <a:pPr/>
-              <a:t>‹Nr.›</a:t>
+              <a:t>‹#›</a:t>
             </a:fld>
             <a:endParaRPr lang="en-US" dirty="0"/>
           </a:p>
@@ -6874,7 +6876,7 @@
             <a:fld id="{2E1B1CB6-5C5C-443C-B788-F7ADFC29778E}" type="slidenum">
               <a:rPr lang="en-US" smtClean="0"/>
               <a:pPr/>
-              <a:t>‹Nr.›</a:t>
+              <a:t>‹#›</a:t>
             </a:fld>
             <a:endParaRPr lang="en-US" dirty="0"/>
           </a:p>
@@ -7203,7 +7205,7 @@
             <a:fld id="{2E1B1CB6-5C5C-443C-B788-F7ADFC29778E}" type="slidenum">
               <a:rPr lang="en-US" smtClean="0"/>
               <a:pPr/>
-              <a:t>‹Nr.›</a:t>
+              <a:t>‹#›</a:t>
             </a:fld>
             <a:endParaRPr lang="en-US" dirty="0"/>
           </a:p>
@@ -7319,7 +7321,7 @@
             <a:fld id="{2E1B1CB6-5C5C-443C-B788-F7ADFC29778E}" type="slidenum">
               <a:rPr lang="en-US" smtClean="0"/>
               <a:pPr/>
-              <a:t>‹Nr.›</a:t>
+              <a:t>‹#›</a:t>
             </a:fld>
             <a:endParaRPr lang="en-US" dirty="0"/>
           </a:p>
@@ -8106,7 +8108,7 @@
             <a:fld id="{2E1B1CB6-5C5C-443C-B788-F7ADFC29778E}" type="slidenum">
               <a:rPr lang="en-US" smtClean="0"/>
               <a:pPr/>
-              <a:t>‹Nr.›</a:t>
+              <a:t>‹#›</a:t>
             </a:fld>
             <a:endParaRPr lang="en-US" dirty="0"/>
           </a:p>
@@ -8297,7 +8299,7 @@
             <a:fld id="{2E1B1CB6-5C5C-443C-B788-F7ADFC29778E}" type="slidenum">
               <a:rPr lang="en-US" smtClean="0"/>
               <a:pPr/>
-              <a:t>‹Nr.›</a:t>
+              <a:t>‹#›</a:t>
             </a:fld>
             <a:endParaRPr lang="en-US" dirty="0"/>
           </a:p>
@@ -8495,7 +8497,7 @@
             <a:fld id="{2E1B1CB6-5C5C-443C-B788-F7ADFC29778E}" type="slidenum">
               <a:rPr lang="en-US" smtClean="0"/>
               <a:pPr/>
-              <a:t>‹Nr.›</a:t>
+              <a:t>‹#›</a:t>
             </a:fld>
             <a:endParaRPr lang="en-US" dirty="0"/>
           </a:p>
@@ -8815,7 +8817,7 @@
             <a:fld id="{2E1B1CB6-5C5C-443C-B788-F7ADFC29778E}" type="slidenum">
               <a:rPr lang="en-US" smtClean="0"/>
               <a:pPr/>
-              <a:t>‹Nr.›</a:t>
+              <a:t>‹#›</a:t>
             </a:fld>
             <a:endParaRPr lang="en-US" dirty="0"/>
           </a:p>
@@ -9158,7 +9160,7 @@
             <a:fld id="{2E1B1CB6-5C5C-443C-B788-F7ADFC29778E}" type="slidenum">
               <a:rPr lang="en-US" smtClean="0"/>
               <a:pPr/>
-              <a:t>‹Nr.›</a:t>
+              <a:t>‹#›</a:t>
             </a:fld>
             <a:endParaRPr lang="en-US" dirty="0"/>
           </a:p>
@@ -9409,7 +9411,7 @@
             <a:fld id="{2E1B1CB6-5C5C-443C-B788-F7ADFC29778E}" type="slidenum">
               <a:rPr lang="en-US" smtClean="0"/>
               <a:pPr/>
-              <a:t>‹Nr.›</a:t>
+              <a:t>‹#›</a:t>
             </a:fld>
             <a:endParaRPr lang="en-US" dirty="0"/>
           </a:p>
@@ -10096,6 +10098,178 @@
 </file>
 
 <file path=ppt/slides/slide4.xml><?xml version="1.0" encoding="utf-8"?>
+<p:sld xmlns:a="http://schemas.openxmlformats.org/drawingml/2006/main" xmlns:r="http://schemas.openxmlformats.org/officeDocument/2006/relationships" xmlns:p="http://schemas.openxmlformats.org/presentationml/2006/main">
+  <p:cSld>
+    <p:spTree>
+      <p:nvGrpSpPr>
+        <p:cNvPr id="1" name=""/>
+        <p:cNvGrpSpPr/>
+        <p:nvPr/>
+      </p:nvGrpSpPr>
+      <p:grpSpPr>
+        <a:xfrm>
+          <a:off x="0" y="0"/>
+          <a:ext cx="0" cy="0"/>
+          <a:chOff x="0" y="0"/>
+          <a:chExt cx="0" cy="0"/>
+        </a:xfrm>
+      </p:grpSpPr>
+      <p:sp>
+        <p:nvSpPr>
+          <p:cNvPr id="2" name="Title 1">
+            <a:extLst>
+              <a:ext uri="{FF2B5EF4-FFF2-40B4-BE49-F238E27FC236}">
+                <a16:creationId xmlns:a16="http://schemas.microsoft.com/office/drawing/2014/main" id="{415411B4-3D50-D850-8064-D3EC3AD1ABAB}"/>
+              </a:ext>
+            </a:extLst>
+          </p:cNvPr>
+          <p:cNvSpPr>
+            <a:spLocks noGrp="1"/>
+          </p:cNvSpPr>
+          <p:nvPr>
+            <p:ph type="title"/>
+          </p:nvPr>
+        </p:nvSpPr>
+        <p:spPr/>
+        <p:txBody>
+          <a:bodyPr/>
+          <a:lstStyle/>
+          <a:p>
+            <a:r>
+              <a:rPr lang="de-AT" dirty="0" err="1"/>
+              <a:t>Similarity</a:t>
+            </a:r>
+            <a:r>
+              <a:rPr lang="de-AT" dirty="0"/>
+              <a:t> </a:t>
+            </a:r>
+          </a:p>
+        </p:txBody>
+      </p:sp>
+    </p:spTree>
+    <p:extLst>
+      <p:ext uri="{BB962C8B-B14F-4D97-AF65-F5344CB8AC3E}">
+        <p14:creationId xmlns:p14="http://schemas.microsoft.com/office/powerpoint/2010/main" val="1770655100"/>
+      </p:ext>
+    </p:extLst>
+  </p:cSld>
+  <p:clrMapOvr>
+    <a:masterClrMapping/>
+  </p:clrMapOvr>
+</p:sld>
+</file>
+
+<file path=ppt/slides/slide5.xml><?xml version="1.0" encoding="utf-8"?>
+<p:sld xmlns:a="http://schemas.openxmlformats.org/drawingml/2006/main" xmlns:r="http://schemas.openxmlformats.org/officeDocument/2006/relationships" xmlns:p="http://schemas.openxmlformats.org/presentationml/2006/main">
+  <p:cSld>
+    <p:spTree>
+      <p:nvGrpSpPr>
+        <p:cNvPr id="1" name=""/>
+        <p:cNvGrpSpPr/>
+        <p:nvPr/>
+      </p:nvGrpSpPr>
+      <p:grpSpPr>
+        <a:xfrm>
+          <a:off x="0" y="0"/>
+          <a:ext cx="0" cy="0"/>
+          <a:chOff x="0" y="0"/>
+          <a:chExt cx="0" cy="0"/>
+        </a:xfrm>
+      </p:grpSpPr>
+      <p:sp>
+        <p:nvSpPr>
+          <p:cNvPr id="2" name="Title 1">
+            <a:extLst>
+              <a:ext uri="{FF2B5EF4-FFF2-40B4-BE49-F238E27FC236}">
+                <a16:creationId xmlns:a16="http://schemas.microsoft.com/office/drawing/2014/main" id="{7C792357-14D6-9055-562B-F9F2675BBE3F}"/>
+              </a:ext>
+            </a:extLst>
+          </p:cNvPr>
+          <p:cNvSpPr>
+            <a:spLocks noGrp="1"/>
+          </p:cNvSpPr>
+          <p:nvPr>
+            <p:ph type="title"/>
+          </p:nvPr>
+        </p:nvSpPr>
+        <p:spPr>
+          <a:xfrm>
+            <a:off x="486000" y="575999"/>
+            <a:ext cx="11124000" cy="5576226"/>
+          </a:xfrm>
+        </p:spPr>
+        <p:txBody>
+          <a:bodyPr/>
+          <a:lstStyle/>
+          <a:p>
+            <a:r>
+              <a:rPr lang="de-AT" dirty="0"/>
+              <a:t>Choice </a:t>
+            </a:r>
+            <a:r>
+              <a:rPr lang="de-AT" dirty="0" err="1"/>
+              <a:t>of</a:t>
+            </a:r>
+            <a:r>
+              <a:rPr lang="de-AT" dirty="0"/>
+              <a:t> Features</a:t>
+            </a:r>
+            <a:br>
+              <a:rPr lang="de-AT" dirty="0"/>
+            </a:br>
+            <a:br>
+              <a:rPr lang="de-AT" dirty="0"/>
+            </a:br>
+            <a:endParaRPr lang="de-AT" dirty="0"/>
+          </a:p>
+        </p:txBody>
+      </p:sp>
+      <p:sp>
+        <p:nvSpPr>
+          <p:cNvPr id="3" name="TextBox 2">
+            <a:extLst>
+              <a:ext uri="{FF2B5EF4-FFF2-40B4-BE49-F238E27FC236}">
+                <a16:creationId xmlns:a16="http://schemas.microsoft.com/office/drawing/2014/main" id="{99E22BC1-74F6-BD36-BF35-43CFC8E06DA8}"/>
+              </a:ext>
+            </a:extLst>
+          </p:cNvPr>
+          <p:cNvSpPr txBox="1"/>
+          <p:nvPr/>
+        </p:nvSpPr>
+        <p:spPr>
+          <a:xfrm>
+            <a:off x="665825" y="1162975"/>
+            <a:ext cx="10944175" cy="4678532"/>
+          </a:xfrm>
+          <a:prstGeom prst="rect">
+            <a:avLst/>
+          </a:prstGeom>
+          <a:noFill/>
+        </p:spPr>
+        <p:txBody>
+          <a:bodyPr wrap="square" rtlCol="0">
+            <a:spAutoFit/>
+          </a:bodyPr>
+          <a:lstStyle/>
+          <a:p>
+            <a:endParaRPr lang="de-AT"/>
+          </a:p>
+        </p:txBody>
+      </p:sp>
+    </p:spTree>
+    <p:extLst>
+      <p:ext uri="{BB962C8B-B14F-4D97-AF65-F5344CB8AC3E}">
+        <p14:creationId xmlns:p14="http://schemas.microsoft.com/office/powerpoint/2010/main" val="2945437188"/>
+      </p:ext>
+    </p:extLst>
+  </p:cSld>
+  <p:clrMapOvr>
+    <a:masterClrMapping/>
+  </p:clrMapOvr>
+</p:sld>
+</file>
+
+<file path=ppt/slides/slide6.xml><?xml version="1.0" encoding="utf-8"?>
 <p:sld xmlns:a="http://schemas.openxmlformats.org/drawingml/2006/main" xmlns:r="http://schemas.openxmlformats.org/officeDocument/2006/relationships" xmlns:p="http://schemas.openxmlformats.org/presentationml/2006/main">
   <p:cSld>
     <p:spTree>

--- a/project_3_team_E/Final Presentation.pptx
+++ b/project_3_team_E/Final Presentation.pptx
@@ -5,18 +5,30 @@
     <p:sldMasterId id="2147483660" r:id="rId1"/>
   </p:sldMasterIdLst>
   <p:notesMasterIdLst>
-    <p:notesMasterId r:id="rId8"/>
+    <p:notesMasterId r:id="rId20"/>
   </p:notesMasterIdLst>
   <p:handoutMasterIdLst>
-    <p:handoutMasterId r:id="rId9"/>
+    <p:handoutMasterId r:id="rId21"/>
   </p:handoutMasterIdLst>
   <p:sldIdLst>
     <p:sldId id="256" r:id="rId2"/>
     <p:sldId id="257" r:id="rId3"/>
-    <p:sldId id="258" r:id="rId4"/>
+    <p:sldId id="272" r:id="rId4"/>
     <p:sldId id="261" r:id="rId5"/>
-    <p:sldId id="260" r:id="rId6"/>
-    <p:sldId id="259" r:id="rId7"/>
+    <p:sldId id="263" r:id="rId6"/>
+    <p:sldId id="265" r:id="rId7"/>
+    <p:sldId id="264" r:id="rId8"/>
+    <p:sldId id="270" r:id="rId9"/>
+    <p:sldId id="271" r:id="rId10"/>
+    <p:sldId id="266" r:id="rId11"/>
+    <p:sldId id="273" r:id="rId12"/>
+    <p:sldId id="274" r:id="rId13"/>
+    <p:sldId id="275" r:id="rId14"/>
+    <p:sldId id="267" r:id="rId15"/>
+    <p:sldId id="262" r:id="rId16"/>
+    <p:sldId id="269" r:id="rId17"/>
+    <p:sldId id="259" r:id="rId18"/>
+    <p:sldId id="268" r:id="rId19"/>
   </p:sldIdLst>
   <p:sldSz cx="12192000" cy="6858000"/>
   <p:notesSz cx="7102475" cy="10234613"/>
@@ -274,7 +286,7 @@
           <a:p>
             <a:fld id="{5C731D18-B53C-4622-9947-A3FBDDB0C9B1}" type="slidenum">
               <a:rPr lang="de-AT" smtClean="0"/>
-              <a:t>‹#›</a:t>
+              <a:t>‹Nr.›</a:t>
             </a:fld>
             <a:endParaRPr lang="de-AT"/>
           </a:p>
@@ -532,7 +544,7 @@
           <a:p>
             <a:fld id="{BEF2A079-E7F8-4A78-8EEA-DD00A8D5DE37}" type="slidenum">
               <a:rPr lang="de-AT" smtClean="0"/>
-              <a:t>‹#›</a:t>
+              <a:t>‹Nr.›</a:t>
             </a:fld>
             <a:endParaRPr lang="de-AT"/>
           </a:p>
@@ -1024,7 +1036,7 @@
             <a:fld id="{2E1B1CB6-5C5C-443C-B788-F7ADFC29778E}" type="slidenum">
               <a:rPr lang="en-US" smtClean="0"/>
               <a:pPr/>
-              <a:t>‹#›</a:t>
+              <a:t>‹Nr.›</a:t>
             </a:fld>
             <a:endParaRPr lang="en-US" dirty="0"/>
           </a:p>
@@ -1283,7 +1295,7 @@
             <a:fld id="{2E1B1CB6-5C5C-443C-B788-F7ADFC29778E}" type="slidenum">
               <a:rPr lang="en-US" smtClean="0"/>
               <a:pPr/>
-              <a:t>‹#›</a:t>
+              <a:t>‹Nr.›</a:t>
             </a:fld>
             <a:endParaRPr lang="en-US" dirty="0"/>
           </a:p>
@@ -1533,7 +1545,7 @@
             <a:fld id="{2E1B1CB6-5C5C-443C-B788-F7ADFC29778E}" type="slidenum">
               <a:rPr lang="en-US" smtClean="0"/>
               <a:pPr/>
-              <a:t>‹#›</a:t>
+              <a:t>‹Nr.›</a:t>
             </a:fld>
             <a:endParaRPr lang="en-US" dirty="0"/>
           </a:p>
@@ -1934,7 +1946,7 @@
             <a:fld id="{2E1B1CB6-5C5C-443C-B788-F7ADFC29778E}" type="slidenum">
               <a:rPr lang="en-US" smtClean="0"/>
               <a:pPr/>
-              <a:t>‹#›</a:t>
+              <a:t>‹Nr.›</a:t>
             </a:fld>
             <a:endParaRPr lang="en-US" dirty="0"/>
           </a:p>
@@ -2182,7 +2194,7 @@
             <a:fld id="{2E1B1CB6-5C5C-443C-B788-F7ADFC29778E}" type="slidenum">
               <a:rPr lang="en-US" smtClean="0"/>
               <a:pPr/>
-              <a:t>‹#›</a:t>
+              <a:t>‹Nr.›</a:t>
             </a:fld>
             <a:endParaRPr lang="en-US" dirty="0"/>
           </a:p>
@@ -2372,7 +2384,7 @@
             <a:fld id="{2E1B1CB6-5C5C-443C-B788-F7ADFC29778E}" type="slidenum">
               <a:rPr lang="en-US" smtClean="0"/>
               <a:pPr/>
-              <a:t>‹#›</a:t>
+              <a:t>‹Nr.›</a:t>
             </a:fld>
             <a:endParaRPr lang="en-US" dirty="0"/>
           </a:p>
@@ -3185,7 +3197,7 @@
             <a:fld id="{2E1B1CB6-5C5C-443C-B788-F7ADFC29778E}" type="slidenum">
               <a:rPr lang="en-US" smtClean="0"/>
               <a:pPr/>
-              <a:t>‹#›</a:t>
+              <a:t>‹Nr.›</a:t>
             </a:fld>
             <a:endParaRPr lang="en-US" dirty="0"/>
           </a:p>
@@ -4435,7 +4447,7 @@
             <a:fld id="{2E1B1CB6-5C5C-443C-B788-F7ADFC29778E}" type="slidenum">
               <a:rPr lang="en-US" smtClean="0"/>
               <a:pPr/>
-              <a:t>‹#›</a:t>
+              <a:t>‹Nr.›</a:t>
             </a:fld>
             <a:endParaRPr lang="en-US" dirty="0"/>
           </a:p>
@@ -5267,7 +5279,7 @@
             <a:fld id="{2E1B1CB6-5C5C-443C-B788-F7ADFC29778E}" type="slidenum">
               <a:rPr lang="en-US" smtClean="0"/>
               <a:pPr/>
-              <a:t>‹#›</a:t>
+              <a:t>‹Nr.›</a:t>
             </a:fld>
             <a:endParaRPr lang="en-US" dirty="0"/>
           </a:p>
@@ -6099,7 +6111,7 @@
             <a:fld id="{2E1B1CB6-5C5C-443C-B788-F7ADFC29778E}" type="slidenum">
               <a:rPr lang="en-US" smtClean="0"/>
               <a:pPr/>
-              <a:t>‹#›</a:t>
+              <a:t>‹Nr.›</a:t>
             </a:fld>
             <a:endParaRPr lang="en-US" dirty="0"/>
           </a:p>
@@ -6876,7 +6888,7 @@
             <a:fld id="{2E1B1CB6-5C5C-443C-B788-F7ADFC29778E}" type="slidenum">
               <a:rPr lang="en-US" smtClean="0"/>
               <a:pPr/>
-              <a:t>‹#›</a:t>
+              <a:t>‹Nr.›</a:t>
             </a:fld>
             <a:endParaRPr lang="en-US" dirty="0"/>
           </a:p>
@@ -7205,7 +7217,7 @@
             <a:fld id="{2E1B1CB6-5C5C-443C-B788-F7ADFC29778E}" type="slidenum">
               <a:rPr lang="en-US" smtClean="0"/>
               <a:pPr/>
-              <a:t>‹#›</a:t>
+              <a:t>‹Nr.›</a:t>
             </a:fld>
             <a:endParaRPr lang="en-US" dirty="0"/>
           </a:p>
@@ -7321,7 +7333,7 @@
             <a:fld id="{2E1B1CB6-5C5C-443C-B788-F7ADFC29778E}" type="slidenum">
               <a:rPr lang="en-US" smtClean="0"/>
               <a:pPr/>
-              <a:t>‹#›</a:t>
+              <a:t>‹Nr.›</a:t>
             </a:fld>
             <a:endParaRPr lang="en-US" dirty="0"/>
           </a:p>
@@ -8108,7 +8120,7 @@
             <a:fld id="{2E1B1CB6-5C5C-443C-B788-F7ADFC29778E}" type="slidenum">
               <a:rPr lang="en-US" smtClean="0"/>
               <a:pPr/>
-              <a:t>‹#›</a:t>
+              <a:t>‹Nr.›</a:t>
             </a:fld>
             <a:endParaRPr lang="en-US" dirty="0"/>
           </a:p>
@@ -8299,7 +8311,7 @@
             <a:fld id="{2E1B1CB6-5C5C-443C-B788-F7ADFC29778E}" type="slidenum">
               <a:rPr lang="en-US" smtClean="0"/>
               <a:pPr/>
-              <a:t>‹#›</a:t>
+              <a:t>‹Nr.›</a:t>
             </a:fld>
             <a:endParaRPr lang="en-US" dirty="0"/>
           </a:p>
@@ -8497,7 +8509,7 @@
             <a:fld id="{2E1B1CB6-5C5C-443C-B788-F7ADFC29778E}" type="slidenum">
               <a:rPr lang="en-US" smtClean="0"/>
               <a:pPr/>
-              <a:t>‹#›</a:t>
+              <a:t>‹Nr.›</a:t>
             </a:fld>
             <a:endParaRPr lang="en-US" dirty="0"/>
           </a:p>
@@ -8817,7 +8829,7 @@
             <a:fld id="{2E1B1CB6-5C5C-443C-B788-F7ADFC29778E}" type="slidenum">
               <a:rPr lang="en-US" smtClean="0"/>
               <a:pPr/>
-              <a:t>‹#›</a:t>
+              <a:t>‹Nr.›</a:t>
             </a:fld>
             <a:endParaRPr lang="en-US" dirty="0"/>
           </a:p>
@@ -9160,7 +9172,7 @@
             <a:fld id="{2E1B1CB6-5C5C-443C-B788-F7ADFC29778E}" type="slidenum">
               <a:rPr lang="en-US" smtClean="0"/>
               <a:pPr/>
-              <a:t>‹#›</a:t>
+              <a:t>‹Nr.›</a:t>
             </a:fld>
             <a:endParaRPr lang="en-US" dirty="0"/>
           </a:p>
@@ -9411,7 +9423,7 @@
             <a:fld id="{2E1B1CB6-5C5C-443C-B788-F7ADFC29778E}" type="slidenum">
               <a:rPr lang="en-US" smtClean="0"/>
               <a:pPr/>
-              <a:t>‹#›</a:t>
+              <a:t>‹Nr.›</a:t>
             </a:fld>
             <a:endParaRPr lang="en-US" dirty="0"/>
           </a:p>
@@ -9821,6 +9833,965 @@
 </p:sld>
 </file>
 
+<file path=ppt/slides/slide10.xml><?xml version="1.0" encoding="utf-8"?>
+<p:sld xmlns:a="http://schemas.openxmlformats.org/drawingml/2006/main" xmlns:r="http://schemas.openxmlformats.org/officeDocument/2006/relationships" xmlns:p="http://schemas.openxmlformats.org/presentationml/2006/main">
+  <p:cSld>
+    <p:spTree>
+      <p:nvGrpSpPr>
+        <p:cNvPr id="1" name=""/>
+        <p:cNvGrpSpPr/>
+        <p:nvPr/>
+      </p:nvGrpSpPr>
+      <p:grpSpPr>
+        <a:xfrm>
+          <a:off x="0" y="0"/>
+          <a:ext cx="0" cy="0"/>
+          <a:chOff x="0" y="0"/>
+          <a:chExt cx="0" cy="0"/>
+        </a:xfrm>
+      </p:grpSpPr>
+      <p:sp>
+        <p:nvSpPr>
+          <p:cNvPr id="2" name="Titel 1">
+            <a:extLst>
+              <a:ext uri="{FF2B5EF4-FFF2-40B4-BE49-F238E27FC236}">
+                <a16:creationId xmlns:a16="http://schemas.microsoft.com/office/drawing/2014/main" id="{32F0DE53-32B6-489F-5E58-7ED5D87C9F4F}"/>
+              </a:ext>
+            </a:extLst>
+          </p:cNvPr>
+          <p:cNvSpPr>
+            <a:spLocks noGrp="1"/>
+          </p:cNvSpPr>
+          <p:nvPr>
+            <p:ph type="title"/>
+          </p:nvPr>
+        </p:nvSpPr>
+        <p:spPr/>
+        <p:txBody>
+          <a:bodyPr/>
+          <a:lstStyle/>
+          <a:p>
+            <a:r>
+              <a:rPr lang="en-US" dirty="0"/>
+              <a:t>Audio-Based retrieval</a:t>
+            </a:r>
+            <a:endParaRPr lang="de-DE" dirty="0"/>
+          </a:p>
+        </p:txBody>
+      </p:sp>
+      <p:sp>
+        <p:nvSpPr>
+          <p:cNvPr id="5" name="Textfeld 4">
+            <a:extLst>
+              <a:ext uri="{FF2B5EF4-FFF2-40B4-BE49-F238E27FC236}">
+                <a16:creationId xmlns:a16="http://schemas.microsoft.com/office/drawing/2014/main" id="{B16DE818-C580-8B26-6F96-BFA389235FF4}"/>
+              </a:ext>
+            </a:extLst>
+          </p:cNvPr>
+          <p:cNvSpPr txBox="1"/>
+          <p:nvPr/>
+        </p:nvSpPr>
+        <p:spPr>
+          <a:xfrm>
+            <a:off x="654341" y="1291905"/>
+            <a:ext cx="9714452" cy="2308324"/>
+          </a:xfrm>
+          <a:prstGeom prst="rect">
+            <a:avLst/>
+          </a:prstGeom>
+          <a:noFill/>
+        </p:spPr>
+        <p:txBody>
+          <a:bodyPr wrap="square" rtlCol="0">
+            <a:spAutoFit/>
+          </a:bodyPr>
+          <a:lstStyle/>
+          <a:p>
+            <a:r>
+              <a:rPr lang="en-US" dirty="0"/>
+              <a:t>We implemented the audio-based Systems with these combinations:</a:t>
+            </a:r>
+          </a:p>
+          <a:p>
+            <a:pPr marL="285750" indent="-285750">
+              <a:buFont typeface="Arial" panose="020B0604020202020204" pitchFamily="34" charset="0"/>
+              <a:buChar char="•"/>
+            </a:pPr>
+            <a:r>
+              <a:rPr lang="en-US" dirty="0"/>
+              <a:t>Cosine-Similarity, </a:t>
+            </a:r>
+            <a:r>
+              <a:rPr lang="en-US" dirty="0" err="1"/>
+              <a:t>mfcc</a:t>
+            </a:r>
+            <a:r>
+              <a:rPr lang="en-US" dirty="0"/>
+              <a:t> stats</a:t>
+            </a:r>
+          </a:p>
+          <a:p>
+            <a:pPr marL="285750" indent="-285750">
+              <a:buFont typeface="Arial" panose="020B0604020202020204" pitchFamily="34" charset="0"/>
+              <a:buChar char="•"/>
+            </a:pPr>
+            <a:r>
+              <a:rPr lang="en-US" dirty="0"/>
+              <a:t>Cosine-Similarity, </a:t>
+            </a:r>
+            <a:r>
+              <a:rPr lang="en-US" dirty="0" err="1"/>
+              <a:t>blf</a:t>
+            </a:r>
+            <a:r>
+              <a:rPr lang="en-US" dirty="0"/>
+              <a:t>-correlation</a:t>
+            </a:r>
+          </a:p>
+          <a:p>
+            <a:pPr marL="285750" indent="-285750">
+              <a:buFont typeface="Arial" panose="020B0604020202020204" pitchFamily="34" charset="0"/>
+              <a:buChar char="•"/>
+            </a:pPr>
+            <a:r>
+              <a:rPr lang="en-US" dirty="0"/>
+              <a:t>Cosine-Similarity, ivec256</a:t>
+            </a:r>
+          </a:p>
+          <a:p>
+            <a:pPr marL="285750" indent="-285750">
+              <a:buFont typeface="Arial" panose="020B0604020202020204" pitchFamily="34" charset="0"/>
+              <a:buChar char="•"/>
+            </a:pPr>
+            <a:r>
+              <a:rPr lang="en-US" dirty="0"/>
+              <a:t>Cosine-Similarity, </a:t>
+            </a:r>
+            <a:r>
+              <a:rPr lang="en-US" dirty="0" err="1"/>
+              <a:t>musicnn</a:t>
+            </a:r>
+            <a:endParaRPr lang="en-US" dirty="0"/>
+          </a:p>
+          <a:p>
+            <a:pPr marL="285750" indent="-285750">
+              <a:buFont typeface="Arial" panose="020B0604020202020204" pitchFamily="34" charset="0"/>
+              <a:buChar char="•"/>
+            </a:pPr>
+            <a:endParaRPr lang="en-US" dirty="0"/>
+          </a:p>
+          <a:p>
+            <a:endParaRPr lang="en-US" dirty="0"/>
+          </a:p>
+          <a:p>
+            <a:endParaRPr lang="de-DE" dirty="0"/>
+          </a:p>
+        </p:txBody>
+      </p:sp>
+    </p:spTree>
+    <p:extLst>
+      <p:ext uri="{BB962C8B-B14F-4D97-AF65-F5344CB8AC3E}">
+        <p14:creationId xmlns:p14="http://schemas.microsoft.com/office/powerpoint/2010/main" val="3998729122"/>
+      </p:ext>
+    </p:extLst>
+  </p:cSld>
+  <p:clrMapOvr>
+    <a:masterClrMapping/>
+  </p:clrMapOvr>
+</p:sld>
+</file>
+
+<file path=ppt/slides/slide11.xml><?xml version="1.0" encoding="utf-8"?>
+<p:sld xmlns:a="http://schemas.openxmlformats.org/drawingml/2006/main" xmlns:r="http://schemas.openxmlformats.org/officeDocument/2006/relationships" xmlns:p="http://schemas.openxmlformats.org/presentationml/2006/main">
+  <p:cSld>
+    <p:spTree>
+      <p:nvGrpSpPr>
+        <p:cNvPr id="1" name=""/>
+        <p:cNvGrpSpPr/>
+        <p:nvPr/>
+      </p:nvGrpSpPr>
+      <p:grpSpPr>
+        <a:xfrm>
+          <a:off x="0" y="0"/>
+          <a:ext cx="0" cy="0"/>
+          <a:chOff x="0" y="0"/>
+          <a:chExt cx="0" cy="0"/>
+        </a:xfrm>
+      </p:grpSpPr>
+      <p:sp>
+        <p:nvSpPr>
+          <p:cNvPr id="2" name="Titel 1">
+            <a:extLst>
+              <a:ext uri="{FF2B5EF4-FFF2-40B4-BE49-F238E27FC236}">
+                <a16:creationId xmlns:a16="http://schemas.microsoft.com/office/drawing/2014/main" id="{8B7BF0EC-DF59-68E6-BB43-F5342DC8FD1F}"/>
+              </a:ext>
+            </a:extLst>
+          </p:cNvPr>
+          <p:cNvSpPr>
+            <a:spLocks noGrp="1"/>
+          </p:cNvSpPr>
+          <p:nvPr>
+            <p:ph type="title"/>
+          </p:nvPr>
+        </p:nvSpPr>
+        <p:spPr/>
+        <p:txBody>
+          <a:bodyPr/>
+          <a:lstStyle/>
+          <a:p>
+            <a:r>
+              <a:rPr lang="en-US" dirty="0"/>
+              <a:t>Results of audio-based retrieval – Song 1</a:t>
+            </a:r>
+            <a:endParaRPr lang="de-DE" dirty="0"/>
+          </a:p>
+        </p:txBody>
+      </p:sp>
+    </p:spTree>
+    <p:extLst>
+      <p:ext uri="{BB962C8B-B14F-4D97-AF65-F5344CB8AC3E}">
+        <p14:creationId xmlns:p14="http://schemas.microsoft.com/office/powerpoint/2010/main" val="3972415538"/>
+      </p:ext>
+    </p:extLst>
+  </p:cSld>
+  <p:clrMapOvr>
+    <a:masterClrMapping/>
+  </p:clrMapOvr>
+</p:sld>
+</file>
+
+<file path=ppt/slides/slide12.xml><?xml version="1.0" encoding="utf-8"?>
+<p:sld xmlns:a="http://schemas.openxmlformats.org/drawingml/2006/main" xmlns:r="http://schemas.openxmlformats.org/officeDocument/2006/relationships" xmlns:p="http://schemas.openxmlformats.org/presentationml/2006/main">
+  <p:cSld>
+    <p:spTree>
+      <p:nvGrpSpPr>
+        <p:cNvPr id="1" name=""/>
+        <p:cNvGrpSpPr/>
+        <p:nvPr/>
+      </p:nvGrpSpPr>
+      <p:grpSpPr>
+        <a:xfrm>
+          <a:off x="0" y="0"/>
+          <a:ext cx="0" cy="0"/>
+          <a:chOff x="0" y="0"/>
+          <a:chExt cx="0" cy="0"/>
+        </a:xfrm>
+      </p:grpSpPr>
+      <p:sp>
+        <p:nvSpPr>
+          <p:cNvPr id="2" name="Titel 1">
+            <a:extLst>
+              <a:ext uri="{FF2B5EF4-FFF2-40B4-BE49-F238E27FC236}">
+                <a16:creationId xmlns:a16="http://schemas.microsoft.com/office/drawing/2014/main" id="{D4E26655-C4F8-5BBD-4964-7A947804CFDE}"/>
+              </a:ext>
+            </a:extLst>
+          </p:cNvPr>
+          <p:cNvSpPr>
+            <a:spLocks noGrp="1"/>
+          </p:cNvSpPr>
+          <p:nvPr>
+            <p:ph type="title"/>
+          </p:nvPr>
+        </p:nvSpPr>
+        <p:spPr/>
+        <p:txBody>
+          <a:bodyPr/>
+          <a:lstStyle/>
+          <a:p>
+            <a:r>
+              <a:rPr lang="en-US" dirty="0"/>
+              <a:t>Results of audio-based retrieval – Song 2</a:t>
+            </a:r>
+            <a:endParaRPr lang="de-DE" dirty="0"/>
+          </a:p>
+        </p:txBody>
+      </p:sp>
+    </p:spTree>
+    <p:extLst>
+      <p:ext uri="{BB962C8B-B14F-4D97-AF65-F5344CB8AC3E}">
+        <p14:creationId xmlns:p14="http://schemas.microsoft.com/office/powerpoint/2010/main" val="4096125886"/>
+      </p:ext>
+    </p:extLst>
+  </p:cSld>
+  <p:clrMapOvr>
+    <a:masterClrMapping/>
+  </p:clrMapOvr>
+</p:sld>
+</file>
+
+<file path=ppt/slides/slide13.xml><?xml version="1.0" encoding="utf-8"?>
+<p:sld xmlns:a="http://schemas.openxmlformats.org/drawingml/2006/main" xmlns:r="http://schemas.openxmlformats.org/officeDocument/2006/relationships" xmlns:p="http://schemas.openxmlformats.org/presentationml/2006/main">
+  <p:cSld>
+    <p:spTree>
+      <p:nvGrpSpPr>
+        <p:cNvPr id="1" name=""/>
+        <p:cNvGrpSpPr/>
+        <p:nvPr/>
+      </p:nvGrpSpPr>
+      <p:grpSpPr>
+        <a:xfrm>
+          <a:off x="0" y="0"/>
+          <a:ext cx="0" cy="0"/>
+          <a:chOff x="0" y="0"/>
+          <a:chExt cx="0" cy="0"/>
+        </a:xfrm>
+      </p:grpSpPr>
+      <p:sp>
+        <p:nvSpPr>
+          <p:cNvPr id="2" name="Titel 1">
+            <a:extLst>
+              <a:ext uri="{FF2B5EF4-FFF2-40B4-BE49-F238E27FC236}">
+                <a16:creationId xmlns:a16="http://schemas.microsoft.com/office/drawing/2014/main" id="{EB346DF2-6FE8-541B-0EF0-A581A6B14BB0}"/>
+              </a:ext>
+            </a:extLst>
+          </p:cNvPr>
+          <p:cNvSpPr>
+            <a:spLocks noGrp="1"/>
+          </p:cNvSpPr>
+          <p:nvPr>
+            <p:ph type="title"/>
+          </p:nvPr>
+        </p:nvSpPr>
+        <p:spPr/>
+        <p:txBody>
+          <a:bodyPr/>
+          <a:lstStyle/>
+          <a:p>
+            <a:r>
+              <a:rPr lang="en-US" dirty="0"/>
+              <a:t>Results of audio-based retrieval – Song 3</a:t>
+            </a:r>
+            <a:endParaRPr lang="de-DE" dirty="0"/>
+          </a:p>
+        </p:txBody>
+      </p:sp>
+    </p:spTree>
+    <p:extLst>
+      <p:ext uri="{BB962C8B-B14F-4D97-AF65-F5344CB8AC3E}">
+        <p14:creationId xmlns:p14="http://schemas.microsoft.com/office/powerpoint/2010/main" val="2139027893"/>
+      </p:ext>
+    </p:extLst>
+  </p:cSld>
+  <p:clrMapOvr>
+    <a:masterClrMapping/>
+  </p:clrMapOvr>
+</p:sld>
+</file>
+
+<file path=ppt/slides/slide14.xml><?xml version="1.0" encoding="utf-8"?>
+<p:sld xmlns:a="http://schemas.openxmlformats.org/drawingml/2006/main" xmlns:r="http://schemas.openxmlformats.org/officeDocument/2006/relationships" xmlns:p="http://schemas.openxmlformats.org/presentationml/2006/main">
+  <p:cSld>
+    <p:spTree>
+      <p:nvGrpSpPr>
+        <p:cNvPr id="1" name=""/>
+        <p:cNvGrpSpPr/>
+        <p:nvPr/>
+      </p:nvGrpSpPr>
+      <p:grpSpPr>
+        <a:xfrm>
+          <a:off x="0" y="0"/>
+          <a:ext cx="0" cy="0"/>
+          <a:chOff x="0" y="0"/>
+          <a:chExt cx="0" cy="0"/>
+        </a:xfrm>
+      </p:grpSpPr>
+      <p:sp>
+        <p:nvSpPr>
+          <p:cNvPr id="2" name="Titel 1">
+            <a:extLst>
+              <a:ext uri="{FF2B5EF4-FFF2-40B4-BE49-F238E27FC236}">
+                <a16:creationId xmlns:a16="http://schemas.microsoft.com/office/drawing/2014/main" id="{6D4341B5-A82F-41C2-AD24-79CC160CA9EA}"/>
+              </a:ext>
+            </a:extLst>
+          </p:cNvPr>
+          <p:cNvSpPr>
+            <a:spLocks noGrp="1"/>
+          </p:cNvSpPr>
+          <p:nvPr>
+            <p:ph type="title"/>
+          </p:nvPr>
+        </p:nvSpPr>
+        <p:spPr/>
+        <p:txBody>
+          <a:bodyPr/>
+          <a:lstStyle/>
+          <a:p>
+            <a:r>
+              <a:rPr lang="en-US" dirty="0"/>
+              <a:t>Video-Based retrieval</a:t>
+            </a:r>
+            <a:endParaRPr lang="de-DE" dirty="0"/>
+          </a:p>
+        </p:txBody>
+      </p:sp>
+      <p:sp>
+        <p:nvSpPr>
+          <p:cNvPr id="4" name="Textfeld 3">
+            <a:extLst>
+              <a:ext uri="{FF2B5EF4-FFF2-40B4-BE49-F238E27FC236}">
+                <a16:creationId xmlns:a16="http://schemas.microsoft.com/office/drawing/2014/main" id="{9493B9B3-B457-14CD-C6B6-6FD4A9900650}"/>
+              </a:ext>
+            </a:extLst>
+          </p:cNvPr>
+          <p:cNvSpPr txBox="1"/>
+          <p:nvPr/>
+        </p:nvSpPr>
+        <p:spPr>
+          <a:xfrm>
+            <a:off x="746620" y="1249960"/>
+            <a:ext cx="8800052" cy="646331"/>
+          </a:xfrm>
+          <a:prstGeom prst="rect">
+            <a:avLst/>
+          </a:prstGeom>
+          <a:noFill/>
+        </p:spPr>
+        <p:txBody>
+          <a:bodyPr wrap="square" rtlCol="0">
+            <a:spAutoFit/>
+          </a:bodyPr>
+          <a:lstStyle/>
+          <a:p>
+            <a:r>
+              <a:rPr lang="en-US" dirty="0"/>
+              <a:t>We implemented the video-based retrieval system with the following combination:</a:t>
+            </a:r>
+          </a:p>
+          <a:p>
+            <a:pPr marL="285750" indent="-285750">
+              <a:buFont typeface="Arial" panose="020B0604020202020204" pitchFamily="34" charset="0"/>
+              <a:buChar char="•"/>
+            </a:pPr>
+            <a:r>
+              <a:rPr lang="de-DE" dirty="0" err="1"/>
+              <a:t>Cosine-similarity</a:t>
+            </a:r>
+            <a:r>
+              <a:rPr lang="de-DE" dirty="0"/>
+              <a:t>, vgg19</a:t>
+            </a:r>
+          </a:p>
+        </p:txBody>
+      </p:sp>
+    </p:spTree>
+    <p:extLst>
+      <p:ext uri="{BB962C8B-B14F-4D97-AF65-F5344CB8AC3E}">
+        <p14:creationId xmlns:p14="http://schemas.microsoft.com/office/powerpoint/2010/main" val="398661476"/>
+      </p:ext>
+    </p:extLst>
+  </p:cSld>
+  <p:clrMapOvr>
+    <a:masterClrMapping/>
+  </p:clrMapOvr>
+</p:sld>
+</file>
+
+<file path=ppt/slides/slide15.xml><?xml version="1.0" encoding="utf-8"?>
+<p:sld xmlns:a="http://schemas.openxmlformats.org/drawingml/2006/main" xmlns:r="http://schemas.openxmlformats.org/officeDocument/2006/relationships" xmlns:p="http://schemas.openxmlformats.org/presentationml/2006/main">
+  <p:cSld>
+    <p:spTree>
+      <p:nvGrpSpPr>
+        <p:cNvPr id="1" name=""/>
+        <p:cNvGrpSpPr/>
+        <p:nvPr/>
+      </p:nvGrpSpPr>
+      <p:grpSpPr>
+        <a:xfrm>
+          <a:off x="0" y="0"/>
+          <a:ext cx="0" cy="0"/>
+          <a:chOff x="0" y="0"/>
+          <a:chExt cx="0" cy="0"/>
+        </a:xfrm>
+      </p:grpSpPr>
+      <p:sp>
+        <p:nvSpPr>
+          <p:cNvPr id="2" name="Titel 1">
+            <a:extLst>
+              <a:ext uri="{FF2B5EF4-FFF2-40B4-BE49-F238E27FC236}">
+                <a16:creationId xmlns:a16="http://schemas.microsoft.com/office/drawing/2014/main" id="{3B521158-3B94-7E69-3D6F-7FDA9EC34E0A}"/>
+              </a:ext>
+            </a:extLst>
+          </p:cNvPr>
+          <p:cNvSpPr>
+            <a:spLocks noGrp="1"/>
+          </p:cNvSpPr>
+          <p:nvPr>
+            <p:ph type="title"/>
+          </p:nvPr>
+        </p:nvSpPr>
+        <p:spPr/>
+        <p:txBody>
+          <a:bodyPr/>
+          <a:lstStyle/>
+          <a:p>
+            <a:r>
+              <a:rPr lang="en-US" dirty="0"/>
+              <a:t>Fusion techniques</a:t>
+            </a:r>
+            <a:endParaRPr lang="de-DE" dirty="0"/>
+          </a:p>
+        </p:txBody>
+      </p:sp>
+      <p:sp>
+        <p:nvSpPr>
+          <p:cNvPr id="3" name="Textfeld 2">
+            <a:extLst>
+              <a:ext uri="{FF2B5EF4-FFF2-40B4-BE49-F238E27FC236}">
+                <a16:creationId xmlns:a16="http://schemas.microsoft.com/office/drawing/2014/main" id="{4E5E5B36-A934-571B-3CC3-6DCA608D3580}"/>
+              </a:ext>
+            </a:extLst>
+          </p:cNvPr>
+          <p:cNvSpPr txBox="1"/>
+          <p:nvPr/>
+        </p:nvSpPr>
+        <p:spPr>
+          <a:xfrm>
+            <a:off x="687897" y="1098958"/>
+            <a:ext cx="10234569" cy="646331"/>
+          </a:xfrm>
+          <a:prstGeom prst="rect">
+            <a:avLst/>
+          </a:prstGeom>
+          <a:noFill/>
+        </p:spPr>
+        <p:txBody>
+          <a:bodyPr wrap="square" rtlCol="0">
+            <a:spAutoFit/>
+          </a:bodyPr>
+          <a:lstStyle/>
+          <a:p>
+            <a:r>
+              <a:rPr lang="en-US" dirty="0"/>
+              <a:t>Early fusion: </a:t>
+            </a:r>
+            <a:r>
+              <a:rPr lang="de-DE" dirty="0" err="1"/>
+              <a:t>vector</a:t>
+            </a:r>
+            <a:r>
+              <a:rPr lang="de-DE" dirty="0"/>
+              <a:t> </a:t>
+            </a:r>
+            <a:r>
+              <a:rPr lang="de-DE" dirty="0" err="1"/>
+              <a:t>concatenation</a:t>
+            </a:r>
+            <a:endParaRPr lang="en-US" dirty="0"/>
+          </a:p>
+          <a:p>
+            <a:endParaRPr lang="de-DE" dirty="0"/>
+          </a:p>
+        </p:txBody>
+      </p:sp>
+    </p:spTree>
+    <p:extLst>
+      <p:ext uri="{BB962C8B-B14F-4D97-AF65-F5344CB8AC3E}">
+        <p14:creationId xmlns:p14="http://schemas.microsoft.com/office/powerpoint/2010/main" val="3305103415"/>
+      </p:ext>
+    </p:extLst>
+  </p:cSld>
+  <p:clrMapOvr>
+    <a:masterClrMapping/>
+  </p:clrMapOvr>
+</p:sld>
+</file>
+
+<file path=ppt/slides/slide16.xml><?xml version="1.0" encoding="utf-8"?>
+<p:sld xmlns:a="http://schemas.openxmlformats.org/drawingml/2006/main" xmlns:r="http://schemas.openxmlformats.org/officeDocument/2006/relationships" xmlns:p="http://schemas.openxmlformats.org/presentationml/2006/main">
+  <p:cSld>
+    <p:spTree>
+      <p:nvGrpSpPr>
+        <p:cNvPr id="1" name=""/>
+        <p:cNvGrpSpPr/>
+        <p:nvPr/>
+      </p:nvGrpSpPr>
+      <p:grpSpPr>
+        <a:xfrm>
+          <a:off x="0" y="0"/>
+          <a:ext cx="0" cy="0"/>
+          <a:chOff x="0" y="0"/>
+          <a:chExt cx="0" cy="0"/>
+        </a:xfrm>
+      </p:grpSpPr>
+      <p:sp>
+        <p:nvSpPr>
+          <p:cNvPr id="2" name="Titel 1">
+            <a:extLst>
+              <a:ext uri="{FF2B5EF4-FFF2-40B4-BE49-F238E27FC236}">
+                <a16:creationId xmlns:a16="http://schemas.microsoft.com/office/drawing/2014/main" id="{C241610B-412C-B749-9083-652366B240CB}"/>
+              </a:ext>
+            </a:extLst>
+          </p:cNvPr>
+          <p:cNvSpPr>
+            <a:spLocks noGrp="1"/>
+          </p:cNvSpPr>
+          <p:nvPr>
+            <p:ph type="title"/>
+          </p:nvPr>
+        </p:nvSpPr>
+        <p:spPr/>
+        <p:txBody>
+          <a:bodyPr/>
+          <a:lstStyle/>
+          <a:p>
+            <a:r>
+              <a:rPr lang="en-US" dirty="0"/>
+              <a:t>Evaluation Results</a:t>
+            </a:r>
+            <a:endParaRPr lang="de-DE" dirty="0"/>
+          </a:p>
+        </p:txBody>
+      </p:sp>
+      <p:sp>
+        <p:nvSpPr>
+          <p:cNvPr id="3" name="Textfeld 2">
+            <a:extLst>
+              <a:ext uri="{FF2B5EF4-FFF2-40B4-BE49-F238E27FC236}">
+                <a16:creationId xmlns:a16="http://schemas.microsoft.com/office/drawing/2014/main" id="{5C936566-F12D-7973-6420-565C299B7CF2}"/>
+              </a:ext>
+            </a:extLst>
+          </p:cNvPr>
+          <p:cNvSpPr txBox="1"/>
+          <p:nvPr/>
+        </p:nvSpPr>
+        <p:spPr>
+          <a:xfrm>
+            <a:off x="713064" y="1224793"/>
+            <a:ext cx="10234569" cy="369332"/>
+          </a:xfrm>
+          <a:prstGeom prst="rect">
+            <a:avLst/>
+          </a:prstGeom>
+          <a:noFill/>
+        </p:spPr>
+        <p:txBody>
+          <a:bodyPr wrap="square" rtlCol="0">
+            <a:spAutoFit/>
+          </a:bodyPr>
+          <a:lstStyle/>
+          <a:p>
+            <a:r>
+              <a:rPr lang="en-US" dirty="0">
+                <a:solidFill>
+                  <a:srgbClr val="FF0000"/>
+                </a:solidFill>
+              </a:rPr>
+              <a:t>Todo: Insert Result Table</a:t>
+            </a:r>
+            <a:endParaRPr lang="de-DE" dirty="0">
+              <a:solidFill>
+                <a:srgbClr val="FF0000"/>
+              </a:solidFill>
+            </a:endParaRPr>
+          </a:p>
+        </p:txBody>
+      </p:sp>
+    </p:spTree>
+    <p:extLst>
+      <p:ext uri="{BB962C8B-B14F-4D97-AF65-F5344CB8AC3E}">
+        <p14:creationId xmlns:p14="http://schemas.microsoft.com/office/powerpoint/2010/main" val="3755887141"/>
+      </p:ext>
+    </p:extLst>
+  </p:cSld>
+  <p:clrMapOvr>
+    <a:masterClrMapping/>
+  </p:clrMapOvr>
+</p:sld>
+</file>
+
+<file path=ppt/slides/slide17.xml><?xml version="1.0" encoding="utf-8"?>
+<p:sld xmlns:a="http://schemas.openxmlformats.org/drawingml/2006/main" xmlns:r="http://schemas.openxmlformats.org/officeDocument/2006/relationships" xmlns:p="http://schemas.openxmlformats.org/presentationml/2006/main">
+  <p:cSld>
+    <p:spTree>
+      <p:nvGrpSpPr>
+        <p:cNvPr id="1" name=""/>
+        <p:cNvGrpSpPr/>
+        <p:nvPr/>
+      </p:nvGrpSpPr>
+      <p:grpSpPr>
+        <a:xfrm>
+          <a:off x="0" y="0"/>
+          <a:ext cx="0" cy="0"/>
+          <a:chOff x="0" y="0"/>
+          <a:chExt cx="0" cy="0"/>
+        </a:xfrm>
+      </p:grpSpPr>
+      <p:sp>
+        <p:nvSpPr>
+          <p:cNvPr id="2" name="Titel 1">
+            <a:extLst>
+              <a:ext uri="{FF2B5EF4-FFF2-40B4-BE49-F238E27FC236}">
+                <a16:creationId xmlns:a16="http://schemas.microsoft.com/office/drawing/2014/main" id="{90EB35A3-17F6-0FD0-3FB7-82CB903C52CA}"/>
+              </a:ext>
+            </a:extLst>
+          </p:cNvPr>
+          <p:cNvSpPr>
+            <a:spLocks noGrp="1"/>
+          </p:cNvSpPr>
+          <p:nvPr>
+            <p:ph type="title"/>
+          </p:nvPr>
+        </p:nvSpPr>
+        <p:spPr/>
+        <p:txBody>
+          <a:bodyPr/>
+          <a:lstStyle/>
+          <a:p>
+            <a:r>
+              <a:rPr lang="en-US" dirty="0"/>
+              <a:t>Evaluation Results</a:t>
+            </a:r>
+            <a:endParaRPr lang="de-DE" dirty="0"/>
+          </a:p>
+        </p:txBody>
+      </p:sp>
+      <p:sp>
+        <p:nvSpPr>
+          <p:cNvPr id="3" name="Inhaltsplatzhalter 2">
+            <a:extLst>
+              <a:ext uri="{FF2B5EF4-FFF2-40B4-BE49-F238E27FC236}">
+                <a16:creationId xmlns:a16="http://schemas.microsoft.com/office/drawing/2014/main" id="{5BDD9C99-70A5-0D9A-CA61-214AF9643496}"/>
+              </a:ext>
+            </a:extLst>
+          </p:cNvPr>
+          <p:cNvSpPr>
+            <a:spLocks noGrp="1"/>
+          </p:cNvSpPr>
+          <p:nvPr>
+            <p:ph idx="1"/>
+          </p:nvPr>
+        </p:nvSpPr>
+        <p:spPr/>
+        <p:txBody>
+          <a:bodyPr/>
+          <a:lstStyle/>
+          <a:p>
+            <a:pPr marL="0" indent="0">
+              <a:buNone/>
+            </a:pPr>
+            <a:r>
+              <a:rPr lang="en-US" dirty="0"/>
+              <a:t>Comparing the performance of all implemented Systems</a:t>
+            </a:r>
+          </a:p>
+          <a:p>
+            <a:pPr marL="0" indent="0">
+              <a:buNone/>
+            </a:pPr>
+            <a:r>
+              <a:rPr lang="en-US" b="1" dirty="0"/>
+              <a:t>best avg. Precision: </a:t>
+            </a:r>
+            <a:r>
+              <a:rPr lang="en-US" sz="1600" dirty="0"/>
+              <a:t>Audio-based retrieval System using cosine similarity and </a:t>
+            </a:r>
+            <a:r>
+              <a:rPr lang="en-US" sz="1600" dirty="0" err="1"/>
+              <a:t>musicnn</a:t>
+            </a:r>
+            <a:r>
+              <a:rPr lang="en-US" sz="1600" dirty="0"/>
+              <a:t> representation</a:t>
+            </a:r>
+          </a:p>
+          <a:p>
+            <a:pPr marL="0" indent="0">
+              <a:buNone/>
+            </a:pPr>
+            <a:r>
+              <a:rPr lang="en-US" b="1" dirty="0"/>
+              <a:t>best avg. Recall: </a:t>
+            </a:r>
+            <a:r>
+              <a:rPr lang="en-US" sz="1600" dirty="0"/>
+              <a:t>Audio-based retrieval System using cosine similarity and </a:t>
+            </a:r>
+            <a:r>
+              <a:rPr lang="en-US" sz="1600" dirty="0" err="1"/>
+              <a:t>musicnn</a:t>
+            </a:r>
+            <a:r>
+              <a:rPr lang="en-US" sz="1600" dirty="0"/>
+              <a:t> representation</a:t>
+            </a:r>
+          </a:p>
+          <a:p>
+            <a:pPr marL="0" indent="0">
+              <a:buNone/>
+            </a:pPr>
+            <a:endParaRPr lang="en-US" sz="1600" dirty="0"/>
+          </a:p>
+          <a:p>
+            <a:pPr marL="0" indent="0">
+              <a:buNone/>
+            </a:pPr>
+            <a:r>
+              <a:rPr lang="en-US" sz="1600" dirty="0"/>
+              <a:t>We expected one of the Audio-based functions to perform the best because the precision and recall is measured according to similar genres, and songs with similar lyrics can belong to different genres, the same goes for video-based retrieval. </a:t>
+            </a:r>
+          </a:p>
+          <a:p>
+            <a:pPr marL="0" indent="0">
+              <a:buNone/>
+            </a:pPr>
+            <a:endParaRPr lang="en-US" dirty="0"/>
+          </a:p>
+          <a:p>
+            <a:pPr marL="0" indent="0">
+              <a:buNone/>
+            </a:pPr>
+            <a:endParaRPr lang="en-US" dirty="0"/>
+          </a:p>
+        </p:txBody>
+      </p:sp>
+      <p:sp>
+        <p:nvSpPr>
+          <p:cNvPr id="4" name="Textplatzhalter 3">
+            <a:extLst>
+              <a:ext uri="{FF2B5EF4-FFF2-40B4-BE49-F238E27FC236}">
+                <a16:creationId xmlns:a16="http://schemas.microsoft.com/office/drawing/2014/main" id="{C17CA012-75C9-01C5-F31A-B83B5A7323D5}"/>
+              </a:ext>
+            </a:extLst>
+          </p:cNvPr>
+          <p:cNvSpPr>
+            <a:spLocks noGrp="1"/>
+          </p:cNvSpPr>
+          <p:nvPr>
+            <p:ph type="body" sz="quarter" idx="25"/>
+          </p:nvPr>
+        </p:nvSpPr>
+        <p:spPr/>
+        <p:txBody>
+          <a:bodyPr/>
+          <a:lstStyle/>
+          <a:p>
+            <a:endParaRPr lang="de-DE"/>
+          </a:p>
+        </p:txBody>
+      </p:sp>
+    </p:spTree>
+    <p:extLst>
+      <p:ext uri="{BB962C8B-B14F-4D97-AF65-F5344CB8AC3E}">
+        <p14:creationId xmlns:p14="http://schemas.microsoft.com/office/powerpoint/2010/main" val="2141891068"/>
+      </p:ext>
+    </p:extLst>
+  </p:cSld>
+  <p:clrMapOvr>
+    <a:masterClrMapping/>
+  </p:clrMapOvr>
+</p:sld>
+</file>
+
+<file path=ppt/slides/slide18.xml><?xml version="1.0" encoding="utf-8"?>
+<p:sld xmlns:a="http://schemas.openxmlformats.org/drawingml/2006/main" xmlns:r="http://schemas.openxmlformats.org/officeDocument/2006/relationships" xmlns:p="http://schemas.openxmlformats.org/presentationml/2006/main">
+  <p:cSld>
+    <p:spTree>
+      <p:nvGrpSpPr>
+        <p:cNvPr id="1" name=""/>
+        <p:cNvGrpSpPr/>
+        <p:nvPr/>
+      </p:nvGrpSpPr>
+      <p:grpSpPr>
+        <a:xfrm>
+          <a:off x="0" y="0"/>
+          <a:ext cx="0" cy="0"/>
+          <a:chOff x="0" y="0"/>
+          <a:chExt cx="0" cy="0"/>
+        </a:xfrm>
+      </p:grpSpPr>
+      <p:sp>
+        <p:nvSpPr>
+          <p:cNvPr id="2" name="Titel 1">
+            <a:extLst>
+              <a:ext uri="{FF2B5EF4-FFF2-40B4-BE49-F238E27FC236}">
+                <a16:creationId xmlns:a16="http://schemas.microsoft.com/office/drawing/2014/main" id="{6AF9FAF5-49BB-6BEF-9BCD-D95C705B277E}"/>
+              </a:ext>
+            </a:extLst>
+          </p:cNvPr>
+          <p:cNvSpPr>
+            <a:spLocks noGrp="1"/>
+          </p:cNvSpPr>
+          <p:nvPr>
+            <p:ph type="title"/>
+          </p:nvPr>
+        </p:nvSpPr>
+        <p:spPr/>
+        <p:txBody>
+          <a:bodyPr/>
+          <a:lstStyle/>
+          <a:p>
+            <a:r>
+              <a:rPr lang="en-US" dirty="0"/>
+              <a:t>References</a:t>
+            </a:r>
+            <a:endParaRPr lang="de-DE" dirty="0"/>
+          </a:p>
+        </p:txBody>
+      </p:sp>
+      <p:sp>
+        <p:nvSpPr>
+          <p:cNvPr id="3" name="Inhaltsplatzhalter 2">
+            <a:extLst>
+              <a:ext uri="{FF2B5EF4-FFF2-40B4-BE49-F238E27FC236}">
+                <a16:creationId xmlns:a16="http://schemas.microsoft.com/office/drawing/2014/main" id="{3664154C-EE0A-3F4B-13B6-2A712E8EC16E}"/>
+              </a:ext>
+            </a:extLst>
+          </p:cNvPr>
+          <p:cNvSpPr>
+            <a:spLocks noGrp="1"/>
+          </p:cNvSpPr>
+          <p:nvPr>
+            <p:ph idx="1"/>
+          </p:nvPr>
+        </p:nvSpPr>
+        <p:spPr/>
+        <p:txBody>
+          <a:bodyPr/>
+          <a:lstStyle/>
+          <a:p>
+            <a:endParaRPr lang="de-DE" dirty="0"/>
+          </a:p>
+        </p:txBody>
+      </p:sp>
+      <p:sp>
+        <p:nvSpPr>
+          <p:cNvPr id="4" name="Textplatzhalter 3">
+            <a:extLst>
+              <a:ext uri="{FF2B5EF4-FFF2-40B4-BE49-F238E27FC236}">
+                <a16:creationId xmlns:a16="http://schemas.microsoft.com/office/drawing/2014/main" id="{63DC6573-EA01-55C3-3D0F-D9B9B3EEC8B9}"/>
+              </a:ext>
+            </a:extLst>
+          </p:cNvPr>
+          <p:cNvSpPr>
+            <a:spLocks noGrp="1"/>
+          </p:cNvSpPr>
+          <p:nvPr>
+            <p:ph type="body" sz="quarter" idx="25"/>
+          </p:nvPr>
+        </p:nvSpPr>
+        <p:spPr/>
+        <p:txBody>
+          <a:bodyPr/>
+          <a:lstStyle/>
+          <a:p>
+            <a:endParaRPr lang="de-DE"/>
+          </a:p>
+        </p:txBody>
+      </p:sp>
+    </p:spTree>
+    <p:extLst>
+      <p:ext uri="{BB962C8B-B14F-4D97-AF65-F5344CB8AC3E}">
+        <p14:creationId xmlns:p14="http://schemas.microsoft.com/office/powerpoint/2010/main" val="1209405145"/>
+      </p:ext>
+    </p:extLst>
+  </p:cSld>
+  <p:clrMapOvr>
+    <a:masterClrMapping/>
+  </p:clrMapOvr>
+</p:sld>
+</file>
+
 <file path=ppt/slides/slide2.xml><?xml version="1.0" encoding="utf-8"?>
 <p:sld xmlns:a="http://schemas.openxmlformats.org/drawingml/2006/main" xmlns:r="http://schemas.openxmlformats.org/officeDocument/2006/relationships" xmlns:p="http://schemas.openxmlformats.org/presentationml/2006/main">
   <p:cSld>
@@ -9974,10 +10945,10 @@
       </p:grpSpPr>
       <p:sp>
         <p:nvSpPr>
-          <p:cNvPr id="2" name="Titel 1">
+          <p:cNvPr id="2" name="Title 1">
             <a:extLst>
               <a:ext uri="{FF2B5EF4-FFF2-40B4-BE49-F238E27FC236}">
-                <a16:creationId xmlns:a16="http://schemas.microsoft.com/office/drawing/2014/main" id="{D6B20E14-A556-F922-635D-02677BBE4B2B}"/>
+                <a16:creationId xmlns:a16="http://schemas.microsoft.com/office/drawing/2014/main" id="{415411B4-3D50-D850-8064-D3EC3AD1ABAB}"/>
               </a:ext>
             </a:extLst>
           </p:cNvPr>
@@ -9988,25 +10959,49 @@
             <p:ph type="title"/>
           </p:nvPr>
         </p:nvSpPr>
-        <p:spPr/>
+        <p:spPr>
+          <a:xfrm>
+            <a:off x="486000" y="575999"/>
+            <a:ext cx="11124000" cy="5102112"/>
+          </a:xfrm>
+        </p:spPr>
         <p:txBody>
           <a:bodyPr/>
           <a:lstStyle/>
           <a:p>
             <a:r>
-              <a:rPr lang="de-DE" dirty="0" err="1"/>
-              <a:t>Methodology</a:t>
-            </a:r>
-            <a:endParaRPr lang="de-DE" dirty="0"/>
-          </a:p>
-        </p:txBody>
-      </p:sp>
-      <p:sp>
-        <p:nvSpPr>
-          <p:cNvPr id="3" name="Textfeld 2">
+              <a:rPr lang="de-AT" dirty="0" err="1"/>
+              <a:t>Overview</a:t>
+            </a:r>
+            <a:r>
+              <a:rPr lang="de-AT" dirty="0"/>
+              <a:t> </a:t>
+            </a:r>
+            <a:r>
+              <a:rPr lang="de-AT" dirty="0" err="1"/>
+              <a:t>of</a:t>
+            </a:r>
+            <a:r>
+              <a:rPr lang="de-AT" dirty="0"/>
+              <a:t> </a:t>
+            </a:r>
+            <a:r>
+              <a:rPr lang="de-AT" dirty="0" err="1"/>
+              <a:t>the</a:t>
+            </a:r>
+            <a:r>
+              <a:rPr lang="de-AT" dirty="0"/>
+              <a:t> Project</a:t>
+            </a:r>
+          </a:p>
+        </p:txBody>
+      </p:sp>
+      <p:sp>
+        <p:nvSpPr>
+          <p:cNvPr id="4" name="Textfeld 3">
             <a:extLst>
               <a:ext uri="{FF2B5EF4-FFF2-40B4-BE49-F238E27FC236}">
-                <a16:creationId xmlns:a16="http://schemas.microsoft.com/office/drawing/2014/main" id="{0BB60B8B-8AAC-8739-C45E-A853EEA99425}"/>
+                <a16:creationId xmlns:a16="http://schemas.microsoft.com/office/drawing/2014/main" id="{EE6F4858-484B-D3D5-62E0-09EF7B10BA6C}"/>
               </a:ext>
             </a:extLst>
           </p:cNvPr>
@@ -10015,8 +11010,8 @@
         </p:nvSpPr>
         <p:spPr>
           <a:xfrm>
-            <a:off x="766119" y="1268627"/>
-            <a:ext cx="10659762" cy="1200329"/>
+            <a:off x="582000" y="1179889"/>
+            <a:ext cx="10284903" cy="3416320"/>
           </a:xfrm>
           <a:prstGeom prst="rect">
             <a:avLst/>
@@ -10035,7 +11030,7 @@
             </a:pPr>
             <a:r>
               <a:rPr lang="en-US" dirty="0"/>
-              <a:t>Cosine-Similarity</a:t>
+              <a:t>Implementation of 11 retrieval system using text-based, audio-based, video-based and combined features</a:t>
             </a:r>
           </a:p>
           <a:p>
@@ -10044,10 +11039,9 @@
               <a:buChar char="•"/>
             </a:pPr>
             <a:r>
-              <a:rPr lang="en-US" dirty="0" err="1"/>
-              <a:t>Shannons´Entropy</a:t>
-            </a:r>
-            <a:endParaRPr lang="en-US" dirty="0"/>
+              <a:rPr lang="en-US" dirty="0"/>
+              <a:t>Analysis of the retrieved results</a:t>
+            </a:r>
           </a:p>
           <a:p>
             <a:pPr marL="285750" indent="-285750">
@@ -10056,38 +11050,83 @@
             </a:pPr>
             <a:r>
               <a:rPr lang="en-US" dirty="0"/>
-              <a:t>Data fusion</a:t>
-            </a:r>
-          </a:p>
-          <a:p>
-            <a:pPr marL="742950" lvl="1" indent="-285750">
+              <a:t>Evaluation of the results calculating these 5 metrics over all possible query tracks (k = 10)</a:t>
+            </a:r>
+          </a:p>
+          <a:p>
+            <a:pPr marL="800100" lvl="1" indent="-342900">
+              <a:buFont typeface="Courier New" panose="02070309020205020404" pitchFamily="49" charset="0"/>
+              <a:buChar char="o"/>
+            </a:pPr>
+            <a:r>
+              <a:rPr lang="en-US" dirty="0"/>
+              <a:t>avg. precision</a:t>
+            </a:r>
+          </a:p>
+          <a:p>
+            <a:pPr marL="800100" lvl="1" indent="-342900">
+              <a:buFont typeface="Courier New" panose="02070309020205020404" pitchFamily="49" charset="0"/>
+              <a:buChar char="o"/>
+            </a:pPr>
+            <a:r>
+              <a:rPr lang="en-US" dirty="0"/>
+              <a:t>avg. recall</a:t>
+            </a:r>
+          </a:p>
+          <a:p>
+            <a:pPr marL="800100" lvl="1" indent="-342900">
+              <a:buFont typeface="Courier New" panose="02070309020205020404" pitchFamily="49" charset="0"/>
+              <a:buChar char="o"/>
+            </a:pPr>
+            <a:r>
+              <a:rPr lang="en-US" dirty="0"/>
+              <a:t>genre diversity</a:t>
+            </a:r>
+          </a:p>
+          <a:p>
+            <a:pPr marL="800100" lvl="1" indent="-342900">
+              <a:buFont typeface="Courier New" panose="02070309020205020404" pitchFamily="49" charset="0"/>
+              <a:buChar char="o"/>
+            </a:pPr>
+            <a:r>
+              <a:rPr lang="en-US" dirty="0"/>
+              <a:t>genre coverage</a:t>
+            </a:r>
+          </a:p>
+          <a:p>
+            <a:pPr marL="800100" lvl="1" indent="-342900">
+              <a:buFont typeface="Courier New" panose="02070309020205020404" pitchFamily="49" charset="0"/>
+              <a:buChar char="o"/>
+            </a:pPr>
+            <a:r>
+              <a:rPr lang="en-US" dirty="0" err="1"/>
+              <a:t>Ndcg</a:t>
+            </a:r>
+            <a:endParaRPr lang="en-US" dirty="0"/>
+          </a:p>
+          <a:p>
+            <a:pPr marL="285750" indent="-285750">
               <a:buFont typeface="Arial" panose="020B0604020202020204" pitchFamily="34" charset="0"/>
               <a:buChar char="•"/>
             </a:pPr>
             <a:r>
               <a:rPr lang="en-US" dirty="0"/>
-              <a:t>Early fusion: </a:t>
-            </a:r>
-            <a:r>
-              <a:rPr lang="de-DE" dirty="0" err="1"/>
-              <a:t>vector</a:t>
-            </a:r>
-            <a:r>
-              <a:rPr lang="de-DE" dirty="0"/>
-              <a:t> </a:t>
-            </a:r>
-            <a:r>
-              <a:rPr lang="de-DE" dirty="0" err="1"/>
-              <a:t>concatenation</a:t>
-            </a:r>
+              <a:t>Implementing a user-interface</a:t>
+            </a:r>
+          </a:p>
+          <a:p>
+            <a:pPr lvl="1"/>
             <a:endParaRPr lang="en-US" dirty="0"/>
+          </a:p>
+          <a:p>
+            <a:endParaRPr lang="de-DE" dirty="0"/>
           </a:p>
         </p:txBody>
       </p:sp>
     </p:spTree>
     <p:extLst>
       <p:ext uri="{BB962C8B-B14F-4D97-AF65-F5344CB8AC3E}">
-        <p14:creationId xmlns:p14="http://schemas.microsoft.com/office/powerpoint/2010/main" val="665205813"/>
+        <p14:creationId xmlns:p14="http://schemas.microsoft.com/office/powerpoint/2010/main" val="3898637422"/>
       </p:ext>
     </p:extLst>
   </p:cSld>
@@ -10143,9 +11182,170 @@
               <a:rPr lang="de-AT" dirty="0"/>
               <a:t> </a:t>
             </a:r>
-          </a:p>
-        </p:txBody>
-      </p:sp>
+            <a:r>
+              <a:rPr lang="de-AT" dirty="0" err="1"/>
+              <a:t>functions</a:t>
+            </a:r>
+            <a:endParaRPr lang="de-AT" dirty="0"/>
+          </a:p>
+        </p:txBody>
+      </p:sp>
+      <p:sp>
+        <p:nvSpPr>
+          <p:cNvPr id="4" name="Textfeld 3">
+            <a:extLst>
+              <a:ext uri="{FF2B5EF4-FFF2-40B4-BE49-F238E27FC236}">
+                <a16:creationId xmlns:a16="http://schemas.microsoft.com/office/drawing/2014/main" id="{EE6F4858-484B-D3D5-62E0-09EF7B10BA6C}"/>
+              </a:ext>
+            </a:extLst>
+          </p:cNvPr>
+          <p:cNvSpPr txBox="1"/>
+          <p:nvPr/>
+        </p:nvSpPr>
+        <p:spPr>
+          <a:xfrm>
+            <a:off x="582000" y="1179889"/>
+            <a:ext cx="10284903" cy="4247317"/>
+          </a:xfrm>
+          <a:prstGeom prst="rect">
+            <a:avLst/>
+          </a:prstGeom>
+          <a:noFill/>
+        </p:spPr>
+        <p:txBody>
+          <a:bodyPr wrap="square" rtlCol="0">
+            <a:spAutoFit/>
+          </a:bodyPr>
+          <a:lstStyle/>
+          <a:p>
+            <a:r>
+              <a:rPr lang="en-US" dirty="0"/>
+              <a:t>We implemented 2 functions to calculate the similarity of the songs, for our project we ended up using cosine-similarity for all retrieval systems.</a:t>
+            </a:r>
+          </a:p>
+          <a:p>
+            <a:endParaRPr lang="en-US" dirty="0"/>
+          </a:p>
+          <a:p>
+            <a:r>
+              <a:rPr lang="en-US" dirty="0"/>
+              <a:t>Cosine-similarity:</a:t>
+            </a:r>
+          </a:p>
+          <a:p>
+            <a:pPr marL="285750" indent="-285750">
+              <a:buFont typeface="Arial" panose="020B0604020202020204" pitchFamily="34" charset="0"/>
+              <a:buChar char="•"/>
+            </a:pPr>
+            <a:r>
+              <a:rPr lang="en-US" dirty="0"/>
+              <a:t>well known similarity measure</a:t>
+            </a:r>
+          </a:p>
+          <a:p>
+            <a:pPr marL="285750" indent="-285750">
+              <a:buFont typeface="Arial" panose="020B0604020202020204" pitchFamily="34" charset="0"/>
+              <a:buChar char="•"/>
+            </a:pPr>
+            <a:r>
+              <a:rPr lang="en-US" dirty="0"/>
+              <a:t>ignores document length</a:t>
+            </a:r>
+          </a:p>
+          <a:p>
+            <a:pPr marL="285750" indent="-285750">
+              <a:buFont typeface="Arial" panose="020B0604020202020204" pitchFamily="34" charset="0"/>
+              <a:buChar char="•"/>
+            </a:pPr>
+            <a:r>
+              <a:rPr lang="en-US" dirty="0"/>
+              <a:t>Is often used in text-based analysis</a:t>
+            </a:r>
+          </a:p>
+          <a:p>
+            <a:pPr marL="285750" indent="-285750">
+              <a:buFont typeface="Arial" panose="020B0604020202020204" pitchFamily="34" charset="0"/>
+              <a:buChar char="•"/>
+            </a:pPr>
+            <a:r>
+              <a:rPr lang="en-US" dirty="0"/>
+              <a:t>similarity between two vectors of an inner product space</a:t>
+            </a:r>
+          </a:p>
+          <a:p>
+            <a:pPr marL="285750" indent="-285750">
+              <a:buFont typeface="Arial" panose="020B0604020202020204" pitchFamily="34" charset="0"/>
+              <a:buChar char="•"/>
+            </a:pPr>
+            <a:r>
+              <a:rPr lang="en-US" dirty="0"/>
+              <a:t>Cosine similarity matrix</a:t>
+            </a:r>
+          </a:p>
+          <a:p>
+            <a:r>
+              <a:rPr lang="en-US" dirty="0"/>
+              <a:t>	</a:t>
+            </a:r>
+          </a:p>
+          <a:p>
+            <a:r>
+              <a:rPr lang="en-US" dirty="0"/>
+              <a:t>Euclidean Distance:</a:t>
+            </a:r>
+          </a:p>
+          <a:p>
+            <a:pPr marL="285750" indent="-285750">
+              <a:buFont typeface="Arial" panose="020B0604020202020204" pitchFamily="34" charset="0"/>
+              <a:buChar char="•"/>
+            </a:pPr>
+            <a:endParaRPr lang="en-US" dirty="0"/>
+          </a:p>
+          <a:p>
+            <a:pPr marL="285750" indent="-285750">
+              <a:buFont typeface="Arial" panose="020B0604020202020204" pitchFamily="34" charset="0"/>
+              <a:buChar char="•"/>
+            </a:pPr>
+            <a:endParaRPr lang="en-US" dirty="0"/>
+          </a:p>
+          <a:p>
+            <a:endParaRPr lang="en-US" dirty="0"/>
+          </a:p>
+          <a:p>
+            <a:endParaRPr lang="de-DE" dirty="0"/>
+          </a:p>
+        </p:txBody>
+      </p:sp>
+      <p:pic>
+        <p:nvPicPr>
+          <p:cNvPr id="6" name="Grafik 5">
+            <a:extLst>
+              <a:ext uri="{FF2B5EF4-FFF2-40B4-BE49-F238E27FC236}">
+                <a16:creationId xmlns:a16="http://schemas.microsoft.com/office/drawing/2014/main" id="{331A2619-1EBF-A5B6-2C01-F539A8A76598}"/>
+              </a:ext>
+            </a:extLst>
+          </p:cNvPr>
+          <p:cNvPicPr>
+            <a:picLocks noChangeAspect="1"/>
+          </p:cNvPicPr>
+          <p:nvPr/>
+        </p:nvPicPr>
+        <p:blipFill>
+          <a:blip r:embed="rId2"/>
+          <a:stretch>
+            <a:fillRect/>
+          </a:stretch>
+        </p:blipFill>
+        <p:spPr>
+          <a:xfrm>
+            <a:off x="7315201" y="2456099"/>
+            <a:ext cx="2885814" cy="1040503"/>
+          </a:xfrm>
+          <a:prstGeom prst="rect">
+            <a:avLst/>
+          </a:prstGeom>
+        </p:spPr>
+      </p:pic>
     </p:spTree>
     <p:extLst>
       <p:ext uri="{BB962C8B-B14F-4D97-AF65-F5344CB8AC3E}">
@@ -10178,10 +11378,10 @@
       </p:grpSpPr>
       <p:sp>
         <p:nvSpPr>
-          <p:cNvPr id="2" name="Title 1">
+          <p:cNvPr id="2" name="Titel 1">
             <a:extLst>
               <a:ext uri="{FF2B5EF4-FFF2-40B4-BE49-F238E27FC236}">
-                <a16:creationId xmlns:a16="http://schemas.microsoft.com/office/drawing/2014/main" id="{7C792357-14D6-9055-562B-F9F2675BBE3F}"/>
+                <a16:creationId xmlns:a16="http://schemas.microsoft.com/office/drawing/2014/main" id="{82CDAFBC-BC55-518D-CF2B-C2DC9140B3CB}"/>
               </a:ext>
             </a:extLst>
           </p:cNvPr>
@@ -10192,44 +11392,25 @@
             <p:ph type="title"/>
           </p:nvPr>
         </p:nvSpPr>
-        <p:spPr>
-          <a:xfrm>
-            <a:off x="486000" y="575999"/>
-            <a:ext cx="11124000" cy="5576226"/>
-          </a:xfrm>
-        </p:spPr>
+        <p:spPr/>
         <p:txBody>
           <a:bodyPr/>
           <a:lstStyle/>
           <a:p>
             <a:r>
-              <a:rPr lang="de-AT" dirty="0"/>
-              <a:t>Choice </a:t>
-            </a:r>
-            <a:r>
-              <a:rPr lang="de-AT" dirty="0" err="1"/>
-              <a:t>of</a:t>
-            </a:r>
-            <a:r>
-              <a:rPr lang="de-AT" dirty="0"/>
-              <a:t> Features</a:t>
-            </a:r>
-            <a:br>
-              <a:rPr lang="de-AT" dirty="0"/>
-            </a:br>
-            <a:br>
-              <a:rPr lang="de-AT" dirty="0"/>
-            </a:br>
-            <a:endParaRPr lang="de-AT" dirty="0"/>
-          </a:p>
-        </p:txBody>
-      </p:sp>
-      <p:sp>
-        <p:nvSpPr>
-          <p:cNvPr id="3" name="TextBox 2">
+              <a:rPr lang="en-US" dirty="0"/>
+              <a:t>Cosine Similarity Matrix</a:t>
+            </a:r>
+            <a:endParaRPr lang="de-DE" dirty="0"/>
+          </a:p>
+        </p:txBody>
+      </p:sp>
+      <p:sp>
+        <p:nvSpPr>
+          <p:cNvPr id="3" name="Textfeld 2">
             <a:extLst>
               <a:ext uri="{FF2B5EF4-FFF2-40B4-BE49-F238E27FC236}">
-                <a16:creationId xmlns:a16="http://schemas.microsoft.com/office/drawing/2014/main" id="{99E22BC1-74F6-BD36-BF35-43CFC8E06DA8}"/>
+                <a16:creationId xmlns:a16="http://schemas.microsoft.com/office/drawing/2014/main" id="{9FCC6F63-1523-B79A-7463-F15C1C93A203}"/>
               </a:ext>
             </a:extLst>
           </p:cNvPr>
@@ -10238,8 +11419,8 @@
         </p:nvSpPr>
         <p:spPr>
           <a:xfrm>
-            <a:off x="665825" y="1162975"/>
-            <a:ext cx="10944175" cy="4678532"/>
+            <a:off x="780176" y="1291905"/>
+            <a:ext cx="9605395" cy="646331"/>
           </a:xfrm>
           <a:prstGeom prst="rect">
             <a:avLst/>
@@ -10252,14 +11433,62 @@
           </a:bodyPr>
           <a:lstStyle/>
           <a:p>
-            <a:endParaRPr lang="de-AT"/>
+            <a:r>
+              <a:rPr lang="en-US" dirty="0"/>
+              <a:t>To improve the performance, we calculating the evaluation measures we created a cosine-similarity matrix which accelerated the execution of the code immensely</a:t>
+            </a:r>
+            <a:endParaRPr lang="de-DE" dirty="0"/>
+          </a:p>
+        </p:txBody>
+      </p:sp>
+      <p:sp>
+        <p:nvSpPr>
+          <p:cNvPr id="4" name="Textfeld 3">
+            <a:extLst>
+              <a:ext uri="{FF2B5EF4-FFF2-40B4-BE49-F238E27FC236}">
+                <a16:creationId xmlns:a16="http://schemas.microsoft.com/office/drawing/2014/main" id="{82F31FE6-F815-4353-DD9B-3DAADBEFB107}"/>
+              </a:ext>
+            </a:extLst>
+          </p:cNvPr>
+          <p:cNvSpPr txBox="1"/>
+          <p:nvPr/>
+        </p:nvSpPr>
+        <p:spPr>
+          <a:xfrm>
+            <a:off x="989901" y="2097248"/>
+            <a:ext cx="9395670" cy="369332"/>
+          </a:xfrm>
+          <a:prstGeom prst="rect">
+            <a:avLst/>
+          </a:prstGeom>
+          <a:noFill/>
+        </p:spPr>
+        <p:txBody>
+          <a:bodyPr wrap="square" rtlCol="0">
+            <a:spAutoFit/>
+          </a:bodyPr>
+          <a:lstStyle/>
+          <a:p>
+            <a:r>
+              <a:rPr lang="en-US" dirty="0">
+                <a:solidFill>
+                  <a:srgbClr val="FF0000"/>
+                </a:solidFill>
+              </a:rPr>
+              <a:t>TODO: Add explanation of Cosine-Similarity Matrix</a:t>
+            </a:r>
+            <a:endParaRPr lang="de-DE" dirty="0">
+              <a:solidFill>
+                <a:srgbClr val="FF0000"/>
+              </a:solidFill>
+            </a:endParaRPr>
           </a:p>
         </p:txBody>
       </p:sp>
     </p:spTree>
     <p:extLst>
       <p:ext uri="{BB962C8B-B14F-4D97-AF65-F5344CB8AC3E}">
-        <p14:creationId xmlns:p14="http://schemas.microsoft.com/office/powerpoint/2010/main" val="2945437188"/>
+        <p14:creationId xmlns:p14="http://schemas.microsoft.com/office/powerpoint/2010/main" val="2639188251"/>
       </p:ext>
     </p:extLst>
   </p:cSld>
@@ -10291,7 +11520,7 @@
           <p:cNvPr id="2" name="Titel 1">
             <a:extLst>
               <a:ext uri="{FF2B5EF4-FFF2-40B4-BE49-F238E27FC236}">
-                <a16:creationId xmlns:a16="http://schemas.microsoft.com/office/drawing/2014/main" id="{90EB35A3-17F6-0FD0-3FB7-82CB903C52CA}"/>
+                <a16:creationId xmlns:a16="http://schemas.microsoft.com/office/drawing/2014/main" id="{B298F7EE-D28D-4A63-E5CF-A1BF190C154D}"/>
               </a:ext>
             </a:extLst>
           </p:cNvPr>
@@ -10309,7 +11538,7 @@
           <a:p>
             <a:r>
               <a:rPr lang="en-US" dirty="0"/>
-              <a:t>Results</a:t>
+              <a:t>Text-based retrieval</a:t>
             </a:r>
             <a:endParaRPr lang="de-DE" dirty="0"/>
           </a:p>
@@ -10317,35 +11546,182 @@
       </p:sp>
       <p:sp>
         <p:nvSpPr>
-          <p:cNvPr id="3" name="Inhaltsplatzhalter 2">
+          <p:cNvPr id="3" name="Textfeld 2">
             <a:extLst>
               <a:ext uri="{FF2B5EF4-FFF2-40B4-BE49-F238E27FC236}">
-                <a16:creationId xmlns:a16="http://schemas.microsoft.com/office/drawing/2014/main" id="{5BDD9C99-70A5-0D9A-CA61-214AF9643496}"/>
+                <a16:creationId xmlns:a16="http://schemas.microsoft.com/office/drawing/2014/main" id="{1950F828-1630-55A0-77C9-F8A4E6AF4C46}"/>
               </a:ext>
             </a:extLst>
           </p:cNvPr>
-          <p:cNvSpPr>
-            <a:spLocks noGrp="1"/>
-          </p:cNvSpPr>
-          <p:nvPr>
-            <p:ph idx="1"/>
-          </p:nvPr>
-        </p:nvSpPr>
-        <p:spPr/>
-        <p:txBody>
-          <a:bodyPr/>
+          <p:cNvSpPr txBox="1"/>
+          <p:nvPr/>
+        </p:nvSpPr>
+        <p:spPr>
+          <a:xfrm>
+            <a:off x="713064" y="1191237"/>
+            <a:ext cx="9865453" cy="4678204"/>
+          </a:xfrm>
+          <a:prstGeom prst="rect">
+            <a:avLst/>
+          </a:prstGeom>
+          <a:noFill/>
+        </p:spPr>
+        <p:txBody>
+          <a:bodyPr wrap="square" rtlCol="0">
+            <a:spAutoFit/>
+          </a:bodyPr>
           <a:lstStyle/>
           <a:p>
-            <a:endParaRPr lang="de-DE" dirty="0"/>
-          </a:p>
-        </p:txBody>
-      </p:sp>
-      <p:sp>
-        <p:nvSpPr>
-          <p:cNvPr id="4" name="Textplatzhalter 3">
+            <a:r>
+              <a:rPr lang="en-US" dirty="0"/>
+              <a:t>For the text-based retrieval we chose the following 3 query songs for our analysis:</a:t>
+            </a:r>
+          </a:p>
+          <a:p>
+            <a:endParaRPr lang="en-US" dirty="0"/>
+          </a:p>
+          <a:p>
+            <a:pPr marL="342900" indent="-342900">
+              <a:buAutoNum type="arabicPeriod"/>
+            </a:pPr>
+            <a:r>
+              <a:rPr lang="en-US" dirty="0"/>
+              <a:t>Love Me by The 1975: lyrics have many occurrences of the word “yeah”</a:t>
+            </a:r>
+          </a:p>
+          <a:p>
+            <a:pPr marL="342900" indent="-342900">
+              <a:buAutoNum type="arabicPeriod"/>
+            </a:pPr>
+            <a:r>
+              <a:rPr lang="en-US" dirty="0"/>
+              <a:t>One by U2: has a cover version which should always be the most similar</a:t>
+            </a:r>
+          </a:p>
+          <a:p>
+            <a:pPr marL="342900" indent="-342900">
+              <a:buAutoNum type="arabicPeriod"/>
+            </a:pPr>
+            <a:r>
+              <a:rPr lang="en-US" dirty="0"/>
+              <a:t>Every Christmas by Kelly Clarkson: retrieved songs are most likely also Christmas songs</a:t>
+            </a:r>
+          </a:p>
+          <a:p>
+            <a:endParaRPr lang="en-US" dirty="0"/>
+          </a:p>
+          <a:p>
+            <a:r>
+              <a:rPr lang="en-US" dirty="0"/>
+              <a:t>We implemented the text-based Systems with these combinations:</a:t>
+            </a:r>
+          </a:p>
+          <a:p>
+            <a:pPr marL="285750" indent="-285750">
+              <a:buFont typeface="Arial" panose="020B0604020202020204" pitchFamily="34" charset="0"/>
+              <a:buChar char="•"/>
+            </a:pPr>
+            <a:r>
+              <a:rPr lang="en-US" dirty="0"/>
+              <a:t>Cosine-Similarity, </a:t>
+            </a:r>
+            <a:r>
+              <a:rPr lang="en-US" dirty="0" err="1"/>
+              <a:t>tf-idf</a:t>
+            </a:r>
+            <a:r>
+              <a:rPr lang="en-US" dirty="0"/>
+              <a:t> </a:t>
+            </a:r>
+          </a:p>
+          <a:p>
+            <a:pPr lvl="1"/>
+            <a:r>
+              <a:rPr lang="en-US" sz="1400" dirty="0"/>
+              <a:t>Using Cos-sim in combination with </a:t>
+            </a:r>
+            <a:r>
+              <a:rPr lang="en-US" sz="1400" dirty="0" err="1"/>
+              <a:t>tf-idf</a:t>
+            </a:r>
+            <a:r>
+              <a:rPr lang="en-US" sz="1400" dirty="0"/>
+              <a:t> because, two documents of different lengths can have drastically different word frequencies yet the same word distribution.</a:t>
+            </a:r>
+          </a:p>
+          <a:p>
+            <a:pPr marL="285750" indent="-285750">
+              <a:buFont typeface="Arial" panose="020B0604020202020204" pitchFamily="34" charset="0"/>
+              <a:buChar char="•"/>
+            </a:pPr>
+            <a:r>
+              <a:rPr lang="en-US" dirty="0"/>
+              <a:t>Cosine-Similarity, Word2Vec</a:t>
+            </a:r>
+          </a:p>
+          <a:p>
+            <a:pPr marL="285750" indent="-285750">
+              <a:buFont typeface="Arial" panose="020B0604020202020204" pitchFamily="34" charset="0"/>
+              <a:buChar char="•"/>
+            </a:pPr>
+            <a:r>
+              <a:rPr lang="en-US" dirty="0"/>
+              <a:t>Cosine-Similarity, Bert</a:t>
+            </a:r>
+          </a:p>
+          <a:p>
+            <a:endParaRPr lang="en-US" dirty="0"/>
+          </a:p>
+          <a:p>
+            <a:endParaRPr lang="en-US" dirty="0"/>
+          </a:p>
+          <a:p>
+            <a:endParaRPr lang="en-US" dirty="0"/>
+          </a:p>
+          <a:p>
+            <a:endParaRPr lang="en-US" dirty="0"/>
+          </a:p>
+          <a:p>
+            <a:endParaRPr lang="en-US" dirty="0"/>
+          </a:p>
+        </p:txBody>
+      </p:sp>
+    </p:spTree>
+    <p:extLst>
+      <p:ext uri="{BB962C8B-B14F-4D97-AF65-F5344CB8AC3E}">
+        <p14:creationId xmlns:p14="http://schemas.microsoft.com/office/powerpoint/2010/main" val="3058712299"/>
+      </p:ext>
+    </p:extLst>
+  </p:cSld>
+  <p:clrMapOvr>
+    <a:masterClrMapping/>
+  </p:clrMapOvr>
+</p:sld>
+</file>
+
+<file path=ppt/slides/slide7.xml><?xml version="1.0" encoding="utf-8"?>
+<p:sld xmlns:a="http://schemas.openxmlformats.org/drawingml/2006/main" xmlns:r="http://schemas.openxmlformats.org/officeDocument/2006/relationships" xmlns:p="http://schemas.openxmlformats.org/presentationml/2006/main">
+  <p:cSld>
+    <p:spTree>
+      <p:nvGrpSpPr>
+        <p:cNvPr id="1" name=""/>
+        <p:cNvGrpSpPr/>
+        <p:nvPr/>
+      </p:nvGrpSpPr>
+      <p:grpSpPr>
+        <a:xfrm>
+          <a:off x="0" y="0"/>
+          <a:ext cx="0" cy="0"/>
+          <a:chOff x="0" y="0"/>
+          <a:chExt cx="0" cy="0"/>
+        </a:xfrm>
+      </p:grpSpPr>
+      <p:sp>
+        <p:nvSpPr>
+          <p:cNvPr id="2" name="Titel 1">
             <a:extLst>
               <a:ext uri="{FF2B5EF4-FFF2-40B4-BE49-F238E27FC236}">
-                <a16:creationId xmlns:a16="http://schemas.microsoft.com/office/drawing/2014/main" id="{C17CA012-75C9-01C5-F31A-B83B5A7323D5}"/>
+                <a16:creationId xmlns:a16="http://schemas.microsoft.com/office/drawing/2014/main" id="{BF1C49F0-1509-DA6B-C1E5-1E5661C5FD5A}"/>
               </a:ext>
             </a:extLst>
           </p:cNvPr>
@@ -10353,22 +11729,3823 @@
             <a:spLocks noGrp="1"/>
           </p:cNvSpPr>
           <p:nvPr>
+            <p:ph type="title"/>
+          </p:nvPr>
+        </p:nvSpPr>
+        <p:spPr>
+          <a:xfrm>
+            <a:off x="486000" y="575999"/>
+            <a:ext cx="11124000" cy="990000"/>
+          </a:xfrm>
+        </p:spPr>
+        <p:txBody>
+          <a:bodyPr anchor="t">
+            <a:normAutofit/>
+          </a:bodyPr>
+          <a:lstStyle/>
+          <a:p>
+            <a:r>
+              <a:rPr lang="en-US" dirty="0"/>
+              <a:t>Results of text-based retrieval – Song 1</a:t>
+            </a:r>
+            <a:endParaRPr lang="de-DE" dirty="0"/>
+          </a:p>
+        </p:txBody>
+      </p:sp>
+      <p:sp>
+        <p:nvSpPr>
+          <p:cNvPr id="11" name="Text Placeholder 3">
+            <a:extLst>
+              <a:ext uri="{FF2B5EF4-FFF2-40B4-BE49-F238E27FC236}">
+                <a16:creationId xmlns:a16="http://schemas.microsoft.com/office/drawing/2014/main" id="{1C2DAB01-5AC4-73E4-A938-D9F433B015D2}"/>
+              </a:ext>
+            </a:extLst>
+          </p:cNvPr>
+          <p:cNvSpPr>
+            <a:spLocks noGrp="1"/>
+          </p:cNvSpPr>
+          <p:nvPr>
             <p:ph type="body" sz="quarter" idx="25"/>
           </p:nvPr>
         </p:nvSpPr>
-        <p:spPr/>
+        <p:spPr>
+          <a:xfrm>
+            <a:off x="471600" y="5858820"/>
+            <a:ext cx="11138400" cy="278127"/>
+          </a:xfrm>
+        </p:spPr>
         <p:txBody>
           <a:bodyPr/>
           <a:lstStyle/>
           <a:p>
-            <a:endParaRPr lang="de-DE"/>
-          </a:p>
-        </p:txBody>
-      </p:sp>
+            <a:endParaRPr lang="en-US"/>
+          </a:p>
+        </p:txBody>
+      </p:sp>
+      <p:graphicFrame>
+        <p:nvGraphicFramePr>
+          <p:cNvPr id="6" name="Tabelle 5">
+            <a:extLst>
+              <a:ext uri="{FF2B5EF4-FFF2-40B4-BE49-F238E27FC236}">
+                <a16:creationId xmlns:a16="http://schemas.microsoft.com/office/drawing/2014/main" id="{137A5C2E-FF3A-A6E2-C35D-944C4AD05147}"/>
+              </a:ext>
+            </a:extLst>
+          </p:cNvPr>
+          <p:cNvGraphicFramePr>
+            <a:graphicFrameLocks noGrp="1"/>
+          </p:cNvGraphicFramePr>
+          <p:nvPr>
+            <p:extLst>
+              <p:ext uri="{D42A27DB-BD31-4B8C-83A1-F6EECF244321}">
+                <p14:modId xmlns:p14="http://schemas.microsoft.com/office/powerpoint/2010/main" val="2809545714"/>
+              </p:ext>
+            </p:extLst>
+          </p:nvPr>
+        </p:nvGraphicFramePr>
+        <p:xfrm>
+          <a:off x="471600" y="1754949"/>
+          <a:ext cx="11138403" cy="4250022"/>
+        </p:xfrm>
+        <a:graphic>
+          <a:graphicData uri="http://schemas.openxmlformats.org/drawingml/2006/table">
+            <a:tbl>
+              <a:tblPr firstRow="1" firstCol="1" bandRow="1">
+                <a:tableStyleId>{5C22544A-7EE6-4342-B048-85BDC9FD1C3A}</a:tableStyleId>
+              </a:tblPr>
+              <a:tblGrid>
+                <a:gridCol w="2524574">
+                  <a:extLst>
+                    <a:ext uri="{9D8B030D-6E8A-4147-A177-3AD203B41FA5}">
+                      <a16:colId xmlns:a16="http://schemas.microsoft.com/office/drawing/2014/main" val="2881139173"/>
+                    </a:ext>
+                  </a:extLst>
+                </a:gridCol>
+                <a:gridCol w="1851738">
+                  <a:extLst>
+                    <a:ext uri="{9D8B030D-6E8A-4147-A177-3AD203B41FA5}">
+                      <a16:colId xmlns:a16="http://schemas.microsoft.com/office/drawing/2014/main" val="3168866847"/>
+                    </a:ext>
+                  </a:extLst>
+                </a:gridCol>
+                <a:gridCol w="1534269">
+                  <a:extLst>
+                    <a:ext uri="{9D8B030D-6E8A-4147-A177-3AD203B41FA5}">
+                      <a16:colId xmlns:a16="http://schemas.microsoft.com/office/drawing/2014/main" val="2812486524"/>
+                    </a:ext>
+                  </a:extLst>
+                </a:gridCol>
+                <a:gridCol w="1536748">
+                  <a:extLst>
+                    <a:ext uri="{9D8B030D-6E8A-4147-A177-3AD203B41FA5}">
+                      <a16:colId xmlns:a16="http://schemas.microsoft.com/office/drawing/2014/main" val="843762726"/>
+                    </a:ext>
+                  </a:extLst>
+                </a:gridCol>
+                <a:gridCol w="1903822">
+                  <a:extLst>
+                    <a:ext uri="{9D8B030D-6E8A-4147-A177-3AD203B41FA5}">
+                      <a16:colId xmlns:a16="http://schemas.microsoft.com/office/drawing/2014/main" val="222835896"/>
+                    </a:ext>
+                  </a:extLst>
+                </a:gridCol>
+                <a:gridCol w="1787252">
+                  <a:extLst>
+                    <a:ext uri="{9D8B030D-6E8A-4147-A177-3AD203B41FA5}">
+                      <a16:colId xmlns:a16="http://schemas.microsoft.com/office/drawing/2014/main" val="3477918196"/>
+                    </a:ext>
+                  </a:extLst>
+                </a:gridCol>
+              </a:tblGrid>
+              <a:tr h="661428">
+                <a:tc>
+                  <a:txBody>
+                    <a:bodyPr/>
+                    <a:lstStyle/>
+                    <a:p>
+                      <a:pPr algn="l">
+                        <a:lnSpc>
+                          <a:spcPct val="110000"/>
+                        </a:lnSpc>
+                      </a:pPr>
+                      <a:r>
+                        <a:rPr lang="en-US" sz="1900" kern="100">
+                          <a:effectLst/>
+                        </a:rPr>
+                        <a:t>Song: Love Me, The 1975</a:t>
+                      </a:r>
+                      <a:endParaRPr lang="de-DE" sz="1400" kern="100">
+                        <a:effectLst/>
+                        <a:latin typeface="Linux Libertine"/>
+                        <a:ea typeface="Calibri" panose="020F0502020204030204" pitchFamily="34" charset="0"/>
+                        <a:cs typeface="Times New Roman" panose="02020603050405020304" pitchFamily="18" charset="0"/>
+                      </a:endParaRPr>
+                    </a:p>
+                  </a:txBody>
+                  <a:tcPr marL="107146" marR="107146" marT="0" marB="0"/>
+                </a:tc>
+                <a:tc>
+                  <a:txBody>
+                    <a:bodyPr/>
+                    <a:lstStyle/>
+                    <a:p>
+                      <a:pPr algn="just">
+                        <a:lnSpc>
+                          <a:spcPct val="110000"/>
+                        </a:lnSpc>
+                      </a:pPr>
+                      <a:r>
+                        <a:rPr lang="en-US" sz="1900" kern="100">
+                          <a:effectLst/>
+                        </a:rPr>
+                        <a:t>Precision@10</a:t>
+                      </a:r>
+                      <a:endParaRPr lang="de-DE" sz="1400" kern="100">
+                        <a:effectLst/>
+                        <a:latin typeface="Linux Libertine"/>
+                        <a:ea typeface="Calibri" panose="020F0502020204030204" pitchFamily="34" charset="0"/>
+                        <a:cs typeface="Times New Roman" panose="02020603050405020304" pitchFamily="18" charset="0"/>
+                      </a:endParaRPr>
+                    </a:p>
+                  </a:txBody>
+                  <a:tcPr marL="107146" marR="107146" marT="0" marB="0"/>
+                </a:tc>
+                <a:tc>
+                  <a:txBody>
+                    <a:bodyPr/>
+                    <a:lstStyle/>
+                    <a:p>
+                      <a:pPr algn="just">
+                        <a:lnSpc>
+                          <a:spcPct val="110000"/>
+                        </a:lnSpc>
+                      </a:pPr>
+                      <a:r>
+                        <a:rPr lang="en-US" sz="1900" kern="100">
+                          <a:effectLst/>
+                        </a:rPr>
+                        <a:t>Recall@10</a:t>
+                      </a:r>
+                      <a:endParaRPr lang="de-DE" sz="1400" kern="100">
+                        <a:effectLst/>
+                        <a:latin typeface="Linux Libertine"/>
+                        <a:ea typeface="Calibri" panose="020F0502020204030204" pitchFamily="34" charset="0"/>
+                        <a:cs typeface="Times New Roman" panose="02020603050405020304" pitchFamily="18" charset="0"/>
+                      </a:endParaRPr>
+                    </a:p>
+                  </a:txBody>
+                  <a:tcPr marL="107146" marR="107146" marT="0" marB="0"/>
+                </a:tc>
+                <a:tc>
+                  <a:txBody>
+                    <a:bodyPr/>
+                    <a:lstStyle/>
+                    <a:p>
+                      <a:pPr algn="just">
+                        <a:lnSpc>
+                          <a:spcPct val="110000"/>
+                        </a:lnSpc>
+                      </a:pPr>
+                      <a:r>
+                        <a:rPr lang="en-US" sz="1900" kern="100">
+                          <a:effectLst/>
+                        </a:rPr>
+                        <a:t>nDCG@10</a:t>
+                      </a:r>
+                      <a:endParaRPr lang="de-DE" sz="1400" kern="100">
+                        <a:effectLst/>
+                        <a:latin typeface="Linux Libertine"/>
+                        <a:ea typeface="Calibri" panose="020F0502020204030204" pitchFamily="34" charset="0"/>
+                        <a:cs typeface="Times New Roman" panose="02020603050405020304" pitchFamily="18" charset="0"/>
+                      </a:endParaRPr>
+                    </a:p>
+                  </a:txBody>
+                  <a:tcPr marL="107146" marR="107146" marT="0" marB="0"/>
+                </a:tc>
+                <a:tc>
+                  <a:txBody>
+                    <a:bodyPr/>
+                    <a:lstStyle/>
+                    <a:p>
+                      <a:pPr algn="just">
+                        <a:lnSpc>
+                          <a:spcPct val="110000"/>
+                        </a:lnSpc>
+                      </a:pPr>
+                      <a:r>
+                        <a:rPr lang="en-US" sz="1900" kern="100">
+                          <a:effectLst/>
+                        </a:rPr>
+                        <a:t>Coverage@10</a:t>
+                      </a:r>
+                      <a:endParaRPr lang="de-DE" sz="1400" kern="100">
+                        <a:effectLst/>
+                        <a:latin typeface="Linux Libertine"/>
+                        <a:ea typeface="Calibri" panose="020F0502020204030204" pitchFamily="34" charset="0"/>
+                        <a:cs typeface="Times New Roman" panose="02020603050405020304" pitchFamily="18" charset="0"/>
+                      </a:endParaRPr>
+                    </a:p>
+                  </a:txBody>
+                  <a:tcPr marL="107146" marR="107146" marT="0" marB="0"/>
+                </a:tc>
+                <a:tc>
+                  <a:txBody>
+                    <a:bodyPr/>
+                    <a:lstStyle/>
+                    <a:p>
+                      <a:pPr algn="just">
+                        <a:lnSpc>
+                          <a:spcPct val="110000"/>
+                        </a:lnSpc>
+                      </a:pPr>
+                      <a:r>
+                        <a:rPr lang="en-US" sz="1900" kern="100">
+                          <a:effectLst/>
+                        </a:rPr>
+                        <a:t>Diversity@10</a:t>
+                      </a:r>
+                      <a:endParaRPr lang="de-DE" sz="1400" kern="100">
+                        <a:effectLst/>
+                        <a:latin typeface="Linux Libertine"/>
+                        <a:ea typeface="Calibri" panose="020F0502020204030204" pitchFamily="34" charset="0"/>
+                        <a:cs typeface="Times New Roman" panose="02020603050405020304" pitchFamily="18" charset="0"/>
+                      </a:endParaRPr>
+                    </a:p>
+                  </a:txBody>
+                  <a:tcPr marL="107146" marR="107146" marT="0" marB="0"/>
+                </a:tc>
+                <a:extLst>
+                  <a:ext uri="{0D108BD9-81ED-4DB2-BD59-A6C34878D82A}">
+                    <a16:rowId xmlns:a16="http://schemas.microsoft.com/office/drawing/2014/main" val="3670294777"/>
+                  </a:ext>
+                </a:extLst>
+              </a:tr>
+              <a:tr h="975722">
+                <a:tc>
+                  <a:txBody>
+                    <a:bodyPr/>
+                    <a:lstStyle/>
+                    <a:p>
+                      <a:pPr algn="l">
+                        <a:lnSpc>
+                          <a:spcPct val="110000"/>
+                        </a:lnSpc>
+                      </a:pPr>
+                      <a:r>
+                        <a:rPr lang="en-US" sz="1900" kern="100">
+                          <a:effectLst/>
+                        </a:rPr>
+                        <a:t>Text-based(cosine, tf-idf)</a:t>
+                      </a:r>
+                      <a:endParaRPr lang="de-DE" sz="1400" kern="100">
+                        <a:effectLst/>
+                        <a:latin typeface="Linux Libertine"/>
+                        <a:ea typeface="Calibri" panose="020F0502020204030204" pitchFamily="34" charset="0"/>
+                        <a:cs typeface="Times New Roman" panose="02020603050405020304" pitchFamily="18" charset="0"/>
+                      </a:endParaRPr>
+                    </a:p>
+                  </a:txBody>
+                  <a:tcPr marL="107146" marR="107146" marT="0" marB="0"/>
+                </a:tc>
+                <a:tc>
+                  <a:txBody>
+                    <a:bodyPr/>
+                    <a:lstStyle/>
+                    <a:p>
+                      <a:pPr algn="just">
+                        <a:lnSpc>
+                          <a:spcPct val="110000"/>
+                        </a:lnSpc>
+                      </a:pPr>
+                      <a:r>
+                        <a:rPr lang="en-US" sz="1900" kern="100">
+                          <a:effectLst/>
+                        </a:rPr>
+                        <a:t>0.7</a:t>
+                      </a:r>
+                      <a:endParaRPr lang="de-DE" sz="1400" kern="100">
+                        <a:effectLst/>
+                        <a:latin typeface="Linux Libertine"/>
+                        <a:ea typeface="Calibri" panose="020F0502020204030204" pitchFamily="34" charset="0"/>
+                        <a:cs typeface="Times New Roman" panose="02020603050405020304" pitchFamily="18" charset="0"/>
+                      </a:endParaRPr>
+                    </a:p>
+                  </a:txBody>
+                  <a:tcPr marL="107146" marR="107146" marT="0" marB="0"/>
+                </a:tc>
+                <a:tc>
+                  <a:txBody>
+                    <a:bodyPr/>
+                    <a:lstStyle/>
+                    <a:p>
+                      <a:pPr algn="just">
+                        <a:lnSpc>
+                          <a:spcPct val="110000"/>
+                        </a:lnSpc>
+                      </a:pPr>
+                      <a:r>
+                        <a:rPr lang="en-US" sz="1900" kern="100">
+                          <a:effectLst/>
+                        </a:rPr>
+                        <a:t>0.00097</a:t>
+                      </a:r>
+                      <a:endParaRPr lang="de-DE" sz="1400" kern="100">
+                        <a:effectLst/>
+                      </a:endParaRPr>
+                    </a:p>
+                    <a:p>
+                      <a:pPr algn="just">
+                        <a:lnSpc>
+                          <a:spcPct val="110000"/>
+                        </a:lnSpc>
+                      </a:pPr>
+                      <a:r>
+                        <a:rPr lang="en-US" sz="1900" kern="100">
+                          <a:effectLst/>
+                        </a:rPr>
+                        <a:t> </a:t>
+                      </a:r>
+                      <a:endParaRPr lang="de-DE" sz="1400" kern="100">
+                        <a:effectLst/>
+                      </a:endParaRPr>
+                    </a:p>
+                    <a:p>
+                      <a:pPr algn="just">
+                        <a:lnSpc>
+                          <a:spcPct val="110000"/>
+                        </a:lnSpc>
+                      </a:pPr>
+                      <a:r>
+                        <a:rPr lang="en-US" sz="1900" kern="100">
+                          <a:effectLst/>
+                        </a:rPr>
+                        <a:t> </a:t>
+                      </a:r>
+                      <a:endParaRPr lang="de-DE" sz="1400" kern="100">
+                        <a:effectLst/>
+                        <a:latin typeface="Linux Libertine"/>
+                        <a:ea typeface="Calibri" panose="020F0502020204030204" pitchFamily="34" charset="0"/>
+                        <a:cs typeface="Times New Roman" panose="02020603050405020304" pitchFamily="18" charset="0"/>
+                      </a:endParaRPr>
+                    </a:p>
+                  </a:txBody>
+                  <a:tcPr marL="107146" marR="107146" marT="0" marB="0"/>
+                </a:tc>
+                <a:tc>
+                  <a:txBody>
+                    <a:bodyPr/>
+                    <a:lstStyle/>
+                    <a:p>
+                      <a:pPr algn="just">
+                        <a:lnSpc>
+                          <a:spcPct val="110000"/>
+                        </a:lnSpc>
+                      </a:pPr>
+                      <a:r>
+                        <a:rPr lang="en-US" sz="1900" kern="100">
+                          <a:effectLst/>
+                        </a:rPr>
+                        <a:t>0.85336</a:t>
+                      </a:r>
+                      <a:endParaRPr lang="de-DE" sz="1400" kern="100">
+                        <a:effectLst/>
+                      </a:endParaRPr>
+                    </a:p>
+                    <a:p>
+                      <a:pPr algn="just">
+                        <a:lnSpc>
+                          <a:spcPct val="110000"/>
+                        </a:lnSpc>
+                      </a:pPr>
+                      <a:r>
+                        <a:rPr lang="en-US" sz="1900" kern="100">
+                          <a:effectLst/>
+                        </a:rPr>
+                        <a:t> </a:t>
+                      </a:r>
+                      <a:endParaRPr lang="de-DE" sz="1400" kern="100">
+                        <a:effectLst/>
+                        <a:latin typeface="Linux Libertine"/>
+                        <a:ea typeface="Calibri" panose="020F0502020204030204" pitchFamily="34" charset="0"/>
+                        <a:cs typeface="Times New Roman" panose="02020603050405020304" pitchFamily="18" charset="0"/>
+                      </a:endParaRPr>
+                    </a:p>
+                  </a:txBody>
+                  <a:tcPr marL="107146" marR="107146" marT="0" marB="0"/>
+                </a:tc>
+                <a:tc>
+                  <a:txBody>
+                    <a:bodyPr/>
+                    <a:lstStyle/>
+                    <a:p>
+                      <a:pPr algn="just">
+                        <a:lnSpc>
+                          <a:spcPct val="110000"/>
+                        </a:lnSpc>
+                      </a:pPr>
+                      <a:r>
+                        <a:rPr lang="en-US" sz="1900" kern="100">
+                          <a:effectLst/>
+                        </a:rPr>
+                        <a:t>0.02878</a:t>
+                      </a:r>
+                      <a:endParaRPr lang="de-DE" sz="1400" kern="100">
+                        <a:effectLst/>
+                      </a:endParaRPr>
+                    </a:p>
+                    <a:p>
+                      <a:pPr algn="just">
+                        <a:lnSpc>
+                          <a:spcPct val="110000"/>
+                        </a:lnSpc>
+                      </a:pPr>
+                      <a:r>
+                        <a:rPr lang="en-US" sz="1900" kern="100">
+                          <a:effectLst/>
+                        </a:rPr>
+                        <a:t> </a:t>
+                      </a:r>
+                      <a:endParaRPr lang="de-DE" sz="1400" kern="100">
+                        <a:effectLst/>
+                        <a:latin typeface="Linux Libertine"/>
+                        <a:ea typeface="Calibri" panose="020F0502020204030204" pitchFamily="34" charset="0"/>
+                        <a:cs typeface="Times New Roman" panose="02020603050405020304" pitchFamily="18" charset="0"/>
+                      </a:endParaRPr>
+                    </a:p>
+                  </a:txBody>
+                  <a:tcPr marL="107146" marR="107146" marT="0" marB="0"/>
+                </a:tc>
+                <a:tc>
+                  <a:txBody>
+                    <a:bodyPr/>
+                    <a:lstStyle/>
+                    <a:p>
+                      <a:pPr algn="just">
+                        <a:lnSpc>
+                          <a:spcPct val="110000"/>
+                        </a:lnSpc>
+                      </a:pPr>
+                      <a:r>
+                        <a:rPr lang="en-US" sz="1900" kern="100">
+                          <a:effectLst/>
+                        </a:rPr>
+                        <a:t>4.30428</a:t>
+                      </a:r>
+                      <a:endParaRPr lang="de-DE" sz="1400" kern="100">
+                        <a:effectLst/>
+                      </a:endParaRPr>
+                    </a:p>
+                    <a:p>
+                      <a:pPr algn="just">
+                        <a:lnSpc>
+                          <a:spcPct val="110000"/>
+                        </a:lnSpc>
+                      </a:pPr>
+                      <a:r>
+                        <a:rPr lang="en-US" sz="1900" kern="100">
+                          <a:effectLst/>
+                        </a:rPr>
+                        <a:t> </a:t>
+                      </a:r>
+                      <a:endParaRPr lang="de-DE" sz="1400" kern="100">
+                        <a:effectLst/>
+                        <a:latin typeface="Linux Libertine"/>
+                        <a:ea typeface="Calibri" panose="020F0502020204030204" pitchFamily="34" charset="0"/>
+                        <a:cs typeface="Times New Roman" panose="02020603050405020304" pitchFamily="18" charset="0"/>
+                      </a:endParaRPr>
+                    </a:p>
+                  </a:txBody>
+                  <a:tcPr marL="107146" marR="107146" marT="0" marB="0"/>
+                </a:tc>
+                <a:extLst>
+                  <a:ext uri="{0D108BD9-81ED-4DB2-BD59-A6C34878D82A}">
+                    <a16:rowId xmlns:a16="http://schemas.microsoft.com/office/drawing/2014/main" val="4202801589"/>
+                  </a:ext>
+                </a:extLst>
+              </a:tr>
+              <a:tr h="975722">
+                <a:tc>
+                  <a:txBody>
+                    <a:bodyPr/>
+                    <a:lstStyle/>
+                    <a:p>
+                      <a:pPr algn="l">
+                        <a:lnSpc>
+                          <a:spcPct val="110000"/>
+                        </a:lnSpc>
+                      </a:pPr>
+                      <a:r>
+                        <a:rPr lang="en-US" sz="1900" kern="100">
+                          <a:effectLst/>
+                        </a:rPr>
+                        <a:t>Text-based(cosine,</a:t>
+                      </a:r>
+                      <a:endParaRPr lang="de-DE" sz="1400" kern="100">
+                        <a:effectLst/>
+                      </a:endParaRPr>
+                    </a:p>
+                    <a:p>
+                      <a:pPr algn="l">
+                        <a:lnSpc>
+                          <a:spcPct val="110000"/>
+                        </a:lnSpc>
+                      </a:pPr>
+                      <a:r>
+                        <a:rPr lang="en-US" sz="1900" kern="100">
+                          <a:effectLst/>
+                        </a:rPr>
+                        <a:t>word2vec)</a:t>
+                      </a:r>
+                      <a:endParaRPr lang="de-DE" sz="1400" kern="100">
+                        <a:effectLst/>
+                        <a:latin typeface="Linux Libertine"/>
+                        <a:ea typeface="Calibri" panose="020F0502020204030204" pitchFamily="34" charset="0"/>
+                        <a:cs typeface="Times New Roman" panose="02020603050405020304" pitchFamily="18" charset="0"/>
+                      </a:endParaRPr>
+                    </a:p>
+                  </a:txBody>
+                  <a:tcPr marL="107146" marR="107146" marT="0" marB="0"/>
+                </a:tc>
+                <a:tc>
+                  <a:txBody>
+                    <a:bodyPr/>
+                    <a:lstStyle/>
+                    <a:p>
+                      <a:pPr algn="just">
+                        <a:lnSpc>
+                          <a:spcPct val="110000"/>
+                        </a:lnSpc>
+                      </a:pPr>
+                      <a:r>
+                        <a:rPr lang="en-US" sz="1900" kern="100">
+                          <a:effectLst/>
+                        </a:rPr>
+                        <a:t>0.9</a:t>
+                      </a:r>
+                      <a:endParaRPr lang="de-DE" sz="1400" kern="100">
+                        <a:effectLst/>
+                        <a:latin typeface="Linux Libertine"/>
+                        <a:ea typeface="Calibri" panose="020F0502020204030204" pitchFamily="34" charset="0"/>
+                        <a:cs typeface="Times New Roman" panose="02020603050405020304" pitchFamily="18" charset="0"/>
+                      </a:endParaRPr>
+                    </a:p>
+                  </a:txBody>
+                  <a:tcPr marL="107146" marR="107146" marT="0" marB="0"/>
+                </a:tc>
+                <a:tc>
+                  <a:txBody>
+                    <a:bodyPr/>
+                    <a:lstStyle/>
+                    <a:p>
+                      <a:pPr algn="just">
+                        <a:lnSpc>
+                          <a:spcPct val="110000"/>
+                        </a:lnSpc>
+                      </a:pPr>
+                      <a:r>
+                        <a:rPr lang="en-US" sz="1900" kern="100">
+                          <a:effectLst/>
+                        </a:rPr>
+                        <a:t>0.00125</a:t>
+                      </a:r>
+                      <a:endParaRPr lang="de-DE" sz="1400" kern="100">
+                        <a:effectLst/>
+                      </a:endParaRPr>
+                    </a:p>
+                    <a:p>
+                      <a:pPr algn="just">
+                        <a:lnSpc>
+                          <a:spcPct val="110000"/>
+                        </a:lnSpc>
+                      </a:pPr>
+                      <a:r>
+                        <a:rPr lang="en-US" sz="1900" kern="100">
+                          <a:effectLst/>
+                        </a:rPr>
+                        <a:t> </a:t>
+                      </a:r>
+                      <a:endParaRPr lang="de-DE" sz="1400" kern="100">
+                        <a:effectLst/>
+                      </a:endParaRPr>
+                    </a:p>
+                    <a:p>
+                      <a:pPr algn="just">
+                        <a:lnSpc>
+                          <a:spcPct val="110000"/>
+                        </a:lnSpc>
+                      </a:pPr>
+                      <a:r>
+                        <a:rPr lang="en-US" sz="1900" kern="100">
+                          <a:effectLst/>
+                        </a:rPr>
+                        <a:t> </a:t>
+                      </a:r>
+                      <a:endParaRPr lang="de-DE" sz="1400" kern="100">
+                        <a:effectLst/>
+                        <a:latin typeface="Linux Libertine"/>
+                        <a:ea typeface="Calibri" panose="020F0502020204030204" pitchFamily="34" charset="0"/>
+                        <a:cs typeface="Times New Roman" panose="02020603050405020304" pitchFamily="18" charset="0"/>
+                      </a:endParaRPr>
+                    </a:p>
+                  </a:txBody>
+                  <a:tcPr marL="107146" marR="107146" marT="0" marB="0"/>
+                </a:tc>
+                <a:tc>
+                  <a:txBody>
+                    <a:bodyPr/>
+                    <a:lstStyle/>
+                    <a:p>
+                      <a:pPr algn="just">
+                        <a:lnSpc>
+                          <a:spcPct val="110000"/>
+                        </a:lnSpc>
+                      </a:pPr>
+                      <a:r>
+                        <a:rPr lang="en-US" sz="1900" kern="100">
+                          <a:effectLst/>
+                        </a:rPr>
+                        <a:t>0.73128</a:t>
+                      </a:r>
+                      <a:endParaRPr lang="de-DE" sz="1400" kern="100">
+                        <a:effectLst/>
+                      </a:endParaRPr>
+                    </a:p>
+                    <a:p>
+                      <a:pPr algn="just">
+                        <a:lnSpc>
+                          <a:spcPct val="110000"/>
+                        </a:lnSpc>
+                      </a:pPr>
+                      <a:r>
+                        <a:rPr lang="en-US" sz="1900" kern="100">
+                          <a:effectLst/>
+                        </a:rPr>
+                        <a:t> </a:t>
+                      </a:r>
+                      <a:endParaRPr lang="de-DE" sz="1400" kern="100">
+                        <a:effectLst/>
+                        <a:latin typeface="Linux Libertine"/>
+                        <a:ea typeface="Calibri" panose="020F0502020204030204" pitchFamily="34" charset="0"/>
+                        <a:cs typeface="Times New Roman" panose="02020603050405020304" pitchFamily="18" charset="0"/>
+                      </a:endParaRPr>
+                    </a:p>
+                  </a:txBody>
+                  <a:tcPr marL="107146" marR="107146" marT="0" marB="0"/>
+                </a:tc>
+                <a:tc>
+                  <a:txBody>
+                    <a:bodyPr/>
+                    <a:lstStyle/>
+                    <a:p>
+                      <a:pPr algn="just">
+                        <a:lnSpc>
+                          <a:spcPct val="110000"/>
+                        </a:lnSpc>
+                      </a:pPr>
+                      <a:r>
+                        <a:rPr lang="en-US" sz="1900" kern="100">
+                          <a:effectLst/>
+                        </a:rPr>
+                        <a:t>0.05486</a:t>
+                      </a:r>
+                      <a:endParaRPr lang="de-DE" sz="1400" kern="100">
+                        <a:effectLst/>
+                      </a:endParaRPr>
+                    </a:p>
+                    <a:p>
+                      <a:pPr algn="just">
+                        <a:lnSpc>
+                          <a:spcPct val="110000"/>
+                        </a:lnSpc>
+                      </a:pPr>
+                      <a:r>
+                        <a:rPr lang="en-US" sz="1900" kern="100">
+                          <a:effectLst/>
+                        </a:rPr>
+                        <a:t> </a:t>
+                      </a:r>
+                      <a:endParaRPr lang="de-DE" sz="1400" kern="100">
+                        <a:effectLst/>
+                        <a:latin typeface="Linux Libertine"/>
+                        <a:ea typeface="Calibri" panose="020F0502020204030204" pitchFamily="34" charset="0"/>
+                        <a:cs typeface="Times New Roman" panose="02020603050405020304" pitchFamily="18" charset="0"/>
+                      </a:endParaRPr>
+                    </a:p>
+                  </a:txBody>
+                  <a:tcPr marL="107146" marR="107146" marT="0" marB="0"/>
+                </a:tc>
+                <a:tc>
+                  <a:txBody>
+                    <a:bodyPr/>
+                    <a:lstStyle/>
+                    <a:p>
+                      <a:pPr algn="just">
+                        <a:lnSpc>
+                          <a:spcPct val="110000"/>
+                        </a:lnSpc>
+                      </a:pPr>
+                      <a:r>
+                        <a:rPr lang="en-US" sz="1900" kern="100">
+                          <a:effectLst/>
+                        </a:rPr>
+                        <a:t>5.26926</a:t>
+                      </a:r>
+                      <a:endParaRPr lang="de-DE" sz="1400" kern="100">
+                        <a:effectLst/>
+                      </a:endParaRPr>
+                    </a:p>
+                    <a:p>
+                      <a:pPr algn="just">
+                        <a:lnSpc>
+                          <a:spcPct val="110000"/>
+                        </a:lnSpc>
+                      </a:pPr>
+                      <a:r>
+                        <a:rPr lang="en-US" sz="1900" kern="100">
+                          <a:effectLst/>
+                        </a:rPr>
+                        <a:t> </a:t>
+                      </a:r>
+                      <a:endParaRPr lang="de-DE" sz="1400" kern="100">
+                        <a:effectLst/>
+                        <a:latin typeface="Linux Libertine"/>
+                        <a:ea typeface="Calibri" panose="020F0502020204030204" pitchFamily="34" charset="0"/>
+                        <a:cs typeface="Times New Roman" panose="02020603050405020304" pitchFamily="18" charset="0"/>
+                      </a:endParaRPr>
+                    </a:p>
+                  </a:txBody>
+                  <a:tcPr marL="107146" marR="107146" marT="0" marB="0"/>
+                </a:tc>
+                <a:extLst>
+                  <a:ext uri="{0D108BD9-81ED-4DB2-BD59-A6C34878D82A}">
+                    <a16:rowId xmlns:a16="http://schemas.microsoft.com/office/drawing/2014/main" val="2225802095"/>
+                  </a:ext>
+                </a:extLst>
+              </a:tr>
+              <a:tr h="975722">
+                <a:tc>
+                  <a:txBody>
+                    <a:bodyPr/>
+                    <a:lstStyle/>
+                    <a:p>
+                      <a:pPr algn="l">
+                        <a:lnSpc>
+                          <a:spcPct val="110000"/>
+                        </a:lnSpc>
+                      </a:pPr>
+                      <a:r>
+                        <a:rPr lang="en-US" sz="1900" kern="100">
+                          <a:effectLst/>
+                        </a:rPr>
+                        <a:t>Text-based(cosine, Bert)</a:t>
+                      </a:r>
+                      <a:endParaRPr lang="de-DE" sz="1400" kern="100">
+                        <a:effectLst/>
+                        <a:latin typeface="Linux Libertine"/>
+                        <a:ea typeface="Calibri" panose="020F0502020204030204" pitchFamily="34" charset="0"/>
+                        <a:cs typeface="Times New Roman" panose="02020603050405020304" pitchFamily="18" charset="0"/>
+                      </a:endParaRPr>
+                    </a:p>
+                  </a:txBody>
+                  <a:tcPr marL="107146" marR="107146" marT="0" marB="0"/>
+                </a:tc>
+                <a:tc>
+                  <a:txBody>
+                    <a:bodyPr/>
+                    <a:lstStyle/>
+                    <a:p>
+                      <a:pPr algn="just">
+                        <a:lnSpc>
+                          <a:spcPct val="110000"/>
+                        </a:lnSpc>
+                      </a:pPr>
+                      <a:r>
+                        <a:rPr lang="en-US" sz="1900" kern="100">
+                          <a:effectLst/>
+                        </a:rPr>
+                        <a:t>0.9</a:t>
+                      </a:r>
+                      <a:endParaRPr lang="de-DE" sz="1400" kern="100">
+                        <a:effectLst/>
+                        <a:latin typeface="Linux Libertine"/>
+                        <a:ea typeface="Calibri" panose="020F0502020204030204" pitchFamily="34" charset="0"/>
+                        <a:cs typeface="Times New Roman" panose="02020603050405020304" pitchFamily="18" charset="0"/>
+                      </a:endParaRPr>
+                    </a:p>
+                  </a:txBody>
+                  <a:tcPr marL="107146" marR="107146" marT="0" marB="0"/>
+                </a:tc>
+                <a:tc>
+                  <a:txBody>
+                    <a:bodyPr/>
+                    <a:lstStyle/>
+                    <a:p>
+                      <a:pPr algn="just">
+                        <a:lnSpc>
+                          <a:spcPct val="110000"/>
+                        </a:lnSpc>
+                      </a:pPr>
+                      <a:r>
+                        <a:rPr lang="en-US" sz="1900" kern="100">
+                          <a:effectLst/>
+                        </a:rPr>
+                        <a:t>0.00125</a:t>
+                      </a:r>
+                      <a:endParaRPr lang="de-DE" sz="1400" kern="100">
+                        <a:effectLst/>
+                      </a:endParaRPr>
+                    </a:p>
+                    <a:p>
+                      <a:pPr algn="just">
+                        <a:lnSpc>
+                          <a:spcPct val="110000"/>
+                        </a:lnSpc>
+                      </a:pPr>
+                      <a:r>
+                        <a:rPr lang="en-US" sz="1900" kern="100">
+                          <a:effectLst/>
+                        </a:rPr>
+                        <a:t> </a:t>
+                      </a:r>
+                      <a:endParaRPr lang="de-DE" sz="1400" kern="100">
+                        <a:effectLst/>
+                      </a:endParaRPr>
+                    </a:p>
+                    <a:p>
+                      <a:pPr algn="just">
+                        <a:lnSpc>
+                          <a:spcPct val="110000"/>
+                        </a:lnSpc>
+                      </a:pPr>
+                      <a:r>
+                        <a:rPr lang="en-US" sz="1900" kern="100">
+                          <a:effectLst/>
+                        </a:rPr>
+                        <a:t> </a:t>
+                      </a:r>
+                      <a:endParaRPr lang="de-DE" sz="1400" kern="100">
+                        <a:effectLst/>
+                        <a:latin typeface="Linux Libertine"/>
+                        <a:ea typeface="Calibri" panose="020F0502020204030204" pitchFamily="34" charset="0"/>
+                        <a:cs typeface="Times New Roman" panose="02020603050405020304" pitchFamily="18" charset="0"/>
+                      </a:endParaRPr>
+                    </a:p>
+                  </a:txBody>
+                  <a:tcPr marL="107146" marR="107146" marT="0" marB="0"/>
+                </a:tc>
+                <a:tc>
+                  <a:txBody>
+                    <a:bodyPr/>
+                    <a:lstStyle/>
+                    <a:p>
+                      <a:pPr algn="just">
+                        <a:lnSpc>
+                          <a:spcPct val="110000"/>
+                        </a:lnSpc>
+                      </a:pPr>
+                      <a:r>
+                        <a:rPr lang="en-US" sz="1900" kern="100">
+                          <a:effectLst/>
+                        </a:rPr>
+                        <a:t>0.77874</a:t>
+                      </a:r>
+                      <a:endParaRPr lang="de-DE" sz="1400" kern="100">
+                        <a:effectLst/>
+                      </a:endParaRPr>
+                    </a:p>
+                    <a:p>
+                      <a:pPr algn="just">
+                        <a:lnSpc>
+                          <a:spcPct val="110000"/>
+                        </a:lnSpc>
+                      </a:pPr>
+                      <a:r>
+                        <a:rPr lang="en-US" sz="1900" kern="100">
+                          <a:effectLst/>
+                        </a:rPr>
+                        <a:t> </a:t>
+                      </a:r>
+                      <a:endParaRPr lang="de-DE" sz="1400" kern="100">
+                        <a:effectLst/>
+                        <a:latin typeface="Linux Libertine"/>
+                        <a:ea typeface="Calibri" panose="020F0502020204030204" pitchFamily="34" charset="0"/>
+                        <a:cs typeface="Times New Roman" panose="02020603050405020304" pitchFamily="18" charset="0"/>
+                      </a:endParaRPr>
+                    </a:p>
+                  </a:txBody>
+                  <a:tcPr marL="107146" marR="107146" marT="0" marB="0"/>
+                </a:tc>
+                <a:tc>
+                  <a:txBody>
+                    <a:bodyPr/>
+                    <a:lstStyle/>
+                    <a:p>
+                      <a:pPr algn="just">
+                        <a:lnSpc>
+                          <a:spcPct val="110000"/>
+                        </a:lnSpc>
+                      </a:pPr>
+                      <a:r>
+                        <a:rPr lang="en-US" sz="1900" kern="100">
+                          <a:effectLst/>
+                        </a:rPr>
+                        <a:t>0.06205</a:t>
+                      </a:r>
+                      <a:endParaRPr lang="de-DE" sz="1400" kern="100">
+                        <a:effectLst/>
+                      </a:endParaRPr>
+                    </a:p>
+                    <a:p>
+                      <a:pPr algn="just">
+                        <a:lnSpc>
+                          <a:spcPct val="110000"/>
+                        </a:lnSpc>
+                      </a:pPr>
+                      <a:r>
+                        <a:rPr lang="en-US" sz="1900" kern="100">
+                          <a:effectLst/>
+                        </a:rPr>
+                        <a:t> </a:t>
+                      </a:r>
+                      <a:endParaRPr lang="de-DE" sz="1400" kern="100">
+                        <a:effectLst/>
+                        <a:latin typeface="Linux Libertine"/>
+                        <a:ea typeface="Calibri" panose="020F0502020204030204" pitchFamily="34" charset="0"/>
+                        <a:cs typeface="Times New Roman" panose="02020603050405020304" pitchFamily="18" charset="0"/>
+                      </a:endParaRPr>
+                    </a:p>
+                  </a:txBody>
+                  <a:tcPr marL="107146" marR="107146" marT="0" marB="0"/>
+                </a:tc>
+                <a:tc>
+                  <a:txBody>
+                    <a:bodyPr/>
+                    <a:lstStyle/>
+                    <a:p>
+                      <a:pPr algn="just">
+                        <a:lnSpc>
+                          <a:spcPct val="110000"/>
+                        </a:lnSpc>
+                      </a:pPr>
+                      <a:r>
+                        <a:rPr lang="en-US" sz="1900" kern="100" dirty="0">
+                          <a:effectLst/>
+                        </a:rPr>
+                        <a:t>4.98983</a:t>
+                      </a:r>
+                      <a:endParaRPr lang="de-DE" sz="1400" kern="100" dirty="0">
+                        <a:effectLst/>
+                      </a:endParaRPr>
+                    </a:p>
+                    <a:p>
+                      <a:pPr algn="just">
+                        <a:lnSpc>
+                          <a:spcPct val="110000"/>
+                        </a:lnSpc>
+                      </a:pPr>
+                      <a:r>
+                        <a:rPr lang="en-US" sz="1900" kern="100" dirty="0">
+                          <a:effectLst/>
+                        </a:rPr>
+                        <a:t> </a:t>
+                      </a:r>
+                      <a:endParaRPr lang="de-DE" sz="1400" kern="100" dirty="0">
+                        <a:effectLst/>
+                        <a:latin typeface="Linux Libertine"/>
+                        <a:ea typeface="Calibri" panose="020F0502020204030204" pitchFamily="34" charset="0"/>
+                        <a:cs typeface="Times New Roman" panose="02020603050405020304" pitchFamily="18" charset="0"/>
+                      </a:endParaRPr>
+                    </a:p>
+                  </a:txBody>
+                  <a:tcPr marL="107146" marR="107146" marT="0" marB="0"/>
+                </a:tc>
+                <a:extLst>
+                  <a:ext uri="{0D108BD9-81ED-4DB2-BD59-A6C34878D82A}">
+                    <a16:rowId xmlns:a16="http://schemas.microsoft.com/office/drawing/2014/main" val="540995397"/>
+                  </a:ext>
+                </a:extLst>
+              </a:tr>
+              <a:tr h="661428">
+                <a:tc>
+                  <a:txBody>
+                    <a:bodyPr/>
+                    <a:lstStyle/>
+                    <a:p>
+                      <a:pPr algn="l">
+                        <a:lnSpc>
+                          <a:spcPct val="110000"/>
+                        </a:lnSpc>
+                      </a:pPr>
+                      <a:r>
+                        <a:rPr lang="en-US" sz="1900" kern="100">
+                          <a:effectLst/>
+                        </a:rPr>
+                        <a:t>Random-Baseline</a:t>
+                      </a:r>
+                      <a:endParaRPr lang="de-DE" sz="1400" kern="100">
+                        <a:effectLst/>
+                        <a:latin typeface="Linux Libertine"/>
+                        <a:ea typeface="Calibri" panose="020F0502020204030204" pitchFamily="34" charset="0"/>
+                        <a:cs typeface="Times New Roman" panose="02020603050405020304" pitchFamily="18" charset="0"/>
+                      </a:endParaRPr>
+                    </a:p>
+                  </a:txBody>
+                  <a:tcPr marL="107146" marR="107146" marT="0" marB="0"/>
+                </a:tc>
+                <a:tc>
+                  <a:txBody>
+                    <a:bodyPr/>
+                    <a:lstStyle/>
+                    <a:p>
+                      <a:pPr algn="just">
+                        <a:lnSpc>
+                          <a:spcPct val="110000"/>
+                        </a:lnSpc>
+                      </a:pPr>
+                      <a:r>
+                        <a:rPr lang="en-US" sz="1900" kern="100">
+                          <a:effectLst/>
+                        </a:rPr>
+                        <a:t>0.6</a:t>
+                      </a:r>
+                      <a:endParaRPr lang="de-DE" sz="1400" kern="100">
+                        <a:effectLst/>
+                        <a:latin typeface="Linux Libertine"/>
+                        <a:ea typeface="Calibri" panose="020F0502020204030204" pitchFamily="34" charset="0"/>
+                        <a:cs typeface="Times New Roman" panose="02020603050405020304" pitchFamily="18" charset="0"/>
+                      </a:endParaRPr>
+                    </a:p>
+                  </a:txBody>
+                  <a:tcPr marL="107146" marR="107146" marT="0" marB="0"/>
+                </a:tc>
+                <a:tc>
+                  <a:txBody>
+                    <a:bodyPr/>
+                    <a:lstStyle/>
+                    <a:p>
+                      <a:pPr algn="just">
+                        <a:lnSpc>
+                          <a:spcPct val="110000"/>
+                        </a:lnSpc>
+                      </a:pPr>
+                      <a:r>
+                        <a:rPr lang="en-US" sz="1900" kern="100">
+                          <a:effectLst/>
+                        </a:rPr>
+                        <a:t>0.00083</a:t>
+                      </a:r>
+                      <a:endParaRPr lang="de-DE" sz="1400" kern="100">
+                        <a:effectLst/>
+                      </a:endParaRPr>
+                    </a:p>
+                    <a:p>
+                      <a:pPr algn="just">
+                        <a:lnSpc>
+                          <a:spcPct val="110000"/>
+                        </a:lnSpc>
+                      </a:pPr>
+                      <a:r>
+                        <a:rPr lang="en-US" sz="1900" kern="100">
+                          <a:effectLst/>
+                        </a:rPr>
+                        <a:t> </a:t>
+                      </a:r>
+                      <a:endParaRPr lang="de-DE" sz="1400" kern="100">
+                        <a:effectLst/>
+                        <a:latin typeface="Linux Libertine"/>
+                        <a:ea typeface="Calibri" panose="020F0502020204030204" pitchFamily="34" charset="0"/>
+                        <a:cs typeface="Times New Roman" panose="02020603050405020304" pitchFamily="18" charset="0"/>
+                      </a:endParaRPr>
+                    </a:p>
+                  </a:txBody>
+                  <a:tcPr marL="107146" marR="107146" marT="0" marB="0"/>
+                </a:tc>
+                <a:tc>
+                  <a:txBody>
+                    <a:bodyPr/>
+                    <a:lstStyle/>
+                    <a:p>
+                      <a:pPr algn="just">
+                        <a:lnSpc>
+                          <a:spcPct val="110000"/>
+                        </a:lnSpc>
+                      </a:pPr>
+                      <a:r>
+                        <a:rPr lang="en-US" sz="1900" kern="100">
+                          <a:effectLst/>
+                        </a:rPr>
+                        <a:t>0.67518</a:t>
+                      </a:r>
+                      <a:endParaRPr lang="de-DE" sz="1400" kern="100">
+                        <a:effectLst/>
+                      </a:endParaRPr>
+                    </a:p>
+                    <a:p>
+                      <a:pPr algn="just">
+                        <a:lnSpc>
+                          <a:spcPct val="110000"/>
+                        </a:lnSpc>
+                      </a:pPr>
+                      <a:r>
+                        <a:rPr lang="en-US" sz="1900" kern="100">
+                          <a:effectLst/>
+                        </a:rPr>
+                        <a:t> </a:t>
+                      </a:r>
+                      <a:endParaRPr lang="de-DE" sz="1400" kern="100">
+                        <a:effectLst/>
+                        <a:latin typeface="Linux Libertine"/>
+                        <a:ea typeface="Calibri" panose="020F0502020204030204" pitchFamily="34" charset="0"/>
+                        <a:cs typeface="Times New Roman" panose="02020603050405020304" pitchFamily="18" charset="0"/>
+                      </a:endParaRPr>
+                    </a:p>
+                  </a:txBody>
+                  <a:tcPr marL="107146" marR="107146" marT="0" marB="0"/>
+                </a:tc>
+                <a:tc>
+                  <a:txBody>
+                    <a:bodyPr/>
+                    <a:lstStyle/>
+                    <a:p>
+                      <a:pPr algn="just">
+                        <a:lnSpc>
+                          <a:spcPct val="110000"/>
+                        </a:lnSpc>
+                      </a:pPr>
+                      <a:r>
+                        <a:rPr lang="en-US" sz="1900" kern="100">
+                          <a:effectLst/>
+                        </a:rPr>
+                        <a:t>0.04317</a:t>
+                      </a:r>
+                      <a:endParaRPr lang="de-DE" sz="1400" kern="100">
+                        <a:effectLst/>
+                      </a:endParaRPr>
+                    </a:p>
+                    <a:p>
+                      <a:pPr algn="just">
+                        <a:lnSpc>
+                          <a:spcPct val="110000"/>
+                        </a:lnSpc>
+                      </a:pPr>
+                      <a:r>
+                        <a:rPr lang="en-US" sz="1900" kern="100">
+                          <a:effectLst/>
+                        </a:rPr>
+                        <a:t> </a:t>
+                      </a:r>
+                      <a:endParaRPr lang="de-DE" sz="1400" kern="100">
+                        <a:effectLst/>
+                        <a:latin typeface="Linux Libertine"/>
+                        <a:ea typeface="Calibri" panose="020F0502020204030204" pitchFamily="34" charset="0"/>
+                        <a:cs typeface="Times New Roman" panose="02020603050405020304" pitchFamily="18" charset="0"/>
+                      </a:endParaRPr>
+                    </a:p>
+                  </a:txBody>
+                  <a:tcPr marL="107146" marR="107146" marT="0" marB="0"/>
+                </a:tc>
+                <a:tc>
+                  <a:txBody>
+                    <a:bodyPr/>
+                    <a:lstStyle/>
+                    <a:p>
+                      <a:pPr algn="just">
+                        <a:lnSpc>
+                          <a:spcPct val="110000"/>
+                        </a:lnSpc>
+                      </a:pPr>
+                      <a:r>
+                        <a:rPr lang="en-US" sz="1900" kern="100">
+                          <a:effectLst/>
+                        </a:rPr>
+                        <a:t>5.24167</a:t>
+                      </a:r>
+                      <a:r>
+                        <a:rPr lang="de-DE" sz="1700" kern="100">
+                          <a:effectLst/>
+                        </a:rPr>
+                        <a:t> </a:t>
+                      </a:r>
+                      <a:r>
+                        <a:rPr lang="en-US" sz="1900" kern="100">
+                          <a:effectLst/>
+                        </a:rPr>
+                        <a:t> </a:t>
+                      </a:r>
+                      <a:endParaRPr lang="de-DE" sz="1400" kern="100">
+                        <a:effectLst/>
+                        <a:latin typeface="Linux Libertine"/>
+                        <a:ea typeface="Calibri" panose="020F0502020204030204" pitchFamily="34" charset="0"/>
+                        <a:cs typeface="Times New Roman" panose="02020603050405020304" pitchFamily="18" charset="0"/>
+                      </a:endParaRPr>
+                    </a:p>
+                  </a:txBody>
+                  <a:tcPr marL="107146" marR="107146" marT="0" marB="0"/>
+                </a:tc>
+                <a:extLst>
+                  <a:ext uri="{0D108BD9-81ED-4DB2-BD59-A6C34878D82A}">
+                    <a16:rowId xmlns:a16="http://schemas.microsoft.com/office/drawing/2014/main" val="1421158106"/>
+                  </a:ext>
+                </a:extLst>
+              </a:tr>
+            </a:tbl>
+          </a:graphicData>
+        </a:graphic>
+      </p:graphicFrame>
     </p:spTree>
     <p:extLst>
       <p:ext uri="{BB962C8B-B14F-4D97-AF65-F5344CB8AC3E}">
-        <p14:creationId xmlns:p14="http://schemas.microsoft.com/office/powerpoint/2010/main" val="2141891068"/>
+        <p14:creationId xmlns:p14="http://schemas.microsoft.com/office/powerpoint/2010/main" val="1265749418"/>
+      </p:ext>
+    </p:extLst>
+  </p:cSld>
+  <p:clrMapOvr>
+    <a:masterClrMapping/>
+  </p:clrMapOvr>
+</p:sld>
+</file>
+
+<file path=ppt/slides/slide8.xml><?xml version="1.0" encoding="utf-8"?>
+<p:sld xmlns:a="http://schemas.openxmlformats.org/drawingml/2006/main" xmlns:r="http://schemas.openxmlformats.org/officeDocument/2006/relationships" xmlns:p="http://schemas.openxmlformats.org/presentationml/2006/main">
+  <p:cSld>
+    <p:spTree>
+      <p:nvGrpSpPr>
+        <p:cNvPr id="1" name=""/>
+        <p:cNvGrpSpPr/>
+        <p:nvPr/>
+      </p:nvGrpSpPr>
+      <p:grpSpPr>
+        <a:xfrm>
+          <a:off x="0" y="0"/>
+          <a:ext cx="0" cy="0"/>
+          <a:chOff x="0" y="0"/>
+          <a:chExt cx="0" cy="0"/>
+        </a:xfrm>
+      </p:grpSpPr>
+      <p:sp>
+        <p:nvSpPr>
+          <p:cNvPr id="2" name="Titel 1">
+            <a:extLst>
+              <a:ext uri="{FF2B5EF4-FFF2-40B4-BE49-F238E27FC236}">
+                <a16:creationId xmlns:a16="http://schemas.microsoft.com/office/drawing/2014/main" id="{A975779C-4048-5DCE-EE4C-A83DF13913AB}"/>
+              </a:ext>
+            </a:extLst>
+          </p:cNvPr>
+          <p:cNvSpPr>
+            <a:spLocks noGrp="1"/>
+          </p:cNvSpPr>
+          <p:nvPr>
+            <p:ph type="title"/>
+          </p:nvPr>
+        </p:nvSpPr>
+        <p:spPr>
+          <a:xfrm>
+            <a:off x="486000" y="575999"/>
+            <a:ext cx="11124000" cy="990000"/>
+          </a:xfrm>
+        </p:spPr>
+        <p:txBody>
+          <a:bodyPr anchor="t">
+            <a:normAutofit/>
+          </a:bodyPr>
+          <a:lstStyle/>
+          <a:p>
+            <a:r>
+              <a:rPr lang="en-US" dirty="0"/>
+              <a:t>Results of text-based retrieval – Song 2</a:t>
+            </a:r>
+            <a:endParaRPr lang="de-DE" dirty="0"/>
+          </a:p>
+        </p:txBody>
+      </p:sp>
+      <p:sp>
+        <p:nvSpPr>
+          <p:cNvPr id="9" name="Text Placeholder 3">
+            <a:extLst>
+              <a:ext uri="{FF2B5EF4-FFF2-40B4-BE49-F238E27FC236}">
+                <a16:creationId xmlns:a16="http://schemas.microsoft.com/office/drawing/2014/main" id="{3D7D3BB7-AF5F-AE01-D512-DB9F22C35FB5}"/>
+              </a:ext>
+            </a:extLst>
+          </p:cNvPr>
+          <p:cNvSpPr>
+            <a:spLocks noGrp="1"/>
+          </p:cNvSpPr>
+          <p:nvPr>
+            <p:ph type="body" sz="quarter" idx="25"/>
+          </p:nvPr>
+        </p:nvSpPr>
+        <p:spPr>
+          <a:xfrm>
+            <a:off x="576000" y="5864400"/>
+            <a:ext cx="11034000" cy="278127"/>
+          </a:xfrm>
+        </p:spPr>
+        <p:txBody>
+          <a:bodyPr/>
+          <a:lstStyle/>
+          <a:p>
+            <a:endParaRPr lang="en-US"/>
+          </a:p>
+        </p:txBody>
+      </p:sp>
+      <p:graphicFrame>
+        <p:nvGraphicFramePr>
+          <p:cNvPr id="4" name="Tabelle 3">
+            <a:extLst>
+              <a:ext uri="{FF2B5EF4-FFF2-40B4-BE49-F238E27FC236}">
+                <a16:creationId xmlns:a16="http://schemas.microsoft.com/office/drawing/2014/main" id="{415DA26F-894E-BB04-59C1-A7818A586EDA}"/>
+              </a:ext>
+            </a:extLst>
+          </p:cNvPr>
+          <p:cNvGraphicFramePr>
+            <a:graphicFrameLocks noGrp="1"/>
+          </p:cNvGraphicFramePr>
+          <p:nvPr>
+            <p:extLst>
+              <p:ext uri="{D42A27DB-BD31-4B8C-83A1-F6EECF244321}">
+                <p14:modId xmlns:p14="http://schemas.microsoft.com/office/powerpoint/2010/main" val="3151145575"/>
+              </p:ext>
+            </p:extLst>
+          </p:nvPr>
+        </p:nvGraphicFramePr>
+        <p:xfrm>
+          <a:off x="576000" y="1876673"/>
+          <a:ext cx="11034003" cy="4112462"/>
+        </p:xfrm>
+        <a:graphic>
+          <a:graphicData uri="http://schemas.openxmlformats.org/drawingml/2006/table">
+            <a:tbl>
+              <a:tblPr firstRow="1" firstCol="1" bandRow="1">
+                <a:tableStyleId>{5C22544A-7EE6-4342-B048-85BDC9FD1C3A}</a:tableStyleId>
+              </a:tblPr>
+              <a:tblGrid>
+                <a:gridCol w="2033371">
+                  <a:extLst>
+                    <a:ext uri="{9D8B030D-6E8A-4147-A177-3AD203B41FA5}">
+                      <a16:colId xmlns:a16="http://schemas.microsoft.com/office/drawing/2014/main" val="4204412843"/>
+                    </a:ext>
+                  </a:extLst>
+                </a:gridCol>
+                <a:gridCol w="1934890">
+                  <a:extLst>
+                    <a:ext uri="{9D8B030D-6E8A-4147-A177-3AD203B41FA5}">
+                      <a16:colId xmlns:a16="http://schemas.microsoft.com/office/drawing/2014/main" val="2015289029"/>
+                    </a:ext>
+                  </a:extLst>
+                </a:gridCol>
+                <a:gridCol w="1603165">
+                  <a:extLst>
+                    <a:ext uri="{9D8B030D-6E8A-4147-A177-3AD203B41FA5}">
+                      <a16:colId xmlns:a16="http://schemas.microsoft.com/office/drawing/2014/main" val="735039439"/>
+                    </a:ext>
+                  </a:extLst>
+                </a:gridCol>
+                <a:gridCol w="1605756">
+                  <a:extLst>
+                    <a:ext uri="{9D8B030D-6E8A-4147-A177-3AD203B41FA5}">
+                      <a16:colId xmlns:a16="http://schemas.microsoft.com/office/drawing/2014/main" val="3984256379"/>
+                    </a:ext>
+                  </a:extLst>
+                </a:gridCol>
+                <a:gridCol w="1989313">
+                  <a:extLst>
+                    <a:ext uri="{9D8B030D-6E8A-4147-A177-3AD203B41FA5}">
+                      <a16:colId xmlns:a16="http://schemas.microsoft.com/office/drawing/2014/main" val="945792764"/>
+                    </a:ext>
+                  </a:extLst>
+                </a:gridCol>
+                <a:gridCol w="1867508">
+                  <a:extLst>
+                    <a:ext uri="{9D8B030D-6E8A-4147-A177-3AD203B41FA5}">
+                      <a16:colId xmlns:a16="http://schemas.microsoft.com/office/drawing/2014/main" val="4068055428"/>
+                    </a:ext>
+                  </a:extLst>
+                </a:gridCol>
+              </a:tblGrid>
+              <a:tr h="362722">
+                <a:tc>
+                  <a:txBody>
+                    <a:bodyPr/>
+                    <a:lstStyle/>
+                    <a:p>
+                      <a:pPr algn="just">
+                        <a:lnSpc>
+                          <a:spcPct val="110000"/>
+                        </a:lnSpc>
+                      </a:pPr>
+                      <a:r>
+                        <a:rPr lang="en-US" sz="2000" kern="100">
+                          <a:effectLst/>
+                        </a:rPr>
+                        <a:t>Song: One, U2</a:t>
+                      </a:r>
+                      <a:endParaRPr lang="de-DE" sz="1500" kern="100">
+                        <a:effectLst/>
+                        <a:latin typeface="Linux Libertine"/>
+                        <a:ea typeface="Calibri" panose="020F0502020204030204" pitchFamily="34" charset="0"/>
+                        <a:cs typeface="Times New Roman" panose="02020603050405020304" pitchFamily="18" charset="0"/>
+                      </a:endParaRPr>
+                    </a:p>
+                  </a:txBody>
+                  <a:tcPr marL="111957" marR="111957" marT="0" marB="0"/>
+                </a:tc>
+                <a:tc>
+                  <a:txBody>
+                    <a:bodyPr/>
+                    <a:lstStyle/>
+                    <a:p>
+                      <a:pPr algn="just">
+                        <a:lnSpc>
+                          <a:spcPct val="110000"/>
+                        </a:lnSpc>
+                      </a:pPr>
+                      <a:r>
+                        <a:rPr lang="en-US" sz="2000" kern="100">
+                          <a:effectLst/>
+                        </a:rPr>
+                        <a:t>Precision@10</a:t>
+                      </a:r>
+                      <a:endParaRPr lang="de-DE" sz="1500" kern="100">
+                        <a:effectLst/>
+                        <a:latin typeface="Linux Libertine"/>
+                        <a:ea typeface="Calibri" panose="020F0502020204030204" pitchFamily="34" charset="0"/>
+                        <a:cs typeface="Times New Roman" panose="02020603050405020304" pitchFamily="18" charset="0"/>
+                      </a:endParaRPr>
+                    </a:p>
+                  </a:txBody>
+                  <a:tcPr marL="111957" marR="111957" marT="0" marB="0"/>
+                </a:tc>
+                <a:tc>
+                  <a:txBody>
+                    <a:bodyPr/>
+                    <a:lstStyle/>
+                    <a:p>
+                      <a:pPr algn="just">
+                        <a:lnSpc>
+                          <a:spcPct val="110000"/>
+                        </a:lnSpc>
+                      </a:pPr>
+                      <a:r>
+                        <a:rPr lang="en-US" sz="2000" kern="100">
+                          <a:effectLst/>
+                        </a:rPr>
+                        <a:t>Recall@10</a:t>
+                      </a:r>
+                      <a:endParaRPr lang="de-DE" sz="1500" kern="100">
+                        <a:effectLst/>
+                        <a:latin typeface="Linux Libertine"/>
+                        <a:ea typeface="Calibri" panose="020F0502020204030204" pitchFamily="34" charset="0"/>
+                        <a:cs typeface="Times New Roman" panose="02020603050405020304" pitchFamily="18" charset="0"/>
+                      </a:endParaRPr>
+                    </a:p>
+                  </a:txBody>
+                  <a:tcPr marL="111957" marR="111957" marT="0" marB="0"/>
+                </a:tc>
+                <a:tc>
+                  <a:txBody>
+                    <a:bodyPr/>
+                    <a:lstStyle/>
+                    <a:p>
+                      <a:pPr algn="just">
+                        <a:lnSpc>
+                          <a:spcPct val="110000"/>
+                        </a:lnSpc>
+                      </a:pPr>
+                      <a:r>
+                        <a:rPr lang="en-US" sz="2000" kern="100">
+                          <a:effectLst/>
+                        </a:rPr>
+                        <a:t>nDCG@10</a:t>
+                      </a:r>
+                      <a:endParaRPr lang="de-DE" sz="1500" kern="100">
+                        <a:effectLst/>
+                        <a:latin typeface="Linux Libertine"/>
+                        <a:ea typeface="Calibri" panose="020F0502020204030204" pitchFamily="34" charset="0"/>
+                        <a:cs typeface="Times New Roman" panose="02020603050405020304" pitchFamily="18" charset="0"/>
+                      </a:endParaRPr>
+                    </a:p>
+                  </a:txBody>
+                  <a:tcPr marL="111957" marR="111957" marT="0" marB="0"/>
+                </a:tc>
+                <a:tc>
+                  <a:txBody>
+                    <a:bodyPr/>
+                    <a:lstStyle/>
+                    <a:p>
+                      <a:pPr algn="just">
+                        <a:lnSpc>
+                          <a:spcPct val="110000"/>
+                        </a:lnSpc>
+                      </a:pPr>
+                      <a:r>
+                        <a:rPr lang="en-US" sz="2000" kern="100">
+                          <a:effectLst/>
+                        </a:rPr>
+                        <a:t>Coverage@10</a:t>
+                      </a:r>
+                      <a:endParaRPr lang="de-DE" sz="1500" kern="100">
+                        <a:effectLst/>
+                        <a:latin typeface="Linux Libertine"/>
+                        <a:ea typeface="Calibri" panose="020F0502020204030204" pitchFamily="34" charset="0"/>
+                        <a:cs typeface="Times New Roman" panose="02020603050405020304" pitchFamily="18" charset="0"/>
+                      </a:endParaRPr>
+                    </a:p>
+                  </a:txBody>
+                  <a:tcPr marL="111957" marR="111957" marT="0" marB="0"/>
+                </a:tc>
+                <a:tc>
+                  <a:txBody>
+                    <a:bodyPr/>
+                    <a:lstStyle/>
+                    <a:p>
+                      <a:pPr algn="just">
+                        <a:lnSpc>
+                          <a:spcPct val="110000"/>
+                        </a:lnSpc>
+                      </a:pPr>
+                      <a:r>
+                        <a:rPr lang="en-US" sz="2000" kern="100">
+                          <a:effectLst/>
+                        </a:rPr>
+                        <a:t>Diversity@10</a:t>
+                      </a:r>
+                      <a:endParaRPr lang="de-DE" sz="1500" kern="100">
+                        <a:effectLst/>
+                        <a:latin typeface="Linux Libertine"/>
+                        <a:ea typeface="Calibri" panose="020F0502020204030204" pitchFamily="34" charset="0"/>
+                        <a:cs typeface="Times New Roman" panose="02020603050405020304" pitchFamily="18" charset="0"/>
+                      </a:endParaRPr>
+                    </a:p>
+                  </a:txBody>
+                  <a:tcPr marL="111957" marR="111957" marT="0" marB="0"/>
+                </a:tc>
+                <a:extLst>
+                  <a:ext uri="{0D108BD9-81ED-4DB2-BD59-A6C34878D82A}">
+                    <a16:rowId xmlns:a16="http://schemas.microsoft.com/office/drawing/2014/main" val="3967106125"/>
+                  </a:ext>
+                </a:extLst>
+              </a:tr>
+              <a:tr h="1019537">
+                <a:tc>
+                  <a:txBody>
+                    <a:bodyPr/>
+                    <a:lstStyle/>
+                    <a:p>
+                      <a:pPr algn="just">
+                        <a:lnSpc>
+                          <a:spcPct val="110000"/>
+                        </a:lnSpc>
+                      </a:pPr>
+                      <a:r>
+                        <a:rPr lang="en-US" sz="2000" kern="100">
+                          <a:effectLst/>
+                        </a:rPr>
+                        <a:t>Text-based(cosine, tf-idf)</a:t>
+                      </a:r>
+                      <a:endParaRPr lang="de-DE" sz="1500" kern="100">
+                        <a:effectLst/>
+                        <a:latin typeface="Linux Libertine"/>
+                        <a:ea typeface="Calibri" panose="020F0502020204030204" pitchFamily="34" charset="0"/>
+                        <a:cs typeface="Times New Roman" panose="02020603050405020304" pitchFamily="18" charset="0"/>
+                      </a:endParaRPr>
+                    </a:p>
+                  </a:txBody>
+                  <a:tcPr marL="111957" marR="111957" marT="0" marB="0"/>
+                </a:tc>
+                <a:tc>
+                  <a:txBody>
+                    <a:bodyPr/>
+                    <a:lstStyle/>
+                    <a:p>
+                      <a:pPr algn="just">
+                        <a:lnSpc>
+                          <a:spcPct val="110000"/>
+                        </a:lnSpc>
+                      </a:pPr>
+                      <a:r>
+                        <a:rPr lang="en-US" sz="2000" kern="100">
+                          <a:effectLst/>
+                        </a:rPr>
+                        <a:t>0.6</a:t>
+                      </a:r>
+                      <a:endParaRPr lang="de-DE" sz="1500" kern="100">
+                        <a:effectLst/>
+                        <a:latin typeface="Linux Libertine"/>
+                        <a:ea typeface="Calibri" panose="020F0502020204030204" pitchFamily="34" charset="0"/>
+                        <a:cs typeface="Times New Roman" panose="02020603050405020304" pitchFamily="18" charset="0"/>
+                      </a:endParaRPr>
+                    </a:p>
+                  </a:txBody>
+                  <a:tcPr marL="111957" marR="111957" marT="0" marB="0"/>
+                </a:tc>
+                <a:tc>
+                  <a:txBody>
+                    <a:bodyPr/>
+                    <a:lstStyle/>
+                    <a:p>
+                      <a:pPr algn="just">
+                        <a:lnSpc>
+                          <a:spcPct val="110000"/>
+                        </a:lnSpc>
+                      </a:pPr>
+                      <a:r>
+                        <a:rPr lang="en-US" sz="2000" kern="100">
+                          <a:effectLst/>
+                        </a:rPr>
+                        <a:t>0.00085</a:t>
+                      </a:r>
+                      <a:endParaRPr lang="de-DE" sz="1500" kern="100">
+                        <a:effectLst/>
+                      </a:endParaRPr>
+                    </a:p>
+                    <a:p>
+                      <a:pPr algn="just">
+                        <a:lnSpc>
+                          <a:spcPct val="110000"/>
+                        </a:lnSpc>
+                      </a:pPr>
+                      <a:r>
+                        <a:rPr lang="en-US" sz="2000" kern="100">
+                          <a:effectLst/>
+                        </a:rPr>
+                        <a:t> </a:t>
+                      </a:r>
+                      <a:endParaRPr lang="de-DE" sz="1500" kern="100">
+                        <a:effectLst/>
+                        <a:latin typeface="Linux Libertine"/>
+                        <a:ea typeface="Calibri" panose="020F0502020204030204" pitchFamily="34" charset="0"/>
+                        <a:cs typeface="Times New Roman" panose="02020603050405020304" pitchFamily="18" charset="0"/>
+                      </a:endParaRPr>
+                    </a:p>
+                  </a:txBody>
+                  <a:tcPr marL="111957" marR="111957" marT="0" marB="0"/>
+                </a:tc>
+                <a:tc>
+                  <a:txBody>
+                    <a:bodyPr/>
+                    <a:lstStyle/>
+                    <a:p>
+                      <a:pPr algn="just">
+                        <a:lnSpc>
+                          <a:spcPct val="110000"/>
+                        </a:lnSpc>
+                      </a:pPr>
+                      <a:r>
+                        <a:rPr lang="en-US" sz="2000" kern="100">
+                          <a:effectLst/>
+                        </a:rPr>
+                        <a:t>0.85755</a:t>
+                      </a:r>
+                      <a:endParaRPr lang="de-DE" sz="1500" kern="100">
+                        <a:effectLst/>
+                      </a:endParaRPr>
+                    </a:p>
+                    <a:p>
+                      <a:pPr algn="just">
+                        <a:lnSpc>
+                          <a:spcPct val="110000"/>
+                        </a:lnSpc>
+                      </a:pPr>
+                      <a:r>
+                        <a:rPr lang="en-US" sz="2000" kern="100">
+                          <a:effectLst/>
+                        </a:rPr>
+                        <a:t> </a:t>
+                      </a:r>
+                      <a:endParaRPr lang="de-DE" sz="1500" kern="100">
+                        <a:effectLst/>
+                        <a:latin typeface="Linux Libertine"/>
+                        <a:ea typeface="Calibri" panose="020F0502020204030204" pitchFamily="34" charset="0"/>
+                        <a:cs typeface="Times New Roman" panose="02020603050405020304" pitchFamily="18" charset="0"/>
+                      </a:endParaRPr>
+                    </a:p>
+                  </a:txBody>
+                  <a:tcPr marL="111957" marR="111957" marT="0" marB="0"/>
+                </a:tc>
+                <a:tc>
+                  <a:txBody>
+                    <a:bodyPr/>
+                    <a:lstStyle/>
+                    <a:p>
+                      <a:pPr algn="just">
+                        <a:lnSpc>
+                          <a:spcPct val="110000"/>
+                        </a:lnSpc>
+                      </a:pPr>
+                      <a:r>
+                        <a:rPr lang="en-US" sz="2000" kern="100">
+                          <a:effectLst/>
+                        </a:rPr>
+                        <a:t>0.03956</a:t>
+                      </a:r>
+                      <a:endParaRPr lang="de-DE" sz="1500" kern="100">
+                        <a:effectLst/>
+                      </a:endParaRPr>
+                    </a:p>
+                    <a:p>
+                      <a:pPr algn="just">
+                        <a:lnSpc>
+                          <a:spcPct val="110000"/>
+                        </a:lnSpc>
+                      </a:pPr>
+                      <a:r>
+                        <a:rPr lang="en-US" sz="2000" kern="100">
+                          <a:effectLst/>
+                        </a:rPr>
+                        <a:t> </a:t>
+                      </a:r>
+                      <a:endParaRPr lang="de-DE" sz="1500" kern="100">
+                        <a:effectLst/>
+                        <a:latin typeface="Linux Libertine"/>
+                        <a:ea typeface="Calibri" panose="020F0502020204030204" pitchFamily="34" charset="0"/>
+                        <a:cs typeface="Times New Roman" panose="02020603050405020304" pitchFamily="18" charset="0"/>
+                      </a:endParaRPr>
+                    </a:p>
+                  </a:txBody>
+                  <a:tcPr marL="111957" marR="111957" marT="0" marB="0"/>
+                </a:tc>
+                <a:tc>
+                  <a:txBody>
+                    <a:bodyPr/>
+                    <a:lstStyle/>
+                    <a:p>
+                      <a:pPr algn="just">
+                        <a:lnSpc>
+                          <a:spcPct val="110000"/>
+                        </a:lnSpc>
+                      </a:pPr>
+                      <a:r>
+                        <a:rPr lang="en-US" sz="2000" kern="100">
+                          <a:effectLst/>
+                        </a:rPr>
+                        <a:t>4.98059</a:t>
+                      </a:r>
+                      <a:endParaRPr lang="de-DE" sz="1500" kern="100">
+                        <a:effectLst/>
+                      </a:endParaRPr>
+                    </a:p>
+                    <a:p>
+                      <a:pPr algn="just">
+                        <a:lnSpc>
+                          <a:spcPct val="110000"/>
+                        </a:lnSpc>
+                      </a:pPr>
+                      <a:r>
+                        <a:rPr lang="en-US" sz="2000" kern="100">
+                          <a:effectLst/>
+                        </a:rPr>
+                        <a:t> </a:t>
+                      </a:r>
+                      <a:endParaRPr lang="de-DE" sz="1500" kern="100">
+                        <a:effectLst/>
+                        <a:latin typeface="Linux Libertine"/>
+                        <a:ea typeface="Calibri" panose="020F0502020204030204" pitchFamily="34" charset="0"/>
+                        <a:cs typeface="Times New Roman" panose="02020603050405020304" pitchFamily="18" charset="0"/>
+                      </a:endParaRPr>
+                    </a:p>
+                  </a:txBody>
+                  <a:tcPr marL="111957" marR="111957" marT="0" marB="0"/>
+                </a:tc>
+                <a:extLst>
+                  <a:ext uri="{0D108BD9-81ED-4DB2-BD59-A6C34878D82A}">
+                    <a16:rowId xmlns:a16="http://schemas.microsoft.com/office/drawing/2014/main" val="3115166603"/>
+                  </a:ext>
+                </a:extLst>
+              </a:tr>
+              <a:tr h="1019537">
+                <a:tc>
+                  <a:txBody>
+                    <a:bodyPr/>
+                    <a:lstStyle/>
+                    <a:p>
+                      <a:pPr algn="just">
+                        <a:lnSpc>
+                          <a:spcPct val="110000"/>
+                        </a:lnSpc>
+                      </a:pPr>
+                      <a:r>
+                        <a:rPr lang="en-US" sz="2000" kern="100">
+                          <a:effectLst/>
+                        </a:rPr>
+                        <a:t>Text-based(cosine,</a:t>
+                      </a:r>
+                      <a:endParaRPr lang="de-DE" sz="1500" kern="100">
+                        <a:effectLst/>
+                      </a:endParaRPr>
+                    </a:p>
+                    <a:p>
+                      <a:pPr algn="just">
+                        <a:lnSpc>
+                          <a:spcPct val="110000"/>
+                        </a:lnSpc>
+                      </a:pPr>
+                      <a:r>
+                        <a:rPr lang="en-US" sz="2000" kern="100">
+                          <a:effectLst/>
+                        </a:rPr>
+                        <a:t>word2vec)</a:t>
+                      </a:r>
+                      <a:endParaRPr lang="de-DE" sz="1500" kern="100">
+                        <a:effectLst/>
+                        <a:latin typeface="Linux Libertine"/>
+                        <a:ea typeface="Calibri" panose="020F0502020204030204" pitchFamily="34" charset="0"/>
+                        <a:cs typeface="Times New Roman" panose="02020603050405020304" pitchFamily="18" charset="0"/>
+                      </a:endParaRPr>
+                    </a:p>
+                  </a:txBody>
+                  <a:tcPr marL="111957" marR="111957" marT="0" marB="0"/>
+                </a:tc>
+                <a:tc>
+                  <a:txBody>
+                    <a:bodyPr/>
+                    <a:lstStyle/>
+                    <a:p>
+                      <a:pPr algn="just">
+                        <a:lnSpc>
+                          <a:spcPct val="110000"/>
+                        </a:lnSpc>
+                      </a:pPr>
+                      <a:r>
+                        <a:rPr lang="en-US" sz="2000" kern="100">
+                          <a:effectLst/>
+                        </a:rPr>
+                        <a:t>0.4</a:t>
+                      </a:r>
+                      <a:endParaRPr lang="de-DE" sz="1500" kern="100">
+                        <a:effectLst/>
+                        <a:latin typeface="Linux Libertine"/>
+                        <a:ea typeface="Calibri" panose="020F0502020204030204" pitchFamily="34" charset="0"/>
+                        <a:cs typeface="Times New Roman" panose="02020603050405020304" pitchFamily="18" charset="0"/>
+                      </a:endParaRPr>
+                    </a:p>
+                  </a:txBody>
+                  <a:tcPr marL="111957" marR="111957" marT="0" marB="0"/>
+                </a:tc>
+                <a:tc>
+                  <a:txBody>
+                    <a:bodyPr/>
+                    <a:lstStyle/>
+                    <a:p>
+                      <a:pPr algn="just">
+                        <a:lnSpc>
+                          <a:spcPct val="110000"/>
+                        </a:lnSpc>
+                      </a:pPr>
+                      <a:r>
+                        <a:rPr lang="en-US" sz="2000" kern="100">
+                          <a:effectLst/>
+                        </a:rPr>
+                        <a:t>0.00057</a:t>
+                      </a:r>
+                      <a:endParaRPr lang="de-DE" sz="1500" kern="100">
+                        <a:effectLst/>
+                      </a:endParaRPr>
+                    </a:p>
+                    <a:p>
+                      <a:pPr algn="just">
+                        <a:lnSpc>
+                          <a:spcPct val="110000"/>
+                        </a:lnSpc>
+                      </a:pPr>
+                      <a:r>
+                        <a:rPr lang="en-US" sz="2000" kern="100">
+                          <a:effectLst/>
+                        </a:rPr>
+                        <a:t> </a:t>
+                      </a:r>
+                      <a:endParaRPr lang="de-DE" sz="1500" kern="100">
+                        <a:effectLst/>
+                        <a:latin typeface="Linux Libertine"/>
+                        <a:ea typeface="Calibri" panose="020F0502020204030204" pitchFamily="34" charset="0"/>
+                        <a:cs typeface="Times New Roman" panose="02020603050405020304" pitchFamily="18" charset="0"/>
+                      </a:endParaRPr>
+                    </a:p>
+                  </a:txBody>
+                  <a:tcPr marL="111957" marR="111957" marT="0" marB="0"/>
+                </a:tc>
+                <a:tc>
+                  <a:txBody>
+                    <a:bodyPr/>
+                    <a:lstStyle/>
+                    <a:p>
+                      <a:pPr algn="just">
+                        <a:lnSpc>
+                          <a:spcPct val="110000"/>
+                        </a:lnSpc>
+                      </a:pPr>
+                      <a:r>
+                        <a:rPr lang="en-US" sz="2000" kern="100">
+                          <a:effectLst/>
+                        </a:rPr>
+                        <a:t>0.84163</a:t>
+                      </a:r>
+                      <a:endParaRPr lang="de-DE" sz="1500" kern="100">
+                        <a:effectLst/>
+                      </a:endParaRPr>
+                    </a:p>
+                    <a:p>
+                      <a:pPr algn="just">
+                        <a:lnSpc>
+                          <a:spcPct val="110000"/>
+                        </a:lnSpc>
+                      </a:pPr>
+                      <a:r>
+                        <a:rPr lang="en-US" sz="2000" kern="100">
+                          <a:effectLst/>
+                        </a:rPr>
+                        <a:t> </a:t>
+                      </a:r>
+                      <a:endParaRPr lang="de-DE" sz="1500" kern="100">
+                        <a:effectLst/>
+                        <a:latin typeface="Linux Libertine"/>
+                        <a:ea typeface="Calibri" panose="020F0502020204030204" pitchFamily="34" charset="0"/>
+                        <a:cs typeface="Times New Roman" panose="02020603050405020304" pitchFamily="18" charset="0"/>
+                      </a:endParaRPr>
+                    </a:p>
+                  </a:txBody>
+                  <a:tcPr marL="111957" marR="111957" marT="0" marB="0"/>
+                </a:tc>
+                <a:tc>
+                  <a:txBody>
+                    <a:bodyPr/>
+                    <a:lstStyle/>
+                    <a:p>
+                      <a:pPr algn="just">
+                        <a:lnSpc>
+                          <a:spcPct val="110000"/>
+                        </a:lnSpc>
+                      </a:pPr>
+                      <a:r>
+                        <a:rPr lang="en-US" sz="2000" kern="100">
+                          <a:effectLst/>
+                        </a:rPr>
+                        <a:t>0.02518</a:t>
+                      </a:r>
+                      <a:endParaRPr lang="de-DE" sz="1500" kern="100">
+                        <a:effectLst/>
+                      </a:endParaRPr>
+                    </a:p>
+                    <a:p>
+                      <a:pPr algn="just">
+                        <a:lnSpc>
+                          <a:spcPct val="110000"/>
+                        </a:lnSpc>
+                      </a:pPr>
+                      <a:r>
+                        <a:rPr lang="en-US" sz="2000" kern="100">
+                          <a:effectLst/>
+                        </a:rPr>
+                        <a:t> </a:t>
+                      </a:r>
+                      <a:endParaRPr lang="de-DE" sz="1500" kern="100">
+                        <a:effectLst/>
+                        <a:latin typeface="Linux Libertine"/>
+                        <a:ea typeface="Calibri" panose="020F0502020204030204" pitchFamily="34" charset="0"/>
+                        <a:cs typeface="Times New Roman" panose="02020603050405020304" pitchFamily="18" charset="0"/>
+                      </a:endParaRPr>
+                    </a:p>
+                  </a:txBody>
+                  <a:tcPr marL="111957" marR="111957" marT="0" marB="0"/>
+                </a:tc>
+                <a:tc>
+                  <a:txBody>
+                    <a:bodyPr/>
+                    <a:lstStyle/>
+                    <a:p>
+                      <a:pPr algn="just">
+                        <a:lnSpc>
+                          <a:spcPct val="110000"/>
+                        </a:lnSpc>
+                      </a:pPr>
+                      <a:r>
+                        <a:rPr lang="en-US" sz="2000" kern="100">
+                          <a:effectLst/>
+                        </a:rPr>
+                        <a:t>4.41128</a:t>
+                      </a:r>
+                      <a:endParaRPr lang="de-DE" sz="1500" kern="100">
+                        <a:effectLst/>
+                      </a:endParaRPr>
+                    </a:p>
+                    <a:p>
+                      <a:pPr algn="just">
+                        <a:lnSpc>
+                          <a:spcPct val="110000"/>
+                        </a:lnSpc>
+                      </a:pPr>
+                      <a:r>
+                        <a:rPr lang="en-US" sz="2000" kern="100">
+                          <a:effectLst/>
+                        </a:rPr>
+                        <a:t> </a:t>
+                      </a:r>
+                      <a:endParaRPr lang="de-DE" sz="1500" kern="100">
+                        <a:effectLst/>
+                        <a:latin typeface="Linux Libertine"/>
+                        <a:ea typeface="Calibri" panose="020F0502020204030204" pitchFamily="34" charset="0"/>
+                        <a:cs typeface="Times New Roman" panose="02020603050405020304" pitchFamily="18" charset="0"/>
+                      </a:endParaRPr>
+                    </a:p>
+                  </a:txBody>
+                  <a:tcPr marL="111957" marR="111957" marT="0" marB="0"/>
+                </a:tc>
+                <a:extLst>
+                  <a:ext uri="{0D108BD9-81ED-4DB2-BD59-A6C34878D82A}">
+                    <a16:rowId xmlns:a16="http://schemas.microsoft.com/office/drawing/2014/main" val="2504168212"/>
+                  </a:ext>
+                </a:extLst>
+              </a:tr>
+              <a:tr h="1019537">
+                <a:tc>
+                  <a:txBody>
+                    <a:bodyPr/>
+                    <a:lstStyle/>
+                    <a:p>
+                      <a:pPr algn="just">
+                        <a:lnSpc>
+                          <a:spcPct val="110000"/>
+                        </a:lnSpc>
+                      </a:pPr>
+                      <a:r>
+                        <a:rPr lang="en-US" sz="2000" kern="100">
+                          <a:effectLst/>
+                        </a:rPr>
+                        <a:t>Text-based(cosine,</a:t>
+                      </a:r>
+                      <a:endParaRPr lang="de-DE" sz="1500" kern="100">
+                        <a:effectLst/>
+                      </a:endParaRPr>
+                    </a:p>
+                    <a:p>
+                      <a:pPr algn="just">
+                        <a:lnSpc>
+                          <a:spcPct val="110000"/>
+                        </a:lnSpc>
+                      </a:pPr>
+                      <a:r>
+                        <a:rPr lang="en-US" sz="2000" kern="100">
+                          <a:effectLst/>
+                        </a:rPr>
+                        <a:t>Bert)</a:t>
+                      </a:r>
+                      <a:endParaRPr lang="de-DE" sz="1500" kern="100">
+                        <a:effectLst/>
+                        <a:latin typeface="Linux Libertine"/>
+                        <a:ea typeface="Calibri" panose="020F0502020204030204" pitchFamily="34" charset="0"/>
+                        <a:cs typeface="Times New Roman" panose="02020603050405020304" pitchFamily="18" charset="0"/>
+                      </a:endParaRPr>
+                    </a:p>
+                  </a:txBody>
+                  <a:tcPr marL="111957" marR="111957" marT="0" marB="0"/>
+                </a:tc>
+                <a:tc>
+                  <a:txBody>
+                    <a:bodyPr/>
+                    <a:lstStyle/>
+                    <a:p>
+                      <a:pPr algn="just">
+                        <a:lnSpc>
+                          <a:spcPct val="110000"/>
+                        </a:lnSpc>
+                      </a:pPr>
+                      <a:r>
+                        <a:rPr lang="en-US" sz="2000" kern="100">
+                          <a:effectLst/>
+                        </a:rPr>
+                        <a:t>0.8</a:t>
+                      </a:r>
+                      <a:endParaRPr lang="de-DE" sz="1500" kern="100">
+                        <a:effectLst/>
+                        <a:latin typeface="Linux Libertine"/>
+                        <a:ea typeface="Calibri" panose="020F0502020204030204" pitchFamily="34" charset="0"/>
+                        <a:cs typeface="Times New Roman" panose="02020603050405020304" pitchFamily="18" charset="0"/>
+                      </a:endParaRPr>
+                    </a:p>
+                  </a:txBody>
+                  <a:tcPr marL="111957" marR="111957" marT="0" marB="0"/>
+                </a:tc>
+                <a:tc>
+                  <a:txBody>
+                    <a:bodyPr/>
+                    <a:lstStyle/>
+                    <a:p>
+                      <a:pPr algn="just">
+                        <a:lnSpc>
+                          <a:spcPct val="110000"/>
+                        </a:lnSpc>
+                      </a:pPr>
+                      <a:r>
+                        <a:rPr lang="en-US" sz="2000" kern="100">
+                          <a:effectLst/>
+                        </a:rPr>
+                        <a:t>0.00114</a:t>
+                      </a:r>
+                      <a:endParaRPr lang="de-DE" sz="1500" kern="100">
+                        <a:effectLst/>
+                      </a:endParaRPr>
+                    </a:p>
+                    <a:p>
+                      <a:pPr algn="just">
+                        <a:lnSpc>
+                          <a:spcPct val="110000"/>
+                        </a:lnSpc>
+                      </a:pPr>
+                      <a:r>
+                        <a:rPr lang="en-US" sz="2000" kern="100">
+                          <a:effectLst/>
+                        </a:rPr>
+                        <a:t> </a:t>
+                      </a:r>
+                      <a:endParaRPr lang="de-DE" sz="1500" kern="100">
+                        <a:effectLst/>
+                        <a:latin typeface="Linux Libertine"/>
+                        <a:ea typeface="Calibri" panose="020F0502020204030204" pitchFamily="34" charset="0"/>
+                        <a:cs typeface="Times New Roman" panose="02020603050405020304" pitchFamily="18" charset="0"/>
+                      </a:endParaRPr>
+                    </a:p>
+                  </a:txBody>
+                  <a:tcPr marL="111957" marR="111957" marT="0" marB="0"/>
+                </a:tc>
+                <a:tc>
+                  <a:txBody>
+                    <a:bodyPr/>
+                    <a:lstStyle/>
+                    <a:p>
+                      <a:pPr algn="just">
+                        <a:lnSpc>
+                          <a:spcPct val="110000"/>
+                        </a:lnSpc>
+                      </a:pPr>
+                      <a:r>
+                        <a:rPr lang="en-US" sz="2000" kern="100">
+                          <a:effectLst/>
+                        </a:rPr>
+                        <a:t>0.88648</a:t>
+                      </a:r>
+                      <a:endParaRPr lang="de-DE" sz="1500" kern="100">
+                        <a:effectLst/>
+                      </a:endParaRPr>
+                    </a:p>
+                    <a:p>
+                      <a:pPr algn="just">
+                        <a:lnSpc>
+                          <a:spcPct val="110000"/>
+                        </a:lnSpc>
+                      </a:pPr>
+                      <a:r>
+                        <a:rPr lang="en-US" sz="2000" kern="100">
+                          <a:effectLst/>
+                        </a:rPr>
+                        <a:t> </a:t>
+                      </a:r>
+                      <a:endParaRPr lang="de-DE" sz="1500" kern="100">
+                        <a:effectLst/>
+                        <a:latin typeface="Linux Libertine"/>
+                        <a:ea typeface="Calibri" panose="020F0502020204030204" pitchFamily="34" charset="0"/>
+                        <a:cs typeface="Times New Roman" panose="02020603050405020304" pitchFamily="18" charset="0"/>
+                      </a:endParaRPr>
+                    </a:p>
+                  </a:txBody>
+                  <a:tcPr marL="111957" marR="111957" marT="0" marB="0"/>
+                </a:tc>
+                <a:tc>
+                  <a:txBody>
+                    <a:bodyPr/>
+                    <a:lstStyle/>
+                    <a:p>
+                      <a:pPr algn="just">
+                        <a:lnSpc>
+                          <a:spcPct val="110000"/>
+                        </a:lnSpc>
+                      </a:pPr>
+                      <a:r>
+                        <a:rPr lang="en-US" sz="2000" kern="100">
+                          <a:effectLst/>
+                        </a:rPr>
+                        <a:t>0.03866</a:t>
+                      </a:r>
+                      <a:endParaRPr lang="de-DE" sz="1500" kern="100">
+                        <a:effectLst/>
+                      </a:endParaRPr>
+                    </a:p>
+                    <a:p>
+                      <a:pPr algn="just">
+                        <a:lnSpc>
+                          <a:spcPct val="110000"/>
+                        </a:lnSpc>
+                      </a:pPr>
+                      <a:r>
+                        <a:rPr lang="en-US" sz="2000" kern="100">
+                          <a:effectLst/>
+                        </a:rPr>
+                        <a:t> </a:t>
+                      </a:r>
+                      <a:endParaRPr lang="de-DE" sz="1500" kern="100">
+                        <a:effectLst/>
+                        <a:latin typeface="Linux Libertine"/>
+                        <a:ea typeface="Calibri" panose="020F0502020204030204" pitchFamily="34" charset="0"/>
+                        <a:cs typeface="Times New Roman" panose="02020603050405020304" pitchFamily="18" charset="0"/>
+                      </a:endParaRPr>
+                    </a:p>
+                  </a:txBody>
+                  <a:tcPr marL="111957" marR="111957" marT="0" marB="0"/>
+                </a:tc>
+                <a:tc>
+                  <a:txBody>
+                    <a:bodyPr/>
+                    <a:lstStyle/>
+                    <a:p>
+                      <a:pPr algn="just">
+                        <a:lnSpc>
+                          <a:spcPct val="110000"/>
+                        </a:lnSpc>
+                      </a:pPr>
+                      <a:r>
+                        <a:rPr lang="en-US" sz="2000" kern="100">
+                          <a:effectLst/>
+                        </a:rPr>
+                        <a:t>4.73847</a:t>
+                      </a:r>
+                      <a:endParaRPr lang="de-DE" sz="1500" kern="100">
+                        <a:effectLst/>
+                      </a:endParaRPr>
+                    </a:p>
+                    <a:p>
+                      <a:pPr algn="just">
+                        <a:lnSpc>
+                          <a:spcPct val="110000"/>
+                        </a:lnSpc>
+                      </a:pPr>
+                      <a:r>
+                        <a:rPr lang="en-US" sz="2000" kern="100">
+                          <a:effectLst/>
+                        </a:rPr>
+                        <a:t> </a:t>
+                      </a:r>
+                      <a:endParaRPr lang="de-DE" sz="1500" kern="100">
+                        <a:effectLst/>
+                        <a:latin typeface="Linux Libertine"/>
+                        <a:ea typeface="Calibri" panose="020F0502020204030204" pitchFamily="34" charset="0"/>
+                        <a:cs typeface="Times New Roman" panose="02020603050405020304" pitchFamily="18" charset="0"/>
+                      </a:endParaRPr>
+                    </a:p>
+                  </a:txBody>
+                  <a:tcPr marL="111957" marR="111957" marT="0" marB="0"/>
+                </a:tc>
+                <a:extLst>
+                  <a:ext uri="{0D108BD9-81ED-4DB2-BD59-A6C34878D82A}">
+                    <a16:rowId xmlns:a16="http://schemas.microsoft.com/office/drawing/2014/main" val="4005743740"/>
+                  </a:ext>
+                </a:extLst>
+              </a:tr>
+              <a:tr h="691129">
+                <a:tc>
+                  <a:txBody>
+                    <a:bodyPr/>
+                    <a:lstStyle/>
+                    <a:p>
+                      <a:pPr algn="just">
+                        <a:lnSpc>
+                          <a:spcPct val="110000"/>
+                        </a:lnSpc>
+                      </a:pPr>
+                      <a:r>
+                        <a:rPr lang="en-US" sz="2000" kern="100">
+                          <a:effectLst/>
+                        </a:rPr>
+                        <a:t>Random-Baseline</a:t>
+                      </a:r>
+                      <a:endParaRPr lang="de-DE" sz="1500" kern="100">
+                        <a:effectLst/>
+                        <a:latin typeface="Linux Libertine"/>
+                        <a:ea typeface="Calibri" panose="020F0502020204030204" pitchFamily="34" charset="0"/>
+                        <a:cs typeface="Times New Roman" panose="02020603050405020304" pitchFamily="18" charset="0"/>
+                      </a:endParaRPr>
+                    </a:p>
+                  </a:txBody>
+                  <a:tcPr marL="111957" marR="111957" marT="0" marB="0"/>
+                </a:tc>
+                <a:tc>
+                  <a:txBody>
+                    <a:bodyPr/>
+                    <a:lstStyle/>
+                    <a:p>
+                      <a:pPr algn="just">
+                        <a:lnSpc>
+                          <a:spcPct val="110000"/>
+                        </a:lnSpc>
+                      </a:pPr>
+                      <a:r>
+                        <a:rPr lang="en-US" sz="2000" kern="100">
+                          <a:effectLst/>
+                        </a:rPr>
+                        <a:t>0.5</a:t>
+                      </a:r>
+                      <a:endParaRPr lang="de-DE" sz="1500" kern="100">
+                        <a:effectLst/>
+                        <a:latin typeface="Linux Libertine"/>
+                        <a:ea typeface="Calibri" panose="020F0502020204030204" pitchFamily="34" charset="0"/>
+                        <a:cs typeface="Times New Roman" panose="02020603050405020304" pitchFamily="18" charset="0"/>
+                      </a:endParaRPr>
+                    </a:p>
+                  </a:txBody>
+                  <a:tcPr marL="111957" marR="111957" marT="0" marB="0"/>
+                </a:tc>
+                <a:tc>
+                  <a:txBody>
+                    <a:bodyPr/>
+                    <a:lstStyle/>
+                    <a:p>
+                      <a:pPr algn="just">
+                        <a:lnSpc>
+                          <a:spcPct val="110000"/>
+                        </a:lnSpc>
+                      </a:pPr>
+                      <a:r>
+                        <a:rPr lang="en-US" sz="2000" kern="100">
+                          <a:effectLst/>
+                        </a:rPr>
+                        <a:t>0.00071</a:t>
+                      </a:r>
+                      <a:endParaRPr lang="de-DE" sz="1500" kern="100">
+                        <a:effectLst/>
+                      </a:endParaRPr>
+                    </a:p>
+                    <a:p>
+                      <a:pPr algn="just">
+                        <a:lnSpc>
+                          <a:spcPct val="110000"/>
+                        </a:lnSpc>
+                      </a:pPr>
+                      <a:r>
+                        <a:rPr lang="en-US" sz="2000" kern="100">
+                          <a:effectLst/>
+                        </a:rPr>
+                        <a:t> </a:t>
+                      </a:r>
+                      <a:endParaRPr lang="de-DE" sz="1500" kern="100">
+                        <a:effectLst/>
+                        <a:latin typeface="Linux Libertine"/>
+                        <a:ea typeface="Calibri" panose="020F0502020204030204" pitchFamily="34" charset="0"/>
+                        <a:cs typeface="Times New Roman" panose="02020603050405020304" pitchFamily="18" charset="0"/>
+                      </a:endParaRPr>
+                    </a:p>
+                  </a:txBody>
+                  <a:tcPr marL="111957" marR="111957" marT="0" marB="0"/>
+                </a:tc>
+                <a:tc>
+                  <a:txBody>
+                    <a:bodyPr/>
+                    <a:lstStyle/>
+                    <a:p>
+                      <a:pPr algn="just">
+                        <a:lnSpc>
+                          <a:spcPct val="110000"/>
+                        </a:lnSpc>
+                      </a:pPr>
+                      <a:r>
+                        <a:rPr lang="en-US" sz="2000" kern="100">
+                          <a:effectLst/>
+                        </a:rPr>
+                        <a:t>0.65161</a:t>
+                      </a:r>
+                      <a:endParaRPr lang="de-DE" sz="1500" kern="100">
+                        <a:effectLst/>
+                      </a:endParaRPr>
+                    </a:p>
+                    <a:p>
+                      <a:pPr algn="just">
+                        <a:lnSpc>
+                          <a:spcPct val="110000"/>
+                        </a:lnSpc>
+                      </a:pPr>
+                      <a:r>
+                        <a:rPr lang="en-US" sz="2000" kern="100">
+                          <a:effectLst/>
+                        </a:rPr>
+                        <a:t> </a:t>
+                      </a:r>
+                      <a:endParaRPr lang="de-DE" sz="1500" kern="100">
+                        <a:effectLst/>
+                        <a:latin typeface="Linux Libertine"/>
+                        <a:ea typeface="Calibri" panose="020F0502020204030204" pitchFamily="34" charset="0"/>
+                        <a:cs typeface="Times New Roman" panose="02020603050405020304" pitchFamily="18" charset="0"/>
+                      </a:endParaRPr>
+                    </a:p>
+                  </a:txBody>
+                  <a:tcPr marL="111957" marR="111957" marT="0" marB="0"/>
+                </a:tc>
+                <a:tc>
+                  <a:txBody>
+                    <a:bodyPr/>
+                    <a:lstStyle/>
+                    <a:p>
+                      <a:pPr algn="just">
+                        <a:lnSpc>
+                          <a:spcPct val="110000"/>
+                        </a:lnSpc>
+                      </a:pPr>
+                      <a:r>
+                        <a:rPr lang="en-US" sz="2000" kern="100">
+                          <a:effectLst/>
+                        </a:rPr>
+                        <a:t>0.03327</a:t>
+                      </a:r>
+                      <a:endParaRPr lang="de-DE" sz="1500" kern="100">
+                        <a:effectLst/>
+                      </a:endParaRPr>
+                    </a:p>
+                    <a:p>
+                      <a:pPr algn="just">
+                        <a:lnSpc>
+                          <a:spcPct val="110000"/>
+                        </a:lnSpc>
+                      </a:pPr>
+                      <a:r>
+                        <a:rPr lang="en-US" sz="2000" kern="100">
+                          <a:effectLst/>
+                        </a:rPr>
+                        <a:t> </a:t>
+                      </a:r>
+                      <a:endParaRPr lang="de-DE" sz="1500" kern="100">
+                        <a:effectLst/>
+                        <a:latin typeface="Linux Libertine"/>
+                        <a:ea typeface="Calibri" panose="020F0502020204030204" pitchFamily="34" charset="0"/>
+                        <a:cs typeface="Times New Roman" panose="02020603050405020304" pitchFamily="18" charset="0"/>
+                      </a:endParaRPr>
+                    </a:p>
+                  </a:txBody>
+                  <a:tcPr marL="111957" marR="111957" marT="0" marB="0"/>
+                </a:tc>
+                <a:tc>
+                  <a:txBody>
+                    <a:bodyPr/>
+                    <a:lstStyle/>
+                    <a:p>
+                      <a:pPr algn="just">
+                        <a:lnSpc>
+                          <a:spcPct val="110000"/>
+                        </a:lnSpc>
+                      </a:pPr>
+                      <a:r>
+                        <a:rPr lang="en-US" sz="2000" kern="100" dirty="0">
+                          <a:effectLst/>
+                        </a:rPr>
+                        <a:t>4.88552</a:t>
+                      </a:r>
+                      <a:endParaRPr lang="de-DE" sz="1500" kern="100" dirty="0">
+                        <a:effectLst/>
+                      </a:endParaRPr>
+                    </a:p>
+                    <a:p>
+                      <a:pPr algn="just">
+                        <a:lnSpc>
+                          <a:spcPct val="110000"/>
+                        </a:lnSpc>
+                      </a:pPr>
+                      <a:r>
+                        <a:rPr lang="en-US" sz="2000" kern="100" dirty="0">
+                          <a:effectLst/>
+                        </a:rPr>
+                        <a:t> </a:t>
+                      </a:r>
+                      <a:endParaRPr lang="de-DE" sz="1500" kern="100" dirty="0">
+                        <a:effectLst/>
+                        <a:latin typeface="Linux Libertine"/>
+                        <a:ea typeface="Calibri" panose="020F0502020204030204" pitchFamily="34" charset="0"/>
+                        <a:cs typeface="Times New Roman" panose="02020603050405020304" pitchFamily="18" charset="0"/>
+                      </a:endParaRPr>
+                    </a:p>
+                  </a:txBody>
+                  <a:tcPr marL="111957" marR="111957" marT="0" marB="0"/>
+                </a:tc>
+                <a:extLst>
+                  <a:ext uri="{0D108BD9-81ED-4DB2-BD59-A6C34878D82A}">
+                    <a16:rowId xmlns:a16="http://schemas.microsoft.com/office/drawing/2014/main" val="3044028314"/>
+                  </a:ext>
+                </a:extLst>
+              </a:tr>
+            </a:tbl>
+          </a:graphicData>
+        </a:graphic>
+      </p:graphicFrame>
+    </p:spTree>
+    <p:extLst>
+      <p:ext uri="{BB962C8B-B14F-4D97-AF65-F5344CB8AC3E}">
+        <p14:creationId xmlns:p14="http://schemas.microsoft.com/office/powerpoint/2010/main" val="4013560585"/>
+      </p:ext>
+    </p:extLst>
+  </p:cSld>
+  <p:clrMapOvr>
+    <a:masterClrMapping/>
+  </p:clrMapOvr>
+</p:sld>
+</file>
+
+<file path=ppt/slides/slide9.xml><?xml version="1.0" encoding="utf-8"?>
+<p:sld xmlns:a="http://schemas.openxmlformats.org/drawingml/2006/main" xmlns:r="http://schemas.openxmlformats.org/officeDocument/2006/relationships" xmlns:p="http://schemas.openxmlformats.org/presentationml/2006/main">
+  <p:cSld>
+    <p:spTree>
+      <p:nvGrpSpPr>
+        <p:cNvPr id="1" name=""/>
+        <p:cNvGrpSpPr/>
+        <p:nvPr/>
+      </p:nvGrpSpPr>
+      <p:grpSpPr>
+        <a:xfrm>
+          <a:off x="0" y="0"/>
+          <a:ext cx="0" cy="0"/>
+          <a:chOff x="0" y="0"/>
+          <a:chExt cx="0" cy="0"/>
+        </a:xfrm>
+      </p:grpSpPr>
+      <p:sp>
+        <p:nvSpPr>
+          <p:cNvPr id="10" name="Title 1">
+            <a:extLst>
+              <a:ext uri="{FF2B5EF4-FFF2-40B4-BE49-F238E27FC236}">
+                <a16:creationId xmlns:a16="http://schemas.microsoft.com/office/drawing/2014/main" id="{8106E1A5-FE82-9B52-AEE0-5DC110A3DCB1}"/>
+              </a:ext>
+            </a:extLst>
+          </p:cNvPr>
+          <p:cNvSpPr>
+            <a:spLocks noGrp="1"/>
+          </p:cNvSpPr>
+          <p:nvPr>
+            <p:ph type="title"/>
+          </p:nvPr>
+        </p:nvSpPr>
+        <p:spPr>
+          <a:xfrm>
+            <a:off x="486000" y="575999"/>
+            <a:ext cx="11124000" cy="990000"/>
+          </a:xfrm>
+        </p:spPr>
+        <p:txBody>
+          <a:bodyPr/>
+          <a:lstStyle/>
+          <a:p>
+            <a:r>
+              <a:rPr lang="en-US" dirty="0"/>
+              <a:t>Results of text-based retrieval – Song 3</a:t>
+            </a:r>
+          </a:p>
+        </p:txBody>
+      </p:sp>
+      <p:sp>
+        <p:nvSpPr>
+          <p:cNvPr id="12" name="Text Placeholder 3">
+            <a:extLst>
+              <a:ext uri="{FF2B5EF4-FFF2-40B4-BE49-F238E27FC236}">
+                <a16:creationId xmlns:a16="http://schemas.microsoft.com/office/drawing/2014/main" id="{593CBCC8-A638-560F-91D2-F67575F0C6D4}"/>
+              </a:ext>
+            </a:extLst>
+          </p:cNvPr>
+          <p:cNvSpPr>
+            <a:spLocks noGrp="1"/>
+          </p:cNvSpPr>
+          <p:nvPr>
+            <p:ph type="body" sz="quarter" idx="25"/>
+          </p:nvPr>
+        </p:nvSpPr>
+        <p:spPr>
+          <a:xfrm>
+            <a:off x="471600" y="5858820"/>
+            <a:ext cx="11138400" cy="278127"/>
+          </a:xfrm>
+        </p:spPr>
+        <p:txBody>
+          <a:bodyPr/>
+          <a:lstStyle/>
+          <a:p>
+            <a:endParaRPr lang="en-US"/>
+          </a:p>
+        </p:txBody>
+      </p:sp>
+      <p:graphicFrame>
+        <p:nvGraphicFramePr>
+          <p:cNvPr id="5" name="Tabelle 4">
+            <a:extLst>
+              <a:ext uri="{FF2B5EF4-FFF2-40B4-BE49-F238E27FC236}">
+                <a16:creationId xmlns:a16="http://schemas.microsoft.com/office/drawing/2014/main" id="{5E46CDDE-D8CE-FA83-D309-E3DF1D9B6EDB}"/>
+              </a:ext>
+            </a:extLst>
+          </p:cNvPr>
+          <p:cNvGraphicFramePr>
+            <a:graphicFrameLocks noGrp="1"/>
+          </p:cNvGraphicFramePr>
+          <p:nvPr>
+            <p:extLst>
+              <p:ext uri="{D42A27DB-BD31-4B8C-83A1-F6EECF244321}">
+                <p14:modId xmlns:p14="http://schemas.microsoft.com/office/powerpoint/2010/main" val="2360810054"/>
+              </p:ext>
+            </p:extLst>
+          </p:nvPr>
+        </p:nvGraphicFramePr>
+        <p:xfrm>
+          <a:off x="471600" y="2049977"/>
+          <a:ext cx="11138402" cy="3659968"/>
+        </p:xfrm>
+        <a:graphic>
+          <a:graphicData uri="http://schemas.openxmlformats.org/drawingml/2006/table">
+            <a:tbl>
+              <a:tblPr firstRow="1" firstCol="1" bandRow="1">
+                <a:tableStyleId>{5C22544A-7EE6-4342-B048-85BDC9FD1C3A}</a:tableStyleId>
+              </a:tblPr>
+              <a:tblGrid>
+                <a:gridCol w="2432922">
+                  <a:extLst>
+                    <a:ext uri="{9D8B030D-6E8A-4147-A177-3AD203B41FA5}">
+                      <a16:colId xmlns:a16="http://schemas.microsoft.com/office/drawing/2014/main" val="3854493111"/>
+                    </a:ext>
+                  </a:extLst>
+                </a:gridCol>
+                <a:gridCol w="1871440">
+                  <a:extLst>
+                    <a:ext uri="{9D8B030D-6E8A-4147-A177-3AD203B41FA5}">
+                      <a16:colId xmlns:a16="http://schemas.microsoft.com/office/drawing/2014/main" val="3970689195"/>
+                    </a:ext>
+                  </a:extLst>
+                </a:gridCol>
+                <a:gridCol w="1550594">
+                  <a:extLst>
+                    <a:ext uri="{9D8B030D-6E8A-4147-A177-3AD203B41FA5}">
+                      <a16:colId xmlns:a16="http://schemas.microsoft.com/office/drawing/2014/main" val="13611282"/>
+                    </a:ext>
+                  </a:extLst>
+                </a:gridCol>
+                <a:gridCol w="1553099">
+                  <a:extLst>
+                    <a:ext uri="{9D8B030D-6E8A-4147-A177-3AD203B41FA5}">
+                      <a16:colId xmlns:a16="http://schemas.microsoft.com/office/drawing/2014/main" val="3295275278"/>
+                    </a:ext>
+                  </a:extLst>
+                </a:gridCol>
+                <a:gridCol w="1924079">
+                  <a:extLst>
+                    <a:ext uri="{9D8B030D-6E8A-4147-A177-3AD203B41FA5}">
+                      <a16:colId xmlns:a16="http://schemas.microsoft.com/office/drawing/2014/main" val="2375687544"/>
+                    </a:ext>
+                  </a:extLst>
+                </a:gridCol>
+                <a:gridCol w="1806268">
+                  <a:extLst>
+                    <a:ext uri="{9D8B030D-6E8A-4147-A177-3AD203B41FA5}">
+                      <a16:colId xmlns:a16="http://schemas.microsoft.com/office/drawing/2014/main" val="3758614546"/>
+                    </a:ext>
+                  </a:extLst>
+                </a:gridCol>
+              </a:tblGrid>
+              <a:tr h="986104">
+                <a:tc>
+                  <a:txBody>
+                    <a:bodyPr/>
+                    <a:lstStyle/>
+                    <a:p>
+                      <a:pPr algn="just">
+                        <a:lnSpc>
+                          <a:spcPct val="110000"/>
+                        </a:lnSpc>
+                      </a:pPr>
+                      <a:r>
+                        <a:rPr lang="en-US" sz="1900">
+                          <a:effectLst/>
+                        </a:rPr>
+                        <a:t>Song: Every Christmas, Kelly Clarkson</a:t>
+                      </a:r>
+                      <a:endParaRPr lang="de-DE" sz="1400">
+                        <a:effectLst/>
+                        <a:latin typeface="Linux Libertine"/>
+                        <a:ea typeface="Calibri" panose="020F0502020204030204" pitchFamily="34" charset="0"/>
+                        <a:cs typeface="Times New Roman" panose="02020603050405020304" pitchFamily="18" charset="0"/>
+                      </a:endParaRPr>
+                    </a:p>
+                  </a:txBody>
+                  <a:tcPr marL="108286" marR="108286" marT="0" marB="0"/>
+                </a:tc>
+                <a:tc>
+                  <a:txBody>
+                    <a:bodyPr/>
+                    <a:lstStyle/>
+                    <a:p>
+                      <a:pPr algn="just">
+                        <a:lnSpc>
+                          <a:spcPct val="110000"/>
+                        </a:lnSpc>
+                      </a:pPr>
+                      <a:r>
+                        <a:rPr lang="en-US" sz="1900">
+                          <a:effectLst/>
+                        </a:rPr>
+                        <a:t>Precision@10</a:t>
+                      </a:r>
+                      <a:endParaRPr lang="de-DE" sz="1400">
+                        <a:effectLst/>
+                        <a:latin typeface="Linux Libertine"/>
+                        <a:ea typeface="Calibri" panose="020F0502020204030204" pitchFamily="34" charset="0"/>
+                        <a:cs typeface="Times New Roman" panose="02020603050405020304" pitchFamily="18" charset="0"/>
+                      </a:endParaRPr>
+                    </a:p>
+                  </a:txBody>
+                  <a:tcPr marL="108286" marR="108286" marT="0" marB="0"/>
+                </a:tc>
+                <a:tc>
+                  <a:txBody>
+                    <a:bodyPr/>
+                    <a:lstStyle/>
+                    <a:p>
+                      <a:pPr algn="just">
+                        <a:lnSpc>
+                          <a:spcPct val="110000"/>
+                        </a:lnSpc>
+                      </a:pPr>
+                      <a:r>
+                        <a:rPr lang="en-US" sz="1900">
+                          <a:effectLst/>
+                        </a:rPr>
+                        <a:t>Recall@10</a:t>
+                      </a:r>
+                      <a:endParaRPr lang="de-DE" sz="1400">
+                        <a:effectLst/>
+                        <a:latin typeface="Linux Libertine"/>
+                        <a:ea typeface="Calibri" panose="020F0502020204030204" pitchFamily="34" charset="0"/>
+                        <a:cs typeface="Times New Roman" panose="02020603050405020304" pitchFamily="18" charset="0"/>
+                      </a:endParaRPr>
+                    </a:p>
+                  </a:txBody>
+                  <a:tcPr marL="108286" marR="108286" marT="0" marB="0"/>
+                </a:tc>
+                <a:tc>
+                  <a:txBody>
+                    <a:bodyPr/>
+                    <a:lstStyle/>
+                    <a:p>
+                      <a:pPr algn="just">
+                        <a:lnSpc>
+                          <a:spcPct val="110000"/>
+                        </a:lnSpc>
+                      </a:pPr>
+                      <a:r>
+                        <a:rPr lang="en-US" sz="1900">
+                          <a:effectLst/>
+                        </a:rPr>
+                        <a:t>nDCG@10</a:t>
+                      </a:r>
+                      <a:endParaRPr lang="de-DE" sz="1400">
+                        <a:effectLst/>
+                        <a:latin typeface="Linux Libertine"/>
+                        <a:ea typeface="Calibri" panose="020F0502020204030204" pitchFamily="34" charset="0"/>
+                        <a:cs typeface="Times New Roman" panose="02020603050405020304" pitchFamily="18" charset="0"/>
+                      </a:endParaRPr>
+                    </a:p>
+                  </a:txBody>
+                  <a:tcPr marL="108286" marR="108286" marT="0" marB="0"/>
+                </a:tc>
+                <a:tc>
+                  <a:txBody>
+                    <a:bodyPr/>
+                    <a:lstStyle/>
+                    <a:p>
+                      <a:pPr algn="just">
+                        <a:lnSpc>
+                          <a:spcPct val="110000"/>
+                        </a:lnSpc>
+                      </a:pPr>
+                      <a:r>
+                        <a:rPr lang="en-US" sz="1900">
+                          <a:effectLst/>
+                        </a:rPr>
+                        <a:t>Coverage@10</a:t>
+                      </a:r>
+                      <a:endParaRPr lang="de-DE" sz="1400">
+                        <a:effectLst/>
+                        <a:latin typeface="Linux Libertine"/>
+                        <a:ea typeface="Calibri" panose="020F0502020204030204" pitchFamily="34" charset="0"/>
+                        <a:cs typeface="Times New Roman" panose="02020603050405020304" pitchFamily="18" charset="0"/>
+                      </a:endParaRPr>
+                    </a:p>
+                  </a:txBody>
+                  <a:tcPr marL="108286" marR="108286" marT="0" marB="0"/>
+                </a:tc>
+                <a:tc>
+                  <a:txBody>
+                    <a:bodyPr/>
+                    <a:lstStyle/>
+                    <a:p>
+                      <a:pPr algn="just">
+                        <a:lnSpc>
+                          <a:spcPct val="110000"/>
+                        </a:lnSpc>
+                      </a:pPr>
+                      <a:r>
+                        <a:rPr lang="en-US" sz="1900">
+                          <a:effectLst/>
+                        </a:rPr>
+                        <a:t>Diversity@10</a:t>
+                      </a:r>
+                      <a:endParaRPr lang="de-DE" sz="1400">
+                        <a:effectLst/>
+                        <a:latin typeface="Linux Libertine"/>
+                        <a:ea typeface="Calibri" panose="020F0502020204030204" pitchFamily="34" charset="0"/>
+                        <a:cs typeface="Times New Roman" panose="02020603050405020304" pitchFamily="18" charset="0"/>
+                      </a:endParaRPr>
+                    </a:p>
+                  </a:txBody>
+                  <a:tcPr marL="108286" marR="108286" marT="0" marB="0"/>
+                </a:tc>
+                <a:extLst>
+                  <a:ext uri="{0D108BD9-81ED-4DB2-BD59-A6C34878D82A}">
+                    <a16:rowId xmlns:a16="http://schemas.microsoft.com/office/drawing/2014/main" val="4525488"/>
+                  </a:ext>
+                </a:extLst>
+              </a:tr>
+              <a:tr h="668466">
+                <a:tc>
+                  <a:txBody>
+                    <a:bodyPr/>
+                    <a:lstStyle/>
+                    <a:p>
+                      <a:pPr algn="l">
+                        <a:lnSpc>
+                          <a:spcPct val="110000"/>
+                        </a:lnSpc>
+                      </a:pPr>
+                      <a:r>
+                        <a:rPr lang="en-US" sz="1900">
+                          <a:effectLst/>
+                        </a:rPr>
+                        <a:t>Text-based(cosine, tf-idf)</a:t>
+                      </a:r>
+                      <a:endParaRPr lang="de-DE" sz="1400">
+                        <a:effectLst/>
+                        <a:latin typeface="Linux Libertine"/>
+                        <a:ea typeface="Calibri" panose="020F0502020204030204" pitchFamily="34" charset="0"/>
+                        <a:cs typeface="Times New Roman" panose="02020603050405020304" pitchFamily="18" charset="0"/>
+                      </a:endParaRPr>
+                    </a:p>
+                  </a:txBody>
+                  <a:tcPr marL="108286" marR="108286" marT="0" marB="0"/>
+                </a:tc>
+                <a:tc>
+                  <a:txBody>
+                    <a:bodyPr/>
+                    <a:lstStyle/>
+                    <a:p>
+                      <a:pPr algn="just">
+                        <a:lnSpc>
+                          <a:spcPct val="110000"/>
+                        </a:lnSpc>
+                      </a:pPr>
+                      <a:r>
+                        <a:rPr lang="en-US" sz="1900">
+                          <a:effectLst/>
+                        </a:rPr>
+                        <a:t>0.6</a:t>
+                      </a:r>
+                      <a:endParaRPr lang="de-DE" sz="1400">
+                        <a:effectLst/>
+                        <a:latin typeface="Linux Libertine"/>
+                        <a:ea typeface="Calibri" panose="020F0502020204030204" pitchFamily="34" charset="0"/>
+                        <a:cs typeface="Times New Roman" panose="02020603050405020304" pitchFamily="18" charset="0"/>
+                      </a:endParaRPr>
+                    </a:p>
+                  </a:txBody>
+                  <a:tcPr marL="108286" marR="108286" marT="0" marB="0"/>
+                </a:tc>
+                <a:tc>
+                  <a:txBody>
+                    <a:bodyPr/>
+                    <a:lstStyle/>
+                    <a:p>
+                      <a:pPr algn="just">
+                        <a:lnSpc>
+                          <a:spcPct val="110000"/>
+                        </a:lnSpc>
+                      </a:pPr>
+                      <a:r>
+                        <a:rPr lang="en-US" sz="1900">
+                          <a:effectLst/>
+                        </a:rPr>
+                        <a:t>0.00143</a:t>
+                      </a:r>
+                      <a:endParaRPr lang="de-DE" sz="1400">
+                        <a:effectLst/>
+                      </a:endParaRPr>
+                    </a:p>
+                    <a:p>
+                      <a:pPr algn="just">
+                        <a:lnSpc>
+                          <a:spcPct val="110000"/>
+                        </a:lnSpc>
+                      </a:pPr>
+                      <a:r>
+                        <a:rPr lang="en-US" sz="1900">
+                          <a:effectLst/>
+                        </a:rPr>
+                        <a:t> </a:t>
+                      </a:r>
+                      <a:endParaRPr lang="de-DE" sz="1400">
+                        <a:effectLst/>
+                        <a:latin typeface="Linux Libertine"/>
+                        <a:ea typeface="Calibri" panose="020F0502020204030204" pitchFamily="34" charset="0"/>
+                        <a:cs typeface="Times New Roman" panose="02020603050405020304" pitchFamily="18" charset="0"/>
+                      </a:endParaRPr>
+                    </a:p>
+                  </a:txBody>
+                  <a:tcPr marL="108286" marR="108286" marT="0" marB="0"/>
+                </a:tc>
+                <a:tc>
+                  <a:txBody>
+                    <a:bodyPr/>
+                    <a:lstStyle/>
+                    <a:p>
+                      <a:pPr algn="just">
+                        <a:lnSpc>
+                          <a:spcPct val="110000"/>
+                        </a:lnSpc>
+                      </a:pPr>
+                      <a:r>
+                        <a:rPr lang="en-US" sz="1900">
+                          <a:effectLst/>
+                        </a:rPr>
+                        <a:t>0.95267</a:t>
+                      </a:r>
+                      <a:endParaRPr lang="de-DE" sz="1400">
+                        <a:effectLst/>
+                      </a:endParaRPr>
+                    </a:p>
+                    <a:p>
+                      <a:pPr algn="just">
+                        <a:lnSpc>
+                          <a:spcPct val="110000"/>
+                        </a:lnSpc>
+                      </a:pPr>
+                      <a:r>
+                        <a:rPr lang="en-US" sz="1900">
+                          <a:effectLst/>
+                        </a:rPr>
+                        <a:t> </a:t>
+                      </a:r>
+                      <a:endParaRPr lang="de-DE" sz="1400">
+                        <a:effectLst/>
+                        <a:latin typeface="Linux Libertine"/>
+                        <a:ea typeface="Calibri" panose="020F0502020204030204" pitchFamily="34" charset="0"/>
+                        <a:cs typeface="Times New Roman" panose="02020603050405020304" pitchFamily="18" charset="0"/>
+                      </a:endParaRPr>
+                    </a:p>
+                  </a:txBody>
+                  <a:tcPr marL="108286" marR="108286" marT="0" marB="0"/>
+                </a:tc>
+                <a:tc>
+                  <a:txBody>
+                    <a:bodyPr/>
+                    <a:lstStyle/>
+                    <a:p>
+                      <a:pPr algn="just">
+                        <a:lnSpc>
+                          <a:spcPct val="110000"/>
+                        </a:lnSpc>
+                      </a:pPr>
+                      <a:r>
+                        <a:rPr lang="en-US" sz="1900">
+                          <a:effectLst/>
+                        </a:rPr>
+                        <a:t>0.03507</a:t>
+                      </a:r>
+                      <a:endParaRPr lang="de-DE" sz="1400">
+                        <a:effectLst/>
+                      </a:endParaRPr>
+                    </a:p>
+                    <a:p>
+                      <a:pPr algn="just">
+                        <a:lnSpc>
+                          <a:spcPct val="110000"/>
+                        </a:lnSpc>
+                      </a:pPr>
+                      <a:r>
+                        <a:rPr lang="en-US" sz="1900">
+                          <a:effectLst/>
+                        </a:rPr>
+                        <a:t> </a:t>
+                      </a:r>
+                      <a:endParaRPr lang="de-DE" sz="1400">
+                        <a:effectLst/>
+                        <a:latin typeface="Linux Libertine"/>
+                        <a:ea typeface="Calibri" panose="020F0502020204030204" pitchFamily="34" charset="0"/>
+                        <a:cs typeface="Times New Roman" panose="02020603050405020304" pitchFamily="18" charset="0"/>
+                      </a:endParaRPr>
+                    </a:p>
+                  </a:txBody>
+                  <a:tcPr marL="108286" marR="108286" marT="0" marB="0"/>
+                </a:tc>
+                <a:tc>
+                  <a:txBody>
+                    <a:bodyPr/>
+                    <a:lstStyle/>
+                    <a:p>
+                      <a:pPr algn="just">
+                        <a:lnSpc>
+                          <a:spcPct val="110000"/>
+                        </a:lnSpc>
+                      </a:pPr>
+                      <a:r>
+                        <a:rPr lang="en-US" sz="1900">
+                          <a:effectLst/>
+                        </a:rPr>
+                        <a:t>4.30369</a:t>
+                      </a:r>
+                      <a:endParaRPr lang="de-DE" sz="1400">
+                        <a:effectLst/>
+                      </a:endParaRPr>
+                    </a:p>
+                    <a:p>
+                      <a:pPr algn="just">
+                        <a:lnSpc>
+                          <a:spcPct val="110000"/>
+                        </a:lnSpc>
+                      </a:pPr>
+                      <a:r>
+                        <a:rPr lang="en-US" sz="1900">
+                          <a:effectLst/>
+                        </a:rPr>
+                        <a:t> </a:t>
+                      </a:r>
+                      <a:endParaRPr lang="de-DE" sz="1400">
+                        <a:effectLst/>
+                        <a:latin typeface="Linux Libertine"/>
+                        <a:ea typeface="Calibri" panose="020F0502020204030204" pitchFamily="34" charset="0"/>
+                        <a:cs typeface="Times New Roman" panose="02020603050405020304" pitchFamily="18" charset="0"/>
+                      </a:endParaRPr>
+                    </a:p>
+                  </a:txBody>
+                  <a:tcPr marL="108286" marR="108286" marT="0" marB="0"/>
+                </a:tc>
+                <a:extLst>
+                  <a:ext uri="{0D108BD9-81ED-4DB2-BD59-A6C34878D82A}">
+                    <a16:rowId xmlns:a16="http://schemas.microsoft.com/office/drawing/2014/main" val="3671238548"/>
+                  </a:ext>
+                </a:extLst>
+              </a:tr>
+              <a:tr h="668466">
+                <a:tc>
+                  <a:txBody>
+                    <a:bodyPr/>
+                    <a:lstStyle/>
+                    <a:p>
+                      <a:pPr algn="l">
+                        <a:lnSpc>
+                          <a:spcPct val="110000"/>
+                        </a:lnSpc>
+                      </a:pPr>
+                      <a:r>
+                        <a:rPr lang="en-US" sz="1900">
+                          <a:effectLst/>
+                        </a:rPr>
+                        <a:t>Text-based(cosine,</a:t>
+                      </a:r>
+                      <a:endParaRPr lang="de-DE" sz="1400">
+                        <a:effectLst/>
+                      </a:endParaRPr>
+                    </a:p>
+                    <a:p>
+                      <a:pPr algn="l">
+                        <a:lnSpc>
+                          <a:spcPct val="110000"/>
+                        </a:lnSpc>
+                      </a:pPr>
+                      <a:r>
+                        <a:rPr lang="en-US" sz="1900">
+                          <a:effectLst/>
+                        </a:rPr>
+                        <a:t>word2vec)</a:t>
+                      </a:r>
+                      <a:endParaRPr lang="de-DE" sz="1400">
+                        <a:effectLst/>
+                        <a:latin typeface="Linux Libertine"/>
+                        <a:ea typeface="Calibri" panose="020F0502020204030204" pitchFamily="34" charset="0"/>
+                        <a:cs typeface="Times New Roman" panose="02020603050405020304" pitchFamily="18" charset="0"/>
+                      </a:endParaRPr>
+                    </a:p>
+                  </a:txBody>
+                  <a:tcPr marL="108286" marR="108286" marT="0" marB="0"/>
+                </a:tc>
+                <a:tc>
+                  <a:txBody>
+                    <a:bodyPr/>
+                    <a:lstStyle/>
+                    <a:p>
+                      <a:pPr algn="just">
+                        <a:lnSpc>
+                          <a:spcPct val="110000"/>
+                        </a:lnSpc>
+                      </a:pPr>
+                      <a:r>
+                        <a:rPr lang="en-US" sz="1900">
+                          <a:effectLst/>
+                        </a:rPr>
+                        <a:t>0.7</a:t>
+                      </a:r>
+                      <a:endParaRPr lang="de-DE" sz="1400">
+                        <a:effectLst/>
+                        <a:latin typeface="Linux Libertine"/>
+                        <a:ea typeface="Calibri" panose="020F0502020204030204" pitchFamily="34" charset="0"/>
+                        <a:cs typeface="Times New Roman" panose="02020603050405020304" pitchFamily="18" charset="0"/>
+                      </a:endParaRPr>
+                    </a:p>
+                  </a:txBody>
+                  <a:tcPr marL="108286" marR="108286" marT="0" marB="0"/>
+                </a:tc>
+                <a:tc>
+                  <a:txBody>
+                    <a:bodyPr/>
+                    <a:lstStyle/>
+                    <a:p>
+                      <a:pPr algn="just">
+                        <a:lnSpc>
+                          <a:spcPct val="110000"/>
+                        </a:lnSpc>
+                      </a:pPr>
+                      <a:r>
+                        <a:rPr lang="en-US" sz="1900">
+                          <a:effectLst/>
+                        </a:rPr>
+                        <a:t>0.00167</a:t>
+                      </a:r>
+                      <a:endParaRPr lang="de-DE" sz="1400">
+                        <a:effectLst/>
+                      </a:endParaRPr>
+                    </a:p>
+                    <a:p>
+                      <a:pPr algn="just">
+                        <a:lnSpc>
+                          <a:spcPct val="110000"/>
+                        </a:lnSpc>
+                      </a:pPr>
+                      <a:r>
+                        <a:rPr lang="en-US" sz="1900">
+                          <a:effectLst/>
+                        </a:rPr>
+                        <a:t> </a:t>
+                      </a:r>
+                      <a:endParaRPr lang="de-DE" sz="1400">
+                        <a:effectLst/>
+                        <a:latin typeface="Linux Libertine"/>
+                        <a:ea typeface="Calibri" panose="020F0502020204030204" pitchFamily="34" charset="0"/>
+                        <a:cs typeface="Times New Roman" panose="02020603050405020304" pitchFamily="18" charset="0"/>
+                      </a:endParaRPr>
+                    </a:p>
+                  </a:txBody>
+                  <a:tcPr marL="108286" marR="108286" marT="0" marB="0"/>
+                </a:tc>
+                <a:tc>
+                  <a:txBody>
+                    <a:bodyPr/>
+                    <a:lstStyle/>
+                    <a:p>
+                      <a:pPr algn="just">
+                        <a:lnSpc>
+                          <a:spcPct val="110000"/>
+                        </a:lnSpc>
+                      </a:pPr>
+                      <a:r>
+                        <a:rPr lang="en-US" sz="1900">
+                          <a:effectLst/>
+                        </a:rPr>
+                        <a:t>0.73712</a:t>
+                      </a:r>
+                      <a:endParaRPr lang="de-DE" sz="1400">
+                        <a:effectLst/>
+                      </a:endParaRPr>
+                    </a:p>
+                    <a:p>
+                      <a:pPr algn="just">
+                        <a:lnSpc>
+                          <a:spcPct val="110000"/>
+                        </a:lnSpc>
+                      </a:pPr>
+                      <a:r>
+                        <a:rPr lang="en-US" sz="1900">
+                          <a:effectLst/>
+                        </a:rPr>
+                        <a:t> </a:t>
+                      </a:r>
+                      <a:endParaRPr lang="de-DE" sz="1400">
+                        <a:effectLst/>
+                        <a:latin typeface="Linux Libertine"/>
+                        <a:ea typeface="Calibri" panose="020F0502020204030204" pitchFamily="34" charset="0"/>
+                        <a:cs typeface="Times New Roman" panose="02020603050405020304" pitchFamily="18" charset="0"/>
+                      </a:endParaRPr>
+                    </a:p>
+                  </a:txBody>
+                  <a:tcPr marL="108286" marR="108286" marT="0" marB="0"/>
+                </a:tc>
+                <a:tc>
+                  <a:txBody>
+                    <a:bodyPr/>
+                    <a:lstStyle/>
+                    <a:p>
+                      <a:pPr algn="just">
+                        <a:lnSpc>
+                          <a:spcPct val="110000"/>
+                        </a:lnSpc>
+                      </a:pPr>
+                      <a:r>
+                        <a:rPr lang="en-US" sz="1900">
+                          <a:effectLst/>
+                        </a:rPr>
+                        <a:t>0.04676</a:t>
+                      </a:r>
+                      <a:endParaRPr lang="de-DE" sz="1400">
+                        <a:effectLst/>
+                      </a:endParaRPr>
+                    </a:p>
+                    <a:p>
+                      <a:pPr algn="just">
+                        <a:lnSpc>
+                          <a:spcPct val="110000"/>
+                        </a:lnSpc>
+                      </a:pPr>
+                      <a:r>
+                        <a:rPr lang="en-US" sz="1900">
+                          <a:effectLst/>
+                        </a:rPr>
+                        <a:t> </a:t>
+                      </a:r>
+                      <a:endParaRPr lang="de-DE" sz="1400">
+                        <a:effectLst/>
+                        <a:latin typeface="Linux Libertine"/>
+                        <a:ea typeface="Calibri" panose="020F0502020204030204" pitchFamily="34" charset="0"/>
+                        <a:cs typeface="Times New Roman" panose="02020603050405020304" pitchFamily="18" charset="0"/>
+                      </a:endParaRPr>
+                    </a:p>
+                  </a:txBody>
+                  <a:tcPr marL="108286" marR="108286" marT="0" marB="0"/>
+                </a:tc>
+                <a:tc>
+                  <a:txBody>
+                    <a:bodyPr/>
+                    <a:lstStyle/>
+                    <a:p>
+                      <a:pPr algn="just">
+                        <a:lnSpc>
+                          <a:spcPct val="110000"/>
+                        </a:lnSpc>
+                      </a:pPr>
+                      <a:r>
+                        <a:rPr lang="en-US" sz="1900">
+                          <a:effectLst/>
+                        </a:rPr>
+                        <a:t>5.33174</a:t>
+                      </a:r>
+                      <a:endParaRPr lang="de-DE" sz="1400">
+                        <a:effectLst/>
+                      </a:endParaRPr>
+                    </a:p>
+                    <a:p>
+                      <a:pPr algn="just">
+                        <a:lnSpc>
+                          <a:spcPct val="110000"/>
+                        </a:lnSpc>
+                      </a:pPr>
+                      <a:r>
+                        <a:rPr lang="en-US" sz="1900">
+                          <a:effectLst/>
+                        </a:rPr>
+                        <a:t> </a:t>
+                      </a:r>
+                      <a:endParaRPr lang="de-DE" sz="1400">
+                        <a:effectLst/>
+                        <a:latin typeface="Linux Libertine"/>
+                        <a:ea typeface="Calibri" panose="020F0502020204030204" pitchFamily="34" charset="0"/>
+                        <a:cs typeface="Times New Roman" panose="02020603050405020304" pitchFamily="18" charset="0"/>
+                      </a:endParaRPr>
+                    </a:p>
+                  </a:txBody>
+                  <a:tcPr marL="108286" marR="108286" marT="0" marB="0"/>
+                </a:tc>
+                <a:extLst>
+                  <a:ext uri="{0D108BD9-81ED-4DB2-BD59-A6C34878D82A}">
+                    <a16:rowId xmlns:a16="http://schemas.microsoft.com/office/drawing/2014/main" val="3425671918"/>
+                  </a:ext>
+                </a:extLst>
+              </a:tr>
+              <a:tr h="668466">
+                <a:tc>
+                  <a:txBody>
+                    <a:bodyPr/>
+                    <a:lstStyle/>
+                    <a:p>
+                      <a:pPr algn="l">
+                        <a:lnSpc>
+                          <a:spcPct val="110000"/>
+                        </a:lnSpc>
+                      </a:pPr>
+                      <a:r>
+                        <a:rPr lang="en-US" sz="1900">
+                          <a:effectLst/>
+                        </a:rPr>
+                        <a:t>Text-based(cosine,</a:t>
+                      </a:r>
+                      <a:endParaRPr lang="de-DE" sz="1400">
+                        <a:effectLst/>
+                      </a:endParaRPr>
+                    </a:p>
+                    <a:p>
+                      <a:pPr algn="l">
+                        <a:lnSpc>
+                          <a:spcPct val="110000"/>
+                        </a:lnSpc>
+                      </a:pPr>
+                      <a:r>
+                        <a:rPr lang="en-US" sz="1900">
+                          <a:effectLst/>
+                        </a:rPr>
+                        <a:t>Bert)</a:t>
+                      </a:r>
+                      <a:endParaRPr lang="de-DE" sz="1400">
+                        <a:effectLst/>
+                        <a:latin typeface="Linux Libertine"/>
+                        <a:ea typeface="Calibri" panose="020F0502020204030204" pitchFamily="34" charset="0"/>
+                        <a:cs typeface="Times New Roman" panose="02020603050405020304" pitchFamily="18" charset="0"/>
+                      </a:endParaRPr>
+                    </a:p>
+                  </a:txBody>
+                  <a:tcPr marL="108286" marR="108286" marT="0" marB="0"/>
+                </a:tc>
+                <a:tc>
+                  <a:txBody>
+                    <a:bodyPr/>
+                    <a:lstStyle/>
+                    <a:p>
+                      <a:pPr algn="just">
+                        <a:lnSpc>
+                          <a:spcPct val="110000"/>
+                        </a:lnSpc>
+                      </a:pPr>
+                      <a:r>
+                        <a:rPr lang="en-US" sz="1900">
+                          <a:effectLst/>
+                        </a:rPr>
+                        <a:t>0.9</a:t>
+                      </a:r>
+                      <a:endParaRPr lang="de-DE" sz="1400">
+                        <a:effectLst/>
+                        <a:latin typeface="Linux Libertine"/>
+                        <a:ea typeface="Calibri" panose="020F0502020204030204" pitchFamily="34" charset="0"/>
+                        <a:cs typeface="Times New Roman" panose="02020603050405020304" pitchFamily="18" charset="0"/>
+                      </a:endParaRPr>
+                    </a:p>
+                  </a:txBody>
+                  <a:tcPr marL="108286" marR="108286" marT="0" marB="0"/>
+                </a:tc>
+                <a:tc>
+                  <a:txBody>
+                    <a:bodyPr/>
+                    <a:lstStyle/>
+                    <a:p>
+                      <a:pPr algn="just">
+                        <a:lnSpc>
+                          <a:spcPct val="110000"/>
+                        </a:lnSpc>
+                      </a:pPr>
+                      <a:r>
+                        <a:rPr lang="en-US" sz="1900">
+                          <a:effectLst/>
+                        </a:rPr>
+                        <a:t>0.00214</a:t>
+                      </a:r>
+                      <a:endParaRPr lang="de-DE" sz="1400">
+                        <a:effectLst/>
+                      </a:endParaRPr>
+                    </a:p>
+                    <a:p>
+                      <a:pPr algn="just">
+                        <a:lnSpc>
+                          <a:spcPct val="110000"/>
+                        </a:lnSpc>
+                      </a:pPr>
+                      <a:r>
+                        <a:rPr lang="en-US" sz="1900">
+                          <a:effectLst/>
+                        </a:rPr>
+                        <a:t> </a:t>
+                      </a:r>
+                      <a:endParaRPr lang="de-DE" sz="1400">
+                        <a:effectLst/>
+                        <a:latin typeface="Linux Libertine"/>
+                        <a:ea typeface="Calibri" panose="020F0502020204030204" pitchFamily="34" charset="0"/>
+                        <a:cs typeface="Times New Roman" panose="02020603050405020304" pitchFamily="18" charset="0"/>
+                      </a:endParaRPr>
+                    </a:p>
+                  </a:txBody>
+                  <a:tcPr marL="108286" marR="108286" marT="0" marB="0"/>
+                </a:tc>
+                <a:tc>
+                  <a:txBody>
+                    <a:bodyPr/>
+                    <a:lstStyle/>
+                    <a:p>
+                      <a:pPr algn="just">
+                        <a:lnSpc>
+                          <a:spcPct val="110000"/>
+                        </a:lnSpc>
+                      </a:pPr>
+                      <a:r>
+                        <a:rPr lang="en-US" sz="1900">
+                          <a:effectLst/>
+                        </a:rPr>
+                        <a:t>0.76511</a:t>
+                      </a:r>
+                      <a:endParaRPr lang="de-DE" sz="1400">
+                        <a:effectLst/>
+                      </a:endParaRPr>
+                    </a:p>
+                    <a:p>
+                      <a:pPr algn="just">
+                        <a:lnSpc>
+                          <a:spcPct val="110000"/>
+                        </a:lnSpc>
+                      </a:pPr>
+                      <a:r>
+                        <a:rPr lang="en-US" sz="1900">
+                          <a:effectLst/>
+                        </a:rPr>
+                        <a:t> </a:t>
+                      </a:r>
+                      <a:endParaRPr lang="de-DE" sz="1400">
+                        <a:effectLst/>
+                        <a:latin typeface="Linux Libertine"/>
+                        <a:ea typeface="Calibri" panose="020F0502020204030204" pitchFamily="34" charset="0"/>
+                        <a:cs typeface="Times New Roman" panose="02020603050405020304" pitchFamily="18" charset="0"/>
+                      </a:endParaRPr>
+                    </a:p>
+                  </a:txBody>
+                  <a:tcPr marL="108286" marR="108286" marT="0" marB="0"/>
+                </a:tc>
+                <a:tc>
+                  <a:txBody>
+                    <a:bodyPr/>
+                    <a:lstStyle/>
+                    <a:p>
+                      <a:pPr algn="just">
+                        <a:lnSpc>
+                          <a:spcPct val="110000"/>
+                        </a:lnSpc>
+                      </a:pPr>
+                      <a:r>
+                        <a:rPr lang="en-US" sz="1900">
+                          <a:effectLst/>
+                        </a:rPr>
+                        <a:t>0.03776</a:t>
+                      </a:r>
+                      <a:endParaRPr lang="de-DE" sz="1400">
+                        <a:effectLst/>
+                      </a:endParaRPr>
+                    </a:p>
+                    <a:p>
+                      <a:pPr algn="just">
+                        <a:lnSpc>
+                          <a:spcPct val="110000"/>
+                        </a:lnSpc>
+                      </a:pPr>
+                      <a:r>
+                        <a:rPr lang="en-US" sz="1900">
+                          <a:effectLst/>
+                        </a:rPr>
+                        <a:t> </a:t>
+                      </a:r>
+                      <a:endParaRPr lang="de-DE" sz="1400">
+                        <a:effectLst/>
+                        <a:latin typeface="Linux Libertine"/>
+                        <a:ea typeface="Calibri" panose="020F0502020204030204" pitchFamily="34" charset="0"/>
+                        <a:cs typeface="Times New Roman" panose="02020603050405020304" pitchFamily="18" charset="0"/>
+                      </a:endParaRPr>
+                    </a:p>
+                  </a:txBody>
+                  <a:tcPr marL="108286" marR="108286" marT="0" marB="0"/>
+                </a:tc>
+                <a:tc>
+                  <a:txBody>
+                    <a:bodyPr/>
+                    <a:lstStyle/>
+                    <a:p>
+                      <a:pPr algn="just">
+                        <a:lnSpc>
+                          <a:spcPct val="110000"/>
+                        </a:lnSpc>
+                      </a:pPr>
+                      <a:r>
+                        <a:rPr lang="en-US" sz="1900">
+                          <a:effectLst/>
+                        </a:rPr>
+                        <a:t>4.24776</a:t>
+                      </a:r>
+                      <a:endParaRPr lang="de-DE" sz="1400">
+                        <a:effectLst/>
+                      </a:endParaRPr>
+                    </a:p>
+                    <a:p>
+                      <a:pPr algn="just">
+                        <a:lnSpc>
+                          <a:spcPct val="110000"/>
+                        </a:lnSpc>
+                      </a:pPr>
+                      <a:r>
+                        <a:rPr lang="en-US" sz="1900">
+                          <a:effectLst/>
+                        </a:rPr>
+                        <a:t> </a:t>
+                      </a:r>
+                      <a:endParaRPr lang="de-DE" sz="1400">
+                        <a:effectLst/>
+                        <a:latin typeface="Linux Libertine"/>
+                        <a:ea typeface="Calibri" panose="020F0502020204030204" pitchFamily="34" charset="0"/>
+                        <a:cs typeface="Times New Roman" panose="02020603050405020304" pitchFamily="18" charset="0"/>
+                      </a:endParaRPr>
+                    </a:p>
+                  </a:txBody>
+                  <a:tcPr marL="108286" marR="108286" marT="0" marB="0"/>
+                </a:tc>
+                <a:extLst>
+                  <a:ext uri="{0D108BD9-81ED-4DB2-BD59-A6C34878D82A}">
+                    <a16:rowId xmlns:a16="http://schemas.microsoft.com/office/drawing/2014/main" val="2190866697"/>
+                  </a:ext>
+                </a:extLst>
+              </a:tr>
+              <a:tr h="668466">
+                <a:tc>
+                  <a:txBody>
+                    <a:bodyPr/>
+                    <a:lstStyle/>
+                    <a:p>
+                      <a:pPr algn="l">
+                        <a:lnSpc>
+                          <a:spcPct val="110000"/>
+                        </a:lnSpc>
+                      </a:pPr>
+                      <a:r>
+                        <a:rPr lang="en-US" sz="1900">
+                          <a:effectLst/>
+                        </a:rPr>
+                        <a:t>Random-Baseline</a:t>
+                      </a:r>
+                      <a:endParaRPr lang="de-DE" sz="1400">
+                        <a:effectLst/>
+                        <a:latin typeface="Linux Libertine"/>
+                        <a:ea typeface="Calibri" panose="020F0502020204030204" pitchFamily="34" charset="0"/>
+                        <a:cs typeface="Times New Roman" panose="02020603050405020304" pitchFamily="18" charset="0"/>
+                      </a:endParaRPr>
+                    </a:p>
+                  </a:txBody>
+                  <a:tcPr marL="108286" marR="108286" marT="0" marB="0"/>
+                </a:tc>
+                <a:tc>
+                  <a:txBody>
+                    <a:bodyPr/>
+                    <a:lstStyle/>
+                    <a:p>
+                      <a:pPr algn="just">
+                        <a:lnSpc>
+                          <a:spcPct val="110000"/>
+                        </a:lnSpc>
+                      </a:pPr>
+                      <a:r>
+                        <a:rPr lang="en-US" sz="1900">
+                          <a:effectLst/>
+                        </a:rPr>
+                        <a:t>0.3</a:t>
+                      </a:r>
+                      <a:endParaRPr lang="de-DE" sz="1400">
+                        <a:effectLst/>
+                        <a:latin typeface="Linux Libertine"/>
+                        <a:ea typeface="Calibri" panose="020F0502020204030204" pitchFamily="34" charset="0"/>
+                        <a:cs typeface="Times New Roman" panose="02020603050405020304" pitchFamily="18" charset="0"/>
+                      </a:endParaRPr>
+                    </a:p>
+                  </a:txBody>
+                  <a:tcPr marL="108286" marR="108286" marT="0" marB="0"/>
+                </a:tc>
+                <a:tc>
+                  <a:txBody>
+                    <a:bodyPr/>
+                    <a:lstStyle/>
+                    <a:p>
+                      <a:pPr algn="just">
+                        <a:lnSpc>
+                          <a:spcPct val="110000"/>
+                        </a:lnSpc>
+                      </a:pPr>
+                      <a:r>
+                        <a:rPr lang="en-US" sz="1900">
+                          <a:effectLst/>
+                        </a:rPr>
+                        <a:t>0.00071</a:t>
+                      </a:r>
+                      <a:endParaRPr lang="de-DE" sz="1400">
+                        <a:effectLst/>
+                      </a:endParaRPr>
+                    </a:p>
+                    <a:p>
+                      <a:pPr algn="just">
+                        <a:lnSpc>
+                          <a:spcPct val="110000"/>
+                        </a:lnSpc>
+                      </a:pPr>
+                      <a:r>
+                        <a:rPr lang="en-US" sz="1900">
+                          <a:effectLst/>
+                        </a:rPr>
+                        <a:t> </a:t>
+                      </a:r>
+                      <a:endParaRPr lang="de-DE" sz="1400">
+                        <a:effectLst/>
+                        <a:latin typeface="Linux Libertine"/>
+                        <a:ea typeface="Calibri" panose="020F0502020204030204" pitchFamily="34" charset="0"/>
+                        <a:cs typeface="Times New Roman" panose="02020603050405020304" pitchFamily="18" charset="0"/>
+                      </a:endParaRPr>
+                    </a:p>
+                  </a:txBody>
+                  <a:tcPr marL="108286" marR="108286" marT="0" marB="0"/>
+                </a:tc>
+                <a:tc>
+                  <a:txBody>
+                    <a:bodyPr/>
+                    <a:lstStyle/>
+                    <a:p>
+                      <a:pPr algn="just">
+                        <a:lnSpc>
+                          <a:spcPct val="110000"/>
+                        </a:lnSpc>
+                      </a:pPr>
+                      <a:r>
+                        <a:rPr lang="en-US" sz="1900">
+                          <a:effectLst/>
+                        </a:rPr>
+                        <a:t>0.49639</a:t>
+                      </a:r>
+                      <a:endParaRPr lang="de-DE" sz="1400">
+                        <a:effectLst/>
+                      </a:endParaRPr>
+                    </a:p>
+                    <a:p>
+                      <a:pPr algn="just">
+                        <a:lnSpc>
+                          <a:spcPct val="110000"/>
+                        </a:lnSpc>
+                      </a:pPr>
+                      <a:r>
+                        <a:rPr lang="en-US" sz="1900">
+                          <a:effectLst/>
+                        </a:rPr>
+                        <a:t> </a:t>
+                      </a:r>
+                      <a:endParaRPr lang="de-DE" sz="1400">
+                        <a:effectLst/>
+                        <a:latin typeface="Linux Libertine"/>
+                        <a:ea typeface="Calibri" panose="020F0502020204030204" pitchFamily="34" charset="0"/>
+                        <a:cs typeface="Times New Roman" panose="02020603050405020304" pitchFamily="18" charset="0"/>
+                      </a:endParaRPr>
+                    </a:p>
+                  </a:txBody>
+                  <a:tcPr marL="108286" marR="108286" marT="0" marB="0"/>
+                </a:tc>
+                <a:tc>
+                  <a:txBody>
+                    <a:bodyPr/>
+                    <a:lstStyle/>
+                    <a:p>
+                      <a:pPr algn="just">
+                        <a:lnSpc>
+                          <a:spcPct val="110000"/>
+                        </a:lnSpc>
+                      </a:pPr>
+                      <a:r>
+                        <a:rPr lang="en-US" sz="1900">
+                          <a:effectLst/>
+                        </a:rPr>
+                        <a:t>0.03417</a:t>
+                      </a:r>
+                      <a:endParaRPr lang="de-DE" sz="1400">
+                        <a:effectLst/>
+                      </a:endParaRPr>
+                    </a:p>
+                    <a:p>
+                      <a:pPr algn="just">
+                        <a:lnSpc>
+                          <a:spcPct val="110000"/>
+                        </a:lnSpc>
+                      </a:pPr>
+                      <a:r>
+                        <a:rPr lang="en-US" sz="1900">
+                          <a:effectLst/>
+                        </a:rPr>
+                        <a:t> </a:t>
+                      </a:r>
+                      <a:endParaRPr lang="de-DE" sz="1400">
+                        <a:effectLst/>
+                        <a:latin typeface="Linux Libertine"/>
+                        <a:ea typeface="Calibri" panose="020F0502020204030204" pitchFamily="34" charset="0"/>
+                        <a:cs typeface="Times New Roman" panose="02020603050405020304" pitchFamily="18" charset="0"/>
+                      </a:endParaRPr>
+                    </a:p>
+                  </a:txBody>
+                  <a:tcPr marL="108286" marR="108286" marT="0" marB="0"/>
+                </a:tc>
+                <a:tc>
+                  <a:txBody>
+                    <a:bodyPr/>
+                    <a:lstStyle/>
+                    <a:p>
+                      <a:pPr algn="just">
+                        <a:lnSpc>
+                          <a:spcPct val="110000"/>
+                        </a:lnSpc>
+                      </a:pPr>
+                      <a:r>
+                        <a:rPr lang="en-US" sz="1900" dirty="0">
+                          <a:effectLst/>
+                        </a:rPr>
+                        <a:t>4.52973</a:t>
+                      </a:r>
+                      <a:endParaRPr lang="de-DE" sz="1400" dirty="0">
+                        <a:effectLst/>
+                      </a:endParaRPr>
+                    </a:p>
+                    <a:p>
+                      <a:pPr algn="just">
+                        <a:lnSpc>
+                          <a:spcPct val="110000"/>
+                        </a:lnSpc>
+                      </a:pPr>
+                      <a:r>
+                        <a:rPr lang="en-US" sz="1900" dirty="0">
+                          <a:effectLst/>
+                        </a:rPr>
+                        <a:t> </a:t>
+                      </a:r>
+                      <a:endParaRPr lang="de-DE" sz="1400" dirty="0">
+                        <a:effectLst/>
+                        <a:latin typeface="Linux Libertine"/>
+                        <a:ea typeface="Calibri" panose="020F0502020204030204" pitchFamily="34" charset="0"/>
+                        <a:cs typeface="Times New Roman" panose="02020603050405020304" pitchFamily="18" charset="0"/>
+                      </a:endParaRPr>
+                    </a:p>
+                  </a:txBody>
+                  <a:tcPr marL="108286" marR="108286" marT="0" marB="0"/>
+                </a:tc>
+                <a:extLst>
+                  <a:ext uri="{0D108BD9-81ED-4DB2-BD59-A6C34878D82A}">
+                    <a16:rowId xmlns:a16="http://schemas.microsoft.com/office/drawing/2014/main" val="36363"/>
+                  </a:ext>
+                </a:extLst>
+              </a:tr>
+            </a:tbl>
+          </a:graphicData>
+        </a:graphic>
+      </p:graphicFrame>
+    </p:spTree>
+    <p:extLst>
+      <p:ext uri="{BB962C8B-B14F-4D97-AF65-F5344CB8AC3E}">
+        <p14:creationId xmlns:p14="http://schemas.microsoft.com/office/powerpoint/2010/main" val="818368507"/>
       </p:ext>
     </p:extLst>
   </p:cSld>

--- a/project_3_team_E/Final Presentation.pptx
+++ b/project_3_team_E/Final Presentation.pptx
@@ -5,30 +5,31 @@
     <p:sldMasterId id="2147483660" r:id="rId1"/>
   </p:sldMasterIdLst>
   <p:notesMasterIdLst>
-    <p:notesMasterId r:id="rId20"/>
+    <p:notesMasterId r:id="rId21"/>
   </p:notesMasterIdLst>
   <p:handoutMasterIdLst>
-    <p:handoutMasterId r:id="rId21"/>
+    <p:handoutMasterId r:id="rId22"/>
   </p:handoutMasterIdLst>
   <p:sldIdLst>
     <p:sldId id="256" r:id="rId2"/>
     <p:sldId id="257" r:id="rId3"/>
     <p:sldId id="272" r:id="rId4"/>
     <p:sldId id="261" r:id="rId5"/>
-    <p:sldId id="263" r:id="rId6"/>
-    <p:sldId id="265" r:id="rId7"/>
-    <p:sldId id="264" r:id="rId8"/>
-    <p:sldId id="270" r:id="rId9"/>
-    <p:sldId id="271" r:id="rId10"/>
-    <p:sldId id="266" r:id="rId11"/>
-    <p:sldId id="273" r:id="rId12"/>
-    <p:sldId id="274" r:id="rId13"/>
-    <p:sldId id="275" r:id="rId14"/>
-    <p:sldId id="267" r:id="rId15"/>
-    <p:sldId id="262" r:id="rId16"/>
-    <p:sldId id="269" r:id="rId17"/>
-    <p:sldId id="259" r:id="rId18"/>
-    <p:sldId id="268" r:id="rId19"/>
+    <p:sldId id="276" r:id="rId6"/>
+    <p:sldId id="263" r:id="rId7"/>
+    <p:sldId id="265" r:id="rId8"/>
+    <p:sldId id="264" r:id="rId9"/>
+    <p:sldId id="270" r:id="rId10"/>
+    <p:sldId id="271" r:id="rId11"/>
+    <p:sldId id="266" r:id="rId12"/>
+    <p:sldId id="273" r:id="rId13"/>
+    <p:sldId id="274" r:id="rId14"/>
+    <p:sldId id="275" r:id="rId15"/>
+    <p:sldId id="267" r:id="rId16"/>
+    <p:sldId id="262" r:id="rId17"/>
+    <p:sldId id="269" r:id="rId18"/>
+    <p:sldId id="259" r:id="rId19"/>
+    <p:sldId id="268" r:id="rId20"/>
   </p:sldIdLst>
   <p:sldSz cx="12192000" cy="6858000"/>
   <p:notesSz cx="7102475" cy="10234613"/>
@@ -286,7 +287,7 @@
           <a:p>
             <a:fld id="{5C731D18-B53C-4622-9947-A3FBDDB0C9B1}" type="slidenum">
               <a:rPr lang="de-AT" smtClean="0"/>
-              <a:t>‹Nr.›</a:t>
+              <a:t>‹#›</a:t>
             </a:fld>
             <a:endParaRPr lang="de-AT"/>
           </a:p>
@@ -544,7 +545,7 @@
           <a:p>
             <a:fld id="{BEF2A079-E7F8-4A78-8EEA-DD00A8D5DE37}" type="slidenum">
               <a:rPr lang="de-AT" smtClean="0"/>
-              <a:t>‹Nr.›</a:t>
+              <a:t>‹#›</a:t>
             </a:fld>
             <a:endParaRPr lang="de-AT"/>
           </a:p>
@@ -1036,7 +1037,7 @@
             <a:fld id="{2E1B1CB6-5C5C-443C-B788-F7ADFC29778E}" type="slidenum">
               <a:rPr lang="en-US" smtClean="0"/>
               <a:pPr/>
-              <a:t>‹Nr.›</a:t>
+              <a:t>‹#›</a:t>
             </a:fld>
             <a:endParaRPr lang="en-US" dirty="0"/>
           </a:p>
@@ -1295,7 +1296,7 @@
             <a:fld id="{2E1B1CB6-5C5C-443C-B788-F7ADFC29778E}" type="slidenum">
               <a:rPr lang="en-US" smtClean="0"/>
               <a:pPr/>
-              <a:t>‹Nr.›</a:t>
+              <a:t>‹#›</a:t>
             </a:fld>
             <a:endParaRPr lang="en-US" dirty="0"/>
           </a:p>
@@ -1545,7 +1546,7 @@
             <a:fld id="{2E1B1CB6-5C5C-443C-B788-F7ADFC29778E}" type="slidenum">
               <a:rPr lang="en-US" smtClean="0"/>
               <a:pPr/>
-              <a:t>‹Nr.›</a:t>
+              <a:t>‹#›</a:t>
             </a:fld>
             <a:endParaRPr lang="en-US" dirty="0"/>
           </a:p>
@@ -1946,7 +1947,7 @@
             <a:fld id="{2E1B1CB6-5C5C-443C-B788-F7ADFC29778E}" type="slidenum">
               <a:rPr lang="en-US" smtClean="0"/>
               <a:pPr/>
-              <a:t>‹Nr.›</a:t>
+              <a:t>‹#›</a:t>
             </a:fld>
             <a:endParaRPr lang="en-US" dirty="0"/>
           </a:p>
@@ -2194,7 +2195,7 @@
             <a:fld id="{2E1B1CB6-5C5C-443C-B788-F7ADFC29778E}" type="slidenum">
               <a:rPr lang="en-US" smtClean="0"/>
               <a:pPr/>
-              <a:t>‹Nr.›</a:t>
+              <a:t>‹#›</a:t>
             </a:fld>
             <a:endParaRPr lang="en-US" dirty="0"/>
           </a:p>
@@ -2384,7 +2385,7 @@
             <a:fld id="{2E1B1CB6-5C5C-443C-B788-F7ADFC29778E}" type="slidenum">
               <a:rPr lang="en-US" smtClean="0"/>
               <a:pPr/>
-              <a:t>‹Nr.›</a:t>
+              <a:t>‹#›</a:t>
             </a:fld>
             <a:endParaRPr lang="en-US" dirty="0"/>
           </a:p>
@@ -3197,7 +3198,7 @@
             <a:fld id="{2E1B1CB6-5C5C-443C-B788-F7ADFC29778E}" type="slidenum">
               <a:rPr lang="en-US" smtClean="0"/>
               <a:pPr/>
-              <a:t>‹Nr.›</a:t>
+              <a:t>‹#›</a:t>
             </a:fld>
             <a:endParaRPr lang="en-US" dirty="0"/>
           </a:p>
@@ -4447,7 +4448,7 @@
             <a:fld id="{2E1B1CB6-5C5C-443C-B788-F7ADFC29778E}" type="slidenum">
               <a:rPr lang="en-US" smtClean="0"/>
               <a:pPr/>
-              <a:t>‹Nr.›</a:t>
+              <a:t>‹#›</a:t>
             </a:fld>
             <a:endParaRPr lang="en-US" dirty="0"/>
           </a:p>
@@ -5279,7 +5280,7 @@
             <a:fld id="{2E1B1CB6-5C5C-443C-B788-F7ADFC29778E}" type="slidenum">
               <a:rPr lang="en-US" smtClean="0"/>
               <a:pPr/>
-              <a:t>‹Nr.›</a:t>
+              <a:t>‹#›</a:t>
             </a:fld>
             <a:endParaRPr lang="en-US" dirty="0"/>
           </a:p>
@@ -6111,7 +6112,7 @@
             <a:fld id="{2E1B1CB6-5C5C-443C-B788-F7ADFC29778E}" type="slidenum">
               <a:rPr lang="en-US" smtClean="0"/>
               <a:pPr/>
-              <a:t>‹Nr.›</a:t>
+              <a:t>‹#›</a:t>
             </a:fld>
             <a:endParaRPr lang="en-US" dirty="0"/>
           </a:p>
@@ -6888,7 +6889,7 @@
             <a:fld id="{2E1B1CB6-5C5C-443C-B788-F7ADFC29778E}" type="slidenum">
               <a:rPr lang="en-US" smtClean="0"/>
               <a:pPr/>
-              <a:t>‹Nr.›</a:t>
+              <a:t>‹#›</a:t>
             </a:fld>
             <a:endParaRPr lang="en-US" dirty="0"/>
           </a:p>
@@ -7217,7 +7218,7 @@
             <a:fld id="{2E1B1CB6-5C5C-443C-B788-F7ADFC29778E}" type="slidenum">
               <a:rPr lang="en-US" smtClean="0"/>
               <a:pPr/>
-              <a:t>‹Nr.›</a:t>
+              <a:t>‹#›</a:t>
             </a:fld>
             <a:endParaRPr lang="en-US" dirty="0"/>
           </a:p>
@@ -7333,7 +7334,7 @@
             <a:fld id="{2E1B1CB6-5C5C-443C-B788-F7ADFC29778E}" type="slidenum">
               <a:rPr lang="en-US" smtClean="0"/>
               <a:pPr/>
-              <a:t>‹Nr.›</a:t>
+              <a:t>‹#›</a:t>
             </a:fld>
             <a:endParaRPr lang="en-US" dirty="0"/>
           </a:p>
@@ -8120,7 +8121,7 @@
             <a:fld id="{2E1B1CB6-5C5C-443C-B788-F7ADFC29778E}" type="slidenum">
               <a:rPr lang="en-US" smtClean="0"/>
               <a:pPr/>
-              <a:t>‹Nr.›</a:t>
+              <a:t>‹#›</a:t>
             </a:fld>
             <a:endParaRPr lang="en-US" dirty="0"/>
           </a:p>
@@ -8311,7 +8312,7 @@
             <a:fld id="{2E1B1CB6-5C5C-443C-B788-F7ADFC29778E}" type="slidenum">
               <a:rPr lang="en-US" smtClean="0"/>
               <a:pPr/>
-              <a:t>‹Nr.›</a:t>
+              <a:t>‹#›</a:t>
             </a:fld>
             <a:endParaRPr lang="en-US" dirty="0"/>
           </a:p>
@@ -8509,7 +8510,7 @@
             <a:fld id="{2E1B1CB6-5C5C-443C-B788-F7ADFC29778E}" type="slidenum">
               <a:rPr lang="en-US" smtClean="0"/>
               <a:pPr/>
-              <a:t>‹Nr.›</a:t>
+              <a:t>‹#›</a:t>
             </a:fld>
             <a:endParaRPr lang="en-US" dirty="0"/>
           </a:p>
@@ -8829,7 +8830,7 @@
             <a:fld id="{2E1B1CB6-5C5C-443C-B788-F7ADFC29778E}" type="slidenum">
               <a:rPr lang="en-US" smtClean="0"/>
               <a:pPr/>
-              <a:t>‹Nr.›</a:t>
+              <a:t>‹#›</a:t>
             </a:fld>
             <a:endParaRPr lang="en-US" dirty="0"/>
           </a:p>
@@ -9172,7 +9173,7 @@
             <a:fld id="{2E1B1CB6-5C5C-443C-B788-F7ADFC29778E}" type="slidenum">
               <a:rPr lang="en-US" smtClean="0"/>
               <a:pPr/>
-              <a:t>‹Nr.›</a:t>
+              <a:t>‹#›</a:t>
             </a:fld>
             <a:endParaRPr lang="en-US" dirty="0"/>
           </a:p>
@@ -9423,7 +9424,7 @@
             <a:fld id="{2E1B1CB6-5C5C-443C-B788-F7ADFC29778E}" type="slidenum">
               <a:rPr lang="en-US" smtClean="0"/>
               <a:pPr/>
-              <a:t>‹Nr.›</a:t>
+              <a:t>‹#›</a:t>
             </a:fld>
             <a:endParaRPr lang="en-US" dirty="0"/>
           </a:p>
@@ -9852,6 +9853,1280 @@
       </p:grpSpPr>
       <p:sp>
         <p:nvSpPr>
+          <p:cNvPr id="10" name="Title 1">
+            <a:extLst>
+              <a:ext uri="{FF2B5EF4-FFF2-40B4-BE49-F238E27FC236}">
+                <a16:creationId xmlns:a16="http://schemas.microsoft.com/office/drawing/2014/main" id="{8106E1A5-FE82-9B52-AEE0-5DC110A3DCB1}"/>
+              </a:ext>
+            </a:extLst>
+          </p:cNvPr>
+          <p:cNvSpPr>
+            <a:spLocks noGrp="1"/>
+          </p:cNvSpPr>
+          <p:nvPr>
+            <p:ph type="title"/>
+          </p:nvPr>
+        </p:nvSpPr>
+        <p:spPr>
+          <a:xfrm>
+            <a:off x="486000" y="575999"/>
+            <a:ext cx="11124000" cy="990000"/>
+          </a:xfrm>
+        </p:spPr>
+        <p:txBody>
+          <a:bodyPr/>
+          <a:lstStyle/>
+          <a:p>
+            <a:r>
+              <a:rPr lang="en-US" dirty="0"/>
+              <a:t>Results of text-based retrieval – Song 3</a:t>
+            </a:r>
+          </a:p>
+        </p:txBody>
+      </p:sp>
+      <p:sp>
+        <p:nvSpPr>
+          <p:cNvPr id="12" name="Text Placeholder 3">
+            <a:extLst>
+              <a:ext uri="{FF2B5EF4-FFF2-40B4-BE49-F238E27FC236}">
+                <a16:creationId xmlns:a16="http://schemas.microsoft.com/office/drawing/2014/main" id="{593CBCC8-A638-560F-91D2-F67575F0C6D4}"/>
+              </a:ext>
+            </a:extLst>
+          </p:cNvPr>
+          <p:cNvSpPr>
+            <a:spLocks noGrp="1"/>
+          </p:cNvSpPr>
+          <p:nvPr>
+            <p:ph type="body" sz="quarter" idx="25"/>
+          </p:nvPr>
+        </p:nvSpPr>
+        <p:spPr>
+          <a:xfrm>
+            <a:off x="471600" y="5858820"/>
+            <a:ext cx="11138400" cy="278127"/>
+          </a:xfrm>
+        </p:spPr>
+        <p:txBody>
+          <a:bodyPr/>
+          <a:lstStyle/>
+          <a:p>
+            <a:endParaRPr lang="en-US"/>
+          </a:p>
+        </p:txBody>
+      </p:sp>
+      <p:graphicFrame>
+        <p:nvGraphicFramePr>
+          <p:cNvPr id="5" name="Tabelle 4">
+            <a:extLst>
+              <a:ext uri="{FF2B5EF4-FFF2-40B4-BE49-F238E27FC236}">
+                <a16:creationId xmlns:a16="http://schemas.microsoft.com/office/drawing/2014/main" id="{5E46CDDE-D8CE-FA83-D309-E3DF1D9B6EDB}"/>
+              </a:ext>
+            </a:extLst>
+          </p:cNvPr>
+          <p:cNvGraphicFramePr>
+            <a:graphicFrameLocks noGrp="1"/>
+          </p:cNvGraphicFramePr>
+          <p:nvPr>
+            <p:extLst>
+              <p:ext uri="{D42A27DB-BD31-4B8C-83A1-F6EECF244321}">
+                <p14:modId xmlns:p14="http://schemas.microsoft.com/office/powerpoint/2010/main" val="2360810054"/>
+              </p:ext>
+            </p:extLst>
+          </p:nvPr>
+        </p:nvGraphicFramePr>
+        <p:xfrm>
+          <a:off x="471600" y="2049977"/>
+          <a:ext cx="11138402" cy="3659968"/>
+        </p:xfrm>
+        <a:graphic>
+          <a:graphicData uri="http://schemas.openxmlformats.org/drawingml/2006/table">
+            <a:tbl>
+              <a:tblPr firstRow="1" firstCol="1" bandRow="1">
+                <a:tableStyleId>{5C22544A-7EE6-4342-B048-85BDC9FD1C3A}</a:tableStyleId>
+              </a:tblPr>
+              <a:tblGrid>
+                <a:gridCol w="2432922">
+                  <a:extLst>
+                    <a:ext uri="{9D8B030D-6E8A-4147-A177-3AD203B41FA5}">
+                      <a16:colId xmlns:a16="http://schemas.microsoft.com/office/drawing/2014/main" val="3854493111"/>
+                    </a:ext>
+                  </a:extLst>
+                </a:gridCol>
+                <a:gridCol w="1871440">
+                  <a:extLst>
+                    <a:ext uri="{9D8B030D-6E8A-4147-A177-3AD203B41FA5}">
+                      <a16:colId xmlns:a16="http://schemas.microsoft.com/office/drawing/2014/main" val="3970689195"/>
+                    </a:ext>
+                  </a:extLst>
+                </a:gridCol>
+                <a:gridCol w="1550594">
+                  <a:extLst>
+                    <a:ext uri="{9D8B030D-6E8A-4147-A177-3AD203B41FA5}">
+                      <a16:colId xmlns:a16="http://schemas.microsoft.com/office/drawing/2014/main" val="13611282"/>
+                    </a:ext>
+                  </a:extLst>
+                </a:gridCol>
+                <a:gridCol w="1553099">
+                  <a:extLst>
+                    <a:ext uri="{9D8B030D-6E8A-4147-A177-3AD203B41FA5}">
+                      <a16:colId xmlns:a16="http://schemas.microsoft.com/office/drawing/2014/main" val="3295275278"/>
+                    </a:ext>
+                  </a:extLst>
+                </a:gridCol>
+                <a:gridCol w="1924079">
+                  <a:extLst>
+                    <a:ext uri="{9D8B030D-6E8A-4147-A177-3AD203B41FA5}">
+                      <a16:colId xmlns:a16="http://schemas.microsoft.com/office/drawing/2014/main" val="2375687544"/>
+                    </a:ext>
+                  </a:extLst>
+                </a:gridCol>
+                <a:gridCol w="1806268">
+                  <a:extLst>
+                    <a:ext uri="{9D8B030D-6E8A-4147-A177-3AD203B41FA5}">
+                      <a16:colId xmlns:a16="http://schemas.microsoft.com/office/drawing/2014/main" val="3758614546"/>
+                    </a:ext>
+                  </a:extLst>
+                </a:gridCol>
+              </a:tblGrid>
+              <a:tr h="986104">
+                <a:tc>
+                  <a:txBody>
+                    <a:bodyPr/>
+                    <a:lstStyle/>
+                    <a:p>
+                      <a:pPr algn="just">
+                        <a:lnSpc>
+                          <a:spcPct val="110000"/>
+                        </a:lnSpc>
+                      </a:pPr>
+                      <a:r>
+                        <a:rPr lang="en-US" sz="1900">
+                          <a:effectLst/>
+                        </a:rPr>
+                        <a:t>Song: Every Christmas, Kelly Clarkson</a:t>
+                      </a:r>
+                      <a:endParaRPr lang="de-DE" sz="1400">
+                        <a:effectLst/>
+                        <a:latin typeface="Linux Libertine"/>
+                        <a:ea typeface="Calibri" panose="020F0502020204030204" pitchFamily="34" charset="0"/>
+                        <a:cs typeface="Times New Roman" panose="02020603050405020304" pitchFamily="18" charset="0"/>
+                      </a:endParaRPr>
+                    </a:p>
+                  </a:txBody>
+                  <a:tcPr marL="108286" marR="108286" marT="0" marB="0"/>
+                </a:tc>
+                <a:tc>
+                  <a:txBody>
+                    <a:bodyPr/>
+                    <a:lstStyle/>
+                    <a:p>
+                      <a:pPr algn="just">
+                        <a:lnSpc>
+                          <a:spcPct val="110000"/>
+                        </a:lnSpc>
+                      </a:pPr>
+                      <a:r>
+                        <a:rPr lang="en-US" sz="1900">
+                          <a:effectLst/>
+                        </a:rPr>
+                        <a:t>Precision@10</a:t>
+                      </a:r>
+                      <a:endParaRPr lang="de-DE" sz="1400">
+                        <a:effectLst/>
+                        <a:latin typeface="Linux Libertine"/>
+                        <a:ea typeface="Calibri" panose="020F0502020204030204" pitchFamily="34" charset="0"/>
+                        <a:cs typeface="Times New Roman" panose="02020603050405020304" pitchFamily="18" charset="0"/>
+                      </a:endParaRPr>
+                    </a:p>
+                  </a:txBody>
+                  <a:tcPr marL="108286" marR="108286" marT="0" marB="0"/>
+                </a:tc>
+                <a:tc>
+                  <a:txBody>
+                    <a:bodyPr/>
+                    <a:lstStyle/>
+                    <a:p>
+                      <a:pPr algn="just">
+                        <a:lnSpc>
+                          <a:spcPct val="110000"/>
+                        </a:lnSpc>
+                      </a:pPr>
+                      <a:r>
+                        <a:rPr lang="en-US" sz="1900">
+                          <a:effectLst/>
+                        </a:rPr>
+                        <a:t>Recall@10</a:t>
+                      </a:r>
+                      <a:endParaRPr lang="de-DE" sz="1400">
+                        <a:effectLst/>
+                        <a:latin typeface="Linux Libertine"/>
+                        <a:ea typeface="Calibri" panose="020F0502020204030204" pitchFamily="34" charset="0"/>
+                        <a:cs typeface="Times New Roman" panose="02020603050405020304" pitchFamily="18" charset="0"/>
+                      </a:endParaRPr>
+                    </a:p>
+                  </a:txBody>
+                  <a:tcPr marL="108286" marR="108286" marT="0" marB="0"/>
+                </a:tc>
+                <a:tc>
+                  <a:txBody>
+                    <a:bodyPr/>
+                    <a:lstStyle/>
+                    <a:p>
+                      <a:pPr algn="just">
+                        <a:lnSpc>
+                          <a:spcPct val="110000"/>
+                        </a:lnSpc>
+                      </a:pPr>
+                      <a:r>
+                        <a:rPr lang="en-US" sz="1900">
+                          <a:effectLst/>
+                        </a:rPr>
+                        <a:t>nDCG@10</a:t>
+                      </a:r>
+                      <a:endParaRPr lang="de-DE" sz="1400">
+                        <a:effectLst/>
+                        <a:latin typeface="Linux Libertine"/>
+                        <a:ea typeface="Calibri" panose="020F0502020204030204" pitchFamily="34" charset="0"/>
+                        <a:cs typeface="Times New Roman" panose="02020603050405020304" pitchFamily="18" charset="0"/>
+                      </a:endParaRPr>
+                    </a:p>
+                  </a:txBody>
+                  <a:tcPr marL="108286" marR="108286" marT="0" marB="0"/>
+                </a:tc>
+                <a:tc>
+                  <a:txBody>
+                    <a:bodyPr/>
+                    <a:lstStyle/>
+                    <a:p>
+                      <a:pPr algn="just">
+                        <a:lnSpc>
+                          <a:spcPct val="110000"/>
+                        </a:lnSpc>
+                      </a:pPr>
+                      <a:r>
+                        <a:rPr lang="en-US" sz="1900">
+                          <a:effectLst/>
+                        </a:rPr>
+                        <a:t>Coverage@10</a:t>
+                      </a:r>
+                      <a:endParaRPr lang="de-DE" sz="1400">
+                        <a:effectLst/>
+                        <a:latin typeface="Linux Libertine"/>
+                        <a:ea typeface="Calibri" panose="020F0502020204030204" pitchFamily="34" charset="0"/>
+                        <a:cs typeface="Times New Roman" panose="02020603050405020304" pitchFamily="18" charset="0"/>
+                      </a:endParaRPr>
+                    </a:p>
+                  </a:txBody>
+                  <a:tcPr marL="108286" marR="108286" marT="0" marB="0"/>
+                </a:tc>
+                <a:tc>
+                  <a:txBody>
+                    <a:bodyPr/>
+                    <a:lstStyle/>
+                    <a:p>
+                      <a:pPr algn="just">
+                        <a:lnSpc>
+                          <a:spcPct val="110000"/>
+                        </a:lnSpc>
+                      </a:pPr>
+                      <a:r>
+                        <a:rPr lang="en-US" sz="1900">
+                          <a:effectLst/>
+                        </a:rPr>
+                        <a:t>Diversity@10</a:t>
+                      </a:r>
+                      <a:endParaRPr lang="de-DE" sz="1400">
+                        <a:effectLst/>
+                        <a:latin typeface="Linux Libertine"/>
+                        <a:ea typeface="Calibri" panose="020F0502020204030204" pitchFamily="34" charset="0"/>
+                        <a:cs typeface="Times New Roman" panose="02020603050405020304" pitchFamily="18" charset="0"/>
+                      </a:endParaRPr>
+                    </a:p>
+                  </a:txBody>
+                  <a:tcPr marL="108286" marR="108286" marT="0" marB="0"/>
+                </a:tc>
+                <a:extLst>
+                  <a:ext uri="{0D108BD9-81ED-4DB2-BD59-A6C34878D82A}">
+                    <a16:rowId xmlns:a16="http://schemas.microsoft.com/office/drawing/2014/main" val="4525488"/>
+                  </a:ext>
+                </a:extLst>
+              </a:tr>
+              <a:tr h="668466">
+                <a:tc>
+                  <a:txBody>
+                    <a:bodyPr/>
+                    <a:lstStyle/>
+                    <a:p>
+                      <a:pPr algn="l">
+                        <a:lnSpc>
+                          <a:spcPct val="110000"/>
+                        </a:lnSpc>
+                      </a:pPr>
+                      <a:r>
+                        <a:rPr lang="en-US" sz="1900">
+                          <a:effectLst/>
+                        </a:rPr>
+                        <a:t>Text-based(cosine, tf-idf)</a:t>
+                      </a:r>
+                      <a:endParaRPr lang="de-DE" sz="1400">
+                        <a:effectLst/>
+                        <a:latin typeface="Linux Libertine"/>
+                        <a:ea typeface="Calibri" panose="020F0502020204030204" pitchFamily="34" charset="0"/>
+                        <a:cs typeface="Times New Roman" panose="02020603050405020304" pitchFamily="18" charset="0"/>
+                      </a:endParaRPr>
+                    </a:p>
+                  </a:txBody>
+                  <a:tcPr marL="108286" marR="108286" marT="0" marB="0"/>
+                </a:tc>
+                <a:tc>
+                  <a:txBody>
+                    <a:bodyPr/>
+                    <a:lstStyle/>
+                    <a:p>
+                      <a:pPr algn="just">
+                        <a:lnSpc>
+                          <a:spcPct val="110000"/>
+                        </a:lnSpc>
+                      </a:pPr>
+                      <a:r>
+                        <a:rPr lang="en-US" sz="1900">
+                          <a:effectLst/>
+                        </a:rPr>
+                        <a:t>0.6</a:t>
+                      </a:r>
+                      <a:endParaRPr lang="de-DE" sz="1400">
+                        <a:effectLst/>
+                        <a:latin typeface="Linux Libertine"/>
+                        <a:ea typeface="Calibri" panose="020F0502020204030204" pitchFamily="34" charset="0"/>
+                        <a:cs typeface="Times New Roman" panose="02020603050405020304" pitchFamily="18" charset="0"/>
+                      </a:endParaRPr>
+                    </a:p>
+                  </a:txBody>
+                  <a:tcPr marL="108286" marR="108286" marT="0" marB="0"/>
+                </a:tc>
+                <a:tc>
+                  <a:txBody>
+                    <a:bodyPr/>
+                    <a:lstStyle/>
+                    <a:p>
+                      <a:pPr algn="just">
+                        <a:lnSpc>
+                          <a:spcPct val="110000"/>
+                        </a:lnSpc>
+                      </a:pPr>
+                      <a:r>
+                        <a:rPr lang="en-US" sz="1900">
+                          <a:effectLst/>
+                        </a:rPr>
+                        <a:t>0.00143</a:t>
+                      </a:r>
+                      <a:endParaRPr lang="de-DE" sz="1400">
+                        <a:effectLst/>
+                      </a:endParaRPr>
+                    </a:p>
+                    <a:p>
+                      <a:pPr algn="just">
+                        <a:lnSpc>
+                          <a:spcPct val="110000"/>
+                        </a:lnSpc>
+                      </a:pPr>
+                      <a:r>
+                        <a:rPr lang="en-US" sz="1900">
+                          <a:effectLst/>
+                        </a:rPr>
+                        <a:t> </a:t>
+                      </a:r>
+                      <a:endParaRPr lang="de-DE" sz="1400">
+                        <a:effectLst/>
+                        <a:latin typeface="Linux Libertine"/>
+                        <a:ea typeface="Calibri" panose="020F0502020204030204" pitchFamily="34" charset="0"/>
+                        <a:cs typeface="Times New Roman" panose="02020603050405020304" pitchFamily="18" charset="0"/>
+                      </a:endParaRPr>
+                    </a:p>
+                  </a:txBody>
+                  <a:tcPr marL="108286" marR="108286" marT="0" marB="0"/>
+                </a:tc>
+                <a:tc>
+                  <a:txBody>
+                    <a:bodyPr/>
+                    <a:lstStyle/>
+                    <a:p>
+                      <a:pPr algn="just">
+                        <a:lnSpc>
+                          <a:spcPct val="110000"/>
+                        </a:lnSpc>
+                      </a:pPr>
+                      <a:r>
+                        <a:rPr lang="en-US" sz="1900">
+                          <a:effectLst/>
+                        </a:rPr>
+                        <a:t>0.95267</a:t>
+                      </a:r>
+                      <a:endParaRPr lang="de-DE" sz="1400">
+                        <a:effectLst/>
+                      </a:endParaRPr>
+                    </a:p>
+                    <a:p>
+                      <a:pPr algn="just">
+                        <a:lnSpc>
+                          <a:spcPct val="110000"/>
+                        </a:lnSpc>
+                      </a:pPr>
+                      <a:r>
+                        <a:rPr lang="en-US" sz="1900">
+                          <a:effectLst/>
+                        </a:rPr>
+                        <a:t> </a:t>
+                      </a:r>
+                      <a:endParaRPr lang="de-DE" sz="1400">
+                        <a:effectLst/>
+                        <a:latin typeface="Linux Libertine"/>
+                        <a:ea typeface="Calibri" panose="020F0502020204030204" pitchFamily="34" charset="0"/>
+                        <a:cs typeface="Times New Roman" panose="02020603050405020304" pitchFamily="18" charset="0"/>
+                      </a:endParaRPr>
+                    </a:p>
+                  </a:txBody>
+                  <a:tcPr marL="108286" marR="108286" marT="0" marB="0"/>
+                </a:tc>
+                <a:tc>
+                  <a:txBody>
+                    <a:bodyPr/>
+                    <a:lstStyle/>
+                    <a:p>
+                      <a:pPr algn="just">
+                        <a:lnSpc>
+                          <a:spcPct val="110000"/>
+                        </a:lnSpc>
+                      </a:pPr>
+                      <a:r>
+                        <a:rPr lang="en-US" sz="1900">
+                          <a:effectLst/>
+                        </a:rPr>
+                        <a:t>0.03507</a:t>
+                      </a:r>
+                      <a:endParaRPr lang="de-DE" sz="1400">
+                        <a:effectLst/>
+                      </a:endParaRPr>
+                    </a:p>
+                    <a:p>
+                      <a:pPr algn="just">
+                        <a:lnSpc>
+                          <a:spcPct val="110000"/>
+                        </a:lnSpc>
+                      </a:pPr>
+                      <a:r>
+                        <a:rPr lang="en-US" sz="1900">
+                          <a:effectLst/>
+                        </a:rPr>
+                        <a:t> </a:t>
+                      </a:r>
+                      <a:endParaRPr lang="de-DE" sz="1400">
+                        <a:effectLst/>
+                        <a:latin typeface="Linux Libertine"/>
+                        <a:ea typeface="Calibri" panose="020F0502020204030204" pitchFamily="34" charset="0"/>
+                        <a:cs typeface="Times New Roman" panose="02020603050405020304" pitchFamily="18" charset="0"/>
+                      </a:endParaRPr>
+                    </a:p>
+                  </a:txBody>
+                  <a:tcPr marL="108286" marR="108286" marT="0" marB="0"/>
+                </a:tc>
+                <a:tc>
+                  <a:txBody>
+                    <a:bodyPr/>
+                    <a:lstStyle/>
+                    <a:p>
+                      <a:pPr algn="just">
+                        <a:lnSpc>
+                          <a:spcPct val="110000"/>
+                        </a:lnSpc>
+                      </a:pPr>
+                      <a:r>
+                        <a:rPr lang="en-US" sz="1900">
+                          <a:effectLst/>
+                        </a:rPr>
+                        <a:t>4.30369</a:t>
+                      </a:r>
+                      <a:endParaRPr lang="de-DE" sz="1400">
+                        <a:effectLst/>
+                      </a:endParaRPr>
+                    </a:p>
+                    <a:p>
+                      <a:pPr algn="just">
+                        <a:lnSpc>
+                          <a:spcPct val="110000"/>
+                        </a:lnSpc>
+                      </a:pPr>
+                      <a:r>
+                        <a:rPr lang="en-US" sz="1900">
+                          <a:effectLst/>
+                        </a:rPr>
+                        <a:t> </a:t>
+                      </a:r>
+                      <a:endParaRPr lang="de-DE" sz="1400">
+                        <a:effectLst/>
+                        <a:latin typeface="Linux Libertine"/>
+                        <a:ea typeface="Calibri" panose="020F0502020204030204" pitchFamily="34" charset="0"/>
+                        <a:cs typeface="Times New Roman" panose="02020603050405020304" pitchFamily="18" charset="0"/>
+                      </a:endParaRPr>
+                    </a:p>
+                  </a:txBody>
+                  <a:tcPr marL="108286" marR="108286" marT="0" marB="0"/>
+                </a:tc>
+                <a:extLst>
+                  <a:ext uri="{0D108BD9-81ED-4DB2-BD59-A6C34878D82A}">
+                    <a16:rowId xmlns:a16="http://schemas.microsoft.com/office/drawing/2014/main" val="3671238548"/>
+                  </a:ext>
+                </a:extLst>
+              </a:tr>
+              <a:tr h="668466">
+                <a:tc>
+                  <a:txBody>
+                    <a:bodyPr/>
+                    <a:lstStyle/>
+                    <a:p>
+                      <a:pPr algn="l">
+                        <a:lnSpc>
+                          <a:spcPct val="110000"/>
+                        </a:lnSpc>
+                      </a:pPr>
+                      <a:r>
+                        <a:rPr lang="en-US" sz="1900">
+                          <a:effectLst/>
+                        </a:rPr>
+                        <a:t>Text-based(cosine,</a:t>
+                      </a:r>
+                      <a:endParaRPr lang="de-DE" sz="1400">
+                        <a:effectLst/>
+                      </a:endParaRPr>
+                    </a:p>
+                    <a:p>
+                      <a:pPr algn="l">
+                        <a:lnSpc>
+                          <a:spcPct val="110000"/>
+                        </a:lnSpc>
+                      </a:pPr>
+                      <a:r>
+                        <a:rPr lang="en-US" sz="1900">
+                          <a:effectLst/>
+                        </a:rPr>
+                        <a:t>word2vec)</a:t>
+                      </a:r>
+                      <a:endParaRPr lang="de-DE" sz="1400">
+                        <a:effectLst/>
+                        <a:latin typeface="Linux Libertine"/>
+                        <a:ea typeface="Calibri" panose="020F0502020204030204" pitchFamily="34" charset="0"/>
+                        <a:cs typeface="Times New Roman" panose="02020603050405020304" pitchFamily="18" charset="0"/>
+                      </a:endParaRPr>
+                    </a:p>
+                  </a:txBody>
+                  <a:tcPr marL="108286" marR="108286" marT="0" marB="0"/>
+                </a:tc>
+                <a:tc>
+                  <a:txBody>
+                    <a:bodyPr/>
+                    <a:lstStyle/>
+                    <a:p>
+                      <a:pPr algn="just">
+                        <a:lnSpc>
+                          <a:spcPct val="110000"/>
+                        </a:lnSpc>
+                      </a:pPr>
+                      <a:r>
+                        <a:rPr lang="en-US" sz="1900">
+                          <a:effectLst/>
+                        </a:rPr>
+                        <a:t>0.7</a:t>
+                      </a:r>
+                      <a:endParaRPr lang="de-DE" sz="1400">
+                        <a:effectLst/>
+                        <a:latin typeface="Linux Libertine"/>
+                        <a:ea typeface="Calibri" panose="020F0502020204030204" pitchFamily="34" charset="0"/>
+                        <a:cs typeface="Times New Roman" panose="02020603050405020304" pitchFamily="18" charset="0"/>
+                      </a:endParaRPr>
+                    </a:p>
+                  </a:txBody>
+                  <a:tcPr marL="108286" marR="108286" marT="0" marB="0"/>
+                </a:tc>
+                <a:tc>
+                  <a:txBody>
+                    <a:bodyPr/>
+                    <a:lstStyle/>
+                    <a:p>
+                      <a:pPr algn="just">
+                        <a:lnSpc>
+                          <a:spcPct val="110000"/>
+                        </a:lnSpc>
+                      </a:pPr>
+                      <a:r>
+                        <a:rPr lang="en-US" sz="1900">
+                          <a:effectLst/>
+                        </a:rPr>
+                        <a:t>0.00167</a:t>
+                      </a:r>
+                      <a:endParaRPr lang="de-DE" sz="1400">
+                        <a:effectLst/>
+                      </a:endParaRPr>
+                    </a:p>
+                    <a:p>
+                      <a:pPr algn="just">
+                        <a:lnSpc>
+                          <a:spcPct val="110000"/>
+                        </a:lnSpc>
+                      </a:pPr>
+                      <a:r>
+                        <a:rPr lang="en-US" sz="1900">
+                          <a:effectLst/>
+                        </a:rPr>
+                        <a:t> </a:t>
+                      </a:r>
+                      <a:endParaRPr lang="de-DE" sz="1400">
+                        <a:effectLst/>
+                        <a:latin typeface="Linux Libertine"/>
+                        <a:ea typeface="Calibri" panose="020F0502020204030204" pitchFamily="34" charset="0"/>
+                        <a:cs typeface="Times New Roman" panose="02020603050405020304" pitchFamily="18" charset="0"/>
+                      </a:endParaRPr>
+                    </a:p>
+                  </a:txBody>
+                  <a:tcPr marL="108286" marR="108286" marT="0" marB="0"/>
+                </a:tc>
+                <a:tc>
+                  <a:txBody>
+                    <a:bodyPr/>
+                    <a:lstStyle/>
+                    <a:p>
+                      <a:pPr algn="just">
+                        <a:lnSpc>
+                          <a:spcPct val="110000"/>
+                        </a:lnSpc>
+                      </a:pPr>
+                      <a:r>
+                        <a:rPr lang="en-US" sz="1900">
+                          <a:effectLst/>
+                        </a:rPr>
+                        <a:t>0.73712</a:t>
+                      </a:r>
+                      <a:endParaRPr lang="de-DE" sz="1400">
+                        <a:effectLst/>
+                      </a:endParaRPr>
+                    </a:p>
+                    <a:p>
+                      <a:pPr algn="just">
+                        <a:lnSpc>
+                          <a:spcPct val="110000"/>
+                        </a:lnSpc>
+                      </a:pPr>
+                      <a:r>
+                        <a:rPr lang="en-US" sz="1900">
+                          <a:effectLst/>
+                        </a:rPr>
+                        <a:t> </a:t>
+                      </a:r>
+                      <a:endParaRPr lang="de-DE" sz="1400">
+                        <a:effectLst/>
+                        <a:latin typeface="Linux Libertine"/>
+                        <a:ea typeface="Calibri" panose="020F0502020204030204" pitchFamily="34" charset="0"/>
+                        <a:cs typeface="Times New Roman" panose="02020603050405020304" pitchFamily="18" charset="0"/>
+                      </a:endParaRPr>
+                    </a:p>
+                  </a:txBody>
+                  <a:tcPr marL="108286" marR="108286" marT="0" marB="0"/>
+                </a:tc>
+                <a:tc>
+                  <a:txBody>
+                    <a:bodyPr/>
+                    <a:lstStyle/>
+                    <a:p>
+                      <a:pPr algn="just">
+                        <a:lnSpc>
+                          <a:spcPct val="110000"/>
+                        </a:lnSpc>
+                      </a:pPr>
+                      <a:r>
+                        <a:rPr lang="en-US" sz="1900">
+                          <a:effectLst/>
+                        </a:rPr>
+                        <a:t>0.04676</a:t>
+                      </a:r>
+                      <a:endParaRPr lang="de-DE" sz="1400">
+                        <a:effectLst/>
+                      </a:endParaRPr>
+                    </a:p>
+                    <a:p>
+                      <a:pPr algn="just">
+                        <a:lnSpc>
+                          <a:spcPct val="110000"/>
+                        </a:lnSpc>
+                      </a:pPr>
+                      <a:r>
+                        <a:rPr lang="en-US" sz="1900">
+                          <a:effectLst/>
+                        </a:rPr>
+                        <a:t> </a:t>
+                      </a:r>
+                      <a:endParaRPr lang="de-DE" sz="1400">
+                        <a:effectLst/>
+                        <a:latin typeface="Linux Libertine"/>
+                        <a:ea typeface="Calibri" panose="020F0502020204030204" pitchFamily="34" charset="0"/>
+                        <a:cs typeface="Times New Roman" panose="02020603050405020304" pitchFamily="18" charset="0"/>
+                      </a:endParaRPr>
+                    </a:p>
+                  </a:txBody>
+                  <a:tcPr marL="108286" marR="108286" marT="0" marB="0"/>
+                </a:tc>
+                <a:tc>
+                  <a:txBody>
+                    <a:bodyPr/>
+                    <a:lstStyle/>
+                    <a:p>
+                      <a:pPr algn="just">
+                        <a:lnSpc>
+                          <a:spcPct val="110000"/>
+                        </a:lnSpc>
+                      </a:pPr>
+                      <a:r>
+                        <a:rPr lang="en-US" sz="1900">
+                          <a:effectLst/>
+                        </a:rPr>
+                        <a:t>5.33174</a:t>
+                      </a:r>
+                      <a:endParaRPr lang="de-DE" sz="1400">
+                        <a:effectLst/>
+                      </a:endParaRPr>
+                    </a:p>
+                    <a:p>
+                      <a:pPr algn="just">
+                        <a:lnSpc>
+                          <a:spcPct val="110000"/>
+                        </a:lnSpc>
+                      </a:pPr>
+                      <a:r>
+                        <a:rPr lang="en-US" sz="1900">
+                          <a:effectLst/>
+                        </a:rPr>
+                        <a:t> </a:t>
+                      </a:r>
+                      <a:endParaRPr lang="de-DE" sz="1400">
+                        <a:effectLst/>
+                        <a:latin typeface="Linux Libertine"/>
+                        <a:ea typeface="Calibri" panose="020F0502020204030204" pitchFamily="34" charset="0"/>
+                        <a:cs typeface="Times New Roman" panose="02020603050405020304" pitchFamily="18" charset="0"/>
+                      </a:endParaRPr>
+                    </a:p>
+                  </a:txBody>
+                  <a:tcPr marL="108286" marR="108286" marT="0" marB="0"/>
+                </a:tc>
+                <a:extLst>
+                  <a:ext uri="{0D108BD9-81ED-4DB2-BD59-A6C34878D82A}">
+                    <a16:rowId xmlns:a16="http://schemas.microsoft.com/office/drawing/2014/main" val="3425671918"/>
+                  </a:ext>
+                </a:extLst>
+              </a:tr>
+              <a:tr h="668466">
+                <a:tc>
+                  <a:txBody>
+                    <a:bodyPr/>
+                    <a:lstStyle/>
+                    <a:p>
+                      <a:pPr algn="l">
+                        <a:lnSpc>
+                          <a:spcPct val="110000"/>
+                        </a:lnSpc>
+                      </a:pPr>
+                      <a:r>
+                        <a:rPr lang="en-US" sz="1900">
+                          <a:effectLst/>
+                        </a:rPr>
+                        <a:t>Text-based(cosine,</a:t>
+                      </a:r>
+                      <a:endParaRPr lang="de-DE" sz="1400">
+                        <a:effectLst/>
+                      </a:endParaRPr>
+                    </a:p>
+                    <a:p>
+                      <a:pPr algn="l">
+                        <a:lnSpc>
+                          <a:spcPct val="110000"/>
+                        </a:lnSpc>
+                      </a:pPr>
+                      <a:r>
+                        <a:rPr lang="en-US" sz="1900">
+                          <a:effectLst/>
+                        </a:rPr>
+                        <a:t>Bert)</a:t>
+                      </a:r>
+                      <a:endParaRPr lang="de-DE" sz="1400">
+                        <a:effectLst/>
+                        <a:latin typeface="Linux Libertine"/>
+                        <a:ea typeface="Calibri" panose="020F0502020204030204" pitchFamily="34" charset="0"/>
+                        <a:cs typeface="Times New Roman" panose="02020603050405020304" pitchFamily="18" charset="0"/>
+                      </a:endParaRPr>
+                    </a:p>
+                  </a:txBody>
+                  <a:tcPr marL="108286" marR="108286" marT="0" marB="0"/>
+                </a:tc>
+                <a:tc>
+                  <a:txBody>
+                    <a:bodyPr/>
+                    <a:lstStyle/>
+                    <a:p>
+                      <a:pPr algn="just">
+                        <a:lnSpc>
+                          <a:spcPct val="110000"/>
+                        </a:lnSpc>
+                      </a:pPr>
+                      <a:r>
+                        <a:rPr lang="en-US" sz="1900">
+                          <a:effectLst/>
+                        </a:rPr>
+                        <a:t>0.9</a:t>
+                      </a:r>
+                      <a:endParaRPr lang="de-DE" sz="1400">
+                        <a:effectLst/>
+                        <a:latin typeface="Linux Libertine"/>
+                        <a:ea typeface="Calibri" panose="020F0502020204030204" pitchFamily="34" charset="0"/>
+                        <a:cs typeface="Times New Roman" panose="02020603050405020304" pitchFamily="18" charset="0"/>
+                      </a:endParaRPr>
+                    </a:p>
+                  </a:txBody>
+                  <a:tcPr marL="108286" marR="108286" marT="0" marB="0"/>
+                </a:tc>
+                <a:tc>
+                  <a:txBody>
+                    <a:bodyPr/>
+                    <a:lstStyle/>
+                    <a:p>
+                      <a:pPr algn="just">
+                        <a:lnSpc>
+                          <a:spcPct val="110000"/>
+                        </a:lnSpc>
+                      </a:pPr>
+                      <a:r>
+                        <a:rPr lang="en-US" sz="1900">
+                          <a:effectLst/>
+                        </a:rPr>
+                        <a:t>0.00214</a:t>
+                      </a:r>
+                      <a:endParaRPr lang="de-DE" sz="1400">
+                        <a:effectLst/>
+                      </a:endParaRPr>
+                    </a:p>
+                    <a:p>
+                      <a:pPr algn="just">
+                        <a:lnSpc>
+                          <a:spcPct val="110000"/>
+                        </a:lnSpc>
+                      </a:pPr>
+                      <a:r>
+                        <a:rPr lang="en-US" sz="1900">
+                          <a:effectLst/>
+                        </a:rPr>
+                        <a:t> </a:t>
+                      </a:r>
+                      <a:endParaRPr lang="de-DE" sz="1400">
+                        <a:effectLst/>
+                        <a:latin typeface="Linux Libertine"/>
+                        <a:ea typeface="Calibri" panose="020F0502020204030204" pitchFamily="34" charset="0"/>
+                        <a:cs typeface="Times New Roman" panose="02020603050405020304" pitchFamily="18" charset="0"/>
+                      </a:endParaRPr>
+                    </a:p>
+                  </a:txBody>
+                  <a:tcPr marL="108286" marR="108286" marT="0" marB="0"/>
+                </a:tc>
+                <a:tc>
+                  <a:txBody>
+                    <a:bodyPr/>
+                    <a:lstStyle/>
+                    <a:p>
+                      <a:pPr algn="just">
+                        <a:lnSpc>
+                          <a:spcPct val="110000"/>
+                        </a:lnSpc>
+                      </a:pPr>
+                      <a:r>
+                        <a:rPr lang="en-US" sz="1900">
+                          <a:effectLst/>
+                        </a:rPr>
+                        <a:t>0.76511</a:t>
+                      </a:r>
+                      <a:endParaRPr lang="de-DE" sz="1400">
+                        <a:effectLst/>
+                      </a:endParaRPr>
+                    </a:p>
+                    <a:p>
+                      <a:pPr algn="just">
+                        <a:lnSpc>
+                          <a:spcPct val="110000"/>
+                        </a:lnSpc>
+                      </a:pPr>
+                      <a:r>
+                        <a:rPr lang="en-US" sz="1900">
+                          <a:effectLst/>
+                        </a:rPr>
+                        <a:t> </a:t>
+                      </a:r>
+                      <a:endParaRPr lang="de-DE" sz="1400">
+                        <a:effectLst/>
+                        <a:latin typeface="Linux Libertine"/>
+                        <a:ea typeface="Calibri" panose="020F0502020204030204" pitchFamily="34" charset="0"/>
+                        <a:cs typeface="Times New Roman" panose="02020603050405020304" pitchFamily="18" charset="0"/>
+                      </a:endParaRPr>
+                    </a:p>
+                  </a:txBody>
+                  <a:tcPr marL="108286" marR="108286" marT="0" marB="0"/>
+                </a:tc>
+                <a:tc>
+                  <a:txBody>
+                    <a:bodyPr/>
+                    <a:lstStyle/>
+                    <a:p>
+                      <a:pPr algn="just">
+                        <a:lnSpc>
+                          <a:spcPct val="110000"/>
+                        </a:lnSpc>
+                      </a:pPr>
+                      <a:r>
+                        <a:rPr lang="en-US" sz="1900">
+                          <a:effectLst/>
+                        </a:rPr>
+                        <a:t>0.03776</a:t>
+                      </a:r>
+                      <a:endParaRPr lang="de-DE" sz="1400">
+                        <a:effectLst/>
+                      </a:endParaRPr>
+                    </a:p>
+                    <a:p>
+                      <a:pPr algn="just">
+                        <a:lnSpc>
+                          <a:spcPct val="110000"/>
+                        </a:lnSpc>
+                      </a:pPr>
+                      <a:r>
+                        <a:rPr lang="en-US" sz="1900">
+                          <a:effectLst/>
+                        </a:rPr>
+                        <a:t> </a:t>
+                      </a:r>
+                      <a:endParaRPr lang="de-DE" sz="1400">
+                        <a:effectLst/>
+                        <a:latin typeface="Linux Libertine"/>
+                        <a:ea typeface="Calibri" panose="020F0502020204030204" pitchFamily="34" charset="0"/>
+                        <a:cs typeface="Times New Roman" panose="02020603050405020304" pitchFamily="18" charset="0"/>
+                      </a:endParaRPr>
+                    </a:p>
+                  </a:txBody>
+                  <a:tcPr marL="108286" marR="108286" marT="0" marB="0"/>
+                </a:tc>
+                <a:tc>
+                  <a:txBody>
+                    <a:bodyPr/>
+                    <a:lstStyle/>
+                    <a:p>
+                      <a:pPr algn="just">
+                        <a:lnSpc>
+                          <a:spcPct val="110000"/>
+                        </a:lnSpc>
+                      </a:pPr>
+                      <a:r>
+                        <a:rPr lang="en-US" sz="1900">
+                          <a:effectLst/>
+                        </a:rPr>
+                        <a:t>4.24776</a:t>
+                      </a:r>
+                      <a:endParaRPr lang="de-DE" sz="1400">
+                        <a:effectLst/>
+                      </a:endParaRPr>
+                    </a:p>
+                    <a:p>
+                      <a:pPr algn="just">
+                        <a:lnSpc>
+                          <a:spcPct val="110000"/>
+                        </a:lnSpc>
+                      </a:pPr>
+                      <a:r>
+                        <a:rPr lang="en-US" sz="1900">
+                          <a:effectLst/>
+                        </a:rPr>
+                        <a:t> </a:t>
+                      </a:r>
+                      <a:endParaRPr lang="de-DE" sz="1400">
+                        <a:effectLst/>
+                        <a:latin typeface="Linux Libertine"/>
+                        <a:ea typeface="Calibri" panose="020F0502020204030204" pitchFamily="34" charset="0"/>
+                        <a:cs typeface="Times New Roman" panose="02020603050405020304" pitchFamily="18" charset="0"/>
+                      </a:endParaRPr>
+                    </a:p>
+                  </a:txBody>
+                  <a:tcPr marL="108286" marR="108286" marT="0" marB="0"/>
+                </a:tc>
+                <a:extLst>
+                  <a:ext uri="{0D108BD9-81ED-4DB2-BD59-A6C34878D82A}">
+                    <a16:rowId xmlns:a16="http://schemas.microsoft.com/office/drawing/2014/main" val="2190866697"/>
+                  </a:ext>
+                </a:extLst>
+              </a:tr>
+              <a:tr h="668466">
+                <a:tc>
+                  <a:txBody>
+                    <a:bodyPr/>
+                    <a:lstStyle/>
+                    <a:p>
+                      <a:pPr algn="l">
+                        <a:lnSpc>
+                          <a:spcPct val="110000"/>
+                        </a:lnSpc>
+                      </a:pPr>
+                      <a:r>
+                        <a:rPr lang="en-US" sz="1900">
+                          <a:effectLst/>
+                        </a:rPr>
+                        <a:t>Random-Baseline</a:t>
+                      </a:r>
+                      <a:endParaRPr lang="de-DE" sz="1400">
+                        <a:effectLst/>
+                        <a:latin typeface="Linux Libertine"/>
+                        <a:ea typeface="Calibri" panose="020F0502020204030204" pitchFamily="34" charset="0"/>
+                        <a:cs typeface="Times New Roman" panose="02020603050405020304" pitchFamily="18" charset="0"/>
+                      </a:endParaRPr>
+                    </a:p>
+                  </a:txBody>
+                  <a:tcPr marL="108286" marR="108286" marT="0" marB="0"/>
+                </a:tc>
+                <a:tc>
+                  <a:txBody>
+                    <a:bodyPr/>
+                    <a:lstStyle/>
+                    <a:p>
+                      <a:pPr algn="just">
+                        <a:lnSpc>
+                          <a:spcPct val="110000"/>
+                        </a:lnSpc>
+                      </a:pPr>
+                      <a:r>
+                        <a:rPr lang="en-US" sz="1900">
+                          <a:effectLst/>
+                        </a:rPr>
+                        <a:t>0.3</a:t>
+                      </a:r>
+                      <a:endParaRPr lang="de-DE" sz="1400">
+                        <a:effectLst/>
+                        <a:latin typeface="Linux Libertine"/>
+                        <a:ea typeface="Calibri" panose="020F0502020204030204" pitchFamily="34" charset="0"/>
+                        <a:cs typeface="Times New Roman" panose="02020603050405020304" pitchFamily="18" charset="0"/>
+                      </a:endParaRPr>
+                    </a:p>
+                  </a:txBody>
+                  <a:tcPr marL="108286" marR="108286" marT="0" marB="0"/>
+                </a:tc>
+                <a:tc>
+                  <a:txBody>
+                    <a:bodyPr/>
+                    <a:lstStyle/>
+                    <a:p>
+                      <a:pPr algn="just">
+                        <a:lnSpc>
+                          <a:spcPct val="110000"/>
+                        </a:lnSpc>
+                      </a:pPr>
+                      <a:r>
+                        <a:rPr lang="en-US" sz="1900">
+                          <a:effectLst/>
+                        </a:rPr>
+                        <a:t>0.00071</a:t>
+                      </a:r>
+                      <a:endParaRPr lang="de-DE" sz="1400">
+                        <a:effectLst/>
+                      </a:endParaRPr>
+                    </a:p>
+                    <a:p>
+                      <a:pPr algn="just">
+                        <a:lnSpc>
+                          <a:spcPct val="110000"/>
+                        </a:lnSpc>
+                      </a:pPr>
+                      <a:r>
+                        <a:rPr lang="en-US" sz="1900">
+                          <a:effectLst/>
+                        </a:rPr>
+                        <a:t> </a:t>
+                      </a:r>
+                      <a:endParaRPr lang="de-DE" sz="1400">
+                        <a:effectLst/>
+                        <a:latin typeface="Linux Libertine"/>
+                        <a:ea typeface="Calibri" panose="020F0502020204030204" pitchFamily="34" charset="0"/>
+                        <a:cs typeface="Times New Roman" panose="02020603050405020304" pitchFamily="18" charset="0"/>
+                      </a:endParaRPr>
+                    </a:p>
+                  </a:txBody>
+                  <a:tcPr marL="108286" marR="108286" marT="0" marB="0"/>
+                </a:tc>
+                <a:tc>
+                  <a:txBody>
+                    <a:bodyPr/>
+                    <a:lstStyle/>
+                    <a:p>
+                      <a:pPr algn="just">
+                        <a:lnSpc>
+                          <a:spcPct val="110000"/>
+                        </a:lnSpc>
+                      </a:pPr>
+                      <a:r>
+                        <a:rPr lang="en-US" sz="1900">
+                          <a:effectLst/>
+                        </a:rPr>
+                        <a:t>0.49639</a:t>
+                      </a:r>
+                      <a:endParaRPr lang="de-DE" sz="1400">
+                        <a:effectLst/>
+                      </a:endParaRPr>
+                    </a:p>
+                    <a:p>
+                      <a:pPr algn="just">
+                        <a:lnSpc>
+                          <a:spcPct val="110000"/>
+                        </a:lnSpc>
+                      </a:pPr>
+                      <a:r>
+                        <a:rPr lang="en-US" sz="1900">
+                          <a:effectLst/>
+                        </a:rPr>
+                        <a:t> </a:t>
+                      </a:r>
+                      <a:endParaRPr lang="de-DE" sz="1400">
+                        <a:effectLst/>
+                        <a:latin typeface="Linux Libertine"/>
+                        <a:ea typeface="Calibri" panose="020F0502020204030204" pitchFamily="34" charset="0"/>
+                        <a:cs typeface="Times New Roman" panose="02020603050405020304" pitchFamily="18" charset="0"/>
+                      </a:endParaRPr>
+                    </a:p>
+                  </a:txBody>
+                  <a:tcPr marL="108286" marR="108286" marT="0" marB="0"/>
+                </a:tc>
+                <a:tc>
+                  <a:txBody>
+                    <a:bodyPr/>
+                    <a:lstStyle/>
+                    <a:p>
+                      <a:pPr algn="just">
+                        <a:lnSpc>
+                          <a:spcPct val="110000"/>
+                        </a:lnSpc>
+                      </a:pPr>
+                      <a:r>
+                        <a:rPr lang="en-US" sz="1900">
+                          <a:effectLst/>
+                        </a:rPr>
+                        <a:t>0.03417</a:t>
+                      </a:r>
+                      <a:endParaRPr lang="de-DE" sz="1400">
+                        <a:effectLst/>
+                      </a:endParaRPr>
+                    </a:p>
+                    <a:p>
+                      <a:pPr algn="just">
+                        <a:lnSpc>
+                          <a:spcPct val="110000"/>
+                        </a:lnSpc>
+                      </a:pPr>
+                      <a:r>
+                        <a:rPr lang="en-US" sz="1900">
+                          <a:effectLst/>
+                        </a:rPr>
+                        <a:t> </a:t>
+                      </a:r>
+                      <a:endParaRPr lang="de-DE" sz="1400">
+                        <a:effectLst/>
+                        <a:latin typeface="Linux Libertine"/>
+                        <a:ea typeface="Calibri" panose="020F0502020204030204" pitchFamily="34" charset="0"/>
+                        <a:cs typeface="Times New Roman" panose="02020603050405020304" pitchFamily="18" charset="0"/>
+                      </a:endParaRPr>
+                    </a:p>
+                  </a:txBody>
+                  <a:tcPr marL="108286" marR="108286" marT="0" marB="0"/>
+                </a:tc>
+                <a:tc>
+                  <a:txBody>
+                    <a:bodyPr/>
+                    <a:lstStyle/>
+                    <a:p>
+                      <a:pPr algn="just">
+                        <a:lnSpc>
+                          <a:spcPct val="110000"/>
+                        </a:lnSpc>
+                      </a:pPr>
+                      <a:r>
+                        <a:rPr lang="en-US" sz="1900" dirty="0">
+                          <a:effectLst/>
+                        </a:rPr>
+                        <a:t>4.52973</a:t>
+                      </a:r>
+                      <a:endParaRPr lang="de-DE" sz="1400" dirty="0">
+                        <a:effectLst/>
+                      </a:endParaRPr>
+                    </a:p>
+                    <a:p>
+                      <a:pPr algn="just">
+                        <a:lnSpc>
+                          <a:spcPct val="110000"/>
+                        </a:lnSpc>
+                      </a:pPr>
+                      <a:r>
+                        <a:rPr lang="en-US" sz="1900" dirty="0">
+                          <a:effectLst/>
+                        </a:rPr>
+                        <a:t> </a:t>
+                      </a:r>
+                      <a:endParaRPr lang="de-DE" sz="1400" dirty="0">
+                        <a:effectLst/>
+                        <a:latin typeface="Linux Libertine"/>
+                        <a:ea typeface="Calibri" panose="020F0502020204030204" pitchFamily="34" charset="0"/>
+                        <a:cs typeface="Times New Roman" panose="02020603050405020304" pitchFamily="18" charset="0"/>
+                      </a:endParaRPr>
+                    </a:p>
+                  </a:txBody>
+                  <a:tcPr marL="108286" marR="108286" marT="0" marB="0"/>
+                </a:tc>
+                <a:extLst>
+                  <a:ext uri="{0D108BD9-81ED-4DB2-BD59-A6C34878D82A}">
+                    <a16:rowId xmlns:a16="http://schemas.microsoft.com/office/drawing/2014/main" val="36363"/>
+                  </a:ext>
+                </a:extLst>
+              </a:tr>
+            </a:tbl>
+          </a:graphicData>
+        </a:graphic>
+      </p:graphicFrame>
+    </p:spTree>
+    <p:extLst>
+      <p:ext uri="{BB962C8B-B14F-4D97-AF65-F5344CB8AC3E}">
+        <p14:creationId xmlns:p14="http://schemas.microsoft.com/office/powerpoint/2010/main" val="818368507"/>
+      </p:ext>
+    </p:extLst>
+  </p:cSld>
+  <p:clrMapOvr>
+    <a:masterClrMapping/>
+  </p:clrMapOvr>
+</p:sld>
+</file>
+
+<file path=ppt/slides/slide11.xml><?xml version="1.0" encoding="utf-8"?>
+<p:sld xmlns:a="http://schemas.openxmlformats.org/drawingml/2006/main" xmlns:r="http://schemas.openxmlformats.org/officeDocument/2006/relationships" xmlns:p="http://schemas.openxmlformats.org/presentationml/2006/main">
+  <p:cSld>
+    <p:spTree>
+      <p:nvGrpSpPr>
+        <p:cNvPr id="1" name=""/>
+        <p:cNvGrpSpPr/>
+        <p:nvPr/>
+      </p:nvGrpSpPr>
+      <p:grpSpPr>
+        <a:xfrm>
+          <a:off x="0" y="0"/>
+          <a:ext cx="0" cy="0"/>
+          <a:chOff x="0" y="0"/>
+          <a:chExt cx="0" cy="0"/>
+        </a:xfrm>
+      </p:grpSpPr>
+      <p:sp>
+        <p:nvSpPr>
           <p:cNvPr id="2" name="Titel 1">
             <a:extLst>
               <a:ext uri="{FF2B5EF4-FFF2-40B4-BE49-F238E27FC236}">
@@ -9894,7 +11169,7 @@
         <p:spPr>
           <a:xfrm>
             <a:off x="654341" y="1291905"/>
-            <a:ext cx="9714452" cy="2308324"/>
+            <a:ext cx="9714452" cy="2585323"/>
           </a:xfrm>
           <a:prstGeom prst="rect">
             <a:avLst/>
@@ -9974,11 +11249,13 @@
             <a:endParaRPr lang="en-US" dirty="0"/>
           </a:p>
           <a:p>
-            <a:pPr marL="285750" indent="-285750">
-              <a:buFont typeface="Arial" panose="020B0604020202020204" pitchFamily="34" charset="0"/>
-              <a:buChar char="•"/>
-            </a:pPr>
             <a:endParaRPr lang="en-US" dirty="0"/>
+          </a:p>
+          <a:p>
+            <a:r>
+              <a:rPr lang="en-US" dirty="0"/>
+              <a:t>We also analyzed the results we got with the audio-based function for the 3 query songs.</a:t>
+            </a:r>
           </a:p>
           <a:p>
             <a:endParaRPr lang="en-US" dirty="0"/>
@@ -10001,7 +11278,7 @@
 </p:sld>
 </file>
 
-<file path=ppt/slides/slide11.xml><?xml version="1.0" encoding="utf-8"?>
+<file path=ppt/slides/slide12.xml><?xml version="1.0" encoding="utf-8"?>
 <p:sld xmlns:a="http://schemas.openxmlformats.org/drawingml/2006/main" xmlns:r="http://schemas.openxmlformats.org/officeDocument/2006/relationships" xmlns:p="http://schemas.openxmlformats.org/presentationml/2006/main">
   <p:cSld>
     <p:spTree>
@@ -10034,19 +11311,1245 @@
             <p:ph type="title"/>
           </p:nvPr>
         </p:nvSpPr>
-        <p:spPr/>
+        <p:spPr>
+          <a:xfrm>
+            <a:off x="486000" y="575999"/>
+            <a:ext cx="11124000" cy="990000"/>
+          </a:xfrm>
+        </p:spPr>
+        <p:txBody>
+          <a:bodyPr anchor="t">
+            <a:normAutofit/>
+          </a:bodyPr>
+          <a:lstStyle/>
+          <a:p>
+            <a:r>
+              <a:rPr lang="en-US" dirty="0"/>
+              <a:t>Results of audio-based retrieval – Song 1</a:t>
+            </a:r>
+            <a:endParaRPr lang="de-DE" dirty="0"/>
+          </a:p>
+        </p:txBody>
+      </p:sp>
+      <p:sp>
+        <p:nvSpPr>
+          <p:cNvPr id="8" name="Text Placeholder 3">
+            <a:extLst>
+              <a:ext uri="{FF2B5EF4-FFF2-40B4-BE49-F238E27FC236}">
+                <a16:creationId xmlns:a16="http://schemas.microsoft.com/office/drawing/2014/main" id="{AD2477A6-3357-76E8-D647-518DCC831BBB}"/>
+              </a:ext>
+            </a:extLst>
+          </p:cNvPr>
+          <p:cNvSpPr>
+            <a:spLocks noGrp="1"/>
+          </p:cNvSpPr>
+          <p:nvPr>
+            <p:ph type="body" sz="quarter" idx="25"/>
+          </p:nvPr>
+        </p:nvSpPr>
+        <p:spPr>
+          <a:xfrm>
+            <a:off x="576000" y="5864400"/>
+            <a:ext cx="11034000" cy="278127"/>
+          </a:xfrm>
+        </p:spPr>
         <p:txBody>
           <a:bodyPr/>
           <a:lstStyle/>
           <a:p>
-            <a:r>
-              <a:rPr lang="en-US" dirty="0"/>
-              <a:t>Results of audio-based retrieval – Song 1</a:t>
-            </a:r>
-            <a:endParaRPr lang="de-DE" dirty="0"/>
+            <a:endParaRPr lang="en-US"/>
           </a:p>
         </p:txBody>
       </p:sp>
+      <p:graphicFrame>
+        <p:nvGraphicFramePr>
+          <p:cNvPr id="3" name="Table 2">
+            <a:extLst>
+              <a:ext uri="{FF2B5EF4-FFF2-40B4-BE49-F238E27FC236}">
+                <a16:creationId xmlns:a16="http://schemas.microsoft.com/office/drawing/2014/main" id="{76576800-2EC3-5B24-4783-41994AF7CA3A}"/>
+              </a:ext>
+            </a:extLst>
+          </p:cNvPr>
+          <p:cNvGraphicFramePr>
+            <a:graphicFrameLocks noGrp="1"/>
+          </p:cNvGraphicFramePr>
+          <p:nvPr>
+            <p:extLst>
+              <p:ext uri="{D42A27DB-BD31-4B8C-83A1-F6EECF244321}">
+                <p14:modId xmlns:p14="http://schemas.microsoft.com/office/powerpoint/2010/main" val="2267312178"/>
+              </p:ext>
+            </p:extLst>
+          </p:nvPr>
+        </p:nvGraphicFramePr>
+        <p:xfrm>
+          <a:off x="576000" y="1770102"/>
+          <a:ext cx="11034004" cy="4325603"/>
+        </p:xfrm>
+        <a:graphic>
+          <a:graphicData uri="http://schemas.openxmlformats.org/drawingml/2006/table">
+            <a:tbl>
+              <a:tblPr firstRow="1" firstCol="1" bandRow="1">
+                <a:tableStyleId>{5C22544A-7EE6-4342-B048-85BDC9FD1C3A}</a:tableStyleId>
+              </a:tblPr>
+              <a:tblGrid>
+                <a:gridCol w="2227344">
+                  <a:extLst>
+                    <a:ext uri="{9D8B030D-6E8A-4147-A177-3AD203B41FA5}">
+                      <a16:colId xmlns:a16="http://schemas.microsoft.com/office/drawing/2014/main" val="2639039613"/>
+                    </a:ext>
+                  </a:extLst>
+                </a:gridCol>
+                <a:gridCol w="1839511">
+                  <a:extLst>
+                    <a:ext uri="{9D8B030D-6E8A-4147-A177-3AD203B41FA5}">
+                      <a16:colId xmlns:a16="http://schemas.microsoft.com/office/drawing/2014/main" val="3758262247"/>
+                    </a:ext>
+                  </a:extLst>
+                </a:gridCol>
+                <a:gridCol w="1486934">
+                  <a:extLst>
+                    <a:ext uri="{9D8B030D-6E8A-4147-A177-3AD203B41FA5}">
+                      <a16:colId xmlns:a16="http://schemas.microsoft.com/office/drawing/2014/main" val="3552857185"/>
+                    </a:ext>
+                  </a:extLst>
+                </a:gridCol>
+                <a:gridCol w="1505014">
+                  <a:extLst>
+                    <a:ext uri="{9D8B030D-6E8A-4147-A177-3AD203B41FA5}">
+                      <a16:colId xmlns:a16="http://schemas.microsoft.com/office/drawing/2014/main" val="652317205"/>
+                    </a:ext>
+                  </a:extLst>
+                </a:gridCol>
+                <a:gridCol w="1848913">
+                  <a:extLst>
+                    <a:ext uri="{9D8B030D-6E8A-4147-A177-3AD203B41FA5}">
+                      <a16:colId xmlns:a16="http://schemas.microsoft.com/office/drawing/2014/main" val="1578218680"/>
+                    </a:ext>
+                  </a:extLst>
+                </a:gridCol>
+                <a:gridCol w="2126288">
+                  <a:extLst>
+                    <a:ext uri="{9D8B030D-6E8A-4147-A177-3AD203B41FA5}">
+                      <a16:colId xmlns:a16="http://schemas.microsoft.com/office/drawing/2014/main" val="1708176094"/>
+                    </a:ext>
+                  </a:extLst>
+                </a:gridCol>
+              </a:tblGrid>
+              <a:tr h="626835">
+                <a:tc>
+                  <a:txBody>
+                    <a:bodyPr/>
+                    <a:lstStyle/>
+                    <a:p>
+                      <a:pPr algn="l">
+                        <a:lnSpc>
+                          <a:spcPct val="110000"/>
+                        </a:lnSpc>
+                      </a:pPr>
+                      <a:r>
+                        <a:rPr lang="it-IT" sz="1800">
+                          <a:effectLst/>
+                        </a:rPr>
+                        <a:t>Song 1: Love Me, The 1975</a:t>
+                      </a:r>
+                      <a:endParaRPr lang="en-AT" sz="1300">
+                        <a:effectLst/>
+                        <a:latin typeface="Linux Libertine"/>
+                        <a:ea typeface="Calibri" panose="020F0502020204030204" pitchFamily="34" charset="0"/>
+                        <a:cs typeface="Times New Roman" panose="02020603050405020304" pitchFamily="18" charset="0"/>
+                      </a:endParaRPr>
+                    </a:p>
+                  </a:txBody>
+                  <a:tcPr marL="101542" marR="101542" marT="0" marB="0"/>
+                </a:tc>
+                <a:tc>
+                  <a:txBody>
+                    <a:bodyPr/>
+                    <a:lstStyle/>
+                    <a:p>
+                      <a:pPr algn="just">
+                        <a:lnSpc>
+                          <a:spcPct val="110000"/>
+                        </a:lnSpc>
+                      </a:pPr>
+                      <a:r>
+                        <a:rPr lang="it-IT" sz="1800">
+                          <a:effectLst/>
+                        </a:rPr>
+                        <a:t>Precision@10</a:t>
+                      </a:r>
+                      <a:endParaRPr lang="en-AT" sz="1300">
+                        <a:effectLst/>
+                        <a:latin typeface="Linux Libertine"/>
+                        <a:ea typeface="Calibri" panose="020F0502020204030204" pitchFamily="34" charset="0"/>
+                        <a:cs typeface="Times New Roman" panose="02020603050405020304" pitchFamily="18" charset="0"/>
+                      </a:endParaRPr>
+                    </a:p>
+                  </a:txBody>
+                  <a:tcPr marL="101542" marR="101542" marT="0" marB="0"/>
+                </a:tc>
+                <a:tc>
+                  <a:txBody>
+                    <a:bodyPr/>
+                    <a:lstStyle/>
+                    <a:p>
+                      <a:pPr algn="just">
+                        <a:lnSpc>
+                          <a:spcPct val="110000"/>
+                        </a:lnSpc>
+                      </a:pPr>
+                      <a:r>
+                        <a:rPr lang="it-IT" sz="1800">
+                          <a:effectLst/>
+                        </a:rPr>
+                        <a:t>Recall@10</a:t>
+                      </a:r>
+                      <a:endParaRPr lang="en-AT" sz="1300">
+                        <a:effectLst/>
+                        <a:latin typeface="Linux Libertine"/>
+                        <a:ea typeface="Calibri" panose="020F0502020204030204" pitchFamily="34" charset="0"/>
+                        <a:cs typeface="Times New Roman" panose="02020603050405020304" pitchFamily="18" charset="0"/>
+                      </a:endParaRPr>
+                    </a:p>
+                  </a:txBody>
+                  <a:tcPr marL="101542" marR="101542" marT="0" marB="0"/>
+                </a:tc>
+                <a:tc>
+                  <a:txBody>
+                    <a:bodyPr/>
+                    <a:lstStyle/>
+                    <a:p>
+                      <a:pPr algn="just">
+                        <a:lnSpc>
+                          <a:spcPct val="110000"/>
+                        </a:lnSpc>
+                      </a:pPr>
+                      <a:r>
+                        <a:rPr lang="it-IT" sz="1800">
+                          <a:effectLst/>
+                        </a:rPr>
+                        <a:t>nDCG@10</a:t>
+                      </a:r>
+                      <a:endParaRPr lang="en-AT" sz="1300">
+                        <a:effectLst/>
+                        <a:latin typeface="Linux Libertine"/>
+                        <a:ea typeface="Calibri" panose="020F0502020204030204" pitchFamily="34" charset="0"/>
+                        <a:cs typeface="Times New Roman" panose="02020603050405020304" pitchFamily="18" charset="0"/>
+                      </a:endParaRPr>
+                    </a:p>
+                  </a:txBody>
+                  <a:tcPr marL="101542" marR="101542" marT="0" marB="0"/>
+                </a:tc>
+                <a:tc>
+                  <a:txBody>
+                    <a:bodyPr/>
+                    <a:lstStyle/>
+                    <a:p>
+                      <a:pPr algn="just">
+                        <a:lnSpc>
+                          <a:spcPct val="110000"/>
+                        </a:lnSpc>
+                      </a:pPr>
+                      <a:r>
+                        <a:rPr lang="it-IT" sz="1800">
+                          <a:effectLst/>
+                        </a:rPr>
+                        <a:t>Coverage@10</a:t>
+                      </a:r>
+                      <a:endParaRPr lang="en-AT" sz="1300">
+                        <a:effectLst/>
+                        <a:latin typeface="Linux Libertine"/>
+                        <a:ea typeface="Calibri" panose="020F0502020204030204" pitchFamily="34" charset="0"/>
+                        <a:cs typeface="Times New Roman" panose="02020603050405020304" pitchFamily="18" charset="0"/>
+                      </a:endParaRPr>
+                    </a:p>
+                  </a:txBody>
+                  <a:tcPr marL="101542" marR="101542" marT="0" marB="0"/>
+                </a:tc>
+                <a:tc>
+                  <a:txBody>
+                    <a:bodyPr/>
+                    <a:lstStyle/>
+                    <a:p>
+                      <a:pPr algn="just">
+                        <a:lnSpc>
+                          <a:spcPct val="110000"/>
+                        </a:lnSpc>
+                      </a:pPr>
+                      <a:r>
+                        <a:rPr lang="it-IT" sz="1800">
+                          <a:effectLst/>
+                        </a:rPr>
+                        <a:t>Diversity@10</a:t>
+                      </a:r>
+                      <a:endParaRPr lang="en-AT" sz="1300">
+                        <a:effectLst/>
+                        <a:latin typeface="Linux Libertine"/>
+                        <a:ea typeface="Calibri" panose="020F0502020204030204" pitchFamily="34" charset="0"/>
+                        <a:cs typeface="Times New Roman" panose="02020603050405020304" pitchFamily="18" charset="0"/>
+                      </a:endParaRPr>
+                    </a:p>
+                  </a:txBody>
+                  <a:tcPr marL="101542" marR="101542" marT="0" marB="0"/>
+                </a:tc>
+                <a:extLst>
+                  <a:ext uri="{0D108BD9-81ED-4DB2-BD59-A6C34878D82A}">
+                    <a16:rowId xmlns:a16="http://schemas.microsoft.com/office/drawing/2014/main" val="2550944663"/>
+                  </a:ext>
+                </a:extLst>
+              </a:tr>
+              <a:tr h="924692">
+                <a:tc>
+                  <a:txBody>
+                    <a:bodyPr/>
+                    <a:lstStyle/>
+                    <a:p>
+                      <a:pPr algn="l">
+                        <a:lnSpc>
+                          <a:spcPct val="110000"/>
+                        </a:lnSpc>
+                      </a:pPr>
+                      <a:r>
+                        <a:rPr lang="it-IT" sz="1800">
+                          <a:effectLst/>
+                        </a:rPr>
+                        <a:t>Audio-based(cosine, mfcc_stats)</a:t>
+                      </a:r>
+                      <a:endParaRPr lang="en-AT" sz="1300">
+                        <a:effectLst/>
+                        <a:latin typeface="Linux Libertine"/>
+                        <a:ea typeface="Calibri" panose="020F0502020204030204" pitchFamily="34" charset="0"/>
+                        <a:cs typeface="Times New Roman" panose="02020603050405020304" pitchFamily="18" charset="0"/>
+                      </a:endParaRPr>
+                    </a:p>
+                  </a:txBody>
+                  <a:tcPr marL="101542" marR="101542" marT="0" marB="0"/>
+                </a:tc>
+                <a:tc>
+                  <a:txBody>
+                    <a:bodyPr/>
+                    <a:lstStyle/>
+                    <a:p>
+                      <a:pPr algn="just">
+                        <a:lnSpc>
+                          <a:spcPct val="110000"/>
+                        </a:lnSpc>
+                      </a:pPr>
+                      <a:r>
+                        <a:rPr lang="it-IT" sz="1800">
+                          <a:effectLst/>
+                        </a:rPr>
+                        <a:t>0.9</a:t>
+                      </a:r>
+                      <a:endParaRPr lang="en-AT" sz="1300">
+                        <a:effectLst/>
+                        <a:latin typeface="Linux Libertine"/>
+                        <a:ea typeface="Calibri" panose="020F0502020204030204" pitchFamily="34" charset="0"/>
+                        <a:cs typeface="Times New Roman" panose="02020603050405020304" pitchFamily="18" charset="0"/>
+                      </a:endParaRPr>
+                    </a:p>
+                  </a:txBody>
+                  <a:tcPr marL="101542" marR="101542" marT="0" marB="0"/>
+                </a:tc>
+                <a:tc>
+                  <a:txBody>
+                    <a:bodyPr/>
+                    <a:lstStyle/>
+                    <a:p>
+                      <a:pPr algn="just">
+                        <a:lnSpc>
+                          <a:spcPct val="110000"/>
+                        </a:lnSpc>
+                      </a:pPr>
+                      <a:r>
+                        <a:rPr lang="it-IT" sz="1800">
+                          <a:effectLst/>
+                        </a:rPr>
+                        <a:t>0.00125</a:t>
+                      </a:r>
+                      <a:endParaRPr lang="en-AT" sz="1300">
+                        <a:effectLst/>
+                      </a:endParaRPr>
+                    </a:p>
+                    <a:p>
+                      <a:pPr algn="just">
+                        <a:lnSpc>
+                          <a:spcPct val="110000"/>
+                        </a:lnSpc>
+                      </a:pPr>
+                      <a:r>
+                        <a:rPr lang="it-IT" sz="1800">
+                          <a:effectLst/>
+                        </a:rPr>
+                        <a:t> </a:t>
+                      </a:r>
+                      <a:endParaRPr lang="en-AT" sz="1300">
+                        <a:effectLst/>
+                        <a:latin typeface="Linux Libertine"/>
+                        <a:ea typeface="Calibri" panose="020F0502020204030204" pitchFamily="34" charset="0"/>
+                        <a:cs typeface="Times New Roman" panose="02020603050405020304" pitchFamily="18" charset="0"/>
+                      </a:endParaRPr>
+                    </a:p>
+                  </a:txBody>
+                  <a:tcPr marL="101542" marR="101542" marT="0" marB="0"/>
+                </a:tc>
+                <a:tc>
+                  <a:txBody>
+                    <a:bodyPr/>
+                    <a:lstStyle/>
+                    <a:p>
+                      <a:pPr algn="just">
+                        <a:lnSpc>
+                          <a:spcPct val="110000"/>
+                        </a:lnSpc>
+                      </a:pPr>
+                      <a:r>
+                        <a:rPr lang="it-IT" sz="1800">
+                          <a:effectLst/>
+                        </a:rPr>
+                        <a:t>0.76718</a:t>
+                      </a:r>
+                      <a:endParaRPr lang="en-AT" sz="1300">
+                        <a:effectLst/>
+                      </a:endParaRPr>
+                    </a:p>
+                    <a:p>
+                      <a:pPr algn="just">
+                        <a:lnSpc>
+                          <a:spcPct val="110000"/>
+                        </a:lnSpc>
+                      </a:pPr>
+                      <a:r>
+                        <a:rPr lang="it-IT" sz="1800">
+                          <a:effectLst/>
+                        </a:rPr>
+                        <a:t> </a:t>
+                      </a:r>
+                      <a:endParaRPr lang="en-AT" sz="1300">
+                        <a:effectLst/>
+                        <a:latin typeface="Linux Libertine"/>
+                        <a:ea typeface="Calibri" panose="020F0502020204030204" pitchFamily="34" charset="0"/>
+                        <a:cs typeface="Times New Roman" panose="02020603050405020304" pitchFamily="18" charset="0"/>
+                      </a:endParaRPr>
+                    </a:p>
+                  </a:txBody>
+                  <a:tcPr marL="101542" marR="101542" marT="0" marB="0"/>
+                </a:tc>
+                <a:tc>
+                  <a:txBody>
+                    <a:bodyPr/>
+                    <a:lstStyle/>
+                    <a:p>
+                      <a:pPr algn="just">
+                        <a:lnSpc>
+                          <a:spcPct val="110000"/>
+                        </a:lnSpc>
+                      </a:pPr>
+                      <a:r>
+                        <a:rPr lang="it-IT" sz="1800">
+                          <a:effectLst/>
+                        </a:rPr>
+                        <a:t>0.02878</a:t>
+                      </a:r>
+                      <a:endParaRPr lang="en-AT" sz="1300">
+                        <a:effectLst/>
+                      </a:endParaRPr>
+                    </a:p>
+                    <a:p>
+                      <a:pPr algn="just">
+                        <a:lnSpc>
+                          <a:spcPct val="110000"/>
+                        </a:lnSpc>
+                      </a:pPr>
+                      <a:r>
+                        <a:rPr lang="it-IT" sz="1800">
+                          <a:effectLst/>
+                        </a:rPr>
+                        <a:t> </a:t>
+                      </a:r>
+                      <a:endParaRPr lang="en-AT" sz="1300">
+                        <a:effectLst/>
+                        <a:latin typeface="Linux Libertine"/>
+                        <a:ea typeface="Calibri" panose="020F0502020204030204" pitchFamily="34" charset="0"/>
+                        <a:cs typeface="Times New Roman" panose="02020603050405020304" pitchFamily="18" charset="0"/>
+                      </a:endParaRPr>
+                    </a:p>
+                  </a:txBody>
+                  <a:tcPr marL="101542" marR="101542" marT="0" marB="0"/>
+                </a:tc>
+                <a:tc>
+                  <a:txBody>
+                    <a:bodyPr/>
+                    <a:lstStyle/>
+                    <a:p>
+                      <a:pPr algn="just">
+                        <a:lnSpc>
+                          <a:spcPct val="110000"/>
+                        </a:lnSpc>
+                      </a:pPr>
+                      <a:r>
+                        <a:rPr lang="it-IT" sz="1800">
+                          <a:effectLst/>
+                        </a:rPr>
+                        <a:t>4.51273</a:t>
+                      </a:r>
+                      <a:endParaRPr lang="en-AT" sz="1300">
+                        <a:effectLst/>
+                      </a:endParaRPr>
+                    </a:p>
+                    <a:p>
+                      <a:pPr algn="just">
+                        <a:lnSpc>
+                          <a:spcPct val="110000"/>
+                        </a:lnSpc>
+                      </a:pPr>
+                      <a:r>
+                        <a:rPr lang="it-IT" sz="1800">
+                          <a:effectLst/>
+                        </a:rPr>
+                        <a:t> </a:t>
+                      </a:r>
+                      <a:endParaRPr lang="en-AT" sz="1300">
+                        <a:effectLst/>
+                        <a:latin typeface="Linux Libertine"/>
+                        <a:ea typeface="Calibri" panose="020F0502020204030204" pitchFamily="34" charset="0"/>
+                        <a:cs typeface="Times New Roman" panose="02020603050405020304" pitchFamily="18" charset="0"/>
+                      </a:endParaRPr>
+                    </a:p>
+                  </a:txBody>
+                  <a:tcPr marL="101542" marR="101542" marT="0" marB="0"/>
+                </a:tc>
+                <a:extLst>
+                  <a:ext uri="{0D108BD9-81ED-4DB2-BD59-A6C34878D82A}">
+                    <a16:rowId xmlns:a16="http://schemas.microsoft.com/office/drawing/2014/main" val="3105465624"/>
+                  </a:ext>
+                </a:extLst>
+              </a:tr>
+              <a:tr h="924692">
+                <a:tc>
+                  <a:txBody>
+                    <a:bodyPr/>
+                    <a:lstStyle/>
+                    <a:p>
+                      <a:pPr algn="l">
+                        <a:lnSpc>
+                          <a:spcPct val="110000"/>
+                        </a:lnSpc>
+                      </a:pPr>
+                      <a:r>
+                        <a:rPr lang="it-IT" sz="1800">
+                          <a:effectLst/>
+                        </a:rPr>
+                        <a:t>Audio-based(cosine,</a:t>
+                      </a:r>
+                      <a:endParaRPr lang="en-AT" sz="1300">
+                        <a:effectLst/>
+                      </a:endParaRPr>
+                    </a:p>
+                    <a:p>
+                      <a:pPr algn="l">
+                        <a:lnSpc>
+                          <a:spcPct val="110000"/>
+                        </a:lnSpc>
+                      </a:pPr>
+                      <a:r>
+                        <a:rPr lang="it-IT" sz="1800">
+                          <a:effectLst/>
+                        </a:rPr>
+                        <a:t>Blf-correlation)</a:t>
+                      </a:r>
+                      <a:endParaRPr lang="en-AT" sz="1300">
+                        <a:effectLst/>
+                        <a:latin typeface="Linux Libertine"/>
+                        <a:ea typeface="Calibri" panose="020F0502020204030204" pitchFamily="34" charset="0"/>
+                        <a:cs typeface="Times New Roman" panose="02020603050405020304" pitchFamily="18" charset="0"/>
+                      </a:endParaRPr>
+                    </a:p>
+                  </a:txBody>
+                  <a:tcPr marL="101542" marR="101542" marT="0" marB="0"/>
+                </a:tc>
+                <a:tc>
+                  <a:txBody>
+                    <a:bodyPr/>
+                    <a:lstStyle/>
+                    <a:p>
+                      <a:pPr algn="just">
+                        <a:lnSpc>
+                          <a:spcPct val="110000"/>
+                        </a:lnSpc>
+                      </a:pPr>
+                      <a:r>
+                        <a:rPr lang="it-IT" sz="1800">
+                          <a:effectLst/>
+                        </a:rPr>
+                        <a:t>0.9</a:t>
+                      </a:r>
+                      <a:endParaRPr lang="en-AT" sz="1300">
+                        <a:effectLst/>
+                        <a:latin typeface="Linux Libertine"/>
+                        <a:ea typeface="Calibri" panose="020F0502020204030204" pitchFamily="34" charset="0"/>
+                        <a:cs typeface="Times New Roman" panose="02020603050405020304" pitchFamily="18" charset="0"/>
+                      </a:endParaRPr>
+                    </a:p>
+                  </a:txBody>
+                  <a:tcPr marL="101542" marR="101542" marT="0" marB="0"/>
+                </a:tc>
+                <a:tc>
+                  <a:txBody>
+                    <a:bodyPr/>
+                    <a:lstStyle/>
+                    <a:p>
+                      <a:pPr algn="just">
+                        <a:lnSpc>
+                          <a:spcPct val="110000"/>
+                        </a:lnSpc>
+                      </a:pPr>
+                      <a:r>
+                        <a:rPr lang="it-IT" sz="1800">
+                          <a:effectLst/>
+                        </a:rPr>
+                        <a:t>0.00125</a:t>
+                      </a:r>
+                      <a:endParaRPr lang="en-AT" sz="1300">
+                        <a:effectLst/>
+                      </a:endParaRPr>
+                    </a:p>
+                    <a:p>
+                      <a:pPr algn="just">
+                        <a:lnSpc>
+                          <a:spcPct val="110000"/>
+                        </a:lnSpc>
+                      </a:pPr>
+                      <a:r>
+                        <a:rPr lang="it-IT" sz="1800">
+                          <a:effectLst/>
+                        </a:rPr>
+                        <a:t> </a:t>
+                      </a:r>
+                      <a:endParaRPr lang="en-AT" sz="1300">
+                        <a:effectLst/>
+                        <a:latin typeface="Linux Libertine"/>
+                        <a:ea typeface="Calibri" panose="020F0502020204030204" pitchFamily="34" charset="0"/>
+                        <a:cs typeface="Times New Roman" panose="02020603050405020304" pitchFamily="18" charset="0"/>
+                      </a:endParaRPr>
+                    </a:p>
+                  </a:txBody>
+                  <a:tcPr marL="101542" marR="101542" marT="0" marB="0"/>
+                </a:tc>
+                <a:tc>
+                  <a:txBody>
+                    <a:bodyPr/>
+                    <a:lstStyle/>
+                    <a:p>
+                      <a:pPr algn="just">
+                        <a:lnSpc>
+                          <a:spcPct val="110000"/>
+                        </a:lnSpc>
+                      </a:pPr>
+                      <a:r>
+                        <a:rPr lang="it-IT" sz="1800">
+                          <a:effectLst/>
+                        </a:rPr>
+                        <a:t>0.82250</a:t>
+                      </a:r>
+                      <a:r>
+                        <a:rPr lang="en-AT" sz="1500">
+                          <a:effectLst/>
+                        </a:rPr>
+                        <a:t> </a:t>
+                      </a:r>
+                      <a:r>
+                        <a:rPr lang="it-IT" sz="1800">
+                          <a:effectLst/>
+                        </a:rPr>
+                        <a:t> </a:t>
+                      </a:r>
+                      <a:endParaRPr lang="en-AT" sz="1300">
+                        <a:effectLst/>
+                        <a:latin typeface="Linux Libertine"/>
+                        <a:ea typeface="Calibri" panose="020F0502020204030204" pitchFamily="34" charset="0"/>
+                        <a:cs typeface="Times New Roman" panose="02020603050405020304" pitchFamily="18" charset="0"/>
+                      </a:endParaRPr>
+                    </a:p>
+                  </a:txBody>
+                  <a:tcPr marL="101542" marR="101542" marT="0" marB="0"/>
+                </a:tc>
+                <a:tc>
+                  <a:txBody>
+                    <a:bodyPr/>
+                    <a:lstStyle/>
+                    <a:p>
+                      <a:pPr algn="just">
+                        <a:lnSpc>
+                          <a:spcPct val="110000"/>
+                        </a:lnSpc>
+                      </a:pPr>
+                      <a:r>
+                        <a:rPr lang="it-IT" sz="1800">
+                          <a:effectLst/>
+                        </a:rPr>
+                        <a:t>0.02878</a:t>
+                      </a:r>
+                      <a:endParaRPr lang="en-AT" sz="1300">
+                        <a:effectLst/>
+                      </a:endParaRPr>
+                    </a:p>
+                    <a:p>
+                      <a:pPr algn="just">
+                        <a:lnSpc>
+                          <a:spcPct val="110000"/>
+                        </a:lnSpc>
+                      </a:pPr>
+                      <a:r>
+                        <a:rPr lang="it-IT" sz="1800">
+                          <a:effectLst/>
+                        </a:rPr>
+                        <a:t> </a:t>
+                      </a:r>
+                      <a:endParaRPr lang="en-AT" sz="1300">
+                        <a:effectLst/>
+                        <a:latin typeface="Linux Libertine"/>
+                        <a:ea typeface="Calibri" panose="020F0502020204030204" pitchFamily="34" charset="0"/>
+                        <a:cs typeface="Times New Roman" panose="02020603050405020304" pitchFamily="18" charset="0"/>
+                      </a:endParaRPr>
+                    </a:p>
+                  </a:txBody>
+                  <a:tcPr marL="101542" marR="101542" marT="0" marB="0"/>
+                </a:tc>
+                <a:tc>
+                  <a:txBody>
+                    <a:bodyPr/>
+                    <a:lstStyle/>
+                    <a:p>
+                      <a:pPr algn="just">
+                        <a:lnSpc>
+                          <a:spcPct val="110000"/>
+                        </a:lnSpc>
+                      </a:pPr>
+                      <a:r>
+                        <a:rPr lang="it-IT" sz="1800">
+                          <a:effectLst/>
+                        </a:rPr>
+                        <a:t>4.43499</a:t>
+                      </a:r>
+                      <a:endParaRPr lang="en-AT" sz="1300">
+                        <a:effectLst/>
+                      </a:endParaRPr>
+                    </a:p>
+                    <a:p>
+                      <a:pPr algn="just">
+                        <a:lnSpc>
+                          <a:spcPct val="110000"/>
+                        </a:lnSpc>
+                      </a:pPr>
+                      <a:r>
+                        <a:rPr lang="it-IT" sz="1800">
+                          <a:effectLst/>
+                        </a:rPr>
+                        <a:t> </a:t>
+                      </a:r>
+                      <a:endParaRPr lang="en-AT" sz="1300">
+                        <a:effectLst/>
+                        <a:latin typeface="Linux Libertine"/>
+                        <a:ea typeface="Calibri" panose="020F0502020204030204" pitchFamily="34" charset="0"/>
+                        <a:cs typeface="Times New Roman" panose="02020603050405020304" pitchFamily="18" charset="0"/>
+                      </a:endParaRPr>
+                    </a:p>
+                  </a:txBody>
+                  <a:tcPr marL="101542" marR="101542" marT="0" marB="0"/>
+                </a:tc>
+                <a:extLst>
+                  <a:ext uri="{0D108BD9-81ED-4DB2-BD59-A6C34878D82A}">
+                    <a16:rowId xmlns:a16="http://schemas.microsoft.com/office/drawing/2014/main" val="3966218399"/>
+                  </a:ext>
+                </a:extLst>
+              </a:tr>
+              <a:tr h="924692">
+                <a:tc>
+                  <a:txBody>
+                    <a:bodyPr/>
+                    <a:lstStyle/>
+                    <a:p>
+                      <a:pPr algn="l">
+                        <a:lnSpc>
+                          <a:spcPct val="110000"/>
+                        </a:lnSpc>
+                      </a:pPr>
+                      <a:r>
+                        <a:rPr lang="it-IT" sz="1800">
+                          <a:effectLst/>
+                        </a:rPr>
+                        <a:t>Audio-based(cosine, ivec 256)</a:t>
+                      </a:r>
+                      <a:endParaRPr lang="en-AT" sz="1300">
+                        <a:effectLst/>
+                        <a:latin typeface="Linux Libertine"/>
+                        <a:ea typeface="Calibri" panose="020F0502020204030204" pitchFamily="34" charset="0"/>
+                        <a:cs typeface="Times New Roman" panose="02020603050405020304" pitchFamily="18" charset="0"/>
+                      </a:endParaRPr>
+                    </a:p>
+                  </a:txBody>
+                  <a:tcPr marL="101542" marR="101542" marT="0" marB="0"/>
+                </a:tc>
+                <a:tc>
+                  <a:txBody>
+                    <a:bodyPr/>
+                    <a:lstStyle/>
+                    <a:p>
+                      <a:pPr algn="just">
+                        <a:lnSpc>
+                          <a:spcPct val="110000"/>
+                        </a:lnSpc>
+                      </a:pPr>
+                      <a:r>
+                        <a:rPr lang="it-IT" sz="1800">
+                          <a:effectLst/>
+                        </a:rPr>
+                        <a:t>0.5</a:t>
+                      </a:r>
+                      <a:endParaRPr lang="en-AT" sz="1300">
+                        <a:effectLst/>
+                        <a:latin typeface="Linux Libertine"/>
+                        <a:ea typeface="Calibri" panose="020F0502020204030204" pitchFamily="34" charset="0"/>
+                        <a:cs typeface="Times New Roman" panose="02020603050405020304" pitchFamily="18" charset="0"/>
+                      </a:endParaRPr>
+                    </a:p>
+                  </a:txBody>
+                  <a:tcPr marL="101542" marR="101542" marT="0" marB="0"/>
+                </a:tc>
+                <a:tc>
+                  <a:txBody>
+                    <a:bodyPr/>
+                    <a:lstStyle/>
+                    <a:p>
+                      <a:pPr algn="just">
+                        <a:lnSpc>
+                          <a:spcPct val="110000"/>
+                        </a:lnSpc>
+                      </a:pPr>
+                      <a:r>
+                        <a:rPr lang="it-IT" sz="1800">
+                          <a:effectLst/>
+                        </a:rPr>
+                        <a:t>0.00070</a:t>
+                      </a:r>
+                      <a:endParaRPr lang="en-AT" sz="1300">
+                        <a:effectLst/>
+                      </a:endParaRPr>
+                    </a:p>
+                    <a:p>
+                      <a:pPr algn="just">
+                        <a:lnSpc>
+                          <a:spcPct val="110000"/>
+                        </a:lnSpc>
+                      </a:pPr>
+                      <a:r>
+                        <a:rPr lang="it-IT" sz="1800">
+                          <a:effectLst/>
+                        </a:rPr>
+                        <a:t> </a:t>
+                      </a:r>
+                      <a:endParaRPr lang="en-AT" sz="1300">
+                        <a:effectLst/>
+                        <a:latin typeface="Linux Libertine"/>
+                        <a:ea typeface="Calibri" panose="020F0502020204030204" pitchFamily="34" charset="0"/>
+                        <a:cs typeface="Times New Roman" panose="02020603050405020304" pitchFamily="18" charset="0"/>
+                      </a:endParaRPr>
+                    </a:p>
+                  </a:txBody>
+                  <a:tcPr marL="101542" marR="101542" marT="0" marB="0"/>
+                </a:tc>
+                <a:tc>
+                  <a:txBody>
+                    <a:bodyPr/>
+                    <a:lstStyle/>
+                    <a:p>
+                      <a:pPr algn="just">
+                        <a:lnSpc>
+                          <a:spcPct val="110000"/>
+                        </a:lnSpc>
+                      </a:pPr>
+                      <a:r>
+                        <a:rPr lang="it-IT" sz="1800">
+                          <a:effectLst/>
+                        </a:rPr>
+                        <a:t>0.93006</a:t>
+                      </a:r>
+                      <a:r>
+                        <a:rPr lang="en-AT" sz="1500">
+                          <a:effectLst/>
+                        </a:rPr>
+                        <a:t> </a:t>
+                      </a:r>
+                      <a:r>
+                        <a:rPr lang="it-IT" sz="1800">
+                          <a:effectLst/>
+                        </a:rPr>
+                        <a:t> </a:t>
+                      </a:r>
+                      <a:endParaRPr lang="en-AT" sz="1300">
+                        <a:effectLst/>
+                        <a:latin typeface="Linux Libertine"/>
+                        <a:ea typeface="Calibri" panose="020F0502020204030204" pitchFamily="34" charset="0"/>
+                        <a:cs typeface="Times New Roman" panose="02020603050405020304" pitchFamily="18" charset="0"/>
+                      </a:endParaRPr>
+                    </a:p>
+                  </a:txBody>
+                  <a:tcPr marL="101542" marR="101542" marT="0" marB="0"/>
+                </a:tc>
+                <a:tc>
+                  <a:txBody>
+                    <a:bodyPr/>
+                    <a:lstStyle/>
+                    <a:p>
+                      <a:pPr algn="just">
+                        <a:lnSpc>
+                          <a:spcPct val="110000"/>
+                        </a:lnSpc>
+                      </a:pPr>
+                      <a:r>
+                        <a:rPr lang="it-IT" sz="1800">
+                          <a:effectLst/>
+                        </a:rPr>
+                        <a:t>0.03957</a:t>
+                      </a:r>
+                      <a:endParaRPr lang="en-AT" sz="1300">
+                        <a:effectLst/>
+                      </a:endParaRPr>
+                    </a:p>
+                    <a:p>
+                      <a:pPr algn="just">
+                        <a:lnSpc>
+                          <a:spcPct val="110000"/>
+                        </a:lnSpc>
+                      </a:pPr>
+                      <a:r>
+                        <a:rPr lang="it-IT" sz="1800">
+                          <a:effectLst/>
+                        </a:rPr>
+                        <a:t> </a:t>
+                      </a:r>
+                      <a:endParaRPr lang="en-AT" sz="1300">
+                        <a:effectLst/>
+                        <a:latin typeface="Linux Libertine"/>
+                        <a:ea typeface="Calibri" panose="020F0502020204030204" pitchFamily="34" charset="0"/>
+                        <a:cs typeface="Times New Roman" panose="02020603050405020304" pitchFamily="18" charset="0"/>
+                      </a:endParaRPr>
+                    </a:p>
+                  </a:txBody>
+                  <a:tcPr marL="101542" marR="101542" marT="0" marB="0"/>
+                </a:tc>
+                <a:tc>
+                  <a:txBody>
+                    <a:bodyPr/>
+                    <a:lstStyle/>
+                    <a:p>
+                      <a:pPr algn="just">
+                        <a:lnSpc>
+                          <a:spcPct val="110000"/>
+                        </a:lnSpc>
+                      </a:pPr>
+                      <a:r>
+                        <a:rPr lang="it-IT" sz="1800">
+                          <a:effectLst/>
+                        </a:rPr>
+                        <a:t>4.69441</a:t>
+                      </a:r>
+                      <a:endParaRPr lang="en-AT" sz="1300">
+                        <a:effectLst/>
+                      </a:endParaRPr>
+                    </a:p>
+                    <a:p>
+                      <a:pPr algn="just">
+                        <a:lnSpc>
+                          <a:spcPct val="110000"/>
+                        </a:lnSpc>
+                      </a:pPr>
+                      <a:r>
+                        <a:rPr lang="it-IT" sz="1800">
+                          <a:effectLst/>
+                        </a:rPr>
+                        <a:t> </a:t>
+                      </a:r>
+                      <a:endParaRPr lang="en-AT" sz="1300">
+                        <a:effectLst/>
+                        <a:latin typeface="Linux Libertine"/>
+                        <a:ea typeface="Calibri" panose="020F0502020204030204" pitchFamily="34" charset="0"/>
+                        <a:cs typeface="Times New Roman" panose="02020603050405020304" pitchFamily="18" charset="0"/>
+                      </a:endParaRPr>
+                    </a:p>
+                  </a:txBody>
+                  <a:tcPr marL="101542" marR="101542" marT="0" marB="0"/>
+                </a:tc>
+                <a:extLst>
+                  <a:ext uri="{0D108BD9-81ED-4DB2-BD59-A6C34878D82A}">
+                    <a16:rowId xmlns:a16="http://schemas.microsoft.com/office/drawing/2014/main" val="3107536687"/>
+                  </a:ext>
+                </a:extLst>
+              </a:tr>
+              <a:tr h="924692">
+                <a:tc>
+                  <a:txBody>
+                    <a:bodyPr/>
+                    <a:lstStyle/>
+                    <a:p>
+                      <a:pPr algn="l">
+                        <a:lnSpc>
+                          <a:spcPct val="110000"/>
+                        </a:lnSpc>
+                      </a:pPr>
+                      <a:r>
+                        <a:rPr lang="it-IT" sz="1800">
+                          <a:effectLst/>
+                        </a:rPr>
+                        <a:t>Audio-based(cosine,</a:t>
+                      </a:r>
+                      <a:endParaRPr lang="en-AT" sz="1300">
+                        <a:effectLst/>
+                      </a:endParaRPr>
+                    </a:p>
+                    <a:p>
+                      <a:pPr algn="l">
+                        <a:lnSpc>
+                          <a:spcPct val="110000"/>
+                        </a:lnSpc>
+                      </a:pPr>
+                      <a:r>
+                        <a:rPr lang="it-IT" sz="1800">
+                          <a:effectLst/>
+                        </a:rPr>
+                        <a:t>musicnn)</a:t>
+                      </a:r>
+                      <a:endParaRPr lang="en-AT" sz="1300">
+                        <a:effectLst/>
+                        <a:latin typeface="Linux Libertine"/>
+                        <a:ea typeface="Calibri" panose="020F0502020204030204" pitchFamily="34" charset="0"/>
+                        <a:cs typeface="Times New Roman" panose="02020603050405020304" pitchFamily="18" charset="0"/>
+                      </a:endParaRPr>
+                    </a:p>
+                  </a:txBody>
+                  <a:tcPr marL="101542" marR="101542" marT="0" marB="0"/>
+                </a:tc>
+                <a:tc>
+                  <a:txBody>
+                    <a:bodyPr/>
+                    <a:lstStyle/>
+                    <a:p>
+                      <a:pPr algn="just">
+                        <a:lnSpc>
+                          <a:spcPct val="110000"/>
+                        </a:lnSpc>
+                      </a:pPr>
+                      <a:r>
+                        <a:rPr lang="it-IT" sz="1800">
+                          <a:effectLst/>
+                        </a:rPr>
+                        <a:t>0.9</a:t>
+                      </a:r>
+                      <a:endParaRPr lang="en-AT" sz="1300">
+                        <a:effectLst/>
+                        <a:latin typeface="Linux Libertine"/>
+                        <a:ea typeface="Calibri" panose="020F0502020204030204" pitchFamily="34" charset="0"/>
+                        <a:cs typeface="Times New Roman" panose="02020603050405020304" pitchFamily="18" charset="0"/>
+                      </a:endParaRPr>
+                    </a:p>
+                  </a:txBody>
+                  <a:tcPr marL="101542" marR="101542" marT="0" marB="0"/>
+                </a:tc>
+                <a:tc>
+                  <a:txBody>
+                    <a:bodyPr/>
+                    <a:lstStyle/>
+                    <a:p>
+                      <a:pPr algn="just">
+                        <a:lnSpc>
+                          <a:spcPct val="110000"/>
+                        </a:lnSpc>
+                      </a:pPr>
+                      <a:r>
+                        <a:rPr lang="it-IT" sz="1800">
+                          <a:effectLst/>
+                        </a:rPr>
+                        <a:t>0.00125</a:t>
+                      </a:r>
+                      <a:endParaRPr lang="en-AT" sz="1300">
+                        <a:effectLst/>
+                      </a:endParaRPr>
+                    </a:p>
+                    <a:p>
+                      <a:pPr algn="just">
+                        <a:lnSpc>
+                          <a:spcPct val="110000"/>
+                        </a:lnSpc>
+                      </a:pPr>
+                      <a:r>
+                        <a:rPr lang="it-IT" sz="1800">
+                          <a:effectLst/>
+                        </a:rPr>
+                        <a:t> </a:t>
+                      </a:r>
+                      <a:endParaRPr lang="en-AT" sz="1300">
+                        <a:effectLst/>
+                      </a:endParaRPr>
+                    </a:p>
+                    <a:p>
+                      <a:pPr algn="just">
+                        <a:lnSpc>
+                          <a:spcPct val="110000"/>
+                        </a:lnSpc>
+                      </a:pPr>
+                      <a:r>
+                        <a:rPr lang="it-IT" sz="1800">
+                          <a:effectLst/>
+                        </a:rPr>
+                        <a:t> </a:t>
+                      </a:r>
+                      <a:endParaRPr lang="en-AT" sz="1300">
+                        <a:effectLst/>
+                        <a:latin typeface="Linux Libertine"/>
+                        <a:ea typeface="Calibri" panose="020F0502020204030204" pitchFamily="34" charset="0"/>
+                        <a:cs typeface="Times New Roman" panose="02020603050405020304" pitchFamily="18" charset="0"/>
+                      </a:endParaRPr>
+                    </a:p>
+                  </a:txBody>
+                  <a:tcPr marL="101542" marR="101542" marT="0" marB="0"/>
+                </a:tc>
+                <a:tc>
+                  <a:txBody>
+                    <a:bodyPr/>
+                    <a:lstStyle/>
+                    <a:p>
+                      <a:pPr algn="just">
+                        <a:lnSpc>
+                          <a:spcPct val="110000"/>
+                        </a:lnSpc>
+                      </a:pPr>
+                      <a:r>
+                        <a:rPr lang="it-IT" sz="1800">
+                          <a:effectLst/>
+                        </a:rPr>
+                        <a:t>0.96787</a:t>
+                      </a:r>
+                      <a:endParaRPr lang="en-AT" sz="1300">
+                        <a:effectLst/>
+                      </a:endParaRPr>
+                    </a:p>
+                    <a:p>
+                      <a:pPr algn="just">
+                        <a:lnSpc>
+                          <a:spcPct val="110000"/>
+                        </a:lnSpc>
+                      </a:pPr>
+                      <a:r>
+                        <a:rPr lang="it-IT" sz="1800">
+                          <a:effectLst/>
+                        </a:rPr>
+                        <a:t> </a:t>
+                      </a:r>
+                      <a:endParaRPr lang="en-AT" sz="1300">
+                        <a:effectLst/>
+                        <a:latin typeface="Linux Libertine"/>
+                        <a:ea typeface="Calibri" panose="020F0502020204030204" pitchFamily="34" charset="0"/>
+                        <a:cs typeface="Times New Roman" panose="02020603050405020304" pitchFamily="18" charset="0"/>
+                      </a:endParaRPr>
+                    </a:p>
+                  </a:txBody>
+                  <a:tcPr marL="101542" marR="101542" marT="0" marB="0"/>
+                </a:tc>
+                <a:tc>
+                  <a:txBody>
+                    <a:bodyPr/>
+                    <a:lstStyle/>
+                    <a:p>
+                      <a:pPr algn="just">
+                        <a:lnSpc>
+                          <a:spcPct val="110000"/>
+                        </a:lnSpc>
+                      </a:pPr>
+                      <a:r>
+                        <a:rPr lang="it-IT" sz="1800">
+                          <a:effectLst/>
+                        </a:rPr>
+                        <a:t>0.03058</a:t>
+                      </a:r>
+                      <a:endParaRPr lang="en-AT" sz="1300">
+                        <a:effectLst/>
+                      </a:endParaRPr>
+                    </a:p>
+                    <a:p>
+                      <a:pPr algn="just">
+                        <a:lnSpc>
+                          <a:spcPct val="110000"/>
+                        </a:lnSpc>
+                      </a:pPr>
+                      <a:r>
+                        <a:rPr lang="it-IT" sz="1800">
+                          <a:effectLst/>
+                        </a:rPr>
+                        <a:t> </a:t>
+                      </a:r>
+                      <a:endParaRPr lang="en-AT" sz="1300">
+                        <a:effectLst/>
+                        <a:latin typeface="Linux Libertine"/>
+                        <a:ea typeface="Calibri" panose="020F0502020204030204" pitchFamily="34" charset="0"/>
+                        <a:cs typeface="Times New Roman" panose="02020603050405020304" pitchFamily="18" charset="0"/>
+                      </a:endParaRPr>
+                    </a:p>
+                  </a:txBody>
+                  <a:tcPr marL="101542" marR="101542" marT="0" marB="0"/>
+                </a:tc>
+                <a:tc>
+                  <a:txBody>
+                    <a:bodyPr/>
+                    <a:lstStyle/>
+                    <a:p>
+                      <a:pPr algn="just">
+                        <a:lnSpc>
+                          <a:spcPct val="110000"/>
+                        </a:lnSpc>
+                      </a:pPr>
+                      <a:r>
+                        <a:rPr lang="it-IT" sz="1800">
+                          <a:effectLst/>
+                        </a:rPr>
+                        <a:t>4.32781</a:t>
+                      </a:r>
+                      <a:endParaRPr lang="en-AT" sz="1300">
+                        <a:effectLst/>
+                      </a:endParaRPr>
+                    </a:p>
+                    <a:p>
+                      <a:pPr algn="just">
+                        <a:lnSpc>
+                          <a:spcPct val="110000"/>
+                        </a:lnSpc>
+                      </a:pPr>
+                      <a:r>
+                        <a:rPr lang="it-IT" sz="1800">
+                          <a:effectLst/>
+                        </a:rPr>
+                        <a:t> </a:t>
+                      </a:r>
+                      <a:endParaRPr lang="en-AT" sz="1300">
+                        <a:effectLst/>
+                        <a:latin typeface="Linux Libertine"/>
+                        <a:ea typeface="Calibri" panose="020F0502020204030204" pitchFamily="34" charset="0"/>
+                        <a:cs typeface="Times New Roman" panose="02020603050405020304" pitchFamily="18" charset="0"/>
+                      </a:endParaRPr>
+                    </a:p>
+                  </a:txBody>
+                  <a:tcPr marL="101542" marR="101542" marT="0" marB="0"/>
+                </a:tc>
+                <a:extLst>
+                  <a:ext uri="{0D108BD9-81ED-4DB2-BD59-A6C34878D82A}">
+                    <a16:rowId xmlns:a16="http://schemas.microsoft.com/office/drawing/2014/main" val="3325019404"/>
+                  </a:ext>
+                </a:extLst>
+              </a:tr>
+            </a:tbl>
+          </a:graphicData>
+        </a:graphic>
+      </p:graphicFrame>
     </p:spTree>
     <p:extLst>
       <p:ext uri="{BB962C8B-B14F-4D97-AF65-F5344CB8AC3E}">
@@ -10060,7 +12563,7 @@
 </p:sld>
 </file>
 
-<file path=ppt/slides/slide12.xml><?xml version="1.0" encoding="utf-8"?>
+<file path=ppt/slides/slide13.xml><?xml version="1.0" encoding="utf-8"?>
 <p:sld xmlns:a="http://schemas.openxmlformats.org/drawingml/2006/main" xmlns:r="http://schemas.openxmlformats.org/officeDocument/2006/relationships" xmlns:p="http://schemas.openxmlformats.org/presentationml/2006/main">
   <p:cSld>
     <p:spTree>
@@ -10093,19 +12596,1253 @@
             <p:ph type="title"/>
           </p:nvPr>
         </p:nvSpPr>
-        <p:spPr/>
+        <p:spPr>
+          <a:xfrm>
+            <a:off x="486000" y="575999"/>
+            <a:ext cx="11124000" cy="990000"/>
+          </a:xfrm>
+        </p:spPr>
+        <p:txBody>
+          <a:bodyPr anchor="t">
+            <a:normAutofit/>
+          </a:bodyPr>
+          <a:lstStyle/>
+          <a:p>
+            <a:r>
+              <a:rPr lang="en-US" dirty="0"/>
+              <a:t>Results of audio-based retrieval – Song 2</a:t>
+            </a:r>
+            <a:endParaRPr lang="de-DE" dirty="0"/>
+          </a:p>
+        </p:txBody>
+      </p:sp>
+      <p:sp>
+        <p:nvSpPr>
+          <p:cNvPr id="9" name="Text Placeholder 3">
+            <a:extLst>
+              <a:ext uri="{FF2B5EF4-FFF2-40B4-BE49-F238E27FC236}">
+                <a16:creationId xmlns:a16="http://schemas.microsoft.com/office/drawing/2014/main" id="{C8EEEC68-BDF9-3FB7-0E08-ED2F0A8D7865}"/>
+              </a:ext>
+            </a:extLst>
+          </p:cNvPr>
+          <p:cNvSpPr>
+            <a:spLocks noGrp="1"/>
+          </p:cNvSpPr>
+          <p:nvPr>
+            <p:ph type="body" sz="quarter" idx="25"/>
+          </p:nvPr>
+        </p:nvSpPr>
+        <p:spPr>
+          <a:xfrm>
+            <a:off x="576000" y="5864400"/>
+            <a:ext cx="11034000" cy="278127"/>
+          </a:xfrm>
+        </p:spPr>
         <p:txBody>
           <a:bodyPr/>
           <a:lstStyle/>
           <a:p>
-            <a:r>
-              <a:rPr lang="en-US" dirty="0"/>
-              <a:t>Results of audio-based retrieval – Song 2</a:t>
-            </a:r>
-            <a:endParaRPr lang="de-DE" dirty="0"/>
+            <a:endParaRPr lang="en-US"/>
           </a:p>
         </p:txBody>
       </p:sp>
+      <p:graphicFrame>
+        <p:nvGraphicFramePr>
+          <p:cNvPr id="4" name="Table 3">
+            <a:extLst>
+              <a:ext uri="{FF2B5EF4-FFF2-40B4-BE49-F238E27FC236}">
+                <a16:creationId xmlns:a16="http://schemas.microsoft.com/office/drawing/2014/main" id="{7EEED1A8-C7D2-4010-4A94-2128E35E40D0}"/>
+              </a:ext>
+            </a:extLst>
+          </p:cNvPr>
+          <p:cNvGraphicFramePr>
+            <a:graphicFrameLocks noGrp="1"/>
+          </p:cNvGraphicFramePr>
+          <p:nvPr>
+            <p:extLst>
+              <p:ext uri="{D42A27DB-BD31-4B8C-83A1-F6EECF244321}">
+                <p14:modId xmlns:p14="http://schemas.microsoft.com/office/powerpoint/2010/main" val="647666439"/>
+              </p:ext>
+            </p:extLst>
+          </p:nvPr>
+        </p:nvGraphicFramePr>
+        <p:xfrm>
+          <a:off x="576000" y="1864107"/>
+          <a:ext cx="11034004" cy="4137591"/>
+        </p:xfrm>
+        <a:graphic>
+          <a:graphicData uri="http://schemas.openxmlformats.org/drawingml/2006/table">
+            <a:tbl>
+              <a:tblPr firstRow="1" firstCol="1" bandRow="1">
+                <a:tableStyleId>{5C22544A-7EE6-4342-B048-85BDC9FD1C3A}</a:tableStyleId>
+              </a:tblPr>
+              <a:tblGrid>
+                <a:gridCol w="2029726">
+                  <a:extLst>
+                    <a:ext uri="{9D8B030D-6E8A-4147-A177-3AD203B41FA5}">
+                      <a16:colId xmlns:a16="http://schemas.microsoft.com/office/drawing/2014/main" val="1341983006"/>
+                    </a:ext>
+                  </a:extLst>
+                </a:gridCol>
+                <a:gridCol w="1889678">
+                  <a:extLst>
+                    <a:ext uri="{9D8B030D-6E8A-4147-A177-3AD203B41FA5}">
+                      <a16:colId xmlns:a16="http://schemas.microsoft.com/office/drawing/2014/main" val="1565730264"/>
+                    </a:ext>
+                  </a:extLst>
+                </a:gridCol>
+                <a:gridCol w="1527486">
+                  <a:extLst>
+                    <a:ext uri="{9D8B030D-6E8A-4147-A177-3AD203B41FA5}">
+                      <a16:colId xmlns:a16="http://schemas.microsoft.com/office/drawing/2014/main" val="2640324232"/>
+                    </a:ext>
+                  </a:extLst>
+                </a:gridCol>
+                <a:gridCol w="1789787">
+                  <a:extLst>
+                    <a:ext uri="{9D8B030D-6E8A-4147-A177-3AD203B41FA5}">
+                      <a16:colId xmlns:a16="http://schemas.microsoft.com/office/drawing/2014/main" val="3569099772"/>
+                    </a:ext>
+                  </a:extLst>
+                </a:gridCol>
+                <a:gridCol w="1975258">
+                  <a:extLst>
+                    <a:ext uri="{9D8B030D-6E8A-4147-A177-3AD203B41FA5}">
+                      <a16:colId xmlns:a16="http://schemas.microsoft.com/office/drawing/2014/main" val="2628866282"/>
+                    </a:ext>
+                  </a:extLst>
+                </a:gridCol>
+                <a:gridCol w="1822069">
+                  <a:extLst>
+                    <a:ext uri="{9D8B030D-6E8A-4147-A177-3AD203B41FA5}">
+                      <a16:colId xmlns:a16="http://schemas.microsoft.com/office/drawing/2014/main" val="2842123344"/>
+                    </a:ext>
+                  </a:extLst>
+                </a:gridCol>
+              </a:tblGrid>
+              <a:tr h="337951">
+                <a:tc>
+                  <a:txBody>
+                    <a:bodyPr/>
+                    <a:lstStyle/>
+                    <a:p>
+                      <a:pPr algn="just">
+                        <a:lnSpc>
+                          <a:spcPct val="110000"/>
+                        </a:lnSpc>
+                      </a:pPr>
+                      <a:r>
+                        <a:rPr lang="it-IT" sz="1800">
+                          <a:effectLst/>
+                        </a:rPr>
+                        <a:t>Song 2: One, U2</a:t>
+                      </a:r>
+                      <a:endParaRPr lang="en-AT" sz="1400">
+                        <a:effectLst/>
+                        <a:latin typeface="Linux Libertine"/>
+                        <a:ea typeface="Calibri" panose="020F0502020204030204" pitchFamily="34" charset="0"/>
+                        <a:cs typeface="Times New Roman" panose="02020603050405020304" pitchFamily="18" charset="0"/>
+                      </a:endParaRPr>
+                    </a:p>
+                  </a:txBody>
+                  <a:tcPr marL="104311" marR="104311" marT="0" marB="0"/>
+                </a:tc>
+                <a:tc>
+                  <a:txBody>
+                    <a:bodyPr/>
+                    <a:lstStyle/>
+                    <a:p>
+                      <a:pPr algn="just">
+                        <a:lnSpc>
+                          <a:spcPct val="110000"/>
+                        </a:lnSpc>
+                      </a:pPr>
+                      <a:r>
+                        <a:rPr lang="it-IT" sz="1800">
+                          <a:effectLst/>
+                        </a:rPr>
+                        <a:t>Precision@10</a:t>
+                      </a:r>
+                      <a:endParaRPr lang="en-AT" sz="1400">
+                        <a:effectLst/>
+                        <a:latin typeface="Linux Libertine"/>
+                        <a:ea typeface="Calibri" panose="020F0502020204030204" pitchFamily="34" charset="0"/>
+                        <a:cs typeface="Times New Roman" panose="02020603050405020304" pitchFamily="18" charset="0"/>
+                      </a:endParaRPr>
+                    </a:p>
+                  </a:txBody>
+                  <a:tcPr marL="104311" marR="104311" marT="0" marB="0"/>
+                </a:tc>
+                <a:tc>
+                  <a:txBody>
+                    <a:bodyPr/>
+                    <a:lstStyle/>
+                    <a:p>
+                      <a:pPr algn="just">
+                        <a:lnSpc>
+                          <a:spcPct val="110000"/>
+                        </a:lnSpc>
+                      </a:pPr>
+                      <a:r>
+                        <a:rPr lang="it-IT" sz="1800">
+                          <a:effectLst/>
+                        </a:rPr>
+                        <a:t>Recall@10</a:t>
+                      </a:r>
+                      <a:endParaRPr lang="en-AT" sz="1400">
+                        <a:effectLst/>
+                        <a:latin typeface="Linux Libertine"/>
+                        <a:ea typeface="Calibri" panose="020F0502020204030204" pitchFamily="34" charset="0"/>
+                        <a:cs typeface="Times New Roman" panose="02020603050405020304" pitchFamily="18" charset="0"/>
+                      </a:endParaRPr>
+                    </a:p>
+                  </a:txBody>
+                  <a:tcPr marL="104311" marR="104311" marT="0" marB="0"/>
+                </a:tc>
+                <a:tc>
+                  <a:txBody>
+                    <a:bodyPr/>
+                    <a:lstStyle/>
+                    <a:p>
+                      <a:pPr algn="just">
+                        <a:lnSpc>
+                          <a:spcPct val="110000"/>
+                        </a:lnSpc>
+                      </a:pPr>
+                      <a:r>
+                        <a:rPr lang="it-IT" sz="1800">
+                          <a:effectLst/>
+                        </a:rPr>
+                        <a:t>nDCG@10</a:t>
+                      </a:r>
+                      <a:endParaRPr lang="en-AT" sz="1400">
+                        <a:effectLst/>
+                        <a:latin typeface="Linux Libertine"/>
+                        <a:ea typeface="Calibri" panose="020F0502020204030204" pitchFamily="34" charset="0"/>
+                        <a:cs typeface="Times New Roman" panose="02020603050405020304" pitchFamily="18" charset="0"/>
+                      </a:endParaRPr>
+                    </a:p>
+                  </a:txBody>
+                  <a:tcPr marL="104311" marR="104311" marT="0" marB="0"/>
+                </a:tc>
+                <a:tc>
+                  <a:txBody>
+                    <a:bodyPr/>
+                    <a:lstStyle/>
+                    <a:p>
+                      <a:pPr algn="just">
+                        <a:lnSpc>
+                          <a:spcPct val="110000"/>
+                        </a:lnSpc>
+                      </a:pPr>
+                      <a:r>
+                        <a:rPr lang="it-IT" sz="1800">
+                          <a:effectLst/>
+                        </a:rPr>
+                        <a:t>Coverage@10</a:t>
+                      </a:r>
+                      <a:endParaRPr lang="en-AT" sz="1400">
+                        <a:effectLst/>
+                        <a:latin typeface="Linux Libertine"/>
+                        <a:ea typeface="Calibri" panose="020F0502020204030204" pitchFamily="34" charset="0"/>
+                        <a:cs typeface="Times New Roman" panose="02020603050405020304" pitchFamily="18" charset="0"/>
+                      </a:endParaRPr>
+                    </a:p>
+                  </a:txBody>
+                  <a:tcPr marL="104311" marR="104311" marT="0" marB="0"/>
+                </a:tc>
+                <a:tc>
+                  <a:txBody>
+                    <a:bodyPr/>
+                    <a:lstStyle/>
+                    <a:p>
+                      <a:pPr algn="just">
+                        <a:lnSpc>
+                          <a:spcPct val="110000"/>
+                        </a:lnSpc>
+                      </a:pPr>
+                      <a:r>
+                        <a:rPr lang="it-IT" sz="1800">
+                          <a:effectLst/>
+                        </a:rPr>
+                        <a:t>Diversity@10</a:t>
+                      </a:r>
+                      <a:endParaRPr lang="en-AT" sz="1400">
+                        <a:effectLst/>
+                        <a:latin typeface="Linux Libertine"/>
+                        <a:ea typeface="Calibri" panose="020F0502020204030204" pitchFamily="34" charset="0"/>
+                        <a:cs typeface="Times New Roman" panose="02020603050405020304" pitchFamily="18" charset="0"/>
+                      </a:endParaRPr>
+                    </a:p>
+                  </a:txBody>
+                  <a:tcPr marL="104311" marR="104311" marT="0" marB="0"/>
+                </a:tc>
+                <a:extLst>
+                  <a:ext uri="{0D108BD9-81ED-4DB2-BD59-A6C34878D82A}">
+                    <a16:rowId xmlns:a16="http://schemas.microsoft.com/office/drawing/2014/main" val="3713094292"/>
+                  </a:ext>
+                </a:extLst>
+              </a:tr>
+              <a:tr h="949910">
+                <a:tc>
+                  <a:txBody>
+                    <a:bodyPr/>
+                    <a:lstStyle/>
+                    <a:p>
+                      <a:pPr algn="just">
+                        <a:lnSpc>
+                          <a:spcPct val="110000"/>
+                        </a:lnSpc>
+                      </a:pPr>
+                      <a:r>
+                        <a:rPr lang="it-IT" sz="1800">
+                          <a:effectLst/>
+                        </a:rPr>
+                        <a:t>Audio-based(cosine, mfcc_stats)</a:t>
+                      </a:r>
+                      <a:endParaRPr lang="en-AT" sz="1400">
+                        <a:effectLst/>
+                        <a:latin typeface="Linux Libertine"/>
+                        <a:ea typeface="Calibri" panose="020F0502020204030204" pitchFamily="34" charset="0"/>
+                        <a:cs typeface="Times New Roman" panose="02020603050405020304" pitchFamily="18" charset="0"/>
+                      </a:endParaRPr>
+                    </a:p>
+                  </a:txBody>
+                  <a:tcPr marL="104311" marR="104311" marT="0" marB="0"/>
+                </a:tc>
+                <a:tc>
+                  <a:txBody>
+                    <a:bodyPr/>
+                    <a:lstStyle/>
+                    <a:p>
+                      <a:pPr algn="just">
+                        <a:lnSpc>
+                          <a:spcPct val="110000"/>
+                        </a:lnSpc>
+                      </a:pPr>
+                      <a:r>
+                        <a:rPr lang="it-IT" sz="1800">
+                          <a:effectLst/>
+                        </a:rPr>
+                        <a:t>0.6</a:t>
+                      </a:r>
+                      <a:endParaRPr lang="en-AT" sz="1400">
+                        <a:effectLst/>
+                        <a:latin typeface="Linux Libertine"/>
+                        <a:ea typeface="Calibri" panose="020F0502020204030204" pitchFamily="34" charset="0"/>
+                        <a:cs typeface="Times New Roman" panose="02020603050405020304" pitchFamily="18" charset="0"/>
+                      </a:endParaRPr>
+                    </a:p>
+                  </a:txBody>
+                  <a:tcPr marL="104311" marR="104311" marT="0" marB="0"/>
+                </a:tc>
+                <a:tc>
+                  <a:txBody>
+                    <a:bodyPr/>
+                    <a:lstStyle/>
+                    <a:p>
+                      <a:pPr algn="just">
+                        <a:lnSpc>
+                          <a:spcPct val="110000"/>
+                        </a:lnSpc>
+                      </a:pPr>
+                      <a:r>
+                        <a:rPr lang="it-IT" sz="1800">
+                          <a:effectLst/>
+                        </a:rPr>
+                        <a:t>0.00085</a:t>
+                      </a:r>
+                      <a:endParaRPr lang="en-AT" sz="1400">
+                        <a:effectLst/>
+                      </a:endParaRPr>
+                    </a:p>
+                    <a:p>
+                      <a:pPr algn="just">
+                        <a:lnSpc>
+                          <a:spcPct val="110000"/>
+                        </a:lnSpc>
+                      </a:pPr>
+                      <a:r>
+                        <a:rPr lang="it-IT" sz="1800">
+                          <a:effectLst/>
+                        </a:rPr>
+                        <a:t> </a:t>
+                      </a:r>
+                      <a:endParaRPr lang="en-AT" sz="1400">
+                        <a:effectLst/>
+                        <a:latin typeface="Linux Libertine"/>
+                        <a:ea typeface="Calibri" panose="020F0502020204030204" pitchFamily="34" charset="0"/>
+                        <a:cs typeface="Times New Roman" panose="02020603050405020304" pitchFamily="18" charset="0"/>
+                      </a:endParaRPr>
+                    </a:p>
+                  </a:txBody>
+                  <a:tcPr marL="104311" marR="104311" marT="0" marB="0"/>
+                </a:tc>
+                <a:tc>
+                  <a:txBody>
+                    <a:bodyPr/>
+                    <a:lstStyle/>
+                    <a:p>
+                      <a:pPr algn="just">
+                        <a:lnSpc>
+                          <a:spcPct val="110000"/>
+                        </a:lnSpc>
+                      </a:pPr>
+                      <a:r>
+                        <a:rPr lang="it-IT" sz="1800">
+                          <a:effectLst/>
+                        </a:rPr>
+                        <a:t>0.75426</a:t>
+                      </a:r>
+                      <a:endParaRPr lang="en-AT" sz="1400">
+                        <a:effectLst/>
+                      </a:endParaRPr>
+                    </a:p>
+                    <a:p>
+                      <a:pPr algn="just">
+                        <a:lnSpc>
+                          <a:spcPct val="110000"/>
+                        </a:lnSpc>
+                      </a:pPr>
+                      <a:r>
+                        <a:rPr lang="it-IT" sz="1800">
+                          <a:effectLst/>
+                        </a:rPr>
+                        <a:t> </a:t>
+                      </a:r>
+                      <a:endParaRPr lang="en-AT" sz="1400">
+                        <a:effectLst/>
+                        <a:latin typeface="Linux Libertine"/>
+                        <a:ea typeface="Calibri" panose="020F0502020204030204" pitchFamily="34" charset="0"/>
+                        <a:cs typeface="Times New Roman" panose="02020603050405020304" pitchFamily="18" charset="0"/>
+                      </a:endParaRPr>
+                    </a:p>
+                  </a:txBody>
+                  <a:tcPr marL="104311" marR="104311" marT="0" marB="0"/>
+                </a:tc>
+                <a:tc>
+                  <a:txBody>
+                    <a:bodyPr/>
+                    <a:lstStyle/>
+                    <a:p>
+                      <a:pPr algn="just">
+                        <a:lnSpc>
+                          <a:spcPct val="110000"/>
+                        </a:lnSpc>
+                      </a:pPr>
+                      <a:r>
+                        <a:rPr lang="it-IT" sz="1800">
+                          <a:effectLst/>
+                        </a:rPr>
+                        <a:t>0.02968</a:t>
+                      </a:r>
+                      <a:endParaRPr lang="en-AT" sz="1400">
+                        <a:effectLst/>
+                      </a:endParaRPr>
+                    </a:p>
+                    <a:p>
+                      <a:pPr algn="just">
+                        <a:lnSpc>
+                          <a:spcPct val="110000"/>
+                        </a:lnSpc>
+                      </a:pPr>
+                      <a:r>
+                        <a:rPr lang="it-IT" sz="1800">
+                          <a:effectLst/>
+                        </a:rPr>
+                        <a:t> </a:t>
+                      </a:r>
+                      <a:endParaRPr lang="en-AT" sz="1400">
+                        <a:effectLst/>
+                        <a:latin typeface="Linux Libertine"/>
+                        <a:ea typeface="Calibri" panose="020F0502020204030204" pitchFamily="34" charset="0"/>
+                        <a:cs typeface="Times New Roman" panose="02020603050405020304" pitchFamily="18" charset="0"/>
+                      </a:endParaRPr>
+                    </a:p>
+                  </a:txBody>
+                  <a:tcPr marL="104311" marR="104311" marT="0" marB="0"/>
+                </a:tc>
+                <a:tc>
+                  <a:txBody>
+                    <a:bodyPr/>
+                    <a:lstStyle/>
+                    <a:p>
+                      <a:pPr algn="just">
+                        <a:lnSpc>
+                          <a:spcPct val="110000"/>
+                        </a:lnSpc>
+                      </a:pPr>
+                      <a:r>
+                        <a:rPr lang="it-IT" sz="1800">
+                          <a:effectLst/>
+                        </a:rPr>
+                        <a:t>4.46326</a:t>
+                      </a:r>
+                      <a:endParaRPr lang="en-AT" sz="1400">
+                        <a:effectLst/>
+                      </a:endParaRPr>
+                    </a:p>
+                    <a:p>
+                      <a:pPr algn="just">
+                        <a:lnSpc>
+                          <a:spcPct val="110000"/>
+                        </a:lnSpc>
+                      </a:pPr>
+                      <a:r>
+                        <a:rPr lang="it-IT" sz="1800">
+                          <a:effectLst/>
+                        </a:rPr>
+                        <a:t> </a:t>
+                      </a:r>
+                      <a:endParaRPr lang="en-AT" sz="1400">
+                        <a:effectLst/>
+                        <a:latin typeface="Linux Libertine"/>
+                        <a:ea typeface="Calibri" panose="020F0502020204030204" pitchFamily="34" charset="0"/>
+                        <a:cs typeface="Times New Roman" panose="02020603050405020304" pitchFamily="18" charset="0"/>
+                      </a:endParaRPr>
+                    </a:p>
+                  </a:txBody>
+                  <a:tcPr marL="104311" marR="104311" marT="0" marB="0"/>
+                </a:tc>
+                <a:extLst>
+                  <a:ext uri="{0D108BD9-81ED-4DB2-BD59-A6C34878D82A}">
+                    <a16:rowId xmlns:a16="http://schemas.microsoft.com/office/drawing/2014/main" val="3112456908"/>
+                  </a:ext>
+                </a:extLst>
+              </a:tr>
+              <a:tr h="949910">
+                <a:tc>
+                  <a:txBody>
+                    <a:bodyPr/>
+                    <a:lstStyle/>
+                    <a:p>
+                      <a:pPr algn="just">
+                        <a:lnSpc>
+                          <a:spcPct val="110000"/>
+                        </a:lnSpc>
+                      </a:pPr>
+                      <a:r>
+                        <a:rPr lang="it-IT" sz="1800">
+                          <a:effectLst/>
+                        </a:rPr>
+                        <a:t>Audio-based(cosine,</a:t>
+                      </a:r>
+                      <a:endParaRPr lang="en-AT" sz="1400">
+                        <a:effectLst/>
+                      </a:endParaRPr>
+                    </a:p>
+                    <a:p>
+                      <a:pPr algn="just">
+                        <a:lnSpc>
+                          <a:spcPct val="110000"/>
+                        </a:lnSpc>
+                      </a:pPr>
+                      <a:r>
+                        <a:rPr lang="it-IT" sz="1800">
+                          <a:effectLst/>
+                        </a:rPr>
+                        <a:t>Blf-correlation)</a:t>
+                      </a:r>
+                      <a:endParaRPr lang="en-AT" sz="1400">
+                        <a:effectLst/>
+                        <a:latin typeface="Linux Libertine"/>
+                        <a:ea typeface="Calibri" panose="020F0502020204030204" pitchFamily="34" charset="0"/>
+                        <a:cs typeface="Times New Roman" panose="02020603050405020304" pitchFamily="18" charset="0"/>
+                      </a:endParaRPr>
+                    </a:p>
+                  </a:txBody>
+                  <a:tcPr marL="104311" marR="104311" marT="0" marB="0"/>
+                </a:tc>
+                <a:tc>
+                  <a:txBody>
+                    <a:bodyPr/>
+                    <a:lstStyle/>
+                    <a:p>
+                      <a:pPr algn="just">
+                        <a:lnSpc>
+                          <a:spcPct val="110000"/>
+                        </a:lnSpc>
+                      </a:pPr>
+                      <a:r>
+                        <a:rPr lang="it-IT" sz="1800">
+                          <a:effectLst/>
+                        </a:rPr>
+                        <a:t>0.8</a:t>
+                      </a:r>
+                      <a:endParaRPr lang="en-AT" sz="1400">
+                        <a:effectLst/>
+                        <a:latin typeface="Linux Libertine"/>
+                        <a:ea typeface="Calibri" panose="020F0502020204030204" pitchFamily="34" charset="0"/>
+                        <a:cs typeface="Times New Roman" panose="02020603050405020304" pitchFamily="18" charset="0"/>
+                      </a:endParaRPr>
+                    </a:p>
+                  </a:txBody>
+                  <a:tcPr marL="104311" marR="104311" marT="0" marB="0"/>
+                </a:tc>
+                <a:tc>
+                  <a:txBody>
+                    <a:bodyPr/>
+                    <a:lstStyle/>
+                    <a:p>
+                      <a:pPr algn="just">
+                        <a:lnSpc>
+                          <a:spcPct val="110000"/>
+                        </a:lnSpc>
+                      </a:pPr>
+                      <a:r>
+                        <a:rPr lang="it-IT" sz="1800">
+                          <a:effectLst/>
+                        </a:rPr>
+                        <a:t>0.00114</a:t>
+                      </a:r>
+                      <a:endParaRPr lang="en-AT" sz="1400">
+                        <a:effectLst/>
+                      </a:endParaRPr>
+                    </a:p>
+                    <a:p>
+                      <a:pPr algn="just">
+                        <a:lnSpc>
+                          <a:spcPct val="110000"/>
+                        </a:lnSpc>
+                      </a:pPr>
+                      <a:r>
+                        <a:rPr lang="it-IT" sz="1800">
+                          <a:effectLst/>
+                        </a:rPr>
+                        <a:t> </a:t>
+                      </a:r>
+                      <a:endParaRPr lang="en-AT" sz="1400">
+                        <a:effectLst/>
+                        <a:latin typeface="Linux Libertine"/>
+                        <a:ea typeface="Calibri" panose="020F0502020204030204" pitchFamily="34" charset="0"/>
+                        <a:cs typeface="Times New Roman" panose="02020603050405020304" pitchFamily="18" charset="0"/>
+                      </a:endParaRPr>
+                    </a:p>
+                  </a:txBody>
+                  <a:tcPr marL="104311" marR="104311" marT="0" marB="0"/>
+                </a:tc>
+                <a:tc>
+                  <a:txBody>
+                    <a:bodyPr/>
+                    <a:lstStyle/>
+                    <a:p>
+                      <a:pPr algn="just">
+                        <a:lnSpc>
+                          <a:spcPct val="110000"/>
+                        </a:lnSpc>
+                      </a:pPr>
+                      <a:r>
+                        <a:rPr lang="it-IT" sz="1800">
+                          <a:effectLst/>
+                        </a:rPr>
+                        <a:t>0.70208</a:t>
+                      </a:r>
+                      <a:endParaRPr lang="en-AT" sz="1400">
+                        <a:effectLst/>
+                      </a:endParaRPr>
+                    </a:p>
+                    <a:p>
+                      <a:pPr algn="just">
+                        <a:lnSpc>
+                          <a:spcPct val="110000"/>
+                        </a:lnSpc>
+                      </a:pPr>
+                      <a:r>
+                        <a:rPr lang="it-IT" sz="1800">
+                          <a:effectLst/>
+                        </a:rPr>
+                        <a:t> </a:t>
+                      </a:r>
+                      <a:endParaRPr lang="en-AT" sz="1400">
+                        <a:effectLst/>
+                        <a:latin typeface="Linux Libertine"/>
+                        <a:ea typeface="Calibri" panose="020F0502020204030204" pitchFamily="34" charset="0"/>
+                        <a:cs typeface="Times New Roman" panose="02020603050405020304" pitchFamily="18" charset="0"/>
+                      </a:endParaRPr>
+                    </a:p>
+                  </a:txBody>
+                  <a:tcPr marL="104311" marR="104311" marT="0" marB="0"/>
+                </a:tc>
+                <a:tc>
+                  <a:txBody>
+                    <a:bodyPr/>
+                    <a:lstStyle/>
+                    <a:p>
+                      <a:pPr algn="just">
+                        <a:lnSpc>
+                          <a:spcPct val="110000"/>
+                        </a:lnSpc>
+                      </a:pPr>
+                      <a:r>
+                        <a:rPr lang="it-IT" sz="1800">
+                          <a:effectLst/>
+                        </a:rPr>
+                        <a:t>0.03957</a:t>
+                      </a:r>
+                      <a:endParaRPr lang="en-AT" sz="1400">
+                        <a:effectLst/>
+                      </a:endParaRPr>
+                    </a:p>
+                    <a:p>
+                      <a:pPr algn="just">
+                        <a:lnSpc>
+                          <a:spcPct val="110000"/>
+                        </a:lnSpc>
+                      </a:pPr>
+                      <a:r>
+                        <a:rPr lang="it-IT" sz="1800">
+                          <a:effectLst/>
+                        </a:rPr>
+                        <a:t> </a:t>
+                      </a:r>
+                      <a:endParaRPr lang="en-AT" sz="1400">
+                        <a:effectLst/>
+                        <a:latin typeface="Linux Libertine"/>
+                        <a:ea typeface="Calibri" panose="020F0502020204030204" pitchFamily="34" charset="0"/>
+                        <a:cs typeface="Times New Roman" panose="02020603050405020304" pitchFamily="18" charset="0"/>
+                      </a:endParaRPr>
+                    </a:p>
+                  </a:txBody>
+                  <a:tcPr marL="104311" marR="104311" marT="0" marB="0"/>
+                </a:tc>
+                <a:tc>
+                  <a:txBody>
+                    <a:bodyPr/>
+                    <a:lstStyle/>
+                    <a:p>
+                      <a:pPr algn="just">
+                        <a:lnSpc>
+                          <a:spcPct val="110000"/>
+                        </a:lnSpc>
+                      </a:pPr>
+                      <a:r>
+                        <a:rPr lang="it-IT" sz="1800">
+                          <a:effectLst/>
+                        </a:rPr>
+                        <a:t>4.94064</a:t>
+                      </a:r>
+                      <a:endParaRPr lang="en-AT" sz="1400">
+                        <a:effectLst/>
+                      </a:endParaRPr>
+                    </a:p>
+                    <a:p>
+                      <a:pPr algn="just">
+                        <a:lnSpc>
+                          <a:spcPct val="110000"/>
+                        </a:lnSpc>
+                      </a:pPr>
+                      <a:r>
+                        <a:rPr lang="it-IT" sz="1800">
+                          <a:effectLst/>
+                        </a:rPr>
+                        <a:t> </a:t>
+                      </a:r>
+                      <a:endParaRPr lang="en-AT" sz="1400">
+                        <a:effectLst/>
+                        <a:latin typeface="Linux Libertine"/>
+                        <a:ea typeface="Calibri" panose="020F0502020204030204" pitchFamily="34" charset="0"/>
+                        <a:cs typeface="Times New Roman" panose="02020603050405020304" pitchFamily="18" charset="0"/>
+                      </a:endParaRPr>
+                    </a:p>
+                  </a:txBody>
+                  <a:tcPr marL="104311" marR="104311" marT="0" marB="0"/>
+                </a:tc>
+                <a:extLst>
+                  <a:ext uri="{0D108BD9-81ED-4DB2-BD59-A6C34878D82A}">
+                    <a16:rowId xmlns:a16="http://schemas.microsoft.com/office/drawing/2014/main" val="3843123594"/>
+                  </a:ext>
+                </a:extLst>
+              </a:tr>
+              <a:tr h="949910">
+                <a:tc>
+                  <a:txBody>
+                    <a:bodyPr/>
+                    <a:lstStyle/>
+                    <a:p>
+                      <a:pPr algn="just">
+                        <a:lnSpc>
+                          <a:spcPct val="110000"/>
+                        </a:lnSpc>
+                      </a:pPr>
+                      <a:r>
+                        <a:rPr lang="it-IT" sz="1800">
+                          <a:effectLst/>
+                        </a:rPr>
+                        <a:t>Audio-based(cosine, ivec 256)</a:t>
+                      </a:r>
+                      <a:endParaRPr lang="en-AT" sz="1400">
+                        <a:effectLst/>
+                        <a:latin typeface="Linux Libertine"/>
+                        <a:ea typeface="Calibri" panose="020F0502020204030204" pitchFamily="34" charset="0"/>
+                        <a:cs typeface="Times New Roman" panose="02020603050405020304" pitchFamily="18" charset="0"/>
+                      </a:endParaRPr>
+                    </a:p>
+                  </a:txBody>
+                  <a:tcPr marL="104311" marR="104311" marT="0" marB="0"/>
+                </a:tc>
+                <a:tc>
+                  <a:txBody>
+                    <a:bodyPr/>
+                    <a:lstStyle/>
+                    <a:p>
+                      <a:pPr algn="just">
+                        <a:lnSpc>
+                          <a:spcPct val="110000"/>
+                        </a:lnSpc>
+                      </a:pPr>
+                      <a:r>
+                        <a:rPr lang="it-IT" sz="1800">
+                          <a:effectLst/>
+                        </a:rPr>
+                        <a:t>0.8</a:t>
+                      </a:r>
+                      <a:endParaRPr lang="en-AT" sz="1400">
+                        <a:effectLst/>
+                      </a:endParaRPr>
+                    </a:p>
+                    <a:p>
+                      <a:pPr algn="just">
+                        <a:lnSpc>
+                          <a:spcPct val="110000"/>
+                        </a:lnSpc>
+                      </a:pPr>
+                      <a:r>
+                        <a:rPr lang="it-IT" sz="1800">
+                          <a:effectLst/>
+                        </a:rPr>
+                        <a:t> </a:t>
+                      </a:r>
+                      <a:endParaRPr lang="en-AT" sz="1400">
+                        <a:effectLst/>
+                        <a:latin typeface="Linux Libertine"/>
+                        <a:ea typeface="Calibri" panose="020F0502020204030204" pitchFamily="34" charset="0"/>
+                        <a:cs typeface="Times New Roman" panose="02020603050405020304" pitchFamily="18" charset="0"/>
+                      </a:endParaRPr>
+                    </a:p>
+                  </a:txBody>
+                  <a:tcPr marL="104311" marR="104311" marT="0" marB="0"/>
+                </a:tc>
+                <a:tc>
+                  <a:txBody>
+                    <a:bodyPr/>
+                    <a:lstStyle/>
+                    <a:p>
+                      <a:pPr algn="just">
+                        <a:lnSpc>
+                          <a:spcPct val="110000"/>
+                        </a:lnSpc>
+                      </a:pPr>
+                      <a:r>
+                        <a:rPr lang="it-IT" sz="1800">
+                          <a:effectLst/>
+                        </a:rPr>
+                        <a:t>0.00114</a:t>
+                      </a:r>
+                      <a:endParaRPr lang="en-AT" sz="1400">
+                        <a:effectLst/>
+                      </a:endParaRPr>
+                    </a:p>
+                    <a:p>
+                      <a:pPr algn="just">
+                        <a:lnSpc>
+                          <a:spcPct val="110000"/>
+                        </a:lnSpc>
+                      </a:pPr>
+                      <a:r>
+                        <a:rPr lang="it-IT" sz="1800">
+                          <a:effectLst/>
+                        </a:rPr>
+                        <a:t> </a:t>
+                      </a:r>
+                      <a:endParaRPr lang="en-AT" sz="1400">
+                        <a:effectLst/>
+                        <a:latin typeface="Linux Libertine"/>
+                        <a:ea typeface="Calibri" panose="020F0502020204030204" pitchFamily="34" charset="0"/>
+                        <a:cs typeface="Times New Roman" panose="02020603050405020304" pitchFamily="18" charset="0"/>
+                      </a:endParaRPr>
+                    </a:p>
+                  </a:txBody>
+                  <a:tcPr marL="104311" marR="104311" marT="0" marB="0"/>
+                </a:tc>
+                <a:tc>
+                  <a:txBody>
+                    <a:bodyPr/>
+                    <a:lstStyle/>
+                    <a:p>
+                      <a:pPr algn="just">
+                        <a:lnSpc>
+                          <a:spcPct val="110000"/>
+                        </a:lnSpc>
+                      </a:pPr>
+                      <a:r>
+                        <a:rPr lang="it-IT" sz="1800">
+                          <a:effectLst/>
+                        </a:rPr>
+                        <a:t>0.83261</a:t>
+                      </a:r>
+                      <a:endParaRPr lang="en-AT" sz="1400">
+                        <a:effectLst/>
+                      </a:endParaRPr>
+                    </a:p>
+                    <a:p>
+                      <a:pPr algn="just">
+                        <a:lnSpc>
+                          <a:spcPct val="110000"/>
+                        </a:lnSpc>
+                      </a:pPr>
+                      <a:r>
+                        <a:rPr lang="it-IT" sz="1800">
+                          <a:effectLst/>
+                        </a:rPr>
+                        <a:t> </a:t>
+                      </a:r>
+                      <a:endParaRPr lang="en-AT" sz="1400">
+                        <a:effectLst/>
+                        <a:latin typeface="Linux Libertine"/>
+                        <a:ea typeface="Calibri" panose="020F0502020204030204" pitchFamily="34" charset="0"/>
+                        <a:cs typeface="Times New Roman" panose="02020603050405020304" pitchFamily="18" charset="0"/>
+                      </a:endParaRPr>
+                    </a:p>
+                  </a:txBody>
+                  <a:tcPr marL="104311" marR="104311" marT="0" marB="0"/>
+                </a:tc>
+                <a:tc>
+                  <a:txBody>
+                    <a:bodyPr/>
+                    <a:lstStyle/>
+                    <a:p>
+                      <a:pPr algn="just">
+                        <a:lnSpc>
+                          <a:spcPct val="110000"/>
+                        </a:lnSpc>
+                      </a:pPr>
+                      <a:r>
+                        <a:rPr lang="it-IT" sz="1800">
+                          <a:effectLst/>
+                        </a:rPr>
+                        <a:t>0.04856</a:t>
+                      </a:r>
+                      <a:endParaRPr lang="en-AT" sz="1400">
+                        <a:effectLst/>
+                      </a:endParaRPr>
+                    </a:p>
+                    <a:p>
+                      <a:pPr algn="just">
+                        <a:lnSpc>
+                          <a:spcPct val="110000"/>
+                        </a:lnSpc>
+                      </a:pPr>
+                      <a:r>
+                        <a:rPr lang="it-IT" sz="1800">
+                          <a:effectLst/>
+                        </a:rPr>
+                        <a:t> </a:t>
+                      </a:r>
+                      <a:endParaRPr lang="en-AT" sz="1400">
+                        <a:effectLst/>
+                        <a:latin typeface="Linux Libertine"/>
+                        <a:ea typeface="Calibri" panose="020F0502020204030204" pitchFamily="34" charset="0"/>
+                        <a:cs typeface="Times New Roman" panose="02020603050405020304" pitchFamily="18" charset="0"/>
+                      </a:endParaRPr>
+                    </a:p>
+                  </a:txBody>
+                  <a:tcPr marL="104311" marR="104311" marT="0" marB="0"/>
+                </a:tc>
+                <a:tc>
+                  <a:txBody>
+                    <a:bodyPr/>
+                    <a:lstStyle/>
+                    <a:p>
+                      <a:pPr algn="just">
+                        <a:lnSpc>
+                          <a:spcPct val="110000"/>
+                        </a:lnSpc>
+                      </a:pPr>
+                      <a:r>
+                        <a:rPr lang="it-IT" sz="1800">
+                          <a:effectLst/>
+                        </a:rPr>
+                        <a:t>5.02604</a:t>
+                      </a:r>
+                      <a:endParaRPr lang="en-AT" sz="1400">
+                        <a:effectLst/>
+                      </a:endParaRPr>
+                    </a:p>
+                    <a:p>
+                      <a:pPr algn="just">
+                        <a:lnSpc>
+                          <a:spcPct val="110000"/>
+                        </a:lnSpc>
+                      </a:pPr>
+                      <a:r>
+                        <a:rPr lang="it-IT" sz="1800">
+                          <a:effectLst/>
+                        </a:rPr>
+                        <a:t> </a:t>
+                      </a:r>
+                      <a:endParaRPr lang="en-AT" sz="1400">
+                        <a:effectLst/>
+                        <a:latin typeface="Linux Libertine"/>
+                        <a:ea typeface="Calibri" panose="020F0502020204030204" pitchFamily="34" charset="0"/>
+                        <a:cs typeface="Times New Roman" panose="02020603050405020304" pitchFamily="18" charset="0"/>
+                      </a:endParaRPr>
+                    </a:p>
+                  </a:txBody>
+                  <a:tcPr marL="104311" marR="104311" marT="0" marB="0"/>
+                </a:tc>
+                <a:extLst>
+                  <a:ext uri="{0D108BD9-81ED-4DB2-BD59-A6C34878D82A}">
+                    <a16:rowId xmlns:a16="http://schemas.microsoft.com/office/drawing/2014/main" val="4186412190"/>
+                  </a:ext>
+                </a:extLst>
+              </a:tr>
+              <a:tr h="949910">
+                <a:tc>
+                  <a:txBody>
+                    <a:bodyPr/>
+                    <a:lstStyle/>
+                    <a:p>
+                      <a:pPr algn="just">
+                        <a:lnSpc>
+                          <a:spcPct val="110000"/>
+                        </a:lnSpc>
+                      </a:pPr>
+                      <a:r>
+                        <a:rPr lang="it-IT" sz="1800">
+                          <a:effectLst/>
+                        </a:rPr>
+                        <a:t>Audio-based(cosine,</a:t>
+                      </a:r>
+                      <a:endParaRPr lang="en-AT" sz="1400">
+                        <a:effectLst/>
+                      </a:endParaRPr>
+                    </a:p>
+                    <a:p>
+                      <a:pPr algn="just">
+                        <a:lnSpc>
+                          <a:spcPct val="110000"/>
+                        </a:lnSpc>
+                      </a:pPr>
+                      <a:r>
+                        <a:rPr lang="it-IT" sz="1800">
+                          <a:effectLst/>
+                        </a:rPr>
+                        <a:t>musicnn)</a:t>
+                      </a:r>
+                      <a:endParaRPr lang="en-AT" sz="1400">
+                        <a:effectLst/>
+                        <a:latin typeface="Linux Libertine"/>
+                        <a:ea typeface="Calibri" panose="020F0502020204030204" pitchFamily="34" charset="0"/>
+                        <a:cs typeface="Times New Roman" panose="02020603050405020304" pitchFamily="18" charset="0"/>
+                      </a:endParaRPr>
+                    </a:p>
+                  </a:txBody>
+                  <a:tcPr marL="104311" marR="104311" marT="0" marB="0"/>
+                </a:tc>
+                <a:tc>
+                  <a:txBody>
+                    <a:bodyPr/>
+                    <a:lstStyle/>
+                    <a:p>
+                      <a:pPr algn="just">
+                        <a:lnSpc>
+                          <a:spcPct val="110000"/>
+                        </a:lnSpc>
+                      </a:pPr>
+                      <a:r>
+                        <a:rPr lang="it-IT" sz="1800">
+                          <a:effectLst/>
+                        </a:rPr>
+                        <a:t>0.8</a:t>
+                      </a:r>
+                      <a:endParaRPr lang="en-AT" sz="1400">
+                        <a:effectLst/>
+                        <a:latin typeface="Linux Libertine"/>
+                        <a:ea typeface="Calibri" panose="020F0502020204030204" pitchFamily="34" charset="0"/>
+                        <a:cs typeface="Times New Roman" panose="02020603050405020304" pitchFamily="18" charset="0"/>
+                      </a:endParaRPr>
+                    </a:p>
+                  </a:txBody>
+                  <a:tcPr marL="104311" marR="104311" marT="0" marB="0"/>
+                </a:tc>
+                <a:tc>
+                  <a:txBody>
+                    <a:bodyPr/>
+                    <a:lstStyle/>
+                    <a:p>
+                      <a:pPr algn="just">
+                        <a:lnSpc>
+                          <a:spcPct val="110000"/>
+                        </a:lnSpc>
+                      </a:pPr>
+                      <a:r>
+                        <a:rPr lang="it-IT" sz="1800">
+                          <a:effectLst/>
+                        </a:rPr>
+                        <a:t>0.00114</a:t>
+                      </a:r>
+                      <a:endParaRPr lang="en-AT" sz="1400">
+                        <a:effectLst/>
+                      </a:endParaRPr>
+                    </a:p>
+                    <a:p>
+                      <a:pPr algn="just">
+                        <a:lnSpc>
+                          <a:spcPct val="110000"/>
+                        </a:lnSpc>
+                      </a:pPr>
+                      <a:r>
+                        <a:rPr lang="it-IT" sz="1800">
+                          <a:effectLst/>
+                        </a:rPr>
+                        <a:t> </a:t>
+                      </a:r>
+                      <a:endParaRPr lang="en-AT" sz="1400">
+                        <a:effectLst/>
+                        <a:latin typeface="Linux Libertine"/>
+                        <a:ea typeface="Calibri" panose="020F0502020204030204" pitchFamily="34" charset="0"/>
+                        <a:cs typeface="Times New Roman" panose="02020603050405020304" pitchFamily="18" charset="0"/>
+                      </a:endParaRPr>
+                    </a:p>
+                  </a:txBody>
+                  <a:tcPr marL="104311" marR="104311" marT="0" marB="0"/>
+                </a:tc>
+                <a:tc>
+                  <a:txBody>
+                    <a:bodyPr/>
+                    <a:lstStyle/>
+                    <a:p>
+                      <a:pPr algn="just">
+                        <a:lnSpc>
+                          <a:spcPct val="110000"/>
+                        </a:lnSpc>
+                      </a:pPr>
+                      <a:r>
+                        <a:rPr lang="it-IT" sz="1800">
+                          <a:effectLst/>
+                        </a:rPr>
+                        <a:t>0.74983</a:t>
+                      </a:r>
+                      <a:endParaRPr lang="en-AT" sz="1400">
+                        <a:effectLst/>
+                      </a:endParaRPr>
+                    </a:p>
+                    <a:p>
+                      <a:pPr algn="just">
+                        <a:lnSpc>
+                          <a:spcPct val="110000"/>
+                        </a:lnSpc>
+                      </a:pPr>
+                      <a:r>
+                        <a:rPr lang="it-IT" sz="1800">
+                          <a:effectLst/>
+                        </a:rPr>
+                        <a:t> </a:t>
+                      </a:r>
+                      <a:endParaRPr lang="en-AT" sz="1400">
+                        <a:effectLst/>
+                        <a:latin typeface="Linux Libertine"/>
+                        <a:ea typeface="Calibri" panose="020F0502020204030204" pitchFamily="34" charset="0"/>
+                        <a:cs typeface="Times New Roman" panose="02020603050405020304" pitchFamily="18" charset="0"/>
+                      </a:endParaRPr>
+                    </a:p>
+                  </a:txBody>
+                  <a:tcPr marL="104311" marR="104311" marT="0" marB="0"/>
+                </a:tc>
+                <a:tc>
+                  <a:txBody>
+                    <a:bodyPr/>
+                    <a:lstStyle/>
+                    <a:p>
+                      <a:pPr algn="just">
+                        <a:lnSpc>
+                          <a:spcPct val="110000"/>
+                        </a:lnSpc>
+                      </a:pPr>
+                      <a:r>
+                        <a:rPr lang="it-IT" sz="1800">
+                          <a:effectLst/>
+                        </a:rPr>
+                        <a:t>0.03237</a:t>
+                      </a:r>
+                      <a:endParaRPr lang="en-AT" sz="1400">
+                        <a:effectLst/>
+                      </a:endParaRPr>
+                    </a:p>
+                    <a:p>
+                      <a:pPr algn="just">
+                        <a:lnSpc>
+                          <a:spcPct val="110000"/>
+                        </a:lnSpc>
+                      </a:pPr>
+                      <a:r>
+                        <a:rPr lang="it-IT" sz="1800">
+                          <a:effectLst/>
+                        </a:rPr>
+                        <a:t> </a:t>
+                      </a:r>
+                      <a:endParaRPr lang="en-AT" sz="1400">
+                        <a:effectLst/>
+                        <a:latin typeface="Linux Libertine"/>
+                        <a:ea typeface="Calibri" panose="020F0502020204030204" pitchFamily="34" charset="0"/>
+                        <a:cs typeface="Times New Roman" panose="02020603050405020304" pitchFamily="18" charset="0"/>
+                      </a:endParaRPr>
+                    </a:p>
+                  </a:txBody>
+                  <a:tcPr marL="104311" marR="104311" marT="0" marB="0"/>
+                </a:tc>
+                <a:tc>
+                  <a:txBody>
+                    <a:bodyPr/>
+                    <a:lstStyle/>
+                    <a:p>
+                      <a:pPr algn="just">
+                        <a:lnSpc>
+                          <a:spcPct val="110000"/>
+                        </a:lnSpc>
+                      </a:pPr>
+                      <a:r>
+                        <a:rPr lang="it-IT" sz="1800" dirty="0">
+                          <a:effectLst/>
+                        </a:rPr>
+                        <a:t>4.48012</a:t>
+                      </a:r>
+                      <a:endParaRPr lang="en-AT" sz="1400" dirty="0">
+                        <a:effectLst/>
+                      </a:endParaRPr>
+                    </a:p>
+                    <a:p>
+                      <a:pPr algn="just">
+                        <a:lnSpc>
+                          <a:spcPct val="110000"/>
+                        </a:lnSpc>
+                      </a:pPr>
+                      <a:r>
+                        <a:rPr lang="it-IT" sz="1800" dirty="0">
+                          <a:effectLst/>
+                        </a:rPr>
+                        <a:t> </a:t>
+                      </a:r>
+                      <a:endParaRPr lang="en-AT" sz="1400" dirty="0">
+                        <a:effectLst/>
+                        <a:latin typeface="Linux Libertine"/>
+                        <a:ea typeface="Calibri" panose="020F0502020204030204" pitchFamily="34" charset="0"/>
+                        <a:cs typeface="Times New Roman" panose="02020603050405020304" pitchFamily="18" charset="0"/>
+                      </a:endParaRPr>
+                    </a:p>
+                  </a:txBody>
+                  <a:tcPr marL="104311" marR="104311" marT="0" marB="0"/>
+                </a:tc>
+                <a:extLst>
+                  <a:ext uri="{0D108BD9-81ED-4DB2-BD59-A6C34878D82A}">
+                    <a16:rowId xmlns:a16="http://schemas.microsoft.com/office/drawing/2014/main" val="2664346384"/>
+                  </a:ext>
+                </a:extLst>
+              </a:tr>
+            </a:tbl>
+          </a:graphicData>
+        </a:graphic>
+      </p:graphicFrame>
     </p:spTree>
     <p:extLst>
       <p:ext uri="{BB962C8B-B14F-4D97-AF65-F5344CB8AC3E}">
@@ -10119,7 +13856,7 @@
 </p:sld>
 </file>
 
-<file path=ppt/slides/slide13.xml><?xml version="1.0" encoding="utf-8"?>
+<file path=ppt/slides/slide14.xml><?xml version="1.0" encoding="utf-8"?>
 <p:sld xmlns:a="http://schemas.openxmlformats.org/drawingml/2006/main" xmlns:r="http://schemas.openxmlformats.org/officeDocument/2006/relationships" xmlns:p="http://schemas.openxmlformats.org/presentationml/2006/main">
   <p:cSld>
     <p:spTree>
@@ -10152,19 +13889,1237 @@
             <p:ph type="title"/>
           </p:nvPr>
         </p:nvSpPr>
-        <p:spPr/>
+        <p:spPr>
+          <a:xfrm>
+            <a:off x="486000" y="575999"/>
+            <a:ext cx="11124000" cy="990000"/>
+          </a:xfrm>
+        </p:spPr>
+        <p:txBody>
+          <a:bodyPr anchor="t">
+            <a:normAutofit/>
+          </a:bodyPr>
+          <a:lstStyle/>
+          <a:p>
+            <a:r>
+              <a:rPr lang="en-US" dirty="0"/>
+              <a:t>Results of audio-based retrieval – Song 3</a:t>
+            </a:r>
+            <a:endParaRPr lang="de-DE" dirty="0"/>
+          </a:p>
+        </p:txBody>
+      </p:sp>
+      <p:sp>
+        <p:nvSpPr>
+          <p:cNvPr id="9" name="Text Placeholder 3">
+            <a:extLst>
+              <a:ext uri="{FF2B5EF4-FFF2-40B4-BE49-F238E27FC236}">
+                <a16:creationId xmlns:a16="http://schemas.microsoft.com/office/drawing/2014/main" id="{8C7B44E3-2423-3DBC-9671-00A8DCF7F2CD}"/>
+              </a:ext>
+            </a:extLst>
+          </p:cNvPr>
+          <p:cNvSpPr>
+            <a:spLocks noGrp="1"/>
+          </p:cNvSpPr>
+          <p:nvPr>
+            <p:ph type="body" sz="quarter" idx="25"/>
+          </p:nvPr>
+        </p:nvSpPr>
+        <p:spPr>
+          <a:xfrm>
+            <a:off x="471600" y="5858820"/>
+            <a:ext cx="11138400" cy="278127"/>
+          </a:xfrm>
+        </p:spPr>
         <p:txBody>
           <a:bodyPr/>
           <a:lstStyle/>
           <a:p>
-            <a:r>
-              <a:rPr lang="en-US" dirty="0"/>
-              <a:t>Results of audio-based retrieval – Song 3</a:t>
-            </a:r>
-            <a:endParaRPr lang="de-DE" dirty="0"/>
+            <a:endParaRPr lang="en-US"/>
           </a:p>
         </p:txBody>
       </p:sp>
+      <p:graphicFrame>
+        <p:nvGraphicFramePr>
+          <p:cNvPr id="4" name="Table 3">
+            <a:extLst>
+              <a:ext uri="{FF2B5EF4-FFF2-40B4-BE49-F238E27FC236}">
+                <a16:creationId xmlns:a16="http://schemas.microsoft.com/office/drawing/2014/main" id="{FFA7CBA8-BE4D-5819-54F0-665C4D2C770A}"/>
+              </a:ext>
+            </a:extLst>
+          </p:cNvPr>
+          <p:cNvGraphicFramePr>
+            <a:graphicFrameLocks noGrp="1"/>
+          </p:cNvGraphicFramePr>
+          <p:nvPr>
+            <p:extLst>
+              <p:ext uri="{D42A27DB-BD31-4B8C-83A1-F6EECF244321}">
+                <p14:modId xmlns:p14="http://schemas.microsoft.com/office/powerpoint/2010/main" val="2951643567"/>
+              </p:ext>
+            </p:extLst>
+          </p:nvPr>
+        </p:nvGraphicFramePr>
+        <p:xfrm>
+          <a:off x="636528" y="1621584"/>
+          <a:ext cx="10808546" cy="4516750"/>
+        </p:xfrm>
+        <a:graphic>
+          <a:graphicData uri="http://schemas.openxmlformats.org/drawingml/2006/table">
+            <a:tbl>
+              <a:tblPr firstRow="1" firstCol="1" bandRow="1">
+                <a:tableStyleId>{5C22544A-7EE6-4342-B048-85BDC9FD1C3A}</a:tableStyleId>
+              </a:tblPr>
+              <a:tblGrid>
+                <a:gridCol w="2139197">
+                  <a:extLst>
+                    <a:ext uri="{9D8B030D-6E8A-4147-A177-3AD203B41FA5}">
+                      <a16:colId xmlns:a16="http://schemas.microsoft.com/office/drawing/2014/main" val="4066440857"/>
+                    </a:ext>
+                  </a:extLst>
+                </a:gridCol>
+                <a:gridCol w="1797055">
+                  <a:extLst>
+                    <a:ext uri="{9D8B030D-6E8A-4147-A177-3AD203B41FA5}">
+                      <a16:colId xmlns:a16="http://schemas.microsoft.com/office/drawing/2014/main" val="2123673721"/>
+                    </a:ext>
+                  </a:extLst>
+                </a:gridCol>
+                <a:gridCol w="1452616">
+                  <a:extLst>
+                    <a:ext uri="{9D8B030D-6E8A-4147-A177-3AD203B41FA5}">
+                      <a16:colId xmlns:a16="http://schemas.microsoft.com/office/drawing/2014/main" val="1237949478"/>
+                    </a:ext>
+                  </a:extLst>
+                </a:gridCol>
+                <a:gridCol w="1790633">
+                  <a:extLst>
+                    <a:ext uri="{9D8B030D-6E8A-4147-A177-3AD203B41FA5}">
+                      <a16:colId xmlns:a16="http://schemas.microsoft.com/office/drawing/2014/main" val="2406083069"/>
+                    </a:ext>
+                  </a:extLst>
+                </a:gridCol>
+                <a:gridCol w="1878841">
+                  <a:extLst>
+                    <a:ext uri="{9D8B030D-6E8A-4147-A177-3AD203B41FA5}">
+                      <a16:colId xmlns:a16="http://schemas.microsoft.com/office/drawing/2014/main" val="2328760793"/>
+                    </a:ext>
+                  </a:extLst>
+                </a:gridCol>
+                <a:gridCol w="1750204">
+                  <a:extLst>
+                    <a:ext uri="{9D8B030D-6E8A-4147-A177-3AD203B41FA5}">
+                      <a16:colId xmlns:a16="http://schemas.microsoft.com/office/drawing/2014/main" val="2946145624"/>
+                    </a:ext>
+                  </a:extLst>
+                </a:gridCol>
+              </a:tblGrid>
+              <a:tr h="903350">
+                <a:tc>
+                  <a:txBody>
+                    <a:bodyPr/>
+                    <a:lstStyle/>
+                    <a:p>
+                      <a:pPr algn="just">
+                        <a:lnSpc>
+                          <a:spcPct val="110000"/>
+                        </a:lnSpc>
+                      </a:pPr>
+                      <a:r>
+                        <a:rPr lang="it-IT" sz="1700">
+                          <a:effectLst/>
+                        </a:rPr>
+                        <a:t>Song 3: Every Christmas, Kelly Clarkson</a:t>
+                      </a:r>
+                      <a:endParaRPr lang="en-AT" sz="1300">
+                        <a:effectLst/>
+                        <a:latin typeface="Linux Libertine"/>
+                        <a:ea typeface="Calibri" panose="020F0502020204030204" pitchFamily="34" charset="0"/>
+                        <a:cs typeface="Times New Roman" panose="02020603050405020304" pitchFamily="18" charset="0"/>
+                      </a:endParaRPr>
+                    </a:p>
+                  </a:txBody>
+                  <a:tcPr marL="99198" marR="99198" marT="0" marB="0"/>
+                </a:tc>
+                <a:tc>
+                  <a:txBody>
+                    <a:bodyPr/>
+                    <a:lstStyle/>
+                    <a:p>
+                      <a:pPr algn="just">
+                        <a:lnSpc>
+                          <a:spcPct val="110000"/>
+                        </a:lnSpc>
+                      </a:pPr>
+                      <a:r>
+                        <a:rPr lang="it-IT" sz="1700">
+                          <a:effectLst/>
+                        </a:rPr>
+                        <a:t>Precision@10</a:t>
+                      </a:r>
+                      <a:endParaRPr lang="en-AT" sz="1300">
+                        <a:effectLst/>
+                        <a:latin typeface="Linux Libertine"/>
+                        <a:ea typeface="Calibri" panose="020F0502020204030204" pitchFamily="34" charset="0"/>
+                        <a:cs typeface="Times New Roman" panose="02020603050405020304" pitchFamily="18" charset="0"/>
+                      </a:endParaRPr>
+                    </a:p>
+                  </a:txBody>
+                  <a:tcPr marL="99198" marR="99198" marT="0" marB="0"/>
+                </a:tc>
+                <a:tc>
+                  <a:txBody>
+                    <a:bodyPr/>
+                    <a:lstStyle/>
+                    <a:p>
+                      <a:pPr algn="just">
+                        <a:lnSpc>
+                          <a:spcPct val="110000"/>
+                        </a:lnSpc>
+                      </a:pPr>
+                      <a:r>
+                        <a:rPr lang="it-IT" sz="1700">
+                          <a:effectLst/>
+                        </a:rPr>
+                        <a:t>Recall@10</a:t>
+                      </a:r>
+                      <a:endParaRPr lang="en-AT" sz="1300">
+                        <a:effectLst/>
+                        <a:latin typeface="Linux Libertine"/>
+                        <a:ea typeface="Calibri" panose="020F0502020204030204" pitchFamily="34" charset="0"/>
+                        <a:cs typeface="Times New Roman" panose="02020603050405020304" pitchFamily="18" charset="0"/>
+                      </a:endParaRPr>
+                    </a:p>
+                  </a:txBody>
+                  <a:tcPr marL="99198" marR="99198" marT="0" marB="0"/>
+                </a:tc>
+                <a:tc>
+                  <a:txBody>
+                    <a:bodyPr/>
+                    <a:lstStyle/>
+                    <a:p>
+                      <a:pPr algn="just">
+                        <a:lnSpc>
+                          <a:spcPct val="110000"/>
+                        </a:lnSpc>
+                      </a:pPr>
+                      <a:r>
+                        <a:rPr lang="it-IT" sz="1700">
+                          <a:effectLst/>
+                        </a:rPr>
+                        <a:t>nDCG@10</a:t>
+                      </a:r>
+                      <a:endParaRPr lang="en-AT" sz="1300">
+                        <a:effectLst/>
+                        <a:latin typeface="Linux Libertine"/>
+                        <a:ea typeface="Calibri" panose="020F0502020204030204" pitchFamily="34" charset="0"/>
+                        <a:cs typeface="Times New Roman" panose="02020603050405020304" pitchFamily="18" charset="0"/>
+                      </a:endParaRPr>
+                    </a:p>
+                  </a:txBody>
+                  <a:tcPr marL="99198" marR="99198" marT="0" marB="0"/>
+                </a:tc>
+                <a:tc>
+                  <a:txBody>
+                    <a:bodyPr/>
+                    <a:lstStyle/>
+                    <a:p>
+                      <a:pPr algn="just">
+                        <a:lnSpc>
+                          <a:spcPct val="110000"/>
+                        </a:lnSpc>
+                      </a:pPr>
+                      <a:r>
+                        <a:rPr lang="it-IT" sz="1700">
+                          <a:effectLst/>
+                        </a:rPr>
+                        <a:t>Coverage@10</a:t>
+                      </a:r>
+                      <a:endParaRPr lang="en-AT" sz="1300">
+                        <a:effectLst/>
+                        <a:latin typeface="Linux Libertine"/>
+                        <a:ea typeface="Calibri" panose="020F0502020204030204" pitchFamily="34" charset="0"/>
+                        <a:cs typeface="Times New Roman" panose="02020603050405020304" pitchFamily="18" charset="0"/>
+                      </a:endParaRPr>
+                    </a:p>
+                  </a:txBody>
+                  <a:tcPr marL="99198" marR="99198" marT="0" marB="0"/>
+                </a:tc>
+                <a:tc>
+                  <a:txBody>
+                    <a:bodyPr/>
+                    <a:lstStyle/>
+                    <a:p>
+                      <a:pPr algn="just">
+                        <a:lnSpc>
+                          <a:spcPct val="110000"/>
+                        </a:lnSpc>
+                      </a:pPr>
+                      <a:r>
+                        <a:rPr lang="it-IT" sz="1700">
+                          <a:effectLst/>
+                        </a:rPr>
+                        <a:t>Diversity@10</a:t>
+                      </a:r>
+                      <a:endParaRPr lang="en-AT" sz="1300">
+                        <a:effectLst/>
+                        <a:latin typeface="Linux Libertine"/>
+                        <a:ea typeface="Calibri" panose="020F0502020204030204" pitchFamily="34" charset="0"/>
+                        <a:cs typeface="Times New Roman" panose="02020603050405020304" pitchFamily="18" charset="0"/>
+                      </a:endParaRPr>
+                    </a:p>
+                  </a:txBody>
+                  <a:tcPr marL="99198" marR="99198" marT="0" marB="0"/>
+                </a:tc>
+                <a:extLst>
+                  <a:ext uri="{0D108BD9-81ED-4DB2-BD59-A6C34878D82A}">
+                    <a16:rowId xmlns:a16="http://schemas.microsoft.com/office/drawing/2014/main" val="3125145667"/>
+                  </a:ext>
+                </a:extLst>
+              </a:tr>
+              <a:tr h="903350">
+                <a:tc>
+                  <a:txBody>
+                    <a:bodyPr/>
+                    <a:lstStyle/>
+                    <a:p>
+                      <a:pPr algn="l">
+                        <a:lnSpc>
+                          <a:spcPct val="110000"/>
+                        </a:lnSpc>
+                      </a:pPr>
+                      <a:r>
+                        <a:rPr lang="it-IT" sz="1700">
+                          <a:effectLst/>
+                        </a:rPr>
+                        <a:t>Audio-based(cosine, mfcc_stats)</a:t>
+                      </a:r>
+                      <a:endParaRPr lang="en-AT" sz="1300">
+                        <a:effectLst/>
+                        <a:latin typeface="Linux Libertine"/>
+                        <a:ea typeface="Calibri" panose="020F0502020204030204" pitchFamily="34" charset="0"/>
+                        <a:cs typeface="Times New Roman" panose="02020603050405020304" pitchFamily="18" charset="0"/>
+                      </a:endParaRPr>
+                    </a:p>
+                  </a:txBody>
+                  <a:tcPr marL="99198" marR="99198" marT="0" marB="0"/>
+                </a:tc>
+                <a:tc>
+                  <a:txBody>
+                    <a:bodyPr/>
+                    <a:lstStyle/>
+                    <a:p>
+                      <a:pPr algn="just">
+                        <a:lnSpc>
+                          <a:spcPct val="110000"/>
+                        </a:lnSpc>
+                      </a:pPr>
+                      <a:r>
+                        <a:rPr lang="it-IT" sz="1700">
+                          <a:effectLst/>
+                        </a:rPr>
+                        <a:t>0.5</a:t>
+                      </a:r>
+                      <a:endParaRPr lang="en-AT" sz="1300">
+                        <a:effectLst/>
+                        <a:latin typeface="Linux Libertine"/>
+                        <a:ea typeface="Calibri" panose="020F0502020204030204" pitchFamily="34" charset="0"/>
+                        <a:cs typeface="Times New Roman" panose="02020603050405020304" pitchFamily="18" charset="0"/>
+                      </a:endParaRPr>
+                    </a:p>
+                  </a:txBody>
+                  <a:tcPr marL="99198" marR="99198" marT="0" marB="0"/>
+                </a:tc>
+                <a:tc>
+                  <a:txBody>
+                    <a:bodyPr/>
+                    <a:lstStyle/>
+                    <a:p>
+                      <a:pPr algn="just">
+                        <a:lnSpc>
+                          <a:spcPct val="110000"/>
+                        </a:lnSpc>
+                      </a:pPr>
+                      <a:r>
+                        <a:rPr lang="it-IT" sz="1700">
+                          <a:effectLst/>
+                        </a:rPr>
+                        <a:t>0.00119</a:t>
+                      </a:r>
+                      <a:endParaRPr lang="en-AT" sz="1300">
+                        <a:effectLst/>
+                      </a:endParaRPr>
+                    </a:p>
+                    <a:p>
+                      <a:pPr algn="just">
+                        <a:lnSpc>
+                          <a:spcPct val="110000"/>
+                        </a:lnSpc>
+                      </a:pPr>
+                      <a:r>
+                        <a:rPr lang="it-IT" sz="1700">
+                          <a:effectLst/>
+                        </a:rPr>
+                        <a:t> </a:t>
+                      </a:r>
+                      <a:endParaRPr lang="en-AT" sz="1300">
+                        <a:effectLst/>
+                        <a:latin typeface="Linux Libertine"/>
+                        <a:ea typeface="Calibri" panose="020F0502020204030204" pitchFamily="34" charset="0"/>
+                        <a:cs typeface="Times New Roman" panose="02020603050405020304" pitchFamily="18" charset="0"/>
+                      </a:endParaRPr>
+                    </a:p>
+                  </a:txBody>
+                  <a:tcPr marL="99198" marR="99198" marT="0" marB="0"/>
+                </a:tc>
+                <a:tc>
+                  <a:txBody>
+                    <a:bodyPr/>
+                    <a:lstStyle/>
+                    <a:p>
+                      <a:pPr algn="just">
+                        <a:lnSpc>
+                          <a:spcPct val="110000"/>
+                        </a:lnSpc>
+                      </a:pPr>
+                      <a:r>
+                        <a:rPr lang="it-IT" sz="1700">
+                          <a:effectLst/>
+                        </a:rPr>
+                        <a:t>0.57058</a:t>
+                      </a:r>
+                      <a:endParaRPr lang="en-AT" sz="1300">
+                        <a:effectLst/>
+                      </a:endParaRPr>
+                    </a:p>
+                    <a:p>
+                      <a:pPr algn="just">
+                        <a:lnSpc>
+                          <a:spcPct val="110000"/>
+                        </a:lnSpc>
+                      </a:pPr>
+                      <a:r>
+                        <a:rPr lang="it-IT" sz="1700">
+                          <a:effectLst/>
+                        </a:rPr>
+                        <a:t> </a:t>
+                      </a:r>
+                      <a:endParaRPr lang="en-AT" sz="1300">
+                        <a:effectLst/>
+                        <a:latin typeface="Linux Libertine"/>
+                        <a:ea typeface="Calibri" panose="020F0502020204030204" pitchFamily="34" charset="0"/>
+                        <a:cs typeface="Times New Roman" panose="02020603050405020304" pitchFamily="18" charset="0"/>
+                      </a:endParaRPr>
+                    </a:p>
+                  </a:txBody>
+                  <a:tcPr marL="99198" marR="99198" marT="0" marB="0"/>
+                </a:tc>
+                <a:tc>
+                  <a:txBody>
+                    <a:bodyPr/>
+                    <a:lstStyle/>
+                    <a:p>
+                      <a:pPr algn="just">
+                        <a:lnSpc>
+                          <a:spcPct val="110000"/>
+                        </a:lnSpc>
+                      </a:pPr>
+                      <a:r>
+                        <a:rPr lang="it-IT" sz="1700">
+                          <a:effectLst/>
+                        </a:rPr>
+                        <a:t>0.05845</a:t>
+                      </a:r>
+                      <a:endParaRPr lang="en-AT" sz="1300">
+                        <a:effectLst/>
+                      </a:endParaRPr>
+                    </a:p>
+                    <a:p>
+                      <a:pPr algn="just">
+                        <a:lnSpc>
+                          <a:spcPct val="110000"/>
+                        </a:lnSpc>
+                      </a:pPr>
+                      <a:r>
+                        <a:rPr lang="it-IT" sz="1700">
+                          <a:effectLst/>
+                        </a:rPr>
+                        <a:t> </a:t>
+                      </a:r>
+                      <a:endParaRPr lang="en-AT" sz="1300">
+                        <a:effectLst/>
+                        <a:latin typeface="Linux Libertine"/>
+                        <a:ea typeface="Calibri" panose="020F0502020204030204" pitchFamily="34" charset="0"/>
+                        <a:cs typeface="Times New Roman" panose="02020603050405020304" pitchFamily="18" charset="0"/>
+                      </a:endParaRPr>
+                    </a:p>
+                  </a:txBody>
+                  <a:tcPr marL="99198" marR="99198" marT="0" marB="0"/>
+                </a:tc>
+                <a:tc>
+                  <a:txBody>
+                    <a:bodyPr/>
+                    <a:lstStyle/>
+                    <a:p>
+                      <a:pPr algn="just">
+                        <a:lnSpc>
+                          <a:spcPct val="110000"/>
+                        </a:lnSpc>
+                      </a:pPr>
+                      <a:r>
+                        <a:rPr lang="it-IT" sz="1700">
+                          <a:effectLst/>
+                        </a:rPr>
+                        <a:t>5.33913</a:t>
+                      </a:r>
+                      <a:endParaRPr lang="en-AT" sz="1300">
+                        <a:effectLst/>
+                      </a:endParaRPr>
+                    </a:p>
+                    <a:p>
+                      <a:pPr algn="just">
+                        <a:lnSpc>
+                          <a:spcPct val="110000"/>
+                        </a:lnSpc>
+                      </a:pPr>
+                      <a:r>
+                        <a:rPr lang="it-IT" sz="1700">
+                          <a:effectLst/>
+                        </a:rPr>
+                        <a:t> </a:t>
+                      </a:r>
+                      <a:endParaRPr lang="en-AT" sz="1300">
+                        <a:effectLst/>
+                        <a:latin typeface="Linux Libertine"/>
+                        <a:ea typeface="Calibri" panose="020F0502020204030204" pitchFamily="34" charset="0"/>
+                        <a:cs typeface="Times New Roman" panose="02020603050405020304" pitchFamily="18" charset="0"/>
+                      </a:endParaRPr>
+                    </a:p>
+                  </a:txBody>
+                  <a:tcPr marL="99198" marR="99198" marT="0" marB="0"/>
+                </a:tc>
+                <a:extLst>
+                  <a:ext uri="{0D108BD9-81ED-4DB2-BD59-A6C34878D82A}">
+                    <a16:rowId xmlns:a16="http://schemas.microsoft.com/office/drawing/2014/main" val="3056527341"/>
+                  </a:ext>
+                </a:extLst>
+              </a:tr>
+              <a:tr h="903350">
+                <a:tc>
+                  <a:txBody>
+                    <a:bodyPr/>
+                    <a:lstStyle/>
+                    <a:p>
+                      <a:pPr algn="l">
+                        <a:lnSpc>
+                          <a:spcPct val="110000"/>
+                        </a:lnSpc>
+                      </a:pPr>
+                      <a:r>
+                        <a:rPr lang="it-IT" sz="1700">
+                          <a:effectLst/>
+                        </a:rPr>
+                        <a:t>Audio-based(cosine,</a:t>
+                      </a:r>
+                      <a:endParaRPr lang="en-AT" sz="1300">
+                        <a:effectLst/>
+                      </a:endParaRPr>
+                    </a:p>
+                    <a:p>
+                      <a:pPr algn="l">
+                        <a:lnSpc>
+                          <a:spcPct val="110000"/>
+                        </a:lnSpc>
+                      </a:pPr>
+                      <a:r>
+                        <a:rPr lang="it-IT" sz="1700">
+                          <a:effectLst/>
+                        </a:rPr>
+                        <a:t>Blf-correlation)</a:t>
+                      </a:r>
+                      <a:endParaRPr lang="en-AT" sz="1300">
+                        <a:effectLst/>
+                        <a:latin typeface="Linux Libertine"/>
+                        <a:ea typeface="Calibri" panose="020F0502020204030204" pitchFamily="34" charset="0"/>
+                        <a:cs typeface="Times New Roman" panose="02020603050405020304" pitchFamily="18" charset="0"/>
+                      </a:endParaRPr>
+                    </a:p>
+                  </a:txBody>
+                  <a:tcPr marL="99198" marR="99198" marT="0" marB="0"/>
+                </a:tc>
+                <a:tc>
+                  <a:txBody>
+                    <a:bodyPr/>
+                    <a:lstStyle/>
+                    <a:p>
+                      <a:pPr algn="just">
+                        <a:lnSpc>
+                          <a:spcPct val="110000"/>
+                        </a:lnSpc>
+                      </a:pPr>
+                      <a:r>
+                        <a:rPr lang="it-IT" sz="1700">
+                          <a:effectLst/>
+                        </a:rPr>
+                        <a:t>0.6</a:t>
+                      </a:r>
+                      <a:endParaRPr lang="en-AT" sz="1300">
+                        <a:effectLst/>
+                        <a:latin typeface="Linux Libertine"/>
+                        <a:ea typeface="Calibri" panose="020F0502020204030204" pitchFamily="34" charset="0"/>
+                        <a:cs typeface="Times New Roman" panose="02020603050405020304" pitchFamily="18" charset="0"/>
+                      </a:endParaRPr>
+                    </a:p>
+                  </a:txBody>
+                  <a:tcPr marL="99198" marR="99198" marT="0" marB="0"/>
+                </a:tc>
+                <a:tc>
+                  <a:txBody>
+                    <a:bodyPr/>
+                    <a:lstStyle/>
+                    <a:p>
+                      <a:pPr algn="just">
+                        <a:lnSpc>
+                          <a:spcPct val="110000"/>
+                        </a:lnSpc>
+                      </a:pPr>
+                      <a:r>
+                        <a:rPr lang="it-IT" sz="1700">
+                          <a:effectLst/>
+                        </a:rPr>
+                        <a:t>0.00143</a:t>
+                      </a:r>
+                      <a:endParaRPr lang="en-AT" sz="1300">
+                        <a:effectLst/>
+                      </a:endParaRPr>
+                    </a:p>
+                    <a:p>
+                      <a:pPr algn="just">
+                        <a:lnSpc>
+                          <a:spcPct val="110000"/>
+                        </a:lnSpc>
+                      </a:pPr>
+                      <a:r>
+                        <a:rPr lang="it-IT" sz="1700">
+                          <a:effectLst/>
+                        </a:rPr>
+                        <a:t> </a:t>
+                      </a:r>
+                      <a:endParaRPr lang="en-AT" sz="1300">
+                        <a:effectLst/>
+                        <a:latin typeface="Linux Libertine"/>
+                        <a:ea typeface="Calibri" panose="020F0502020204030204" pitchFamily="34" charset="0"/>
+                        <a:cs typeface="Times New Roman" panose="02020603050405020304" pitchFamily="18" charset="0"/>
+                      </a:endParaRPr>
+                    </a:p>
+                  </a:txBody>
+                  <a:tcPr marL="99198" marR="99198" marT="0" marB="0"/>
+                </a:tc>
+                <a:tc>
+                  <a:txBody>
+                    <a:bodyPr/>
+                    <a:lstStyle/>
+                    <a:p>
+                      <a:pPr algn="just">
+                        <a:lnSpc>
+                          <a:spcPct val="110000"/>
+                        </a:lnSpc>
+                      </a:pPr>
+                      <a:r>
+                        <a:rPr lang="it-IT" sz="1700">
+                          <a:effectLst/>
+                        </a:rPr>
+                        <a:t>0.61340</a:t>
+                      </a:r>
+                      <a:endParaRPr lang="en-AT" sz="1300">
+                        <a:effectLst/>
+                      </a:endParaRPr>
+                    </a:p>
+                    <a:p>
+                      <a:pPr algn="just">
+                        <a:lnSpc>
+                          <a:spcPct val="110000"/>
+                        </a:lnSpc>
+                      </a:pPr>
+                      <a:r>
+                        <a:rPr lang="it-IT" sz="1700">
+                          <a:effectLst/>
+                        </a:rPr>
+                        <a:t> </a:t>
+                      </a:r>
+                      <a:endParaRPr lang="en-AT" sz="1300">
+                        <a:effectLst/>
+                        <a:latin typeface="Linux Libertine"/>
+                        <a:ea typeface="Calibri" panose="020F0502020204030204" pitchFamily="34" charset="0"/>
+                        <a:cs typeface="Times New Roman" panose="02020603050405020304" pitchFamily="18" charset="0"/>
+                      </a:endParaRPr>
+                    </a:p>
+                  </a:txBody>
+                  <a:tcPr marL="99198" marR="99198" marT="0" marB="0"/>
+                </a:tc>
+                <a:tc>
+                  <a:txBody>
+                    <a:bodyPr/>
+                    <a:lstStyle/>
+                    <a:p>
+                      <a:pPr algn="just">
+                        <a:lnSpc>
+                          <a:spcPct val="110000"/>
+                        </a:lnSpc>
+                      </a:pPr>
+                      <a:r>
+                        <a:rPr lang="it-IT" sz="1700">
+                          <a:effectLst/>
+                        </a:rPr>
+                        <a:t>0.04946</a:t>
+                      </a:r>
+                      <a:endParaRPr lang="en-AT" sz="1300">
+                        <a:effectLst/>
+                      </a:endParaRPr>
+                    </a:p>
+                    <a:p>
+                      <a:pPr algn="just">
+                        <a:lnSpc>
+                          <a:spcPct val="110000"/>
+                        </a:lnSpc>
+                      </a:pPr>
+                      <a:r>
+                        <a:rPr lang="it-IT" sz="1700">
+                          <a:effectLst/>
+                        </a:rPr>
+                        <a:t> </a:t>
+                      </a:r>
+                      <a:endParaRPr lang="en-AT" sz="1300">
+                        <a:effectLst/>
+                        <a:latin typeface="Linux Libertine"/>
+                        <a:ea typeface="Calibri" panose="020F0502020204030204" pitchFamily="34" charset="0"/>
+                        <a:cs typeface="Times New Roman" panose="02020603050405020304" pitchFamily="18" charset="0"/>
+                      </a:endParaRPr>
+                    </a:p>
+                  </a:txBody>
+                  <a:tcPr marL="99198" marR="99198" marT="0" marB="0"/>
+                </a:tc>
+                <a:tc>
+                  <a:txBody>
+                    <a:bodyPr/>
+                    <a:lstStyle/>
+                    <a:p>
+                      <a:pPr algn="just">
+                        <a:lnSpc>
+                          <a:spcPct val="110000"/>
+                        </a:lnSpc>
+                      </a:pPr>
+                      <a:r>
+                        <a:rPr lang="it-IT" sz="1700">
+                          <a:effectLst/>
+                        </a:rPr>
+                        <a:t>4.84336</a:t>
+                      </a:r>
+                      <a:endParaRPr lang="en-AT" sz="1300">
+                        <a:effectLst/>
+                      </a:endParaRPr>
+                    </a:p>
+                    <a:p>
+                      <a:pPr algn="just">
+                        <a:lnSpc>
+                          <a:spcPct val="110000"/>
+                        </a:lnSpc>
+                      </a:pPr>
+                      <a:r>
+                        <a:rPr lang="it-IT" sz="1700">
+                          <a:effectLst/>
+                        </a:rPr>
+                        <a:t> </a:t>
+                      </a:r>
+                      <a:endParaRPr lang="en-AT" sz="1300">
+                        <a:effectLst/>
+                        <a:latin typeface="Linux Libertine"/>
+                        <a:ea typeface="Calibri" panose="020F0502020204030204" pitchFamily="34" charset="0"/>
+                        <a:cs typeface="Times New Roman" panose="02020603050405020304" pitchFamily="18" charset="0"/>
+                      </a:endParaRPr>
+                    </a:p>
+                  </a:txBody>
+                  <a:tcPr marL="99198" marR="99198" marT="0" marB="0"/>
+                </a:tc>
+                <a:extLst>
+                  <a:ext uri="{0D108BD9-81ED-4DB2-BD59-A6C34878D82A}">
+                    <a16:rowId xmlns:a16="http://schemas.microsoft.com/office/drawing/2014/main" val="206680074"/>
+                  </a:ext>
+                </a:extLst>
+              </a:tr>
+              <a:tr h="903350">
+                <a:tc>
+                  <a:txBody>
+                    <a:bodyPr/>
+                    <a:lstStyle/>
+                    <a:p>
+                      <a:pPr algn="l">
+                        <a:lnSpc>
+                          <a:spcPct val="110000"/>
+                        </a:lnSpc>
+                      </a:pPr>
+                      <a:r>
+                        <a:rPr lang="it-IT" sz="1700">
+                          <a:effectLst/>
+                        </a:rPr>
+                        <a:t>Audio-based(cosine, ivec 256)</a:t>
+                      </a:r>
+                      <a:endParaRPr lang="en-AT" sz="1300">
+                        <a:effectLst/>
+                        <a:latin typeface="Linux Libertine"/>
+                        <a:ea typeface="Calibri" panose="020F0502020204030204" pitchFamily="34" charset="0"/>
+                        <a:cs typeface="Times New Roman" panose="02020603050405020304" pitchFamily="18" charset="0"/>
+                      </a:endParaRPr>
+                    </a:p>
+                  </a:txBody>
+                  <a:tcPr marL="99198" marR="99198" marT="0" marB="0"/>
+                </a:tc>
+                <a:tc>
+                  <a:txBody>
+                    <a:bodyPr/>
+                    <a:lstStyle/>
+                    <a:p>
+                      <a:pPr algn="just">
+                        <a:lnSpc>
+                          <a:spcPct val="110000"/>
+                        </a:lnSpc>
+                      </a:pPr>
+                      <a:r>
+                        <a:rPr lang="it-IT" sz="1700">
+                          <a:effectLst/>
+                        </a:rPr>
+                        <a:t>0.5</a:t>
+                      </a:r>
+                      <a:endParaRPr lang="en-AT" sz="1300">
+                        <a:effectLst/>
+                        <a:latin typeface="Linux Libertine"/>
+                        <a:ea typeface="Calibri" panose="020F0502020204030204" pitchFamily="34" charset="0"/>
+                        <a:cs typeface="Times New Roman" panose="02020603050405020304" pitchFamily="18" charset="0"/>
+                      </a:endParaRPr>
+                    </a:p>
+                  </a:txBody>
+                  <a:tcPr marL="99198" marR="99198" marT="0" marB="0"/>
+                </a:tc>
+                <a:tc>
+                  <a:txBody>
+                    <a:bodyPr/>
+                    <a:lstStyle/>
+                    <a:p>
+                      <a:pPr algn="just">
+                        <a:lnSpc>
+                          <a:spcPct val="110000"/>
+                        </a:lnSpc>
+                      </a:pPr>
+                      <a:r>
+                        <a:rPr lang="it-IT" sz="1700">
+                          <a:effectLst/>
+                        </a:rPr>
+                        <a:t>0.00119</a:t>
+                      </a:r>
+                      <a:endParaRPr lang="en-AT" sz="1300">
+                        <a:effectLst/>
+                      </a:endParaRPr>
+                    </a:p>
+                    <a:p>
+                      <a:pPr algn="just">
+                        <a:lnSpc>
+                          <a:spcPct val="110000"/>
+                        </a:lnSpc>
+                      </a:pPr>
+                      <a:r>
+                        <a:rPr lang="it-IT" sz="1700">
+                          <a:effectLst/>
+                        </a:rPr>
+                        <a:t> </a:t>
+                      </a:r>
+                      <a:endParaRPr lang="en-AT" sz="1300">
+                        <a:effectLst/>
+                        <a:latin typeface="Linux Libertine"/>
+                        <a:ea typeface="Calibri" panose="020F0502020204030204" pitchFamily="34" charset="0"/>
+                        <a:cs typeface="Times New Roman" panose="02020603050405020304" pitchFamily="18" charset="0"/>
+                      </a:endParaRPr>
+                    </a:p>
+                  </a:txBody>
+                  <a:tcPr marL="99198" marR="99198" marT="0" marB="0"/>
+                </a:tc>
+                <a:tc>
+                  <a:txBody>
+                    <a:bodyPr/>
+                    <a:lstStyle/>
+                    <a:p>
+                      <a:pPr algn="just">
+                        <a:lnSpc>
+                          <a:spcPct val="110000"/>
+                        </a:lnSpc>
+                      </a:pPr>
+                      <a:r>
+                        <a:rPr lang="it-IT" sz="1700">
+                          <a:effectLst/>
+                        </a:rPr>
+                        <a:t>0.58630</a:t>
+                      </a:r>
+                      <a:endParaRPr lang="en-AT" sz="1300">
+                        <a:effectLst/>
+                      </a:endParaRPr>
+                    </a:p>
+                    <a:p>
+                      <a:pPr algn="just">
+                        <a:lnSpc>
+                          <a:spcPct val="110000"/>
+                        </a:lnSpc>
+                      </a:pPr>
+                      <a:r>
+                        <a:rPr lang="it-IT" sz="1700">
+                          <a:effectLst/>
+                        </a:rPr>
+                        <a:t> </a:t>
+                      </a:r>
+                      <a:endParaRPr lang="en-AT" sz="1300">
+                        <a:effectLst/>
+                        <a:latin typeface="Linux Libertine"/>
+                        <a:ea typeface="Calibri" panose="020F0502020204030204" pitchFamily="34" charset="0"/>
+                        <a:cs typeface="Times New Roman" panose="02020603050405020304" pitchFamily="18" charset="0"/>
+                      </a:endParaRPr>
+                    </a:p>
+                  </a:txBody>
+                  <a:tcPr marL="99198" marR="99198" marT="0" marB="0"/>
+                </a:tc>
+                <a:tc>
+                  <a:txBody>
+                    <a:bodyPr/>
+                    <a:lstStyle/>
+                    <a:p>
+                      <a:pPr algn="just">
+                        <a:lnSpc>
+                          <a:spcPct val="110000"/>
+                        </a:lnSpc>
+                      </a:pPr>
+                      <a:r>
+                        <a:rPr lang="it-IT" sz="1700">
+                          <a:effectLst/>
+                        </a:rPr>
+                        <a:t>0.05486</a:t>
+                      </a:r>
+                      <a:endParaRPr lang="en-AT" sz="1300">
+                        <a:effectLst/>
+                      </a:endParaRPr>
+                    </a:p>
+                    <a:p>
+                      <a:pPr algn="just">
+                        <a:lnSpc>
+                          <a:spcPct val="110000"/>
+                        </a:lnSpc>
+                      </a:pPr>
+                      <a:r>
+                        <a:rPr lang="it-IT" sz="1700">
+                          <a:effectLst/>
+                        </a:rPr>
+                        <a:t> </a:t>
+                      </a:r>
+                      <a:endParaRPr lang="en-AT" sz="1300">
+                        <a:effectLst/>
+                        <a:latin typeface="Linux Libertine"/>
+                        <a:ea typeface="Calibri" panose="020F0502020204030204" pitchFamily="34" charset="0"/>
+                        <a:cs typeface="Times New Roman" panose="02020603050405020304" pitchFamily="18" charset="0"/>
+                      </a:endParaRPr>
+                    </a:p>
+                  </a:txBody>
+                  <a:tcPr marL="99198" marR="99198" marT="0" marB="0"/>
+                </a:tc>
+                <a:tc>
+                  <a:txBody>
+                    <a:bodyPr/>
+                    <a:lstStyle/>
+                    <a:p>
+                      <a:pPr algn="just">
+                        <a:lnSpc>
+                          <a:spcPct val="110000"/>
+                        </a:lnSpc>
+                      </a:pPr>
+                      <a:r>
+                        <a:rPr lang="it-IT" sz="1700">
+                          <a:effectLst/>
+                        </a:rPr>
+                        <a:t>5.37249</a:t>
+                      </a:r>
+                      <a:endParaRPr lang="en-AT" sz="1300">
+                        <a:effectLst/>
+                      </a:endParaRPr>
+                    </a:p>
+                    <a:p>
+                      <a:pPr algn="just">
+                        <a:lnSpc>
+                          <a:spcPct val="110000"/>
+                        </a:lnSpc>
+                      </a:pPr>
+                      <a:r>
+                        <a:rPr lang="it-IT" sz="1700">
+                          <a:effectLst/>
+                        </a:rPr>
+                        <a:t> </a:t>
+                      </a:r>
+                      <a:endParaRPr lang="en-AT" sz="1300">
+                        <a:effectLst/>
+                        <a:latin typeface="Linux Libertine"/>
+                        <a:ea typeface="Calibri" panose="020F0502020204030204" pitchFamily="34" charset="0"/>
+                        <a:cs typeface="Times New Roman" panose="02020603050405020304" pitchFamily="18" charset="0"/>
+                      </a:endParaRPr>
+                    </a:p>
+                  </a:txBody>
+                  <a:tcPr marL="99198" marR="99198" marT="0" marB="0"/>
+                </a:tc>
+                <a:extLst>
+                  <a:ext uri="{0D108BD9-81ED-4DB2-BD59-A6C34878D82A}">
+                    <a16:rowId xmlns:a16="http://schemas.microsoft.com/office/drawing/2014/main" val="3731082630"/>
+                  </a:ext>
+                </a:extLst>
+              </a:tr>
+              <a:tr h="903350">
+                <a:tc>
+                  <a:txBody>
+                    <a:bodyPr/>
+                    <a:lstStyle/>
+                    <a:p>
+                      <a:pPr algn="l">
+                        <a:lnSpc>
+                          <a:spcPct val="110000"/>
+                        </a:lnSpc>
+                      </a:pPr>
+                      <a:r>
+                        <a:rPr lang="it-IT" sz="1700">
+                          <a:effectLst/>
+                        </a:rPr>
+                        <a:t>Audio-based(cosine,</a:t>
+                      </a:r>
+                      <a:endParaRPr lang="en-AT" sz="1300">
+                        <a:effectLst/>
+                      </a:endParaRPr>
+                    </a:p>
+                    <a:p>
+                      <a:pPr algn="l">
+                        <a:lnSpc>
+                          <a:spcPct val="110000"/>
+                        </a:lnSpc>
+                      </a:pPr>
+                      <a:r>
+                        <a:rPr lang="it-IT" sz="1700">
+                          <a:effectLst/>
+                        </a:rPr>
+                        <a:t>musicnn)</a:t>
+                      </a:r>
+                      <a:endParaRPr lang="en-AT" sz="1300">
+                        <a:effectLst/>
+                        <a:latin typeface="Linux Libertine"/>
+                        <a:ea typeface="Calibri" panose="020F0502020204030204" pitchFamily="34" charset="0"/>
+                        <a:cs typeface="Times New Roman" panose="02020603050405020304" pitchFamily="18" charset="0"/>
+                      </a:endParaRPr>
+                    </a:p>
+                  </a:txBody>
+                  <a:tcPr marL="99198" marR="99198" marT="0" marB="0"/>
+                </a:tc>
+                <a:tc>
+                  <a:txBody>
+                    <a:bodyPr/>
+                    <a:lstStyle/>
+                    <a:p>
+                      <a:pPr algn="just">
+                        <a:lnSpc>
+                          <a:spcPct val="110000"/>
+                        </a:lnSpc>
+                      </a:pPr>
+                      <a:r>
+                        <a:rPr lang="it-IT" sz="1700">
+                          <a:effectLst/>
+                        </a:rPr>
+                        <a:t>0.4</a:t>
+                      </a:r>
+                      <a:endParaRPr lang="en-AT" sz="1300">
+                        <a:effectLst/>
+                        <a:latin typeface="Linux Libertine"/>
+                        <a:ea typeface="Calibri" panose="020F0502020204030204" pitchFamily="34" charset="0"/>
+                        <a:cs typeface="Times New Roman" panose="02020603050405020304" pitchFamily="18" charset="0"/>
+                      </a:endParaRPr>
+                    </a:p>
+                  </a:txBody>
+                  <a:tcPr marL="99198" marR="99198" marT="0" marB="0"/>
+                </a:tc>
+                <a:tc>
+                  <a:txBody>
+                    <a:bodyPr/>
+                    <a:lstStyle/>
+                    <a:p>
+                      <a:pPr algn="just">
+                        <a:lnSpc>
+                          <a:spcPct val="110000"/>
+                        </a:lnSpc>
+                      </a:pPr>
+                      <a:r>
+                        <a:rPr lang="it-IT" sz="1700">
+                          <a:effectLst/>
+                        </a:rPr>
+                        <a:t>0.00167</a:t>
+                      </a:r>
+                      <a:endParaRPr lang="en-AT" sz="1300">
+                        <a:effectLst/>
+                      </a:endParaRPr>
+                    </a:p>
+                    <a:p>
+                      <a:pPr algn="just">
+                        <a:lnSpc>
+                          <a:spcPct val="110000"/>
+                        </a:lnSpc>
+                      </a:pPr>
+                      <a:r>
+                        <a:rPr lang="it-IT" sz="1700">
+                          <a:effectLst/>
+                        </a:rPr>
+                        <a:t> </a:t>
+                      </a:r>
+                      <a:endParaRPr lang="en-AT" sz="1300">
+                        <a:effectLst/>
+                        <a:latin typeface="Linux Libertine"/>
+                        <a:ea typeface="Calibri" panose="020F0502020204030204" pitchFamily="34" charset="0"/>
+                        <a:cs typeface="Times New Roman" panose="02020603050405020304" pitchFamily="18" charset="0"/>
+                      </a:endParaRPr>
+                    </a:p>
+                  </a:txBody>
+                  <a:tcPr marL="99198" marR="99198" marT="0" marB="0"/>
+                </a:tc>
+                <a:tc>
+                  <a:txBody>
+                    <a:bodyPr/>
+                    <a:lstStyle/>
+                    <a:p>
+                      <a:pPr algn="just">
+                        <a:lnSpc>
+                          <a:spcPct val="110000"/>
+                        </a:lnSpc>
+                      </a:pPr>
+                      <a:r>
+                        <a:rPr lang="it-IT" sz="1700">
+                          <a:effectLst/>
+                        </a:rPr>
+                        <a:t>0.59099</a:t>
+                      </a:r>
+                      <a:endParaRPr lang="en-AT" sz="1300">
+                        <a:effectLst/>
+                      </a:endParaRPr>
+                    </a:p>
+                    <a:p>
+                      <a:pPr algn="just">
+                        <a:lnSpc>
+                          <a:spcPct val="110000"/>
+                        </a:lnSpc>
+                      </a:pPr>
+                      <a:r>
+                        <a:rPr lang="it-IT" sz="1700">
+                          <a:effectLst/>
+                        </a:rPr>
+                        <a:t> </a:t>
+                      </a:r>
+                      <a:endParaRPr lang="en-AT" sz="1300">
+                        <a:effectLst/>
+                        <a:latin typeface="Linux Libertine"/>
+                        <a:ea typeface="Calibri" panose="020F0502020204030204" pitchFamily="34" charset="0"/>
+                        <a:cs typeface="Times New Roman" panose="02020603050405020304" pitchFamily="18" charset="0"/>
+                      </a:endParaRPr>
+                    </a:p>
+                  </a:txBody>
+                  <a:tcPr marL="99198" marR="99198" marT="0" marB="0"/>
+                </a:tc>
+                <a:tc>
+                  <a:txBody>
+                    <a:bodyPr/>
+                    <a:lstStyle/>
+                    <a:p>
+                      <a:pPr algn="just">
+                        <a:lnSpc>
+                          <a:spcPct val="110000"/>
+                        </a:lnSpc>
+                      </a:pPr>
+                      <a:r>
+                        <a:rPr lang="it-IT" sz="1700">
+                          <a:effectLst/>
+                        </a:rPr>
+                        <a:t>0.04856</a:t>
+                      </a:r>
+                      <a:endParaRPr lang="en-AT" sz="1300">
+                        <a:effectLst/>
+                      </a:endParaRPr>
+                    </a:p>
+                    <a:p>
+                      <a:pPr algn="just">
+                        <a:lnSpc>
+                          <a:spcPct val="110000"/>
+                        </a:lnSpc>
+                      </a:pPr>
+                      <a:r>
+                        <a:rPr lang="it-IT" sz="1700">
+                          <a:effectLst/>
+                        </a:rPr>
+                        <a:t> </a:t>
+                      </a:r>
+                      <a:endParaRPr lang="en-AT" sz="1300">
+                        <a:effectLst/>
+                        <a:latin typeface="Linux Libertine"/>
+                        <a:ea typeface="Calibri" panose="020F0502020204030204" pitchFamily="34" charset="0"/>
+                        <a:cs typeface="Times New Roman" panose="02020603050405020304" pitchFamily="18" charset="0"/>
+                      </a:endParaRPr>
+                    </a:p>
+                  </a:txBody>
+                  <a:tcPr marL="99198" marR="99198" marT="0" marB="0"/>
+                </a:tc>
+                <a:tc>
+                  <a:txBody>
+                    <a:bodyPr/>
+                    <a:lstStyle/>
+                    <a:p>
+                      <a:pPr algn="just">
+                        <a:lnSpc>
+                          <a:spcPct val="110000"/>
+                        </a:lnSpc>
+                      </a:pPr>
+                      <a:r>
+                        <a:rPr lang="it-IT" sz="1700" dirty="0">
+                          <a:effectLst/>
+                        </a:rPr>
+                        <a:t>5.14491</a:t>
+                      </a:r>
+                      <a:endParaRPr lang="en-AT" sz="1300" dirty="0">
+                        <a:effectLst/>
+                      </a:endParaRPr>
+                    </a:p>
+                    <a:p>
+                      <a:pPr algn="just">
+                        <a:lnSpc>
+                          <a:spcPct val="110000"/>
+                        </a:lnSpc>
+                      </a:pPr>
+                      <a:r>
+                        <a:rPr lang="it-IT" sz="1700" dirty="0">
+                          <a:effectLst/>
+                        </a:rPr>
+                        <a:t> </a:t>
+                      </a:r>
+                      <a:endParaRPr lang="en-AT" sz="1300" dirty="0">
+                        <a:effectLst/>
+                        <a:latin typeface="Linux Libertine"/>
+                        <a:ea typeface="Calibri" panose="020F0502020204030204" pitchFamily="34" charset="0"/>
+                        <a:cs typeface="Times New Roman" panose="02020603050405020304" pitchFamily="18" charset="0"/>
+                      </a:endParaRPr>
+                    </a:p>
+                  </a:txBody>
+                  <a:tcPr marL="99198" marR="99198" marT="0" marB="0"/>
+                </a:tc>
+                <a:extLst>
+                  <a:ext uri="{0D108BD9-81ED-4DB2-BD59-A6C34878D82A}">
+                    <a16:rowId xmlns:a16="http://schemas.microsoft.com/office/drawing/2014/main" val="690465962"/>
+                  </a:ext>
+                </a:extLst>
+              </a:tr>
+            </a:tbl>
+          </a:graphicData>
+        </a:graphic>
+      </p:graphicFrame>
     </p:spTree>
     <p:extLst>
       <p:ext uri="{BB962C8B-B14F-4D97-AF65-F5344CB8AC3E}">
@@ -10178,7 +15133,7 @@
 </p:sld>
 </file>
 
-<file path=ppt/slides/slide14.xml><?xml version="1.0" encoding="utf-8"?>
+<file path=ppt/slides/slide15.xml><?xml version="1.0" encoding="utf-8"?>
 <p:sld xmlns:a="http://schemas.openxmlformats.org/drawingml/2006/main" xmlns:r="http://schemas.openxmlformats.org/officeDocument/2006/relationships" xmlns:p="http://schemas.openxmlformats.org/presentationml/2006/main">
   <p:cSld>
     <p:spTree>
@@ -10239,7 +15194,7 @@
         <p:spPr>
           <a:xfrm>
             <a:off x="746620" y="1249960"/>
-            <a:ext cx="8800052" cy="646331"/>
+            <a:ext cx="8800052" cy="2031325"/>
           </a:xfrm>
           <a:prstGeom prst="rect">
             <a:avLst/>
@@ -10270,6 +15225,88 @@
               <a:rPr lang="de-DE" dirty="0"/>
               <a:t>, vgg19</a:t>
             </a:r>
+          </a:p>
+          <a:p>
+            <a:pPr marL="285750" indent="-285750">
+              <a:buFont typeface="Arial" panose="020B0604020202020204" pitchFamily="34" charset="0"/>
+              <a:buChar char="•"/>
+            </a:pPr>
+            <a:endParaRPr lang="de-DE" dirty="0"/>
+          </a:p>
+          <a:p>
+            <a:pPr marL="285750" indent="-285750">
+              <a:buFont typeface="Arial" panose="020B0604020202020204" pitchFamily="34" charset="0"/>
+              <a:buChar char="•"/>
+            </a:pPr>
+            <a:endParaRPr lang="de-DE" dirty="0"/>
+          </a:p>
+          <a:p>
+            <a:r>
+              <a:rPr lang="de-DE" dirty="0">
+                <a:solidFill>
+                  <a:srgbClr val="FF0000"/>
+                </a:solidFill>
+              </a:rPr>
+              <a:t>TODO: </a:t>
+            </a:r>
+            <a:r>
+              <a:rPr lang="de-DE" dirty="0" err="1">
+                <a:solidFill>
+                  <a:srgbClr val="FF0000"/>
+                </a:solidFill>
+              </a:rPr>
+              <a:t>write</a:t>
+            </a:r>
+            <a:r>
+              <a:rPr lang="de-DE" dirty="0">
+                <a:solidFill>
+                  <a:srgbClr val="FF0000"/>
+                </a:solidFill>
+              </a:rPr>
+              <a:t> </a:t>
+            </a:r>
+            <a:r>
+              <a:rPr lang="de-DE" dirty="0" err="1">
+                <a:solidFill>
+                  <a:srgbClr val="FF0000"/>
+                </a:solidFill>
+              </a:rPr>
+              <a:t>something</a:t>
+            </a:r>
+            <a:r>
+              <a:rPr lang="de-DE" dirty="0">
+                <a:solidFill>
+                  <a:srgbClr val="FF0000"/>
+                </a:solidFill>
+              </a:rPr>
+              <a:t> </a:t>
+            </a:r>
+            <a:r>
+              <a:rPr lang="de-DE" dirty="0" err="1">
+                <a:solidFill>
+                  <a:srgbClr val="FF0000"/>
+                </a:solidFill>
+              </a:rPr>
+              <a:t>about</a:t>
+            </a:r>
+            <a:r>
+              <a:rPr lang="de-DE" dirty="0">
+                <a:solidFill>
+                  <a:srgbClr val="FF0000"/>
+                </a:solidFill>
+              </a:rPr>
+              <a:t> vgg19?</a:t>
+            </a:r>
+          </a:p>
+          <a:p>
+            <a:pPr marL="285750" indent="-285750">
+              <a:buFont typeface="Arial" panose="020B0604020202020204" pitchFamily="34" charset="0"/>
+              <a:buChar char="•"/>
+            </a:pPr>
+            <a:endParaRPr lang="de-DE" dirty="0"/>
+          </a:p>
+          <a:p>
+            <a:endParaRPr lang="de-DE" dirty="0"/>
           </a:p>
         </p:txBody>
       </p:sp>
@@ -10286,7 +15323,7 @@
 </p:sld>
 </file>
 
-<file path=ppt/slides/slide15.xml><?xml version="1.0" encoding="utf-8"?>
+<file path=ppt/slides/slide16.xml><?xml version="1.0" encoding="utf-8"?>
 <p:sld xmlns:a="http://schemas.openxmlformats.org/drawingml/2006/main" xmlns:r="http://schemas.openxmlformats.org/officeDocument/2006/relationships" xmlns:p="http://schemas.openxmlformats.org/presentationml/2006/main">
   <p:cSld>
     <p:spTree>
@@ -10326,7 +15363,7 @@
           <a:p>
             <a:r>
               <a:rPr lang="en-US" dirty="0"/>
-              <a:t>Fusion techniques</a:t>
+              <a:t>Data Fusion</a:t>
             </a:r>
             <a:endParaRPr lang="de-DE" dirty="0"/>
           </a:p>
@@ -10347,7 +15384,7 @@
         <p:spPr>
           <a:xfrm>
             <a:off x="687897" y="1098958"/>
-            <a:ext cx="10234569" cy="646331"/>
+            <a:ext cx="10234569" cy="2862322"/>
           </a:xfrm>
           <a:prstGeom prst="rect">
             <a:avLst/>
@@ -10362,7 +15399,7 @@
           <a:p>
             <a:r>
               <a:rPr lang="en-US" dirty="0"/>
-              <a:t>Early fusion: </a:t>
+              <a:t>Early fusion: As an early fusion technique we used the </a:t>
             </a:r>
             <a:r>
               <a:rPr lang="de-DE" dirty="0" err="1"/>
@@ -10376,10 +15413,273 @@
               <a:rPr lang="de-DE" dirty="0" err="1"/>
               <a:t>concatenation</a:t>
             </a:r>
+            <a:r>
+              <a:rPr lang="de-DE" dirty="0"/>
+              <a:t>. The </a:t>
+            </a:r>
+            <a:r>
+              <a:rPr lang="de-DE" dirty="0" err="1"/>
+              <a:t>combination</a:t>
+            </a:r>
+            <a:r>
+              <a:rPr lang="de-DE" dirty="0"/>
+              <a:t> </a:t>
+            </a:r>
+            <a:r>
+              <a:rPr lang="de-DE" dirty="0" err="1"/>
+              <a:t>takes</a:t>
+            </a:r>
+            <a:r>
+              <a:rPr lang="de-DE" dirty="0"/>
+              <a:t> </a:t>
+            </a:r>
+            <a:r>
+              <a:rPr lang="de-DE" dirty="0" err="1"/>
+              <a:t>place</a:t>
+            </a:r>
+            <a:r>
+              <a:rPr lang="de-DE" dirty="0"/>
+              <a:t> in </a:t>
+            </a:r>
+            <a:r>
+              <a:rPr lang="de-DE" dirty="0" err="1"/>
+              <a:t>the</a:t>
+            </a:r>
+            <a:r>
+              <a:rPr lang="de-DE" dirty="0"/>
+              <a:t> feature </a:t>
+            </a:r>
+            <a:r>
+              <a:rPr lang="de-DE" dirty="0" err="1"/>
+              <a:t>space</a:t>
+            </a:r>
+            <a:r>
+              <a:rPr lang="de-DE" dirty="0"/>
+              <a:t>. The </a:t>
+            </a:r>
+            <a:r>
+              <a:rPr lang="de-DE" dirty="0" err="1"/>
+              <a:t>visual</a:t>
+            </a:r>
+            <a:r>
+              <a:rPr lang="de-DE" dirty="0"/>
+              <a:t> and </a:t>
+            </a:r>
+            <a:r>
+              <a:rPr lang="de-DE" dirty="0" err="1"/>
+              <a:t>textual</a:t>
+            </a:r>
+            <a:r>
+              <a:rPr lang="de-DE" dirty="0"/>
+              <a:t> </a:t>
+            </a:r>
+            <a:r>
+              <a:rPr lang="de-DE" dirty="0" err="1"/>
+              <a:t>attributes</a:t>
+            </a:r>
+            <a:r>
+              <a:rPr lang="de-DE" dirty="0"/>
+              <a:t> </a:t>
+            </a:r>
+            <a:r>
+              <a:rPr lang="de-DE" dirty="0" err="1"/>
+              <a:t>are</a:t>
+            </a:r>
+            <a:r>
+              <a:rPr lang="de-DE" dirty="0"/>
+              <a:t> </a:t>
+            </a:r>
+            <a:r>
+              <a:rPr lang="de-DE" dirty="0" err="1"/>
+              <a:t>concatenated</a:t>
+            </a:r>
+            <a:r>
+              <a:rPr lang="de-DE" dirty="0"/>
+              <a:t> </a:t>
+            </a:r>
+            <a:r>
+              <a:rPr lang="de-DE" dirty="0" err="1"/>
+              <a:t>into</a:t>
+            </a:r>
+            <a:r>
+              <a:rPr lang="de-DE" dirty="0"/>
+              <a:t> </a:t>
+            </a:r>
+            <a:r>
+              <a:rPr lang="de-DE" dirty="0" err="1"/>
+              <a:t>one</a:t>
+            </a:r>
+            <a:r>
+              <a:rPr lang="de-DE" dirty="0"/>
+              <a:t> </a:t>
+            </a:r>
+            <a:r>
+              <a:rPr lang="de-DE" dirty="0" err="1"/>
+              <a:t>vector</a:t>
+            </a:r>
+            <a:r>
+              <a:rPr lang="de-DE" dirty="0"/>
+              <a:t> and </a:t>
+            </a:r>
+            <a:r>
+              <a:rPr lang="de-DE" dirty="0" err="1"/>
+              <a:t>therefore</a:t>
+            </a:r>
+            <a:r>
+              <a:rPr lang="de-DE" dirty="0"/>
+              <a:t> </a:t>
+            </a:r>
+            <a:r>
+              <a:rPr lang="de-DE" dirty="0" err="1"/>
+              <a:t>creates</a:t>
+            </a:r>
+            <a:r>
+              <a:rPr lang="de-DE" dirty="0"/>
+              <a:t> </a:t>
+            </a:r>
+            <a:r>
+              <a:rPr lang="de-DE" dirty="0" err="1"/>
+              <a:t>one</a:t>
+            </a:r>
+            <a:r>
+              <a:rPr lang="de-DE" dirty="0"/>
+              <a:t> feature </a:t>
+            </a:r>
+            <a:r>
+              <a:rPr lang="de-DE" dirty="0" err="1"/>
+              <a:t>space</a:t>
+            </a:r>
+            <a:r>
+              <a:rPr lang="de-DE" dirty="0"/>
+              <a:t>.</a:t>
+            </a:r>
+          </a:p>
+          <a:p>
+            <a:endParaRPr lang="de-DE" dirty="0"/>
+          </a:p>
+          <a:p>
+            <a:r>
+              <a:rPr lang="de-DE" dirty="0" err="1"/>
+              <a:t>We</a:t>
+            </a:r>
+            <a:r>
+              <a:rPr lang="de-DE" dirty="0"/>
+              <a:t> </a:t>
+            </a:r>
+            <a:r>
+              <a:rPr lang="de-DE" dirty="0" err="1"/>
+              <a:t>combined</a:t>
+            </a:r>
+            <a:r>
+              <a:rPr lang="de-DE" dirty="0"/>
+              <a:t> </a:t>
+            </a:r>
+            <a:r>
+              <a:rPr lang="de-DE" dirty="0" err="1"/>
+              <a:t>the</a:t>
+            </a:r>
+            <a:r>
+              <a:rPr lang="de-DE" dirty="0"/>
+              <a:t> </a:t>
+            </a:r>
+            <a:r>
+              <a:rPr lang="de-DE" dirty="0" err="1"/>
+              <a:t>bert</a:t>
+            </a:r>
+            <a:r>
+              <a:rPr lang="de-DE" dirty="0"/>
+              <a:t> </a:t>
+            </a:r>
+            <a:r>
+              <a:rPr lang="de-DE" dirty="0" err="1"/>
+              <a:t>representation</a:t>
+            </a:r>
+            <a:r>
+              <a:rPr lang="de-DE" dirty="0"/>
+              <a:t> </a:t>
+            </a:r>
+            <a:r>
+              <a:rPr lang="de-DE" dirty="0" err="1"/>
+              <a:t>with</a:t>
+            </a:r>
+            <a:r>
+              <a:rPr lang="de-DE" dirty="0"/>
+              <a:t> </a:t>
+            </a:r>
+            <a:r>
+              <a:rPr lang="de-DE" dirty="0" err="1"/>
+              <a:t>the</a:t>
+            </a:r>
+            <a:r>
+              <a:rPr lang="de-DE" dirty="0"/>
+              <a:t> ivec1024</a:t>
+            </a:r>
+            <a:endParaRPr lang="de-DE" dirty="0">
+              <a:solidFill>
+                <a:srgbClr val="FF0000"/>
+              </a:solidFill>
+            </a:endParaRPr>
+          </a:p>
+          <a:p>
+            <a:endParaRPr lang="de-DE" dirty="0"/>
+          </a:p>
+          <a:p>
             <a:endParaRPr lang="en-US" dirty="0"/>
           </a:p>
           <a:p>
+            <a:r>
+              <a:rPr lang="en-US" dirty="0"/>
+              <a:t>Late fusion: As a late fusion technique we used </a:t>
+            </a:r>
+            <a:r>
+              <a:rPr lang="en-US" dirty="0">
+                <a:solidFill>
+                  <a:srgbClr val="FF0000"/>
+                </a:solidFill>
+              </a:rPr>
+              <a:t>??</a:t>
+            </a:r>
+          </a:p>
+          <a:p>
+            <a:endParaRPr lang="en-US" dirty="0"/>
+          </a:p>
+          <a:p>
             <a:endParaRPr lang="de-DE" dirty="0"/>
+          </a:p>
+        </p:txBody>
+      </p:sp>
+      <p:sp>
+        <p:nvSpPr>
+          <p:cNvPr id="4" name="TextBox 3">
+            <a:extLst>
+              <a:ext uri="{FF2B5EF4-FFF2-40B4-BE49-F238E27FC236}">
+                <a16:creationId xmlns:a16="http://schemas.microsoft.com/office/drawing/2014/main" id="{8B73DB33-85FF-9A47-0ED8-FBD56D302595}"/>
+              </a:ext>
+            </a:extLst>
+          </p:cNvPr>
+          <p:cNvSpPr txBox="1"/>
+          <p:nvPr/>
+        </p:nvSpPr>
+        <p:spPr>
+          <a:xfrm>
+            <a:off x="687897" y="5752730"/>
+            <a:ext cx="9299482" cy="276999"/>
+          </a:xfrm>
+          <a:prstGeom prst="rect">
+            <a:avLst/>
+          </a:prstGeom>
+          <a:noFill/>
+        </p:spPr>
+        <p:txBody>
+          <a:bodyPr wrap="square" rtlCol="0">
+            <a:spAutoFit/>
+          </a:bodyPr>
+          <a:lstStyle/>
+          <a:p>
+            <a:r>
+              <a:rPr lang="de-AT" sz="1200" dirty="0"/>
+              <a:t>Source: https://www.fi.muni.cz/~xkohout7/Research/clanky_cizi/ranking/Depeur10.pdf</a:t>
+            </a:r>
           </a:p>
         </p:txBody>
       </p:sp>
@@ -10396,7 +15696,7 @@
 </p:sld>
 </file>
 
-<file path=ppt/slides/slide16.xml><?xml version="1.0" encoding="utf-8"?>
+<file path=ppt/slides/slide17.xml><?xml version="1.0" encoding="utf-8"?>
 <p:sld xmlns:a="http://schemas.openxmlformats.org/drawingml/2006/main" xmlns:r="http://schemas.openxmlformats.org/officeDocument/2006/relationships" xmlns:p="http://schemas.openxmlformats.org/presentationml/2006/main">
   <p:cSld>
     <p:spTree>
@@ -10476,7 +15776,7 @@
                   <a:srgbClr val="FF0000"/>
                 </a:solidFill>
               </a:rPr>
-              <a:t>Todo: Insert Result Table</a:t>
+              <a:t>Todo: Insert Final Result Table</a:t>
             </a:r>
             <a:endParaRPr lang="de-DE" dirty="0">
               <a:solidFill>
@@ -10499,7 +15799,7 @@
 </p:sld>
 </file>
 
-<file path=ppt/slides/slide17.xml><?xml version="1.0" encoding="utf-8"?>
+<file path=ppt/slides/slide18.xml><?xml version="1.0" encoding="utf-8"?>
 <p:sld xmlns:a="http://schemas.openxmlformats.org/drawingml/2006/main" xmlns:r="http://schemas.openxmlformats.org/officeDocument/2006/relationships" xmlns:p="http://schemas.openxmlformats.org/presentationml/2006/main">
   <p:cSld>
     <p:spTree>
@@ -10683,7 +15983,7 @@
 </p:sld>
 </file>
 
-<file path=ppt/slides/slide18.xml><?xml version="1.0" encoding="utf-8"?>
+<file path=ppt/slides/slide19.xml><?xml version="1.0" encoding="utf-8"?>
 <p:sld xmlns:a="http://schemas.openxmlformats.org/drawingml/2006/main" xmlns:r="http://schemas.openxmlformats.org/officeDocument/2006/relationships" xmlns:p="http://schemas.openxmlformats.org/presentationml/2006/main">
   <p:cSld>
     <p:spTree>
@@ -11111,7 +16411,7 @@
             </a:pPr>
             <a:r>
               <a:rPr lang="en-US" dirty="0"/>
-              <a:t>Implementing a user-interface</a:t>
+              <a:t>Implementation of a user-interface</a:t>
             </a:r>
           </a:p>
           <a:p>
@@ -11205,7 +16505,7 @@
         <p:spPr>
           <a:xfrm>
             <a:off x="582000" y="1179889"/>
-            <a:ext cx="10284903" cy="4247317"/>
+            <a:ext cx="10284903" cy="5078313"/>
           </a:xfrm>
           <a:prstGeom prst="rect">
             <a:avLst/>
@@ -11220,7 +16520,7 @@
           <a:p>
             <a:r>
               <a:rPr lang="en-US" dirty="0"/>
-              <a:t>We implemented 2 functions to calculate the similarity of the songs, for our project we ended up using cosine-similarity for all retrieval systems.</a:t>
+              <a:t>We initially implemented 2 functions to calculate the similarity of the songs, for our project we ended up using cosine-similarity for all retrieval systems.</a:t>
             </a:r>
           </a:p>
           <a:p>
@@ -11228,7 +16528,7 @@
           </a:p>
           <a:p>
             <a:r>
-              <a:rPr lang="en-US" dirty="0"/>
+              <a:rPr lang="en-US" b="1" dirty="0"/>
               <a:t>Cosine-similarity:</a:t>
             </a:r>
           </a:p>
@@ -11273,26 +16573,47 @@
             </a:r>
           </a:p>
           <a:p>
+            <a:r>
+              <a:rPr lang="en-US" dirty="0"/>
+              <a:t>	</a:t>
+            </a:r>
+          </a:p>
+          <a:p>
+            <a:r>
+              <a:rPr lang="en-US" b="1" dirty="0"/>
+              <a:t>Euclidean Distance:</a:t>
+            </a:r>
+          </a:p>
+          <a:p>
             <a:pPr marL="285750" indent="-285750">
               <a:buFont typeface="Arial" panose="020B0604020202020204" pitchFamily="34" charset="0"/>
               <a:buChar char="•"/>
             </a:pPr>
             <a:r>
               <a:rPr lang="en-US" dirty="0"/>
-              <a:t>Cosine similarity matrix</a:t>
-            </a:r>
-          </a:p>
-          <a:p>
-            <a:r>
-              <a:rPr lang="en-US" dirty="0"/>
-              <a:t>	</a:t>
-            </a:r>
-          </a:p>
-          <a:p>
-            <a:r>
-              <a:rPr lang="en-US" dirty="0"/>
-              <a:t>Euclidean Distance:</a:t>
-            </a:r>
+              <a:t>straight-line distance between two points in Euclidean space</a:t>
+            </a:r>
+          </a:p>
+          <a:p>
+            <a:pPr marL="285750" indent="-285750">
+              <a:buFont typeface="Arial" panose="020B0604020202020204" pitchFamily="34" charset="0"/>
+              <a:buChar char="•"/>
+            </a:pPr>
+            <a:endParaRPr lang="en-US" dirty="0"/>
+          </a:p>
+          <a:p>
+            <a:pPr marL="285750" indent="-285750">
+              <a:buFont typeface="Arial" panose="020B0604020202020204" pitchFamily="34" charset="0"/>
+              <a:buChar char="•"/>
+            </a:pPr>
+            <a:endParaRPr lang="en-US" dirty="0"/>
+          </a:p>
+          <a:p>
+            <a:pPr marL="285750" indent="-285750">
+              <a:buFont typeface="Arial" panose="020B0604020202020204" pitchFamily="34" charset="0"/>
+              <a:buChar char="•"/>
+            </a:pPr>
+            <a:endParaRPr lang="en-US" b="1" dirty="0"/>
           </a:p>
           <a:p>
             <a:pPr marL="285750" indent="-285750">
@@ -11378,6 +16699,340 @@
       </p:grpSpPr>
       <p:sp>
         <p:nvSpPr>
+          <p:cNvPr id="2" name="Title 1">
+            <a:extLst>
+              <a:ext uri="{FF2B5EF4-FFF2-40B4-BE49-F238E27FC236}">
+                <a16:creationId xmlns:a16="http://schemas.microsoft.com/office/drawing/2014/main" id="{AA5E31CD-1BA2-3B2B-DEBD-077B5AF59D18}"/>
+              </a:ext>
+            </a:extLst>
+          </p:cNvPr>
+          <p:cNvSpPr>
+            <a:spLocks noGrp="1"/>
+          </p:cNvSpPr>
+          <p:nvPr>
+            <p:ph type="title"/>
+          </p:nvPr>
+        </p:nvSpPr>
+        <p:spPr/>
+        <p:txBody>
+          <a:bodyPr/>
+          <a:lstStyle/>
+          <a:p>
+            <a:r>
+              <a:rPr lang="de-AT" dirty="0"/>
+              <a:t>Choice </a:t>
+            </a:r>
+            <a:r>
+              <a:rPr lang="de-AT" dirty="0" err="1"/>
+              <a:t>of</a:t>
+            </a:r>
+            <a:r>
+              <a:rPr lang="de-AT" dirty="0"/>
+              <a:t> </a:t>
+            </a:r>
+            <a:r>
+              <a:rPr lang="de-AT" dirty="0" err="1"/>
+              <a:t>Similarity</a:t>
+            </a:r>
+            <a:r>
+              <a:rPr lang="de-AT" dirty="0"/>
+              <a:t> </a:t>
+            </a:r>
+            <a:r>
+              <a:rPr lang="de-AT" dirty="0" err="1"/>
+              <a:t>function</a:t>
+            </a:r>
+            <a:endParaRPr lang="de-AT" dirty="0"/>
+          </a:p>
+        </p:txBody>
+      </p:sp>
+      <p:sp>
+        <p:nvSpPr>
+          <p:cNvPr id="4" name="TextBox 3">
+            <a:extLst>
+              <a:ext uri="{FF2B5EF4-FFF2-40B4-BE49-F238E27FC236}">
+                <a16:creationId xmlns:a16="http://schemas.microsoft.com/office/drawing/2014/main" id="{E5B9DBB8-7A97-4EF5-4CEF-1942601F8717}"/>
+              </a:ext>
+            </a:extLst>
+          </p:cNvPr>
+          <p:cNvSpPr txBox="1"/>
+          <p:nvPr/>
+        </p:nvSpPr>
+        <p:spPr>
+          <a:xfrm>
+            <a:off x="674703" y="1349406"/>
+            <a:ext cx="10164932" cy="2308324"/>
+          </a:xfrm>
+          <a:prstGeom prst="rect">
+            <a:avLst/>
+          </a:prstGeom>
+          <a:noFill/>
+        </p:spPr>
+        <p:txBody>
+          <a:bodyPr wrap="square" rtlCol="0">
+            <a:spAutoFit/>
+          </a:bodyPr>
+          <a:lstStyle/>
+          <a:p>
+            <a:r>
+              <a:rPr lang="de-AT" dirty="0" err="1"/>
+              <a:t>Why</a:t>
+            </a:r>
+            <a:r>
+              <a:rPr lang="de-AT" dirty="0"/>
+              <a:t> </a:t>
+            </a:r>
+            <a:r>
+              <a:rPr lang="de-AT" dirty="0" err="1"/>
+              <a:t>we</a:t>
+            </a:r>
+            <a:r>
+              <a:rPr lang="de-AT" dirty="0"/>
+              <a:t> </a:t>
+            </a:r>
+            <a:r>
+              <a:rPr lang="de-AT" dirty="0" err="1"/>
+              <a:t>chose</a:t>
+            </a:r>
+            <a:r>
+              <a:rPr lang="de-AT" dirty="0"/>
+              <a:t> </a:t>
+            </a:r>
+            <a:r>
+              <a:rPr lang="de-AT" dirty="0" err="1"/>
+              <a:t>cosine-similarity</a:t>
+            </a:r>
+            <a:r>
+              <a:rPr lang="de-AT" dirty="0"/>
+              <a:t>:</a:t>
+            </a:r>
+          </a:p>
+          <a:p>
+            <a:endParaRPr lang="de-AT" dirty="0"/>
+          </a:p>
+          <a:p>
+            <a:pPr marL="285750" indent="-285750">
+              <a:buFont typeface="Arial" panose="020B0604020202020204" pitchFamily="34" charset="0"/>
+              <a:buChar char="•"/>
+            </a:pPr>
+            <a:r>
+              <a:rPr lang="de-AT" dirty="0" err="1"/>
+              <a:t>It</a:t>
+            </a:r>
+            <a:r>
+              <a:rPr lang="de-AT" dirty="0"/>
+              <a:t> </a:t>
+            </a:r>
+            <a:r>
+              <a:rPr lang="de-AT" dirty="0" err="1"/>
+              <a:t>is</a:t>
+            </a:r>
+            <a:r>
+              <a:rPr lang="de-AT" dirty="0"/>
+              <a:t> </a:t>
+            </a:r>
+            <a:r>
+              <a:rPr lang="de-AT" dirty="0" err="1"/>
+              <a:t>scale</a:t>
+            </a:r>
+            <a:r>
+              <a:rPr lang="de-AT" dirty="0"/>
+              <a:t>-invariant</a:t>
+            </a:r>
+          </a:p>
+          <a:p>
+            <a:pPr marL="285750" indent="-285750">
+              <a:buFont typeface="Arial" panose="020B0604020202020204" pitchFamily="34" charset="0"/>
+              <a:buChar char="•"/>
+            </a:pPr>
+            <a:r>
+              <a:rPr lang="de-AT" dirty="0" err="1"/>
+              <a:t>Dimensionality</a:t>
+            </a:r>
+            <a:r>
+              <a:rPr lang="de-AT" dirty="0"/>
+              <a:t> </a:t>
+            </a:r>
+            <a:r>
+              <a:rPr lang="de-AT" dirty="0" err="1"/>
+              <a:t>reduction</a:t>
+            </a:r>
+            <a:r>
+              <a:rPr lang="de-AT" dirty="0"/>
+              <a:t> (</a:t>
+            </a:r>
+            <a:r>
+              <a:rPr lang="de-AT" dirty="0" err="1"/>
+              <a:t>because</a:t>
+            </a:r>
+            <a:r>
+              <a:rPr lang="de-AT" dirty="0"/>
+              <a:t> </a:t>
+            </a:r>
+            <a:r>
+              <a:rPr lang="de-AT" dirty="0" err="1"/>
+              <a:t>we</a:t>
+            </a:r>
+            <a:r>
+              <a:rPr lang="de-AT" dirty="0"/>
+              <a:t> </a:t>
+            </a:r>
+            <a:r>
+              <a:rPr lang="de-AT" dirty="0" err="1"/>
+              <a:t>used</a:t>
+            </a:r>
+            <a:r>
+              <a:rPr lang="de-AT" dirty="0"/>
+              <a:t> PCA -&gt; TODO: Further </a:t>
+            </a:r>
+            <a:r>
+              <a:rPr lang="de-AT" dirty="0" err="1"/>
+              <a:t>explaination</a:t>
+            </a:r>
+            <a:r>
+              <a:rPr lang="de-AT" dirty="0"/>
+              <a:t>)</a:t>
+            </a:r>
+          </a:p>
+          <a:p>
+            <a:pPr marL="285750" indent="-285750">
+              <a:buFont typeface="Arial" panose="020B0604020202020204" pitchFamily="34" charset="0"/>
+              <a:buChar char="•"/>
+            </a:pPr>
+            <a:r>
+              <a:rPr lang="de-AT" dirty="0" err="1"/>
+              <a:t>Simplicity</a:t>
+            </a:r>
+            <a:endParaRPr lang="de-AT" dirty="0"/>
+          </a:p>
+          <a:p>
+            <a:pPr marL="285750" indent="-285750">
+              <a:buFont typeface="Arial" panose="020B0604020202020204" pitchFamily="34" charset="0"/>
+              <a:buChar char="•"/>
+            </a:pPr>
+            <a:r>
+              <a:rPr lang="de-AT" dirty="0"/>
+              <a:t>Efficiency</a:t>
+            </a:r>
+          </a:p>
+          <a:p>
+            <a:pPr marL="285750" indent="-285750">
+              <a:buFont typeface="Arial" panose="020B0604020202020204" pitchFamily="34" charset="0"/>
+              <a:buChar char="•"/>
+            </a:pPr>
+            <a:r>
+              <a:rPr lang="de-AT" dirty="0"/>
+              <a:t>Angle Measurement</a:t>
+            </a:r>
+          </a:p>
+          <a:p>
+            <a:pPr marL="285750" indent="-285750">
+              <a:buFont typeface="Arial" panose="020B0604020202020204" pitchFamily="34" charset="0"/>
+              <a:buChar char="•"/>
+            </a:pPr>
+            <a:r>
+              <a:rPr lang="de-AT" dirty="0"/>
+              <a:t>Popular </a:t>
+            </a:r>
+            <a:r>
+              <a:rPr lang="de-AT" dirty="0" err="1"/>
+              <a:t>similarity</a:t>
+            </a:r>
+            <a:r>
+              <a:rPr lang="de-AT" dirty="0"/>
+              <a:t> </a:t>
+            </a:r>
+            <a:r>
+              <a:rPr lang="de-AT" dirty="0" err="1"/>
+              <a:t>measure</a:t>
+            </a:r>
+            <a:r>
+              <a:rPr lang="de-AT" dirty="0"/>
+              <a:t> in </a:t>
+            </a:r>
+            <a:r>
+              <a:rPr lang="de-AT" dirty="0" err="1"/>
+              <a:t>text</a:t>
+            </a:r>
+            <a:r>
+              <a:rPr lang="de-AT" dirty="0"/>
+              <a:t> </a:t>
+            </a:r>
+            <a:r>
+              <a:rPr lang="de-AT" dirty="0" err="1"/>
+              <a:t>analysis</a:t>
+            </a:r>
+            <a:endParaRPr lang="de-AT" dirty="0"/>
+          </a:p>
+        </p:txBody>
+      </p:sp>
+      <p:sp>
+        <p:nvSpPr>
+          <p:cNvPr id="5" name="TextBox 4">
+            <a:extLst>
+              <a:ext uri="{FF2B5EF4-FFF2-40B4-BE49-F238E27FC236}">
+                <a16:creationId xmlns:a16="http://schemas.microsoft.com/office/drawing/2014/main" id="{C54E53EA-9E6D-453C-ED62-D6D0EF2E0F09}"/>
+              </a:ext>
+            </a:extLst>
+          </p:cNvPr>
+          <p:cNvSpPr txBox="1"/>
+          <p:nvPr/>
+        </p:nvSpPr>
+        <p:spPr>
+          <a:xfrm>
+            <a:off x="834501" y="5779363"/>
+            <a:ext cx="10608816" cy="261610"/>
+          </a:xfrm>
+          <a:prstGeom prst="rect">
+            <a:avLst/>
+          </a:prstGeom>
+          <a:noFill/>
+        </p:spPr>
+        <p:txBody>
+          <a:bodyPr wrap="square" rtlCol="0">
+            <a:spAutoFit/>
+          </a:bodyPr>
+          <a:lstStyle/>
+          <a:p>
+            <a:r>
+              <a:rPr lang="de-AT" sz="1100" dirty="0"/>
+              <a:t>Source: https://www.datastax.com/guides/what-is-cosine-similarity</a:t>
+            </a:r>
+          </a:p>
+        </p:txBody>
+      </p:sp>
+    </p:spTree>
+    <p:extLst>
+      <p:ext uri="{BB962C8B-B14F-4D97-AF65-F5344CB8AC3E}">
+        <p14:creationId xmlns:p14="http://schemas.microsoft.com/office/powerpoint/2010/main" val="2504484317"/>
+      </p:ext>
+    </p:extLst>
+  </p:cSld>
+  <p:clrMapOvr>
+    <a:masterClrMapping/>
+  </p:clrMapOvr>
+</p:sld>
+</file>
+
+<file path=ppt/slides/slide6.xml><?xml version="1.0" encoding="utf-8"?>
+<p:sld xmlns:a="http://schemas.openxmlformats.org/drawingml/2006/main" xmlns:r="http://schemas.openxmlformats.org/officeDocument/2006/relationships" xmlns:p="http://schemas.openxmlformats.org/presentationml/2006/main">
+  <p:cSld>
+    <p:spTree>
+      <p:nvGrpSpPr>
+        <p:cNvPr id="1" name=""/>
+        <p:cNvGrpSpPr/>
+        <p:nvPr/>
+      </p:nvGrpSpPr>
+      <p:grpSpPr>
+        <a:xfrm>
+          <a:off x="0" y="0"/>
+          <a:ext cx="0" cy="0"/>
+          <a:chOff x="0" y="0"/>
+          <a:chExt cx="0" cy="0"/>
+        </a:xfrm>
+      </p:grpSpPr>
+      <p:sp>
+        <p:nvSpPr>
           <p:cNvPr id="2" name="Titel 1">
             <a:extLst>
               <a:ext uri="{FF2B5EF4-FFF2-40B4-BE49-F238E27FC236}">
@@ -11420,7 +17075,7 @@
         <p:spPr>
           <a:xfrm>
             <a:off x="780176" y="1291905"/>
-            <a:ext cx="9605395" cy="646331"/>
+            <a:ext cx="9605395" cy="923330"/>
           </a:xfrm>
           <a:prstGeom prst="rect">
             <a:avLst/>
@@ -11435,7 +17090,7 @@
           <a:p>
             <a:r>
               <a:rPr lang="en-US" dirty="0"/>
-              <a:t>To improve the performance, we calculating the evaluation measures we created a cosine-similarity matrix which accelerated the execution of the code immensely</a:t>
+              <a:t>To improve the performance, when calculating the evaluation measures over all possible query tracks we created a cosine-similarity matrix which accelerated the execution of the code immensely</a:t>
             </a:r>
             <a:endParaRPr lang="de-DE" dirty="0"/>
           </a:p>
@@ -11498,7 +17153,7 @@
 </p:sld>
 </file>
 
-<file path=ppt/slides/slide6.xml><?xml version="1.0" encoding="utf-8"?>
+<file path=ppt/slides/slide7.xml><?xml version="1.0" encoding="utf-8"?>
 <p:sld xmlns:a="http://schemas.openxmlformats.org/drawingml/2006/main" xmlns:r="http://schemas.openxmlformats.org/officeDocument/2006/relationships" xmlns:p="http://schemas.openxmlformats.org/presentationml/2006/main">
   <p:cSld>
     <p:spTree>
@@ -11559,7 +17214,7 @@
         <p:spPr>
           <a:xfrm>
             <a:off x="713064" y="1191237"/>
-            <a:ext cx="9865453" cy="4678204"/>
+            <a:ext cx="9865453" cy="5940088"/>
           </a:xfrm>
           <a:prstGeom prst="rect">
             <a:avLst/>
@@ -11646,7 +17301,7 @@
             </a:r>
             <a:r>
               <a:rPr lang="en-US" sz="1400" dirty="0"/>
-              <a:t> because, two documents of different lengths can have drastically different word frequencies yet the same word distribution.</a:t>
+              <a:t> because, two documents of different lengths can have drastically different word frequencies yet the same word distribution. In this case cosine similarity captures the similarity of the documents mor effectively.</a:t>
             </a:r>
           </a:p>
           <a:p>
@@ -11667,6 +17322,25 @@
             <a:r>
               <a:rPr lang="en-US" dirty="0"/>
               <a:t>Cosine-Similarity, Bert</a:t>
+            </a:r>
+          </a:p>
+          <a:p>
+            <a:pPr marL="285750" indent="-285750">
+              <a:buFont typeface="Arial" panose="020B0604020202020204" pitchFamily="34" charset="0"/>
+              <a:buChar char="•"/>
+            </a:pPr>
+            <a:endParaRPr lang="en-US" dirty="0"/>
+          </a:p>
+          <a:p>
+            <a:r>
+              <a:rPr lang="en-US" dirty="0"/>
+              <a:t>We did not notice a significant difference in the results, as well as precision and recall when </a:t>
+            </a:r>
+          </a:p>
+          <a:p>
+            <a:r>
+              <a:rPr lang="en-US" dirty="0"/>
+              <a:t>Running these functions with the Euclidean-distance similarity measure. </a:t>
             </a:r>
           </a:p>
           <a:p>
@@ -11699,7 +17373,7 @@
 </p:sld>
 </file>
 
-<file path=ppt/slides/slide7.xml><?xml version="1.0" encoding="utf-8"?>
+<file path=ppt/slides/slide8.xml><?xml version="1.0" encoding="utf-8"?>
 <p:sld xmlns:a="http://schemas.openxmlformats.org/drawingml/2006/main" xmlns:r="http://schemas.openxmlformats.org/officeDocument/2006/relationships" xmlns:p="http://schemas.openxmlformats.org/presentationml/2006/main">
   <p:cSld>
     <p:spTree>
@@ -13004,7 +18678,7 @@
 </p:sld>
 </file>
 
-<file path=ppt/slides/slide8.xml><?xml version="1.0" encoding="utf-8"?>
+<file path=ppt/slides/slide9.xml><?xml version="1.0" encoding="utf-8"?>
 <p:sld xmlns:a="http://schemas.openxmlformats.org/drawingml/2006/main" xmlns:r="http://schemas.openxmlformats.org/officeDocument/2006/relationships" xmlns:p="http://schemas.openxmlformats.org/presentationml/2006/main">
   <p:cSld>
     <p:spTree>
@@ -14272,1280 +19946,6 @@
     <p:extLst>
       <p:ext uri="{BB962C8B-B14F-4D97-AF65-F5344CB8AC3E}">
         <p14:creationId xmlns:p14="http://schemas.microsoft.com/office/powerpoint/2010/main" val="4013560585"/>
-      </p:ext>
-    </p:extLst>
-  </p:cSld>
-  <p:clrMapOvr>
-    <a:masterClrMapping/>
-  </p:clrMapOvr>
-</p:sld>
-</file>
-
-<file path=ppt/slides/slide9.xml><?xml version="1.0" encoding="utf-8"?>
-<p:sld xmlns:a="http://schemas.openxmlformats.org/drawingml/2006/main" xmlns:r="http://schemas.openxmlformats.org/officeDocument/2006/relationships" xmlns:p="http://schemas.openxmlformats.org/presentationml/2006/main">
-  <p:cSld>
-    <p:spTree>
-      <p:nvGrpSpPr>
-        <p:cNvPr id="1" name=""/>
-        <p:cNvGrpSpPr/>
-        <p:nvPr/>
-      </p:nvGrpSpPr>
-      <p:grpSpPr>
-        <a:xfrm>
-          <a:off x="0" y="0"/>
-          <a:ext cx="0" cy="0"/>
-          <a:chOff x="0" y="0"/>
-          <a:chExt cx="0" cy="0"/>
-        </a:xfrm>
-      </p:grpSpPr>
-      <p:sp>
-        <p:nvSpPr>
-          <p:cNvPr id="10" name="Title 1">
-            <a:extLst>
-              <a:ext uri="{FF2B5EF4-FFF2-40B4-BE49-F238E27FC236}">
-                <a16:creationId xmlns:a16="http://schemas.microsoft.com/office/drawing/2014/main" id="{8106E1A5-FE82-9B52-AEE0-5DC110A3DCB1}"/>
-              </a:ext>
-            </a:extLst>
-          </p:cNvPr>
-          <p:cNvSpPr>
-            <a:spLocks noGrp="1"/>
-          </p:cNvSpPr>
-          <p:nvPr>
-            <p:ph type="title"/>
-          </p:nvPr>
-        </p:nvSpPr>
-        <p:spPr>
-          <a:xfrm>
-            <a:off x="486000" y="575999"/>
-            <a:ext cx="11124000" cy="990000"/>
-          </a:xfrm>
-        </p:spPr>
-        <p:txBody>
-          <a:bodyPr/>
-          <a:lstStyle/>
-          <a:p>
-            <a:r>
-              <a:rPr lang="en-US" dirty="0"/>
-              <a:t>Results of text-based retrieval – Song 3</a:t>
-            </a:r>
-          </a:p>
-        </p:txBody>
-      </p:sp>
-      <p:sp>
-        <p:nvSpPr>
-          <p:cNvPr id="12" name="Text Placeholder 3">
-            <a:extLst>
-              <a:ext uri="{FF2B5EF4-FFF2-40B4-BE49-F238E27FC236}">
-                <a16:creationId xmlns:a16="http://schemas.microsoft.com/office/drawing/2014/main" id="{593CBCC8-A638-560F-91D2-F67575F0C6D4}"/>
-              </a:ext>
-            </a:extLst>
-          </p:cNvPr>
-          <p:cNvSpPr>
-            <a:spLocks noGrp="1"/>
-          </p:cNvSpPr>
-          <p:nvPr>
-            <p:ph type="body" sz="quarter" idx="25"/>
-          </p:nvPr>
-        </p:nvSpPr>
-        <p:spPr>
-          <a:xfrm>
-            <a:off x="471600" y="5858820"/>
-            <a:ext cx="11138400" cy="278127"/>
-          </a:xfrm>
-        </p:spPr>
-        <p:txBody>
-          <a:bodyPr/>
-          <a:lstStyle/>
-          <a:p>
-            <a:endParaRPr lang="en-US"/>
-          </a:p>
-        </p:txBody>
-      </p:sp>
-      <p:graphicFrame>
-        <p:nvGraphicFramePr>
-          <p:cNvPr id="5" name="Tabelle 4">
-            <a:extLst>
-              <a:ext uri="{FF2B5EF4-FFF2-40B4-BE49-F238E27FC236}">
-                <a16:creationId xmlns:a16="http://schemas.microsoft.com/office/drawing/2014/main" id="{5E46CDDE-D8CE-FA83-D309-E3DF1D9B6EDB}"/>
-              </a:ext>
-            </a:extLst>
-          </p:cNvPr>
-          <p:cNvGraphicFramePr>
-            <a:graphicFrameLocks noGrp="1"/>
-          </p:cNvGraphicFramePr>
-          <p:nvPr>
-            <p:extLst>
-              <p:ext uri="{D42A27DB-BD31-4B8C-83A1-F6EECF244321}">
-                <p14:modId xmlns:p14="http://schemas.microsoft.com/office/powerpoint/2010/main" val="2360810054"/>
-              </p:ext>
-            </p:extLst>
-          </p:nvPr>
-        </p:nvGraphicFramePr>
-        <p:xfrm>
-          <a:off x="471600" y="2049977"/>
-          <a:ext cx="11138402" cy="3659968"/>
-        </p:xfrm>
-        <a:graphic>
-          <a:graphicData uri="http://schemas.openxmlformats.org/drawingml/2006/table">
-            <a:tbl>
-              <a:tblPr firstRow="1" firstCol="1" bandRow="1">
-                <a:tableStyleId>{5C22544A-7EE6-4342-B048-85BDC9FD1C3A}</a:tableStyleId>
-              </a:tblPr>
-              <a:tblGrid>
-                <a:gridCol w="2432922">
-                  <a:extLst>
-                    <a:ext uri="{9D8B030D-6E8A-4147-A177-3AD203B41FA5}">
-                      <a16:colId xmlns:a16="http://schemas.microsoft.com/office/drawing/2014/main" val="3854493111"/>
-                    </a:ext>
-                  </a:extLst>
-                </a:gridCol>
-                <a:gridCol w="1871440">
-                  <a:extLst>
-                    <a:ext uri="{9D8B030D-6E8A-4147-A177-3AD203B41FA5}">
-                      <a16:colId xmlns:a16="http://schemas.microsoft.com/office/drawing/2014/main" val="3970689195"/>
-                    </a:ext>
-                  </a:extLst>
-                </a:gridCol>
-                <a:gridCol w="1550594">
-                  <a:extLst>
-                    <a:ext uri="{9D8B030D-6E8A-4147-A177-3AD203B41FA5}">
-                      <a16:colId xmlns:a16="http://schemas.microsoft.com/office/drawing/2014/main" val="13611282"/>
-                    </a:ext>
-                  </a:extLst>
-                </a:gridCol>
-                <a:gridCol w="1553099">
-                  <a:extLst>
-                    <a:ext uri="{9D8B030D-6E8A-4147-A177-3AD203B41FA5}">
-                      <a16:colId xmlns:a16="http://schemas.microsoft.com/office/drawing/2014/main" val="3295275278"/>
-                    </a:ext>
-                  </a:extLst>
-                </a:gridCol>
-                <a:gridCol w="1924079">
-                  <a:extLst>
-                    <a:ext uri="{9D8B030D-6E8A-4147-A177-3AD203B41FA5}">
-                      <a16:colId xmlns:a16="http://schemas.microsoft.com/office/drawing/2014/main" val="2375687544"/>
-                    </a:ext>
-                  </a:extLst>
-                </a:gridCol>
-                <a:gridCol w="1806268">
-                  <a:extLst>
-                    <a:ext uri="{9D8B030D-6E8A-4147-A177-3AD203B41FA5}">
-                      <a16:colId xmlns:a16="http://schemas.microsoft.com/office/drawing/2014/main" val="3758614546"/>
-                    </a:ext>
-                  </a:extLst>
-                </a:gridCol>
-              </a:tblGrid>
-              <a:tr h="986104">
-                <a:tc>
-                  <a:txBody>
-                    <a:bodyPr/>
-                    <a:lstStyle/>
-                    <a:p>
-                      <a:pPr algn="just">
-                        <a:lnSpc>
-                          <a:spcPct val="110000"/>
-                        </a:lnSpc>
-                      </a:pPr>
-                      <a:r>
-                        <a:rPr lang="en-US" sz="1900">
-                          <a:effectLst/>
-                        </a:rPr>
-                        <a:t>Song: Every Christmas, Kelly Clarkson</a:t>
-                      </a:r>
-                      <a:endParaRPr lang="de-DE" sz="1400">
-                        <a:effectLst/>
-                        <a:latin typeface="Linux Libertine"/>
-                        <a:ea typeface="Calibri" panose="020F0502020204030204" pitchFamily="34" charset="0"/>
-                        <a:cs typeface="Times New Roman" panose="02020603050405020304" pitchFamily="18" charset="0"/>
-                      </a:endParaRPr>
-                    </a:p>
-                  </a:txBody>
-                  <a:tcPr marL="108286" marR="108286" marT="0" marB="0"/>
-                </a:tc>
-                <a:tc>
-                  <a:txBody>
-                    <a:bodyPr/>
-                    <a:lstStyle/>
-                    <a:p>
-                      <a:pPr algn="just">
-                        <a:lnSpc>
-                          <a:spcPct val="110000"/>
-                        </a:lnSpc>
-                      </a:pPr>
-                      <a:r>
-                        <a:rPr lang="en-US" sz="1900">
-                          <a:effectLst/>
-                        </a:rPr>
-                        <a:t>Precision@10</a:t>
-                      </a:r>
-                      <a:endParaRPr lang="de-DE" sz="1400">
-                        <a:effectLst/>
-                        <a:latin typeface="Linux Libertine"/>
-                        <a:ea typeface="Calibri" panose="020F0502020204030204" pitchFamily="34" charset="0"/>
-                        <a:cs typeface="Times New Roman" panose="02020603050405020304" pitchFamily="18" charset="0"/>
-                      </a:endParaRPr>
-                    </a:p>
-                  </a:txBody>
-                  <a:tcPr marL="108286" marR="108286" marT="0" marB="0"/>
-                </a:tc>
-                <a:tc>
-                  <a:txBody>
-                    <a:bodyPr/>
-                    <a:lstStyle/>
-                    <a:p>
-                      <a:pPr algn="just">
-                        <a:lnSpc>
-                          <a:spcPct val="110000"/>
-                        </a:lnSpc>
-                      </a:pPr>
-                      <a:r>
-                        <a:rPr lang="en-US" sz="1900">
-                          <a:effectLst/>
-                        </a:rPr>
-                        <a:t>Recall@10</a:t>
-                      </a:r>
-                      <a:endParaRPr lang="de-DE" sz="1400">
-                        <a:effectLst/>
-                        <a:latin typeface="Linux Libertine"/>
-                        <a:ea typeface="Calibri" panose="020F0502020204030204" pitchFamily="34" charset="0"/>
-                        <a:cs typeface="Times New Roman" panose="02020603050405020304" pitchFamily="18" charset="0"/>
-                      </a:endParaRPr>
-                    </a:p>
-                  </a:txBody>
-                  <a:tcPr marL="108286" marR="108286" marT="0" marB="0"/>
-                </a:tc>
-                <a:tc>
-                  <a:txBody>
-                    <a:bodyPr/>
-                    <a:lstStyle/>
-                    <a:p>
-                      <a:pPr algn="just">
-                        <a:lnSpc>
-                          <a:spcPct val="110000"/>
-                        </a:lnSpc>
-                      </a:pPr>
-                      <a:r>
-                        <a:rPr lang="en-US" sz="1900">
-                          <a:effectLst/>
-                        </a:rPr>
-                        <a:t>nDCG@10</a:t>
-                      </a:r>
-                      <a:endParaRPr lang="de-DE" sz="1400">
-                        <a:effectLst/>
-                        <a:latin typeface="Linux Libertine"/>
-                        <a:ea typeface="Calibri" panose="020F0502020204030204" pitchFamily="34" charset="0"/>
-                        <a:cs typeface="Times New Roman" panose="02020603050405020304" pitchFamily="18" charset="0"/>
-                      </a:endParaRPr>
-                    </a:p>
-                  </a:txBody>
-                  <a:tcPr marL="108286" marR="108286" marT="0" marB="0"/>
-                </a:tc>
-                <a:tc>
-                  <a:txBody>
-                    <a:bodyPr/>
-                    <a:lstStyle/>
-                    <a:p>
-                      <a:pPr algn="just">
-                        <a:lnSpc>
-                          <a:spcPct val="110000"/>
-                        </a:lnSpc>
-                      </a:pPr>
-                      <a:r>
-                        <a:rPr lang="en-US" sz="1900">
-                          <a:effectLst/>
-                        </a:rPr>
-                        <a:t>Coverage@10</a:t>
-                      </a:r>
-                      <a:endParaRPr lang="de-DE" sz="1400">
-                        <a:effectLst/>
-                        <a:latin typeface="Linux Libertine"/>
-                        <a:ea typeface="Calibri" panose="020F0502020204030204" pitchFamily="34" charset="0"/>
-                        <a:cs typeface="Times New Roman" panose="02020603050405020304" pitchFamily="18" charset="0"/>
-                      </a:endParaRPr>
-                    </a:p>
-                  </a:txBody>
-                  <a:tcPr marL="108286" marR="108286" marT="0" marB="0"/>
-                </a:tc>
-                <a:tc>
-                  <a:txBody>
-                    <a:bodyPr/>
-                    <a:lstStyle/>
-                    <a:p>
-                      <a:pPr algn="just">
-                        <a:lnSpc>
-                          <a:spcPct val="110000"/>
-                        </a:lnSpc>
-                      </a:pPr>
-                      <a:r>
-                        <a:rPr lang="en-US" sz="1900">
-                          <a:effectLst/>
-                        </a:rPr>
-                        <a:t>Diversity@10</a:t>
-                      </a:r>
-                      <a:endParaRPr lang="de-DE" sz="1400">
-                        <a:effectLst/>
-                        <a:latin typeface="Linux Libertine"/>
-                        <a:ea typeface="Calibri" panose="020F0502020204030204" pitchFamily="34" charset="0"/>
-                        <a:cs typeface="Times New Roman" panose="02020603050405020304" pitchFamily="18" charset="0"/>
-                      </a:endParaRPr>
-                    </a:p>
-                  </a:txBody>
-                  <a:tcPr marL="108286" marR="108286" marT="0" marB="0"/>
-                </a:tc>
-                <a:extLst>
-                  <a:ext uri="{0D108BD9-81ED-4DB2-BD59-A6C34878D82A}">
-                    <a16:rowId xmlns:a16="http://schemas.microsoft.com/office/drawing/2014/main" val="4525488"/>
-                  </a:ext>
-                </a:extLst>
-              </a:tr>
-              <a:tr h="668466">
-                <a:tc>
-                  <a:txBody>
-                    <a:bodyPr/>
-                    <a:lstStyle/>
-                    <a:p>
-                      <a:pPr algn="l">
-                        <a:lnSpc>
-                          <a:spcPct val="110000"/>
-                        </a:lnSpc>
-                      </a:pPr>
-                      <a:r>
-                        <a:rPr lang="en-US" sz="1900">
-                          <a:effectLst/>
-                        </a:rPr>
-                        <a:t>Text-based(cosine, tf-idf)</a:t>
-                      </a:r>
-                      <a:endParaRPr lang="de-DE" sz="1400">
-                        <a:effectLst/>
-                        <a:latin typeface="Linux Libertine"/>
-                        <a:ea typeface="Calibri" panose="020F0502020204030204" pitchFamily="34" charset="0"/>
-                        <a:cs typeface="Times New Roman" panose="02020603050405020304" pitchFamily="18" charset="0"/>
-                      </a:endParaRPr>
-                    </a:p>
-                  </a:txBody>
-                  <a:tcPr marL="108286" marR="108286" marT="0" marB="0"/>
-                </a:tc>
-                <a:tc>
-                  <a:txBody>
-                    <a:bodyPr/>
-                    <a:lstStyle/>
-                    <a:p>
-                      <a:pPr algn="just">
-                        <a:lnSpc>
-                          <a:spcPct val="110000"/>
-                        </a:lnSpc>
-                      </a:pPr>
-                      <a:r>
-                        <a:rPr lang="en-US" sz="1900">
-                          <a:effectLst/>
-                        </a:rPr>
-                        <a:t>0.6</a:t>
-                      </a:r>
-                      <a:endParaRPr lang="de-DE" sz="1400">
-                        <a:effectLst/>
-                        <a:latin typeface="Linux Libertine"/>
-                        <a:ea typeface="Calibri" panose="020F0502020204030204" pitchFamily="34" charset="0"/>
-                        <a:cs typeface="Times New Roman" panose="02020603050405020304" pitchFamily="18" charset="0"/>
-                      </a:endParaRPr>
-                    </a:p>
-                  </a:txBody>
-                  <a:tcPr marL="108286" marR="108286" marT="0" marB="0"/>
-                </a:tc>
-                <a:tc>
-                  <a:txBody>
-                    <a:bodyPr/>
-                    <a:lstStyle/>
-                    <a:p>
-                      <a:pPr algn="just">
-                        <a:lnSpc>
-                          <a:spcPct val="110000"/>
-                        </a:lnSpc>
-                      </a:pPr>
-                      <a:r>
-                        <a:rPr lang="en-US" sz="1900">
-                          <a:effectLst/>
-                        </a:rPr>
-                        <a:t>0.00143</a:t>
-                      </a:r>
-                      <a:endParaRPr lang="de-DE" sz="1400">
-                        <a:effectLst/>
-                      </a:endParaRPr>
-                    </a:p>
-                    <a:p>
-                      <a:pPr algn="just">
-                        <a:lnSpc>
-                          <a:spcPct val="110000"/>
-                        </a:lnSpc>
-                      </a:pPr>
-                      <a:r>
-                        <a:rPr lang="en-US" sz="1900">
-                          <a:effectLst/>
-                        </a:rPr>
-                        <a:t> </a:t>
-                      </a:r>
-                      <a:endParaRPr lang="de-DE" sz="1400">
-                        <a:effectLst/>
-                        <a:latin typeface="Linux Libertine"/>
-                        <a:ea typeface="Calibri" panose="020F0502020204030204" pitchFamily="34" charset="0"/>
-                        <a:cs typeface="Times New Roman" panose="02020603050405020304" pitchFamily="18" charset="0"/>
-                      </a:endParaRPr>
-                    </a:p>
-                  </a:txBody>
-                  <a:tcPr marL="108286" marR="108286" marT="0" marB="0"/>
-                </a:tc>
-                <a:tc>
-                  <a:txBody>
-                    <a:bodyPr/>
-                    <a:lstStyle/>
-                    <a:p>
-                      <a:pPr algn="just">
-                        <a:lnSpc>
-                          <a:spcPct val="110000"/>
-                        </a:lnSpc>
-                      </a:pPr>
-                      <a:r>
-                        <a:rPr lang="en-US" sz="1900">
-                          <a:effectLst/>
-                        </a:rPr>
-                        <a:t>0.95267</a:t>
-                      </a:r>
-                      <a:endParaRPr lang="de-DE" sz="1400">
-                        <a:effectLst/>
-                      </a:endParaRPr>
-                    </a:p>
-                    <a:p>
-                      <a:pPr algn="just">
-                        <a:lnSpc>
-                          <a:spcPct val="110000"/>
-                        </a:lnSpc>
-                      </a:pPr>
-                      <a:r>
-                        <a:rPr lang="en-US" sz="1900">
-                          <a:effectLst/>
-                        </a:rPr>
-                        <a:t> </a:t>
-                      </a:r>
-                      <a:endParaRPr lang="de-DE" sz="1400">
-                        <a:effectLst/>
-                        <a:latin typeface="Linux Libertine"/>
-                        <a:ea typeface="Calibri" panose="020F0502020204030204" pitchFamily="34" charset="0"/>
-                        <a:cs typeface="Times New Roman" panose="02020603050405020304" pitchFamily="18" charset="0"/>
-                      </a:endParaRPr>
-                    </a:p>
-                  </a:txBody>
-                  <a:tcPr marL="108286" marR="108286" marT="0" marB="0"/>
-                </a:tc>
-                <a:tc>
-                  <a:txBody>
-                    <a:bodyPr/>
-                    <a:lstStyle/>
-                    <a:p>
-                      <a:pPr algn="just">
-                        <a:lnSpc>
-                          <a:spcPct val="110000"/>
-                        </a:lnSpc>
-                      </a:pPr>
-                      <a:r>
-                        <a:rPr lang="en-US" sz="1900">
-                          <a:effectLst/>
-                        </a:rPr>
-                        <a:t>0.03507</a:t>
-                      </a:r>
-                      <a:endParaRPr lang="de-DE" sz="1400">
-                        <a:effectLst/>
-                      </a:endParaRPr>
-                    </a:p>
-                    <a:p>
-                      <a:pPr algn="just">
-                        <a:lnSpc>
-                          <a:spcPct val="110000"/>
-                        </a:lnSpc>
-                      </a:pPr>
-                      <a:r>
-                        <a:rPr lang="en-US" sz="1900">
-                          <a:effectLst/>
-                        </a:rPr>
-                        <a:t> </a:t>
-                      </a:r>
-                      <a:endParaRPr lang="de-DE" sz="1400">
-                        <a:effectLst/>
-                        <a:latin typeface="Linux Libertine"/>
-                        <a:ea typeface="Calibri" panose="020F0502020204030204" pitchFamily="34" charset="0"/>
-                        <a:cs typeface="Times New Roman" panose="02020603050405020304" pitchFamily="18" charset="0"/>
-                      </a:endParaRPr>
-                    </a:p>
-                  </a:txBody>
-                  <a:tcPr marL="108286" marR="108286" marT="0" marB="0"/>
-                </a:tc>
-                <a:tc>
-                  <a:txBody>
-                    <a:bodyPr/>
-                    <a:lstStyle/>
-                    <a:p>
-                      <a:pPr algn="just">
-                        <a:lnSpc>
-                          <a:spcPct val="110000"/>
-                        </a:lnSpc>
-                      </a:pPr>
-                      <a:r>
-                        <a:rPr lang="en-US" sz="1900">
-                          <a:effectLst/>
-                        </a:rPr>
-                        <a:t>4.30369</a:t>
-                      </a:r>
-                      <a:endParaRPr lang="de-DE" sz="1400">
-                        <a:effectLst/>
-                      </a:endParaRPr>
-                    </a:p>
-                    <a:p>
-                      <a:pPr algn="just">
-                        <a:lnSpc>
-                          <a:spcPct val="110000"/>
-                        </a:lnSpc>
-                      </a:pPr>
-                      <a:r>
-                        <a:rPr lang="en-US" sz="1900">
-                          <a:effectLst/>
-                        </a:rPr>
-                        <a:t> </a:t>
-                      </a:r>
-                      <a:endParaRPr lang="de-DE" sz="1400">
-                        <a:effectLst/>
-                        <a:latin typeface="Linux Libertine"/>
-                        <a:ea typeface="Calibri" panose="020F0502020204030204" pitchFamily="34" charset="0"/>
-                        <a:cs typeface="Times New Roman" panose="02020603050405020304" pitchFamily="18" charset="0"/>
-                      </a:endParaRPr>
-                    </a:p>
-                  </a:txBody>
-                  <a:tcPr marL="108286" marR="108286" marT="0" marB="0"/>
-                </a:tc>
-                <a:extLst>
-                  <a:ext uri="{0D108BD9-81ED-4DB2-BD59-A6C34878D82A}">
-                    <a16:rowId xmlns:a16="http://schemas.microsoft.com/office/drawing/2014/main" val="3671238548"/>
-                  </a:ext>
-                </a:extLst>
-              </a:tr>
-              <a:tr h="668466">
-                <a:tc>
-                  <a:txBody>
-                    <a:bodyPr/>
-                    <a:lstStyle/>
-                    <a:p>
-                      <a:pPr algn="l">
-                        <a:lnSpc>
-                          <a:spcPct val="110000"/>
-                        </a:lnSpc>
-                      </a:pPr>
-                      <a:r>
-                        <a:rPr lang="en-US" sz="1900">
-                          <a:effectLst/>
-                        </a:rPr>
-                        <a:t>Text-based(cosine,</a:t>
-                      </a:r>
-                      <a:endParaRPr lang="de-DE" sz="1400">
-                        <a:effectLst/>
-                      </a:endParaRPr>
-                    </a:p>
-                    <a:p>
-                      <a:pPr algn="l">
-                        <a:lnSpc>
-                          <a:spcPct val="110000"/>
-                        </a:lnSpc>
-                      </a:pPr>
-                      <a:r>
-                        <a:rPr lang="en-US" sz="1900">
-                          <a:effectLst/>
-                        </a:rPr>
-                        <a:t>word2vec)</a:t>
-                      </a:r>
-                      <a:endParaRPr lang="de-DE" sz="1400">
-                        <a:effectLst/>
-                        <a:latin typeface="Linux Libertine"/>
-                        <a:ea typeface="Calibri" panose="020F0502020204030204" pitchFamily="34" charset="0"/>
-                        <a:cs typeface="Times New Roman" panose="02020603050405020304" pitchFamily="18" charset="0"/>
-                      </a:endParaRPr>
-                    </a:p>
-                  </a:txBody>
-                  <a:tcPr marL="108286" marR="108286" marT="0" marB="0"/>
-                </a:tc>
-                <a:tc>
-                  <a:txBody>
-                    <a:bodyPr/>
-                    <a:lstStyle/>
-                    <a:p>
-                      <a:pPr algn="just">
-                        <a:lnSpc>
-                          <a:spcPct val="110000"/>
-                        </a:lnSpc>
-                      </a:pPr>
-                      <a:r>
-                        <a:rPr lang="en-US" sz="1900">
-                          <a:effectLst/>
-                        </a:rPr>
-                        <a:t>0.7</a:t>
-                      </a:r>
-                      <a:endParaRPr lang="de-DE" sz="1400">
-                        <a:effectLst/>
-                        <a:latin typeface="Linux Libertine"/>
-                        <a:ea typeface="Calibri" panose="020F0502020204030204" pitchFamily="34" charset="0"/>
-                        <a:cs typeface="Times New Roman" panose="02020603050405020304" pitchFamily="18" charset="0"/>
-                      </a:endParaRPr>
-                    </a:p>
-                  </a:txBody>
-                  <a:tcPr marL="108286" marR="108286" marT="0" marB="0"/>
-                </a:tc>
-                <a:tc>
-                  <a:txBody>
-                    <a:bodyPr/>
-                    <a:lstStyle/>
-                    <a:p>
-                      <a:pPr algn="just">
-                        <a:lnSpc>
-                          <a:spcPct val="110000"/>
-                        </a:lnSpc>
-                      </a:pPr>
-                      <a:r>
-                        <a:rPr lang="en-US" sz="1900">
-                          <a:effectLst/>
-                        </a:rPr>
-                        <a:t>0.00167</a:t>
-                      </a:r>
-                      <a:endParaRPr lang="de-DE" sz="1400">
-                        <a:effectLst/>
-                      </a:endParaRPr>
-                    </a:p>
-                    <a:p>
-                      <a:pPr algn="just">
-                        <a:lnSpc>
-                          <a:spcPct val="110000"/>
-                        </a:lnSpc>
-                      </a:pPr>
-                      <a:r>
-                        <a:rPr lang="en-US" sz="1900">
-                          <a:effectLst/>
-                        </a:rPr>
-                        <a:t> </a:t>
-                      </a:r>
-                      <a:endParaRPr lang="de-DE" sz="1400">
-                        <a:effectLst/>
-                        <a:latin typeface="Linux Libertine"/>
-                        <a:ea typeface="Calibri" panose="020F0502020204030204" pitchFamily="34" charset="0"/>
-                        <a:cs typeface="Times New Roman" panose="02020603050405020304" pitchFamily="18" charset="0"/>
-                      </a:endParaRPr>
-                    </a:p>
-                  </a:txBody>
-                  <a:tcPr marL="108286" marR="108286" marT="0" marB="0"/>
-                </a:tc>
-                <a:tc>
-                  <a:txBody>
-                    <a:bodyPr/>
-                    <a:lstStyle/>
-                    <a:p>
-                      <a:pPr algn="just">
-                        <a:lnSpc>
-                          <a:spcPct val="110000"/>
-                        </a:lnSpc>
-                      </a:pPr>
-                      <a:r>
-                        <a:rPr lang="en-US" sz="1900">
-                          <a:effectLst/>
-                        </a:rPr>
-                        <a:t>0.73712</a:t>
-                      </a:r>
-                      <a:endParaRPr lang="de-DE" sz="1400">
-                        <a:effectLst/>
-                      </a:endParaRPr>
-                    </a:p>
-                    <a:p>
-                      <a:pPr algn="just">
-                        <a:lnSpc>
-                          <a:spcPct val="110000"/>
-                        </a:lnSpc>
-                      </a:pPr>
-                      <a:r>
-                        <a:rPr lang="en-US" sz="1900">
-                          <a:effectLst/>
-                        </a:rPr>
-                        <a:t> </a:t>
-                      </a:r>
-                      <a:endParaRPr lang="de-DE" sz="1400">
-                        <a:effectLst/>
-                        <a:latin typeface="Linux Libertine"/>
-                        <a:ea typeface="Calibri" panose="020F0502020204030204" pitchFamily="34" charset="0"/>
-                        <a:cs typeface="Times New Roman" panose="02020603050405020304" pitchFamily="18" charset="0"/>
-                      </a:endParaRPr>
-                    </a:p>
-                  </a:txBody>
-                  <a:tcPr marL="108286" marR="108286" marT="0" marB="0"/>
-                </a:tc>
-                <a:tc>
-                  <a:txBody>
-                    <a:bodyPr/>
-                    <a:lstStyle/>
-                    <a:p>
-                      <a:pPr algn="just">
-                        <a:lnSpc>
-                          <a:spcPct val="110000"/>
-                        </a:lnSpc>
-                      </a:pPr>
-                      <a:r>
-                        <a:rPr lang="en-US" sz="1900">
-                          <a:effectLst/>
-                        </a:rPr>
-                        <a:t>0.04676</a:t>
-                      </a:r>
-                      <a:endParaRPr lang="de-DE" sz="1400">
-                        <a:effectLst/>
-                      </a:endParaRPr>
-                    </a:p>
-                    <a:p>
-                      <a:pPr algn="just">
-                        <a:lnSpc>
-                          <a:spcPct val="110000"/>
-                        </a:lnSpc>
-                      </a:pPr>
-                      <a:r>
-                        <a:rPr lang="en-US" sz="1900">
-                          <a:effectLst/>
-                        </a:rPr>
-                        <a:t> </a:t>
-                      </a:r>
-                      <a:endParaRPr lang="de-DE" sz="1400">
-                        <a:effectLst/>
-                        <a:latin typeface="Linux Libertine"/>
-                        <a:ea typeface="Calibri" panose="020F0502020204030204" pitchFamily="34" charset="0"/>
-                        <a:cs typeface="Times New Roman" panose="02020603050405020304" pitchFamily="18" charset="0"/>
-                      </a:endParaRPr>
-                    </a:p>
-                  </a:txBody>
-                  <a:tcPr marL="108286" marR="108286" marT="0" marB="0"/>
-                </a:tc>
-                <a:tc>
-                  <a:txBody>
-                    <a:bodyPr/>
-                    <a:lstStyle/>
-                    <a:p>
-                      <a:pPr algn="just">
-                        <a:lnSpc>
-                          <a:spcPct val="110000"/>
-                        </a:lnSpc>
-                      </a:pPr>
-                      <a:r>
-                        <a:rPr lang="en-US" sz="1900">
-                          <a:effectLst/>
-                        </a:rPr>
-                        <a:t>5.33174</a:t>
-                      </a:r>
-                      <a:endParaRPr lang="de-DE" sz="1400">
-                        <a:effectLst/>
-                      </a:endParaRPr>
-                    </a:p>
-                    <a:p>
-                      <a:pPr algn="just">
-                        <a:lnSpc>
-                          <a:spcPct val="110000"/>
-                        </a:lnSpc>
-                      </a:pPr>
-                      <a:r>
-                        <a:rPr lang="en-US" sz="1900">
-                          <a:effectLst/>
-                        </a:rPr>
-                        <a:t> </a:t>
-                      </a:r>
-                      <a:endParaRPr lang="de-DE" sz="1400">
-                        <a:effectLst/>
-                        <a:latin typeface="Linux Libertine"/>
-                        <a:ea typeface="Calibri" panose="020F0502020204030204" pitchFamily="34" charset="0"/>
-                        <a:cs typeface="Times New Roman" panose="02020603050405020304" pitchFamily="18" charset="0"/>
-                      </a:endParaRPr>
-                    </a:p>
-                  </a:txBody>
-                  <a:tcPr marL="108286" marR="108286" marT="0" marB="0"/>
-                </a:tc>
-                <a:extLst>
-                  <a:ext uri="{0D108BD9-81ED-4DB2-BD59-A6C34878D82A}">
-                    <a16:rowId xmlns:a16="http://schemas.microsoft.com/office/drawing/2014/main" val="3425671918"/>
-                  </a:ext>
-                </a:extLst>
-              </a:tr>
-              <a:tr h="668466">
-                <a:tc>
-                  <a:txBody>
-                    <a:bodyPr/>
-                    <a:lstStyle/>
-                    <a:p>
-                      <a:pPr algn="l">
-                        <a:lnSpc>
-                          <a:spcPct val="110000"/>
-                        </a:lnSpc>
-                      </a:pPr>
-                      <a:r>
-                        <a:rPr lang="en-US" sz="1900">
-                          <a:effectLst/>
-                        </a:rPr>
-                        <a:t>Text-based(cosine,</a:t>
-                      </a:r>
-                      <a:endParaRPr lang="de-DE" sz="1400">
-                        <a:effectLst/>
-                      </a:endParaRPr>
-                    </a:p>
-                    <a:p>
-                      <a:pPr algn="l">
-                        <a:lnSpc>
-                          <a:spcPct val="110000"/>
-                        </a:lnSpc>
-                      </a:pPr>
-                      <a:r>
-                        <a:rPr lang="en-US" sz="1900">
-                          <a:effectLst/>
-                        </a:rPr>
-                        <a:t>Bert)</a:t>
-                      </a:r>
-                      <a:endParaRPr lang="de-DE" sz="1400">
-                        <a:effectLst/>
-                        <a:latin typeface="Linux Libertine"/>
-                        <a:ea typeface="Calibri" panose="020F0502020204030204" pitchFamily="34" charset="0"/>
-                        <a:cs typeface="Times New Roman" panose="02020603050405020304" pitchFamily="18" charset="0"/>
-                      </a:endParaRPr>
-                    </a:p>
-                  </a:txBody>
-                  <a:tcPr marL="108286" marR="108286" marT="0" marB="0"/>
-                </a:tc>
-                <a:tc>
-                  <a:txBody>
-                    <a:bodyPr/>
-                    <a:lstStyle/>
-                    <a:p>
-                      <a:pPr algn="just">
-                        <a:lnSpc>
-                          <a:spcPct val="110000"/>
-                        </a:lnSpc>
-                      </a:pPr>
-                      <a:r>
-                        <a:rPr lang="en-US" sz="1900">
-                          <a:effectLst/>
-                        </a:rPr>
-                        <a:t>0.9</a:t>
-                      </a:r>
-                      <a:endParaRPr lang="de-DE" sz="1400">
-                        <a:effectLst/>
-                        <a:latin typeface="Linux Libertine"/>
-                        <a:ea typeface="Calibri" panose="020F0502020204030204" pitchFamily="34" charset="0"/>
-                        <a:cs typeface="Times New Roman" panose="02020603050405020304" pitchFamily="18" charset="0"/>
-                      </a:endParaRPr>
-                    </a:p>
-                  </a:txBody>
-                  <a:tcPr marL="108286" marR="108286" marT="0" marB="0"/>
-                </a:tc>
-                <a:tc>
-                  <a:txBody>
-                    <a:bodyPr/>
-                    <a:lstStyle/>
-                    <a:p>
-                      <a:pPr algn="just">
-                        <a:lnSpc>
-                          <a:spcPct val="110000"/>
-                        </a:lnSpc>
-                      </a:pPr>
-                      <a:r>
-                        <a:rPr lang="en-US" sz="1900">
-                          <a:effectLst/>
-                        </a:rPr>
-                        <a:t>0.00214</a:t>
-                      </a:r>
-                      <a:endParaRPr lang="de-DE" sz="1400">
-                        <a:effectLst/>
-                      </a:endParaRPr>
-                    </a:p>
-                    <a:p>
-                      <a:pPr algn="just">
-                        <a:lnSpc>
-                          <a:spcPct val="110000"/>
-                        </a:lnSpc>
-                      </a:pPr>
-                      <a:r>
-                        <a:rPr lang="en-US" sz="1900">
-                          <a:effectLst/>
-                        </a:rPr>
-                        <a:t> </a:t>
-                      </a:r>
-                      <a:endParaRPr lang="de-DE" sz="1400">
-                        <a:effectLst/>
-                        <a:latin typeface="Linux Libertine"/>
-                        <a:ea typeface="Calibri" panose="020F0502020204030204" pitchFamily="34" charset="0"/>
-                        <a:cs typeface="Times New Roman" panose="02020603050405020304" pitchFamily="18" charset="0"/>
-                      </a:endParaRPr>
-                    </a:p>
-                  </a:txBody>
-                  <a:tcPr marL="108286" marR="108286" marT="0" marB="0"/>
-                </a:tc>
-                <a:tc>
-                  <a:txBody>
-                    <a:bodyPr/>
-                    <a:lstStyle/>
-                    <a:p>
-                      <a:pPr algn="just">
-                        <a:lnSpc>
-                          <a:spcPct val="110000"/>
-                        </a:lnSpc>
-                      </a:pPr>
-                      <a:r>
-                        <a:rPr lang="en-US" sz="1900">
-                          <a:effectLst/>
-                        </a:rPr>
-                        <a:t>0.76511</a:t>
-                      </a:r>
-                      <a:endParaRPr lang="de-DE" sz="1400">
-                        <a:effectLst/>
-                      </a:endParaRPr>
-                    </a:p>
-                    <a:p>
-                      <a:pPr algn="just">
-                        <a:lnSpc>
-                          <a:spcPct val="110000"/>
-                        </a:lnSpc>
-                      </a:pPr>
-                      <a:r>
-                        <a:rPr lang="en-US" sz="1900">
-                          <a:effectLst/>
-                        </a:rPr>
-                        <a:t> </a:t>
-                      </a:r>
-                      <a:endParaRPr lang="de-DE" sz="1400">
-                        <a:effectLst/>
-                        <a:latin typeface="Linux Libertine"/>
-                        <a:ea typeface="Calibri" panose="020F0502020204030204" pitchFamily="34" charset="0"/>
-                        <a:cs typeface="Times New Roman" panose="02020603050405020304" pitchFamily="18" charset="0"/>
-                      </a:endParaRPr>
-                    </a:p>
-                  </a:txBody>
-                  <a:tcPr marL="108286" marR="108286" marT="0" marB="0"/>
-                </a:tc>
-                <a:tc>
-                  <a:txBody>
-                    <a:bodyPr/>
-                    <a:lstStyle/>
-                    <a:p>
-                      <a:pPr algn="just">
-                        <a:lnSpc>
-                          <a:spcPct val="110000"/>
-                        </a:lnSpc>
-                      </a:pPr>
-                      <a:r>
-                        <a:rPr lang="en-US" sz="1900">
-                          <a:effectLst/>
-                        </a:rPr>
-                        <a:t>0.03776</a:t>
-                      </a:r>
-                      <a:endParaRPr lang="de-DE" sz="1400">
-                        <a:effectLst/>
-                      </a:endParaRPr>
-                    </a:p>
-                    <a:p>
-                      <a:pPr algn="just">
-                        <a:lnSpc>
-                          <a:spcPct val="110000"/>
-                        </a:lnSpc>
-                      </a:pPr>
-                      <a:r>
-                        <a:rPr lang="en-US" sz="1900">
-                          <a:effectLst/>
-                        </a:rPr>
-                        <a:t> </a:t>
-                      </a:r>
-                      <a:endParaRPr lang="de-DE" sz="1400">
-                        <a:effectLst/>
-                        <a:latin typeface="Linux Libertine"/>
-                        <a:ea typeface="Calibri" panose="020F0502020204030204" pitchFamily="34" charset="0"/>
-                        <a:cs typeface="Times New Roman" panose="02020603050405020304" pitchFamily="18" charset="0"/>
-                      </a:endParaRPr>
-                    </a:p>
-                  </a:txBody>
-                  <a:tcPr marL="108286" marR="108286" marT="0" marB="0"/>
-                </a:tc>
-                <a:tc>
-                  <a:txBody>
-                    <a:bodyPr/>
-                    <a:lstStyle/>
-                    <a:p>
-                      <a:pPr algn="just">
-                        <a:lnSpc>
-                          <a:spcPct val="110000"/>
-                        </a:lnSpc>
-                      </a:pPr>
-                      <a:r>
-                        <a:rPr lang="en-US" sz="1900">
-                          <a:effectLst/>
-                        </a:rPr>
-                        <a:t>4.24776</a:t>
-                      </a:r>
-                      <a:endParaRPr lang="de-DE" sz="1400">
-                        <a:effectLst/>
-                      </a:endParaRPr>
-                    </a:p>
-                    <a:p>
-                      <a:pPr algn="just">
-                        <a:lnSpc>
-                          <a:spcPct val="110000"/>
-                        </a:lnSpc>
-                      </a:pPr>
-                      <a:r>
-                        <a:rPr lang="en-US" sz="1900">
-                          <a:effectLst/>
-                        </a:rPr>
-                        <a:t> </a:t>
-                      </a:r>
-                      <a:endParaRPr lang="de-DE" sz="1400">
-                        <a:effectLst/>
-                        <a:latin typeface="Linux Libertine"/>
-                        <a:ea typeface="Calibri" panose="020F0502020204030204" pitchFamily="34" charset="0"/>
-                        <a:cs typeface="Times New Roman" panose="02020603050405020304" pitchFamily="18" charset="0"/>
-                      </a:endParaRPr>
-                    </a:p>
-                  </a:txBody>
-                  <a:tcPr marL="108286" marR="108286" marT="0" marB="0"/>
-                </a:tc>
-                <a:extLst>
-                  <a:ext uri="{0D108BD9-81ED-4DB2-BD59-A6C34878D82A}">
-                    <a16:rowId xmlns:a16="http://schemas.microsoft.com/office/drawing/2014/main" val="2190866697"/>
-                  </a:ext>
-                </a:extLst>
-              </a:tr>
-              <a:tr h="668466">
-                <a:tc>
-                  <a:txBody>
-                    <a:bodyPr/>
-                    <a:lstStyle/>
-                    <a:p>
-                      <a:pPr algn="l">
-                        <a:lnSpc>
-                          <a:spcPct val="110000"/>
-                        </a:lnSpc>
-                      </a:pPr>
-                      <a:r>
-                        <a:rPr lang="en-US" sz="1900">
-                          <a:effectLst/>
-                        </a:rPr>
-                        <a:t>Random-Baseline</a:t>
-                      </a:r>
-                      <a:endParaRPr lang="de-DE" sz="1400">
-                        <a:effectLst/>
-                        <a:latin typeface="Linux Libertine"/>
-                        <a:ea typeface="Calibri" panose="020F0502020204030204" pitchFamily="34" charset="0"/>
-                        <a:cs typeface="Times New Roman" panose="02020603050405020304" pitchFamily="18" charset="0"/>
-                      </a:endParaRPr>
-                    </a:p>
-                  </a:txBody>
-                  <a:tcPr marL="108286" marR="108286" marT="0" marB="0"/>
-                </a:tc>
-                <a:tc>
-                  <a:txBody>
-                    <a:bodyPr/>
-                    <a:lstStyle/>
-                    <a:p>
-                      <a:pPr algn="just">
-                        <a:lnSpc>
-                          <a:spcPct val="110000"/>
-                        </a:lnSpc>
-                      </a:pPr>
-                      <a:r>
-                        <a:rPr lang="en-US" sz="1900">
-                          <a:effectLst/>
-                        </a:rPr>
-                        <a:t>0.3</a:t>
-                      </a:r>
-                      <a:endParaRPr lang="de-DE" sz="1400">
-                        <a:effectLst/>
-                        <a:latin typeface="Linux Libertine"/>
-                        <a:ea typeface="Calibri" panose="020F0502020204030204" pitchFamily="34" charset="0"/>
-                        <a:cs typeface="Times New Roman" panose="02020603050405020304" pitchFamily="18" charset="0"/>
-                      </a:endParaRPr>
-                    </a:p>
-                  </a:txBody>
-                  <a:tcPr marL="108286" marR="108286" marT="0" marB="0"/>
-                </a:tc>
-                <a:tc>
-                  <a:txBody>
-                    <a:bodyPr/>
-                    <a:lstStyle/>
-                    <a:p>
-                      <a:pPr algn="just">
-                        <a:lnSpc>
-                          <a:spcPct val="110000"/>
-                        </a:lnSpc>
-                      </a:pPr>
-                      <a:r>
-                        <a:rPr lang="en-US" sz="1900">
-                          <a:effectLst/>
-                        </a:rPr>
-                        <a:t>0.00071</a:t>
-                      </a:r>
-                      <a:endParaRPr lang="de-DE" sz="1400">
-                        <a:effectLst/>
-                      </a:endParaRPr>
-                    </a:p>
-                    <a:p>
-                      <a:pPr algn="just">
-                        <a:lnSpc>
-                          <a:spcPct val="110000"/>
-                        </a:lnSpc>
-                      </a:pPr>
-                      <a:r>
-                        <a:rPr lang="en-US" sz="1900">
-                          <a:effectLst/>
-                        </a:rPr>
-                        <a:t> </a:t>
-                      </a:r>
-                      <a:endParaRPr lang="de-DE" sz="1400">
-                        <a:effectLst/>
-                        <a:latin typeface="Linux Libertine"/>
-                        <a:ea typeface="Calibri" panose="020F0502020204030204" pitchFamily="34" charset="0"/>
-                        <a:cs typeface="Times New Roman" panose="02020603050405020304" pitchFamily="18" charset="0"/>
-                      </a:endParaRPr>
-                    </a:p>
-                  </a:txBody>
-                  <a:tcPr marL="108286" marR="108286" marT="0" marB="0"/>
-                </a:tc>
-                <a:tc>
-                  <a:txBody>
-                    <a:bodyPr/>
-                    <a:lstStyle/>
-                    <a:p>
-                      <a:pPr algn="just">
-                        <a:lnSpc>
-                          <a:spcPct val="110000"/>
-                        </a:lnSpc>
-                      </a:pPr>
-                      <a:r>
-                        <a:rPr lang="en-US" sz="1900">
-                          <a:effectLst/>
-                        </a:rPr>
-                        <a:t>0.49639</a:t>
-                      </a:r>
-                      <a:endParaRPr lang="de-DE" sz="1400">
-                        <a:effectLst/>
-                      </a:endParaRPr>
-                    </a:p>
-                    <a:p>
-                      <a:pPr algn="just">
-                        <a:lnSpc>
-                          <a:spcPct val="110000"/>
-                        </a:lnSpc>
-                      </a:pPr>
-                      <a:r>
-                        <a:rPr lang="en-US" sz="1900">
-                          <a:effectLst/>
-                        </a:rPr>
-                        <a:t> </a:t>
-                      </a:r>
-                      <a:endParaRPr lang="de-DE" sz="1400">
-                        <a:effectLst/>
-                        <a:latin typeface="Linux Libertine"/>
-                        <a:ea typeface="Calibri" panose="020F0502020204030204" pitchFamily="34" charset="0"/>
-                        <a:cs typeface="Times New Roman" panose="02020603050405020304" pitchFamily="18" charset="0"/>
-                      </a:endParaRPr>
-                    </a:p>
-                  </a:txBody>
-                  <a:tcPr marL="108286" marR="108286" marT="0" marB="0"/>
-                </a:tc>
-                <a:tc>
-                  <a:txBody>
-                    <a:bodyPr/>
-                    <a:lstStyle/>
-                    <a:p>
-                      <a:pPr algn="just">
-                        <a:lnSpc>
-                          <a:spcPct val="110000"/>
-                        </a:lnSpc>
-                      </a:pPr>
-                      <a:r>
-                        <a:rPr lang="en-US" sz="1900">
-                          <a:effectLst/>
-                        </a:rPr>
-                        <a:t>0.03417</a:t>
-                      </a:r>
-                      <a:endParaRPr lang="de-DE" sz="1400">
-                        <a:effectLst/>
-                      </a:endParaRPr>
-                    </a:p>
-                    <a:p>
-                      <a:pPr algn="just">
-                        <a:lnSpc>
-                          <a:spcPct val="110000"/>
-                        </a:lnSpc>
-                      </a:pPr>
-                      <a:r>
-                        <a:rPr lang="en-US" sz="1900">
-                          <a:effectLst/>
-                        </a:rPr>
-                        <a:t> </a:t>
-                      </a:r>
-                      <a:endParaRPr lang="de-DE" sz="1400">
-                        <a:effectLst/>
-                        <a:latin typeface="Linux Libertine"/>
-                        <a:ea typeface="Calibri" panose="020F0502020204030204" pitchFamily="34" charset="0"/>
-                        <a:cs typeface="Times New Roman" panose="02020603050405020304" pitchFamily="18" charset="0"/>
-                      </a:endParaRPr>
-                    </a:p>
-                  </a:txBody>
-                  <a:tcPr marL="108286" marR="108286" marT="0" marB="0"/>
-                </a:tc>
-                <a:tc>
-                  <a:txBody>
-                    <a:bodyPr/>
-                    <a:lstStyle/>
-                    <a:p>
-                      <a:pPr algn="just">
-                        <a:lnSpc>
-                          <a:spcPct val="110000"/>
-                        </a:lnSpc>
-                      </a:pPr>
-                      <a:r>
-                        <a:rPr lang="en-US" sz="1900" dirty="0">
-                          <a:effectLst/>
-                        </a:rPr>
-                        <a:t>4.52973</a:t>
-                      </a:r>
-                      <a:endParaRPr lang="de-DE" sz="1400" dirty="0">
-                        <a:effectLst/>
-                      </a:endParaRPr>
-                    </a:p>
-                    <a:p>
-                      <a:pPr algn="just">
-                        <a:lnSpc>
-                          <a:spcPct val="110000"/>
-                        </a:lnSpc>
-                      </a:pPr>
-                      <a:r>
-                        <a:rPr lang="en-US" sz="1900" dirty="0">
-                          <a:effectLst/>
-                        </a:rPr>
-                        <a:t> </a:t>
-                      </a:r>
-                      <a:endParaRPr lang="de-DE" sz="1400" dirty="0">
-                        <a:effectLst/>
-                        <a:latin typeface="Linux Libertine"/>
-                        <a:ea typeface="Calibri" panose="020F0502020204030204" pitchFamily="34" charset="0"/>
-                        <a:cs typeface="Times New Roman" panose="02020603050405020304" pitchFamily="18" charset="0"/>
-                      </a:endParaRPr>
-                    </a:p>
-                  </a:txBody>
-                  <a:tcPr marL="108286" marR="108286" marT="0" marB="0"/>
-                </a:tc>
-                <a:extLst>
-                  <a:ext uri="{0D108BD9-81ED-4DB2-BD59-A6C34878D82A}">
-                    <a16:rowId xmlns:a16="http://schemas.microsoft.com/office/drawing/2014/main" val="36363"/>
-                  </a:ext>
-                </a:extLst>
-              </a:tr>
-            </a:tbl>
-          </a:graphicData>
-        </a:graphic>
-      </p:graphicFrame>
-    </p:spTree>
-    <p:extLst>
-      <p:ext uri="{BB962C8B-B14F-4D97-AF65-F5344CB8AC3E}">
-        <p14:creationId xmlns:p14="http://schemas.microsoft.com/office/powerpoint/2010/main" val="818368507"/>
       </p:ext>
     </p:extLst>
   </p:cSld>

--- a/project_3_team_E/Final Presentation.pptx
+++ b/project_3_team_E/Final Presentation.pptx
@@ -221,7 +221,7 @@
           <a:p>
             <a:fld id="{05E02316-A3A9-40CE-8399-988D8D269502}" type="datetimeFigureOut">
               <a:rPr lang="de-AT" smtClean="0"/>
-              <a:t>16.01.2024</a:t>
+              <a:t>17.01.2024</a:t>
             </a:fld>
             <a:endParaRPr lang="de-AT"/>
           </a:p>
@@ -287,7 +287,7 @@
           <a:p>
             <a:fld id="{5C731D18-B53C-4622-9947-A3FBDDB0C9B1}" type="slidenum">
               <a:rPr lang="de-AT" smtClean="0"/>
-              <a:t>‹#›</a:t>
+              <a:t>‹Nr.›</a:t>
             </a:fld>
             <a:endParaRPr lang="de-AT"/>
           </a:p>
@@ -386,7 +386,7 @@
           <a:p>
             <a:fld id="{F5E89DEF-C035-41A2-9AFE-A6026D4C04BE}" type="datetimeFigureOut">
               <a:rPr lang="de-AT" smtClean="0"/>
-              <a:t>16.01.2024</a:t>
+              <a:t>17.01.2024</a:t>
             </a:fld>
             <a:endParaRPr lang="de-AT"/>
           </a:p>
@@ -545,7 +545,7 @@
           <a:p>
             <a:fld id="{BEF2A079-E7F8-4A78-8EEA-DD00A8D5DE37}" type="slidenum">
               <a:rPr lang="de-AT" smtClean="0"/>
-              <a:t>‹#›</a:t>
+              <a:t>‹Nr.›</a:t>
             </a:fld>
             <a:endParaRPr lang="de-AT"/>
           </a:p>
@@ -1037,7 +1037,7 @@
             <a:fld id="{2E1B1CB6-5C5C-443C-B788-F7ADFC29778E}" type="slidenum">
               <a:rPr lang="en-US" smtClean="0"/>
               <a:pPr/>
-              <a:t>‹#›</a:t>
+              <a:t>‹Nr.›</a:t>
             </a:fld>
             <a:endParaRPr lang="en-US" dirty="0"/>
           </a:p>
@@ -1296,7 +1296,7 @@
             <a:fld id="{2E1B1CB6-5C5C-443C-B788-F7ADFC29778E}" type="slidenum">
               <a:rPr lang="en-US" smtClean="0"/>
               <a:pPr/>
-              <a:t>‹#›</a:t>
+              <a:t>‹Nr.›</a:t>
             </a:fld>
             <a:endParaRPr lang="en-US" dirty="0"/>
           </a:p>
@@ -1546,7 +1546,7 @@
             <a:fld id="{2E1B1CB6-5C5C-443C-B788-F7ADFC29778E}" type="slidenum">
               <a:rPr lang="en-US" smtClean="0"/>
               <a:pPr/>
-              <a:t>‹#›</a:t>
+              <a:t>‹Nr.›</a:t>
             </a:fld>
             <a:endParaRPr lang="en-US" dirty="0"/>
           </a:p>
@@ -1947,7 +1947,7 @@
             <a:fld id="{2E1B1CB6-5C5C-443C-B788-F7ADFC29778E}" type="slidenum">
               <a:rPr lang="en-US" smtClean="0"/>
               <a:pPr/>
-              <a:t>‹#›</a:t>
+              <a:t>‹Nr.›</a:t>
             </a:fld>
             <a:endParaRPr lang="en-US" dirty="0"/>
           </a:p>
@@ -2195,7 +2195,7 @@
             <a:fld id="{2E1B1CB6-5C5C-443C-B788-F7ADFC29778E}" type="slidenum">
               <a:rPr lang="en-US" smtClean="0"/>
               <a:pPr/>
-              <a:t>‹#›</a:t>
+              <a:t>‹Nr.›</a:t>
             </a:fld>
             <a:endParaRPr lang="en-US" dirty="0"/>
           </a:p>
@@ -2385,7 +2385,7 @@
             <a:fld id="{2E1B1CB6-5C5C-443C-B788-F7ADFC29778E}" type="slidenum">
               <a:rPr lang="en-US" smtClean="0"/>
               <a:pPr/>
-              <a:t>‹#›</a:t>
+              <a:t>‹Nr.›</a:t>
             </a:fld>
             <a:endParaRPr lang="en-US" dirty="0"/>
           </a:p>
@@ -3198,7 +3198,7 @@
             <a:fld id="{2E1B1CB6-5C5C-443C-B788-F7ADFC29778E}" type="slidenum">
               <a:rPr lang="en-US" smtClean="0"/>
               <a:pPr/>
-              <a:t>‹#›</a:t>
+              <a:t>‹Nr.›</a:t>
             </a:fld>
             <a:endParaRPr lang="en-US" dirty="0"/>
           </a:p>
@@ -4448,7 +4448,7 @@
             <a:fld id="{2E1B1CB6-5C5C-443C-B788-F7ADFC29778E}" type="slidenum">
               <a:rPr lang="en-US" smtClean="0"/>
               <a:pPr/>
-              <a:t>‹#›</a:t>
+              <a:t>‹Nr.›</a:t>
             </a:fld>
             <a:endParaRPr lang="en-US" dirty="0"/>
           </a:p>
@@ -5280,7 +5280,7 @@
             <a:fld id="{2E1B1CB6-5C5C-443C-B788-F7ADFC29778E}" type="slidenum">
               <a:rPr lang="en-US" smtClean="0"/>
               <a:pPr/>
-              <a:t>‹#›</a:t>
+              <a:t>‹Nr.›</a:t>
             </a:fld>
             <a:endParaRPr lang="en-US" dirty="0"/>
           </a:p>
@@ -6112,7 +6112,7 @@
             <a:fld id="{2E1B1CB6-5C5C-443C-B788-F7ADFC29778E}" type="slidenum">
               <a:rPr lang="en-US" smtClean="0"/>
               <a:pPr/>
-              <a:t>‹#›</a:t>
+              <a:t>‹Nr.›</a:t>
             </a:fld>
             <a:endParaRPr lang="en-US" dirty="0"/>
           </a:p>
@@ -6889,7 +6889,7 @@
             <a:fld id="{2E1B1CB6-5C5C-443C-B788-F7ADFC29778E}" type="slidenum">
               <a:rPr lang="en-US" smtClean="0"/>
               <a:pPr/>
-              <a:t>‹#›</a:t>
+              <a:t>‹Nr.›</a:t>
             </a:fld>
             <a:endParaRPr lang="en-US" dirty="0"/>
           </a:p>
@@ -7218,7 +7218,7 @@
             <a:fld id="{2E1B1CB6-5C5C-443C-B788-F7ADFC29778E}" type="slidenum">
               <a:rPr lang="en-US" smtClean="0"/>
               <a:pPr/>
-              <a:t>‹#›</a:t>
+              <a:t>‹Nr.›</a:t>
             </a:fld>
             <a:endParaRPr lang="en-US" dirty="0"/>
           </a:p>
@@ -7334,7 +7334,7 @@
             <a:fld id="{2E1B1CB6-5C5C-443C-B788-F7ADFC29778E}" type="slidenum">
               <a:rPr lang="en-US" smtClean="0"/>
               <a:pPr/>
-              <a:t>‹#›</a:t>
+              <a:t>‹Nr.›</a:t>
             </a:fld>
             <a:endParaRPr lang="en-US" dirty="0"/>
           </a:p>
@@ -8121,7 +8121,7 @@
             <a:fld id="{2E1B1CB6-5C5C-443C-B788-F7ADFC29778E}" type="slidenum">
               <a:rPr lang="en-US" smtClean="0"/>
               <a:pPr/>
-              <a:t>‹#›</a:t>
+              <a:t>‹Nr.›</a:t>
             </a:fld>
             <a:endParaRPr lang="en-US" dirty="0"/>
           </a:p>
@@ -8312,7 +8312,7 @@
             <a:fld id="{2E1B1CB6-5C5C-443C-B788-F7ADFC29778E}" type="slidenum">
               <a:rPr lang="en-US" smtClean="0"/>
               <a:pPr/>
-              <a:t>‹#›</a:t>
+              <a:t>‹Nr.›</a:t>
             </a:fld>
             <a:endParaRPr lang="en-US" dirty="0"/>
           </a:p>
@@ -8510,7 +8510,7 @@
             <a:fld id="{2E1B1CB6-5C5C-443C-B788-F7ADFC29778E}" type="slidenum">
               <a:rPr lang="en-US" smtClean="0"/>
               <a:pPr/>
-              <a:t>‹#›</a:t>
+              <a:t>‹Nr.›</a:t>
             </a:fld>
             <a:endParaRPr lang="en-US" dirty="0"/>
           </a:p>
@@ -8830,7 +8830,7 @@
             <a:fld id="{2E1B1CB6-5C5C-443C-B788-F7ADFC29778E}" type="slidenum">
               <a:rPr lang="en-US" smtClean="0"/>
               <a:pPr/>
-              <a:t>‹#›</a:t>
+              <a:t>‹Nr.›</a:t>
             </a:fld>
             <a:endParaRPr lang="en-US" dirty="0"/>
           </a:p>
@@ -9173,7 +9173,7 @@
             <a:fld id="{2E1B1CB6-5C5C-443C-B788-F7ADFC29778E}" type="slidenum">
               <a:rPr lang="en-US" smtClean="0"/>
               <a:pPr/>
-              <a:t>‹#›</a:t>
+              <a:t>‹Nr.›</a:t>
             </a:fld>
             <a:endParaRPr lang="en-US" dirty="0"/>
           </a:p>
@@ -9424,7 +9424,7 @@
             <a:fld id="{2E1B1CB6-5C5C-443C-B788-F7ADFC29778E}" type="slidenum">
               <a:rPr lang="en-US" smtClean="0"/>
               <a:pPr/>
-              <a:t>‹#›</a:t>
+              <a:t>‹Nr.›</a:t>
             </a:fld>
             <a:endParaRPr lang="en-US" dirty="0"/>
           </a:p>
@@ -9835,7 +9835,7 @@
 </file>
 
 <file path=ppt/slides/slide10.xml><?xml version="1.0" encoding="utf-8"?>
-<p:sld xmlns:a="http://schemas.openxmlformats.org/drawingml/2006/main" xmlns:r="http://schemas.openxmlformats.org/officeDocument/2006/relationships" xmlns:p="http://schemas.openxmlformats.org/presentationml/2006/main">
+<p:sld xmlns:a="http://schemas.openxmlformats.org/drawingml/2006/main" xmlns:r="http://schemas.openxmlformats.org/officeDocument/2006/relationships" xmlns:p="http://schemas.openxmlformats.org/presentationml/2006/main" show="0">
   <p:cSld>
     <p:spTree>
       <p:nvGrpSpPr>
@@ -11279,7 +11279,7 @@
 </file>
 
 <file path=ppt/slides/slide12.xml><?xml version="1.0" encoding="utf-8"?>
-<p:sld xmlns:a="http://schemas.openxmlformats.org/drawingml/2006/main" xmlns:r="http://schemas.openxmlformats.org/officeDocument/2006/relationships" xmlns:p="http://schemas.openxmlformats.org/presentationml/2006/main">
+<p:sld xmlns:a="http://schemas.openxmlformats.org/drawingml/2006/main" xmlns:r="http://schemas.openxmlformats.org/officeDocument/2006/relationships" xmlns:p="http://schemas.openxmlformats.org/presentationml/2006/main" show="0">
   <p:cSld>
     <p:spTree>
       <p:nvGrpSpPr>
@@ -12564,7 +12564,7 @@
 </file>
 
 <file path=ppt/slides/slide13.xml><?xml version="1.0" encoding="utf-8"?>
-<p:sld xmlns:a="http://schemas.openxmlformats.org/drawingml/2006/main" xmlns:r="http://schemas.openxmlformats.org/officeDocument/2006/relationships" xmlns:p="http://schemas.openxmlformats.org/presentationml/2006/main">
+<p:sld xmlns:a="http://schemas.openxmlformats.org/drawingml/2006/main" xmlns:r="http://schemas.openxmlformats.org/officeDocument/2006/relationships" xmlns:p="http://schemas.openxmlformats.org/presentationml/2006/main" show="0">
   <p:cSld>
     <p:spTree>
       <p:nvGrpSpPr>
@@ -13857,7 +13857,7 @@
 </file>
 
 <file path=ppt/slides/slide14.xml><?xml version="1.0" encoding="utf-8"?>
-<p:sld xmlns:a="http://schemas.openxmlformats.org/drawingml/2006/main" xmlns:r="http://schemas.openxmlformats.org/officeDocument/2006/relationships" xmlns:p="http://schemas.openxmlformats.org/presentationml/2006/main">
+<p:sld xmlns:a="http://schemas.openxmlformats.org/drawingml/2006/main" xmlns:r="http://schemas.openxmlformats.org/officeDocument/2006/relationships" xmlns:p="http://schemas.openxmlformats.org/presentationml/2006/main" show="0">
   <p:cSld>
     <p:spTree>
       <p:nvGrpSpPr>
@@ -15194,7 +15194,7 @@
         <p:spPr>
           <a:xfrm>
             <a:off x="746620" y="1249960"/>
-            <a:ext cx="8800052" cy="2031325"/>
+            <a:ext cx="8800052" cy="1477328"/>
           </a:xfrm>
           <a:prstGeom prst="rect">
             <a:avLst/>
@@ -15234,75 +15234,6 @@
             <a:endParaRPr lang="de-DE" dirty="0"/>
           </a:p>
           <a:p>
-            <a:pPr marL="285750" indent="-285750">
-              <a:buFont typeface="Arial" panose="020B0604020202020204" pitchFamily="34" charset="0"/>
-              <a:buChar char="•"/>
-            </a:pPr>
-            <a:endParaRPr lang="de-DE" dirty="0"/>
-          </a:p>
-          <a:p>
-            <a:r>
-              <a:rPr lang="de-DE" dirty="0">
-                <a:solidFill>
-                  <a:srgbClr val="FF0000"/>
-                </a:solidFill>
-              </a:rPr>
-              <a:t>TODO: </a:t>
-            </a:r>
-            <a:r>
-              <a:rPr lang="de-DE" dirty="0" err="1">
-                <a:solidFill>
-                  <a:srgbClr val="FF0000"/>
-                </a:solidFill>
-              </a:rPr>
-              <a:t>write</a:t>
-            </a:r>
-            <a:r>
-              <a:rPr lang="de-DE" dirty="0">
-                <a:solidFill>
-                  <a:srgbClr val="FF0000"/>
-                </a:solidFill>
-              </a:rPr>
-              <a:t> </a:t>
-            </a:r>
-            <a:r>
-              <a:rPr lang="de-DE" dirty="0" err="1">
-                <a:solidFill>
-                  <a:srgbClr val="FF0000"/>
-                </a:solidFill>
-              </a:rPr>
-              <a:t>something</a:t>
-            </a:r>
-            <a:r>
-              <a:rPr lang="de-DE" dirty="0">
-                <a:solidFill>
-                  <a:srgbClr val="FF0000"/>
-                </a:solidFill>
-              </a:rPr>
-              <a:t> </a:t>
-            </a:r>
-            <a:r>
-              <a:rPr lang="de-DE" dirty="0" err="1">
-                <a:solidFill>
-                  <a:srgbClr val="FF0000"/>
-                </a:solidFill>
-              </a:rPr>
-              <a:t>about</a:t>
-            </a:r>
-            <a:r>
-              <a:rPr lang="de-DE" dirty="0">
-                <a:solidFill>
-                  <a:srgbClr val="FF0000"/>
-                </a:solidFill>
-              </a:rPr>
-              <a:t> vgg19?</a:t>
-            </a:r>
-          </a:p>
-          <a:p>
-            <a:pPr marL="285750" indent="-285750">
-              <a:buFont typeface="Arial" panose="020B0604020202020204" pitchFamily="34" charset="0"/>
-              <a:buChar char="•"/>
-            </a:pPr>
             <a:endParaRPr lang="de-DE" dirty="0"/>
           </a:p>
           <a:p>
@@ -15384,7 +15315,7 @@
         <p:spPr>
           <a:xfrm>
             <a:off x="687897" y="1098958"/>
-            <a:ext cx="10234569" cy="2862322"/>
+            <a:ext cx="10234569" cy="3139321"/>
           </a:xfrm>
           <a:prstGeom prst="rect">
             <a:avLst/>
@@ -15629,16 +15560,13 @@
           <a:p>
             <a:r>
               <a:rPr lang="en-US" dirty="0"/>
-              <a:t>Late fusion: As a late fusion technique we used </a:t>
-            </a:r>
-            <a:r>
-              <a:rPr lang="en-US" dirty="0">
-                <a:solidFill>
-                  <a:srgbClr val="FF0000"/>
-                </a:solidFill>
-              </a:rPr>
-              <a:t>??</a:t>
-            </a:r>
+              <a:t>Late fusion: As a late fusion technique we calculated the cosine matrices of the two features and took a weighted sum to combine the two matrices</a:t>
+            </a:r>
+            <a:endParaRPr lang="en-US" dirty="0">
+              <a:solidFill>
+                <a:srgbClr val="FF0000"/>
+              </a:solidFill>
+            </a:endParaRPr>
           </a:p>
           <a:p>
             <a:endParaRPr lang="en-US" dirty="0"/>
@@ -15729,9 +15657,16 @@
             <p:ph type="title"/>
           </p:nvPr>
         </p:nvSpPr>
-        <p:spPr/>
+        <p:spPr>
+          <a:xfrm>
+            <a:off x="486000" y="575999"/>
+            <a:ext cx="11124000" cy="990000"/>
+          </a:xfrm>
+        </p:spPr>
         <p:txBody>
-          <a:bodyPr/>
+          <a:bodyPr vert="horz" lIns="91440" tIns="45720" rIns="91440" bIns="45720" rtlCol="0" anchor="t">
+            <a:normAutofit/>
+          </a:bodyPr>
           <a:lstStyle/>
           <a:p>
             <a:r>
@@ -15742,50 +15677,1998 @@
           </a:p>
         </p:txBody>
       </p:sp>
-      <p:sp>
-        <p:nvSpPr>
-          <p:cNvPr id="3" name="Textfeld 2">
+      <p:graphicFrame>
+        <p:nvGraphicFramePr>
+          <p:cNvPr id="4" name="Tabelle 3">
             <a:extLst>
               <a:ext uri="{FF2B5EF4-FFF2-40B4-BE49-F238E27FC236}">
-                <a16:creationId xmlns:a16="http://schemas.microsoft.com/office/drawing/2014/main" id="{5C936566-F12D-7973-6420-565C299B7CF2}"/>
+                <a16:creationId xmlns:a16="http://schemas.microsoft.com/office/drawing/2014/main" id="{6682410C-03BC-0D2B-7996-65E3905018D5}"/>
               </a:ext>
             </a:extLst>
           </p:cNvPr>
-          <p:cNvSpPr txBox="1"/>
-          <p:nvPr/>
-        </p:nvSpPr>
-        <p:spPr>
-          <a:xfrm>
-            <a:off x="713064" y="1224793"/>
-            <a:ext cx="10234569" cy="369332"/>
-          </a:xfrm>
-          <a:prstGeom prst="rect">
-            <a:avLst/>
-          </a:prstGeom>
-          <a:noFill/>
-        </p:spPr>
-        <p:txBody>
-          <a:bodyPr wrap="square" rtlCol="0">
-            <a:spAutoFit/>
-          </a:bodyPr>
-          <a:lstStyle/>
-          <a:p>
-            <a:r>
-              <a:rPr lang="en-US" dirty="0">
-                <a:solidFill>
-                  <a:srgbClr val="FF0000"/>
-                </a:solidFill>
-              </a:rPr>
-              <a:t>Todo: Insert Final Result Table</a:t>
-            </a:r>
-            <a:endParaRPr lang="de-DE" dirty="0">
-              <a:solidFill>
-                <a:srgbClr val="FF0000"/>
-              </a:solidFill>
-            </a:endParaRPr>
-          </a:p>
-        </p:txBody>
-      </p:sp>
+          <p:cNvGraphicFramePr>
+            <a:graphicFrameLocks noGrp="1"/>
+          </p:cNvGraphicFramePr>
+          <p:nvPr>
+            <p:extLst>
+              <p:ext uri="{D42A27DB-BD31-4B8C-83A1-F6EECF244321}">
+                <p14:modId xmlns:p14="http://schemas.microsoft.com/office/powerpoint/2010/main" val="3181501739"/>
+              </p:ext>
+            </p:extLst>
+          </p:nvPr>
+        </p:nvGraphicFramePr>
+        <p:xfrm>
+          <a:off x="1428411" y="1621584"/>
+          <a:ext cx="9224781" cy="4516755"/>
+        </p:xfrm>
+        <a:graphic>
+          <a:graphicData uri="http://schemas.openxmlformats.org/drawingml/2006/table">
+            <a:tbl>
+              <a:tblPr firstRow="1" firstCol="1" bandRow="1">
+                <a:tableStyleId>{5C22544A-7EE6-4342-B048-85BDC9FD1C3A}</a:tableStyleId>
+              </a:tblPr>
+              <a:tblGrid>
+                <a:gridCol w="1909458">
+                  <a:extLst>
+                    <a:ext uri="{9D8B030D-6E8A-4147-A177-3AD203B41FA5}">
+                      <a16:colId xmlns:a16="http://schemas.microsoft.com/office/drawing/2014/main" val="655536409"/>
+                    </a:ext>
+                  </a:extLst>
+                </a:gridCol>
+                <a:gridCol w="1319664">
+                  <a:extLst>
+                    <a:ext uri="{9D8B030D-6E8A-4147-A177-3AD203B41FA5}">
+                      <a16:colId xmlns:a16="http://schemas.microsoft.com/office/drawing/2014/main" val="876395964"/>
+                    </a:ext>
+                  </a:extLst>
+                </a:gridCol>
+                <a:gridCol w="1456121">
+                  <a:extLst>
+                    <a:ext uri="{9D8B030D-6E8A-4147-A177-3AD203B41FA5}">
+                      <a16:colId xmlns:a16="http://schemas.microsoft.com/office/drawing/2014/main" val="1746524061"/>
+                    </a:ext>
+                  </a:extLst>
+                </a:gridCol>
+                <a:gridCol w="1439366">
+                  <a:extLst>
+                    <a:ext uri="{9D8B030D-6E8A-4147-A177-3AD203B41FA5}">
+                      <a16:colId xmlns:a16="http://schemas.microsoft.com/office/drawing/2014/main" val="1771470205"/>
+                    </a:ext>
+                  </a:extLst>
+                </a:gridCol>
+                <a:gridCol w="1714156">
+                  <a:extLst>
+                    <a:ext uri="{9D8B030D-6E8A-4147-A177-3AD203B41FA5}">
+                      <a16:colId xmlns:a16="http://schemas.microsoft.com/office/drawing/2014/main" val="4162561683"/>
+                    </a:ext>
+                  </a:extLst>
+                </a:gridCol>
+                <a:gridCol w="1386016">
+                  <a:extLst>
+                    <a:ext uri="{9D8B030D-6E8A-4147-A177-3AD203B41FA5}">
+                      <a16:colId xmlns:a16="http://schemas.microsoft.com/office/drawing/2014/main" val="1613113071"/>
+                    </a:ext>
+                  </a:extLst>
+                </a:gridCol>
+              </a:tblGrid>
+              <a:tr h="424652">
+                <a:tc>
+                  <a:txBody>
+                    <a:bodyPr/>
+                    <a:lstStyle/>
+                    <a:p>
+                      <a:pPr algn="just"/>
+                      <a:r>
+                        <a:rPr lang="en-US" sz="1300" kern="100">
+                          <a:effectLst/>
+                        </a:rPr>
+                        <a:t> </a:t>
+                      </a:r>
+                      <a:endParaRPr lang="de-DE" sz="1100" kern="100">
+                        <a:effectLst/>
+                        <a:latin typeface="DengXian" panose="02010600030101010101" pitchFamily="2" charset="-122"/>
+                        <a:ea typeface="DengXian" panose="02010600030101010101" pitchFamily="2" charset="-122"/>
+                        <a:cs typeface="Arial" panose="020B0604020202020204" pitchFamily="34" charset="0"/>
+                      </a:endParaRPr>
+                    </a:p>
+                  </a:txBody>
+                  <a:tcPr marL="72384" marR="72384" marT="0" marB="0"/>
+                </a:tc>
+                <a:tc>
+                  <a:txBody>
+                    <a:bodyPr/>
+                    <a:lstStyle/>
+                    <a:p>
+                      <a:pPr algn="just"/>
+                      <a:r>
+                        <a:rPr lang="en-US" sz="1300" kern="100">
+                          <a:effectLst/>
+                        </a:rPr>
+                        <a:t>Avg. Precision@10</a:t>
+                      </a:r>
+                      <a:endParaRPr lang="de-DE" sz="1100" kern="100">
+                        <a:effectLst/>
+                        <a:latin typeface="DengXian" panose="02010600030101010101" pitchFamily="2" charset="-122"/>
+                        <a:ea typeface="DengXian" panose="02010600030101010101" pitchFamily="2" charset="-122"/>
+                        <a:cs typeface="Arial" panose="020B0604020202020204" pitchFamily="34" charset="0"/>
+                      </a:endParaRPr>
+                    </a:p>
+                  </a:txBody>
+                  <a:tcPr marL="72384" marR="72384" marT="0" marB="0"/>
+                </a:tc>
+                <a:tc>
+                  <a:txBody>
+                    <a:bodyPr/>
+                    <a:lstStyle/>
+                    <a:p>
+                      <a:pPr algn="just"/>
+                      <a:r>
+                        <a:rPr lang="en-US" sz="1300" kern="100">
+                          <a:effectLst/>
+                        </a:rPr>
+                        <a:t>Avg. Recall@10</a:t>
+                      </a:r>
+                      <a:endParaRPr lang="de-DE" sz="1100" kern="100">
+                        <a:effectLst/>
+                        <a:latin typeface="DengXian" panose="02010600030101010101" pitchFamily="2" charset="-122"/>
+                        <a:ea typeface="DengXian" panose="02010600030101010101" pitchFamily="2" charset="-122"/>
+                        <a:cs typeface="Arial" panose="020B0604020202020204" pitchFamily="34" charset="0"/>
+                      </a:endParaRPr>
+                    </a:p>
+                  </a:txBody>
+                  <a:tcPr marL="72384" marR="72384" marT="0" marB="0"/>
+                </a:tc>
+                <a:tc>
+                  <a:txBody>
+                    <a:bodyPr/>
+                    <a:lstStyle/>
+                    <a:p>
+                      <a:pPr algn="just"/>
+                      <a:r>
+                        <a:rPr lang="en-US" sz="1300" kern="100">
+                          <a:effectLst/>
+                        </a:rPr>
+                        <a:t>Avg. nDCG@10</a:t>
+                      </a:r>
+                      <a:endParaRPr lang="de-DE" sz="1100" kern="100">
+                        <a:effectLst/>
+                        <a:latin typeface="DengXian" panose="02010600030101010101" pitchFamily="2" charset="-122"/>
+                        <a:ea typeface="DengXian" panose="02010600030101010101" pitchFamily="2" charset="-122"/>
+                        <a:cs typeface="Arial" panose="020B0604020202020204" pitchFamily="34" charset="0"/>
+                      </a:endParaRPr>
+                    </a:p>
+                  </a:txBody>
+                  <a:tcPr marL="72384" marR="72384" marT="0" marB="0"/>
+                </a:tc>
+                <a:tc>
+                  <a:txBody>
+                    <a:bodyPr/>
+                    <a:lstStyle/>
+                    <a:p>
+                      <a:pPr algn="just"/>
+                      <a:r>
+                        <a:rPr lang="en-US" sz="1300" kern="100">
+                          <a:effectLst/>
+                        </a:rPr>
+                        <a:t>Avg. Coverage@10</a:t>
+                      </a:r>
+                      <a:endParaRPr lang="de-DE" sz="1100" kern="100">
+                        <a:effectLst/>
+                        <a:latin typeface="DengXian" panose="02010600030101010101" pitchFamily="2" charset="-122"/>
+                        <a:ea typeface="DengXian" panose="02010600030101010101" pitchFamily="2" charset="-122"/>
+                        <a:cs typeface="Arial" panose="020B0604020202020204" pitchFamily="34" charset="0"/>
+                      </a:endParaRPr>
+                    </a:p>
+                  </a:txBody>
+                  <a:tcPr marL="72384" marR="72384" marT="0" marB="0"/>
+                </a:tc>
+                <a:tc>
+                  <a:txBody>
+                    <a:bodyPr/>
+                    <a:lstStyle/>
+                    <a:p>
+                      <a:pPr algn="just"/>
+                      <a:r>
+                        <a:rPr lang="en-US" sz="1300" kern="100">
+                          <a:effectLst/>
+                        </a:rPr>
+                        <a:t>Avg. Diversity@10</a:t>
+                      </a:r>
+                      <a:endParaRPr lang="de-DE" sz="1100" kern="100">
+                        <a:effectLst/>
+                        <a:latin typeface="DengXian" panose="02010600030101010101" pitchFamily="2" charset="-122"/>
+                        <a:ea typeface="DengXian" panose="02010600030101010101" pitchFamily="2" charset="-122"/>
+                        <a:cs typeface="Arial" panose="020B0604020202020204" pitchFamily="34" charset="0"/>
+                      </a:endParaRPr>
+                    </a:p>
+                  </a:txBody>
+                  <a:tcPr marL="72384" marR="72384" marT="0" marB="0"/>
+                </a:tc>
+                <a:extLst>
+                  <a:ext uri="{0D108BD9-81ED-4DB2-BD59-A6C34878D82A}">
+                    <a16:rowId xmlns:a16="http://schemas.microsoft.com/office/drawing/2014/main" val="2940690830"/>
+                  </a:ext>
+                </a:extLst>
+              </a:tr>
+              <a:tr h="424652">
+                <a:tc>
+                  <a:txBody>
+                    <a:bodyPr/>
+                    <a:lstStyle/>
+                    <a:p>
+                      <a:pPr algn="just"/>
+                      <a:r>
+                        <a:rPr lang="en-US" sz="1300" kern="100">
+                          <a:effectLst/>
+                        </a:rPr>
+                        <a:t>Audio-based(cosine, mfcc_stats)</a:t>
+                      </a:r>
+                      <a:endParaRPr lang="de-DE" sz="1100" kern="100">
+                        <a:effectLst/>
+                        <a:latin typeface="DengXian" panose="02010600030101010101" pitchFamily="2" charset="-122"/>
+                        <a:ea typeface="DengXian" panose="02010600030101010101" pitchFamily="2" charset="-122"/>
+                        <a:cs typeface="Arial" panose="020B0604020202020204" pitchFamily="34" charset="0"/>
+                      </a:endParaRPr>
+                    </a:p>
+                  </a:txBody>
+                  <a:tcPr marL="72384" marR="72384" marT="0" marB="0"/>
+                </a:tc>
+                <a:tc>
+                  <a:txBody>
+                    <a:bodyPr/>
+                    <a:lstStyle/>
+                    <a:p>
+                      <a:pPr algn="just"/>
+                      <a:r>
+                        <a:rPr lang="en-US" sz="1300" kern="100">
+                          <a:effectLst/>
+                        </a:rPr>
+                        <a:t>0.4289</a:t>
+                      </a:r>
+                      <a:endParaRPr lang="de-DE" sz="1100" kern="100">
+                        <a:effectLst/>
+                        <a:latin typeface="DengXian" panose="02010600030101010101" pitchFamily="2" charset="-122"/>
+                        <a:ea typeface="DengXian" panose="02010600030101010101" pitchFamily="2" charset="-122"/>
+                        <a:cs typeface="Arial" panose="020B0604020202020204" pitchFamily="34" charset="0"/>
+                      </a:endParaRPr>
+                    </a:p>
+                  </a:txBody>
+                  <a:tcPr marL="72384" marR="72384" marT="0" marB="0"/>
+                </a:tc>
+                <a:tc>
+                  <a:txBody>
+                    <a:bodyPr/>
+                    <a:lstStyle/>
+                    <a:p>
+                      <a:pPr algn="just"/>
+                      <a:r>
+                        <a:rPr lang="en-US" sz="1300" kern="100">
+                          <a:effectLst/>
+                        </a:rPr>
+                        <a:t>0.0018</a:t>
+                      </a:r>
+                      <a:endParaRPr lang="de-DE" sz="1100" kern="100">
+                        <a:effectLst/>
+                        <a:latin typeface="DengXian" panose="02010600030101010101" pitchFamily="2" charset="-122"/>
+                        <a:ea typeface="DengXian" panose="02010600030101010101" pitchFamily="2" charset="-122"/>
+                        <a:cs typeface="Arial" panose="020B0604020202020204" pitchFamily="34" charset="0"/>
+                      </a:endParaRPr>
+                    </a:p>
+                  </a:txBody>
+                  <a:tcPr marL="72384" marR="72384" marT="0" marB="0"/>
+                </a:tc>
+                <a:tc>
+                  <a:txBody>
+                    <a:bodyPr/>
+                    <a:lstStyle/>
+                    <a:p>
+                      <a:pPr algn="just"/>
+                      <a:r>
+                        <a:rPr lang="en-US" sz="1300" kern="100">
+                          <a:effectLst/>
+                        </a:rPr>
+                        <a:t>0.7577</a:t>
+                      </a:r>
+                      <a:endParaRPr lang="de-DE" sz="1100" kern="100">
+                        <a:effectLst/>
+                      </a:endParaRPr>
+                    </a:p>
+                    <a:p>
+                      <a:pPr algn="just"/>
+                      <a:r>
+                        <a:rPr lang="en-US" sz="1300" kern="100">
+                          <a:effectLst/>
+                        </a:rPr>
+                        <a:t> </a:t>
+                      </a:r>
+                      <a:endParaRPr lang="de-DE" sz="1100" kern="100">
+                        <a:effectLst/>
+                        <a:latin typeface="DengXian" panose="02010600030101010101" pitchFamily="2" charset="-122"/>
+                        <a:ea typeface="DengXian" panose="02010600030101010101" pitchFamily="2" charset="-122"/>
+                        <a:cs typeface="Arial" panose="020B0604020202020204" pitchFamily="34" charset="0"/>
+                      </a:endParaRPr>
+                    </a:p>
+                  </a:txBody>
+                  <a:tcPr marL="72384" marR="72384" marT="0" marB="0"/>
+                </a:tc>
+                <a:tc>
+                  <a:txBody>
+                    <a:bodyPr/>
+                    <a:lstStyle/>
+                    <a:p>
+                      <a:pPr algn="just"/>
+                      <a:r>
+                        <a:rPr lang="en-US" sz="1300" kern="100">
+                          <a:effectLst/>
+                        </a:rPr>
+                        <a:t>0.0382</a:t>
+                      </a:r>
+                      <a:endParaRPr lang="de-DE" sz="1100" kern="100">
+                        <a:effectLst/>
+                        <a:latin typeface="DengXian" panose="02010600030101010101" pitchFamily="2" charset="-122"/>
+                        <a:ea typeface="DengXian" panose="02010600030101010101" pitchFamily="2" charset="-122"/>
+                        <a:cs typeface="Arial" panose="020B0604020202020204" pitchFamily="34" charset="0"/>
+                      </a:endParaRPr>
+                    </a:p>
+                  </a:txBody>
+                  <a:tcPr marL="72384" marR="72384" marT="0" marB="0"/>
+                </a:tc>
+                <a:tc>
+                  <a:txBody>
+                    <a:bodyPr/>
+                    <a:lstStyle/>
+                    <a:p>
+                      <a:pPr algn="just"/>
+                      <a:r>
+                        <a:rPr lang="en-US" sz="1300" kern="100">
+                          <a:effectLst/>
+                        </a:rPr>
+                        <a:t>4.8112</a:t>
+                      </a:r>
+                      <a:endParaRPr lang="de-DE" sz="1100" kern="100">
+                        <a:effectLst/>
+                      </a:endParaRPr>
+                    </a:p>
+                    <a:p>
+                      <a:pPr algn="just"/>
+                      <a:r>
+                        <a:rPr lang="en-US" sz="1300" kern="100">
+                          <a:effectLst/>
+                        </a:rPr>
+                        <a:t> </a:t>
+                      </a:r>
+                      <a:endParaRPr lang="de-DE" sz="1100" kern="100">
+                        <a:effectLst/>
+                        <a:latin typeface="DengXian" panose="02010600030101010101" pitchFamily="2" charset="-122"/>
+                        <a:ea typeface="DengXian" panose="02010600030101010101" pitchFamily="2" charset="-122"/>
+                        <a:cs typeface="Arial" panose="020B0604020202020204" pitchFamily="34" charset="0"/>
+                      </a:endParaRPr>
+                    </a:p>
+                  </a:txBody>
+                  <a:tcPr marL="72384" marR="72384" marT="0" marB="0"/>
+                </a:tc>
+                <a:extLst>
+                  <a:ext uri="{0D108BD9-81ED-4DB2-BD59-A6C34878D82A}">
+                    <a16:rowId xmlns:a16="http://schemas.microsoft.com/office/drawing/2014/main" val="922791641"/>
+                  </a:ext>
+                </a:extLst>
+              </a:tr>
+              <a:tr h="424652">
+                <a:tc>
+                  <a:txBody>
+                    <a:bodyPr/>
+                    <a:lstStyle/>
+                    <a:p>
+                      <a:pPr algn="just"/>
+                      <a:r>
+                        <a:rPr lang="en-US" sz="1300" kern="100">
+                          <a:effectLst/>
+                        </a:rPr>
+                        <a:t>Audio-based(cosine,</a:t>
+                      </a:r>
+                      <a:endParaRPr lang="de-DE" sz="1100" kern="100">
+                        <a:effectLst/>
+                      </a:endParaRPr>
+                    </a:p>
+                    <a:p>
+                      <a:pPr algn="just"/>
+                      <a:r>
+                        <a:rPr lang="en-US" sz="1300" kern="100">
+                          <a:effectLst/>
+                        </a:rPr>
+                        <a:t>Blf-correlation)</a:t>
+                      </a:r>
+                      <a:endParaRPr lang="de-DE" sz="1100" kern="100">
+                        <a:effectLst/>
+                        <a:latin typeface="DengXian" panose="02010600030101010101" pitchFamily="2" charset="-122"/>
+                        <a:ea typeface="DengXian" panose="02010600030101010101" pitchFamily="2" charset="-122"/>
+                        <a:cs typeface="Arial" panose="020B0604020202020204" pitchFamily="34" charset="0"/>
+                      </a:endParaRPr>
+                    </a:p>
+                  </a:txBody>
+                  <a:tcPr marL="72384" marR="72384" marT="0" marB="0"/>
+                </a:tc>
+                <a:tc>
+                  <a:txBody>
+                    <a:bodyPr/>
+                    <a:lstStyle/>
+                    <a:p>
+                      <a:pPr algn="just"/>
+                      <a:r>
+                        <a:rPr lang="en-US" sz="1300" kern="100">
+                          <a:effectLst/>
+                        </a:rPr>
+                        <a:t>0.4098</a:t>
+                      </a:r>
+                      <a:endParaRPr lang="de-DE" sz="1100" kern="100">
+                        <a:effectLst/>
+                        <a:latin typeface="DengXian" panose="02010600030101010101" pitchFamily="2" charset="-122"/>
+                        <a:ea typeface="DengXian" panose="02010600030101010101" pitchFamily="2" charset="-122"/>
+                        <a:cs typeface="Arial" panose="020B0604020202020204" pitchFamily="34" charset="0"/>
+                      </a:endParaRPr>
+                    </a:p>
+                  </a:txBody>
+                  <a:tcPr marL="72384" marR="72384" marT="0" marB="0"/>
+                </a:tc>
+                <a:tc>
+                  <a:txBody>
+                    <a:bodyPr/>
+                    <a:lstStyle/>
+                    <a:p>
+                      <a:pPr algn="just"/>
+                      <a:r>
+                        <a:rPr lang="en-US" sz="1300" kern="100">
+                          <a:effectLst/>
+                        </a:rPr>
+                        <a:t>0.0017</a:t>
+                      </a:r>
+                      <a:endParaRPr lang="de-DE" sz="1100" kern="100">
+                        <a:effectLst/>
+                        <a:latin typeface="DengXian" panose="02010600030101010101" pitchFamily="2" charset="-122"/>
+                        <a:ea typeface="DengXian" panose="02010600030101010101" pitchFamily="2" charset="-122"/>
+                        <a:cs typeface="Arial" panose="020B0604020202020204" pitchFamily="34" charset="0"/>
+                      </a:endParaRPr>
+                    </a:p>
+                  </a:txBody>
+                  <a:tcPr marL="72384" marR="72384" marT="0" marB="0"/>
+                </a:tc>
+                <a:tc>
+                  <a:txBody>
+                    <a:bodyPr/>
+                    <a:lstStyle/>
+                    <a:p>
+                      <a:pPr algn="just"/>
+                      <a:r>
+                        <a:rPr lang="en-US" sz="1300" kern="100">
+                          <a:effectLst/>
+                        </a:rPr>
+                        <a:t>0.6653</a:t>
+                      </a:r>
+                      <a:endParaRPr lang="de-DE" sz="1100" kern="100">
+                        <a:effectLst/>
+                      </a:endParaRPr>
+                    </a:p>
+                    <a:p>
+                      <a:pPr algn="just"/>
+                      <a:r>
+                        <a:rPr lang="en-US" sz="1300" kern="100">
+                          <a:effectLst/>
+                        </a:rPr>
+                        <a:t> </a:t>
+                      </a:r>
+                      <a:endParaRPr lang="de-DE" sz="1100" kern="100">
+                        <a:effectLst/>
+                        <a:latin typeface="DengXian" panose="02010600030101010101" pitchFamily="2" charset="-122"/>
+                        <a:ea typeface="DengXian" panose="02010600030101010101" pitchFamily="2" charset="-122"/>
+                        <a:cs typeface="Arial" panose="020B0604020202020204" pitchFamily="34" charset="0"/>
+                      </a:endParaRPr>
+                    </a:p>
+                  </a:txBody>
+                  <a:tcPr marL="72384" marR="72384" marT="0" marB="0"/>
+                </a:tc>
+                <a:tc>
+                  <a:txBody>
+                    <a:bodyPr/>
+                    <a:lstStyle/>
+                    <a:p>
+                      <a:pPr algn="just"/>
+                      <a:r>
+                        <a:rPr lang="en-US" sz="1300" kern="100">
+                          <a:effectLst/>
+                        </a:rPr>
+                        <a:t>0.0382</a:t>
+                      </a:r>
+                      <a:endParaRPr lang="de-DE" sz="1100" kern="100">
+                        <a:effectLst/>
+                        <a:latin typeface="DengXian" panose="02010600030101010101" pitchFamily="2" charset="-122"/>
+                        <a:ea typeface="DengXian" panose="02010600030101010101" pitchFamily="2" charset="-122"/>
+                        <a:cs typeface="Arial" panose="020B0604020202020204" pitchFamily="34" charset="0"/>
+                      </a:endParaRPr>
+                    </a:p>
+                  </a:txBody>
+                  <a:tcPr marL="72384" marR="72384" marT="0" marB="0"/>
+                </a:tc>
+                <a:tc>
+                  <a:txBody>
+                    <a:bodyPr/>
+                    <a:lstStyle/>
+                    <a:p>
+                      <a:pPr algn="just"/>
+                      <a:r>
+                        <a:rPr lang="en-US" sz="1300" kern="100">
+                          <a:effectLst/>
+                        </a:rPr>
+                        <a:t>4.8942</a:t>
+                      </a:r>
+                      <a:endParaRPr lang="de-DE" sz="1100" kern="100">
+                        <a:effectLst/>
+                      </a:endParaRPr>
+                    </a:p>
+                    <a:p>
+                      <a:pPr algn="just"/>
+                      <a:r>
+                        <a:rPr lang="en-US" sz="1300" kern="100">
+                          <a:effectLst/>
+                        </a:rPr>
+                        <a:t> </a:t>
+                      </a:r>
+                      <a:endParaRPr lang="de-DE" sz="1100" kern="100">
+                        <a:effectLst/>
+                        <a:latin typeface="DengXian" panose="02010600030101010101" pitchFamily="2" charset="-122"/>
+                        <a:ea typeface="DengXian" panose="02010600030101010101" pitchFamily="2" charset="-122"/>
+                        <a:cs typeface="Arial" panose="020B0604020202020204" pitchFamily="34" charset="0"/>
+                      </a:endParaRPr>
+                    </a:p>
+                  </a:txBody>
+                  <a:tcPr marL="72384" marR="72384" marT="0" marB="0"/>
+                </a:tc>
+                <a:extLst>
+                  <a:ext uri="{0D108BD9-81ED-4DB2-BD59-A6C34878D82A}">
+                    <a16:rowId xmlns:a16="http://schemas.microsoft.com/office/drawing/2014/main" val="3642683988"/>
+                  </a:ext>
+                </a:extLst>
+              </a:tr>
+              <a:tr h="424652">
+                <a:tc>
+                  <a:txBody>
+                    <a:bodyPr/>
+                    <a:lstStyle/>
+                    <a:p>
+                      <a:pPr algn="just"/>
+                      <a:r>
+                        <a:rPr lang="en-US" sz="1300" kern="100">
+                          <a:effectLst/>
+                        </a:rPr>
+                        <a:t>Audio-based(cosine, ivec 256)</a:t>
+                      </a:r>
+                      <a:endParaRPr lang="de-DE" sz="1100" kern="100">
+                        <a:effectLst/>
+                        <a:latin typeface="DengXian" panose="02010600030101010101" pitchFamily="2" charset="-122"/>
+                        <a:ea typeface="DengXian" panose="02010600030101010101" pitchFamily="2" charset="-122"/>
+                        <a:cs typeface="Arial" panose="020B0604020202020204" pitchFamily="34" charset="0"/>
+                      </a:endParaRPr>
+                    </a:p>
+                  </a:txBody>
+                  <a:tcPr marL="72384" marR="72384" marT="0" marB="0"/>
+                </a:tc>
+                <a:tc>
+                  <a:txBody>
+                    <a:bodyPr/>
+                    <a:lstStyle/>
+                    <a:p>
+                      <a:pPr algn="just"/>
+                      <a:r>
+                        <a:rPr lang="en-US" sz="1300" kern="100">
+                          <a:effectLst/>
+                        </a:rPr>
+                        <a:t>0.4344</a:t>
+                      </a:r>
+                      <a:endParaRPr lang="de-DE" sz="1100" kern="100">
+                        <a:effectLst/>
+                        <a:latin typeface="DengXian" panose="02010600030101010101" pitchFamily="2" charset="-122"/>
+                        <a:ea typeface="DengXian" panose="02010600030101010101" pitchFamily="2" charset="-122"/>
+                        <a:cs typeface="Arial" panose="020B0604020202020204" pitchFamily="34" charset="0"/>
+                      </a:endParaRPr>
+                    </a:p>
+                  </a:txBody>
+                  <a:tcPr marL="72384" marR="72384" marT="0" marB="0"/>
+                </a:tc>
+                <a:tc>
+                  <a:txBody>
+                    <a:bodyPr/>
+                    <a:lstStyle/>
+                    <a:p>
+                      <a:pPr algn="just"/>
+                      <a:r>
+                        <a:rPr lang="en-US" sz="1300" kern="100">
+                          <a:effectLst/>
+                        </a:rPr>
+                        <a:t>0.0019</a:t>
+                      </a:r>
+                      <a:endParaRPr lang="de-DE" sz="1100" kern="100">
+                        <a:effectLst/>
+                        <a:latin typeface="DengXian" panose="02010600030101010101" pitchFamily="2" charset="-122"/>
+                        <a:ea typeface="DengXian" panose="02010600030101010101" pitchFamily="2" charset="-122"/>
+                        <a:cs typeface="Arial" panose="020B0604020202020204" pitchFamily="34" charset="0"/>
+                      </a:endParaRPr>
+                    </a:p>
+                  </a:txBody>
+                  <a:tcPr marL="72384" marR="72384" marT="0" marB="0"/>
+                </a:tc>
+                <a:tc>
+                  <a:txBody>
+                    <a:bodyPr/>
+                    <a:lstStyle/>
+                    <a:p>
+                      <a:pPr algn="just"/>
+                      <a:r>
+                        <a:rPr lang="en-US" sz="1300" kern="100">
+                          <a:effectLst/>
+                        </a:rPr>
+                        <a:t>0.6587</a:t>
+                      </a:r>
+                      <a:endParaRPr lang="de-DE" sz="1100" kern="100">
+                        <a:effectLst/>
+                      </a:endParaRPr>
+                    </a:p>
+                    <a:p>
+                      <a:pPr algn="just"/>
+                      <a:r>
+                        <a:rPr lang="en-US" sz="1300" kern="100">
+                          <a:effectLst/>
+                        </a:rPr>
+                        <a:t> </a:t>
+                      </a:r>
+                      <a:endParaRPr lang="de-DE" sz="1100" kern="100">
+                        <a:effectLst/>
+                        <a:latin typeface="DengXian" panose="02010600030101010101" pitchFamily="2" charset="-122"/>
+                        <a:ea typeface="DengXian" panose="02010600030101010101" pitchFamily="2" charset="-122"/>
+                        <a:cs typeface="Arial" panose="020B0604020202020204" pitchFamily="34" charset="0"/>
+                      </a:endParaRPr>
+                    </a:p>
+                  </a:txBody>
+                  <a:tcPr marL="72384" marR="72384" marT="0" marB="0"/>
+                </a:tc>
+                <a:tc>
+                  <a:txBody>
+                    <a:bodyPr/>
+                    <a:lstStyle/>
+                    <a:p>
+                      <a:pPr algn="just"/>
+                      <a:r>
+                        <a:rPr lang="en-US" sz="1300" kern="100">
+                          <a:effectLst/>
+                        </a:rPr>
+                        <a:t>0.0382</a:t>
+                      </a:r>
+                      <a:endParaRPr lang="de-DE" sz="1100" kern="100">
+                        <a:effectLst/>
+                        <a:latin typeface="DengXian" panose="02010600030101010101" pitchFamily="2" charset="-122"/>
+                        <a:ea typeface="DengXian" panose="02010600030101010101" pitchFamily="2" charset="-122"/>
+                        <a:cs typeface="Arial" panose="020B0604020202020204" pitchFamily="34" charset="0"/>
+                      </a:endParaRPr>
+                    </a:p>
+                  </a:txBody>
+                  <a:tcPr marL="72384" marR="72384" marT="0" marB="0"/>
+                </a:tc>
+                <a:tc>
+                  <a:txBody>
+                    <a:bodyPr/>
+                    <a:lstStyle/>
+                    <a:p>
+                      <a:pPr algn="just"/>
+                      <a:r>
+                        <a:rPr lang="en-US" sz="1300" kern="100">
+                          <a:effectLst/>
+                        </a:rPr>
+                        <a:t>4.9036</a:t>
+                      </a:r>
+                      <a:endParaRPr lang="de-DE" sz="1100" kern="100">
+                        <a:effectLst/>
+                      </a:endParaRPr>
+                    </a:p>
+                    <a:p>
+                      <a:pPr algn="just"/>
+                      <a:r>
+                        <a:rPr lang="en-US" sz="1300" kern="100">
+                          <a:effectLst/>
+                        </a:rPr>
+                        <a:t> </a:t>
+                      </a:r>
+                      <a:endParaRPr lang="de-DE" sz="1100" kern="100">
+                        <a:effectLst/>
+                        <a:latin typeface="DengXian" panose="02010600030101010101" pitchFamily="2" charset="-122"/>
+                        <a:ea typeface="DengXian" panose="02010600030101010101" pitchFamily="2" charset="-122"/>
+                        <a:cs typeface="Arial" panose="020B0604020202020204" pitchFamily="34" charset="0"/>
+                      </a:endParaRPr>
+                    </a:p>
+                  </a:txBody>
+                  <a:tcPr marL="72384" marR="72384" marT="0" marB="0"/>
+                </a:tc>
+                <a:extLst>
+                  <a:ext uri="{0D108BD9-81ED-4DB2-BD59-A6C34878D82A}">
+                    <a16:rowId xmlns:a16="http://schemas.microsoft.com/office/drawing/2014/main" val="2092890243"/>
+                  </a:ext>
+                </a:extLst>
+              </a:tr>
+              <a:tr h="424652">
+                <a:tc>
+                  <a:txBody>
+                    <a:bodyPr/>
+                    <a:lstStyle/>
+                    <a:p>
+                      <a:pPr algn="just"/>
+                      <a:r>
+                        <a:rPr lang="en-US" sz="1300" kern="100">
+                          <a:effectLst/>
+                        </a:rPr>
+                        <a:t>Audio-based(cosine,</a:t>
+                      </a:r>
+                      <a:endParaRPr lang="de-DE" sz="1100" kern="100">
+                        <a:effectLst/>
+                      </a:endParaRPr>
+                    </a:p>
+                    <a:p>
+                      <a:pPr algn="just"/>
+                      <a:r>
+                        <a:rPr lang="en-US" sz="1300" kern="100">
+                          <a:effectLst/>
+                        </a:rPr>
+                        <a:t>musicnn)</a:t>
+                      </a:r>
+                      <a:endParaRPr lang="de-DE" sz="1100" kern="100">
+                        <a:effectLst/>
+                        <a:latin typeface="DengXian" panose="02010600030101010101" pitchFamily="2" charset="-122"/>
+                        <a:ea typeface="DengXian" panose="02010600030101010101" pitchFamily="2" charset="-122"/>
+                        <a:cs typeface="Arial" panose="020B0604020202020204" pitchFamily="34" charset="0"/>
+                      </a:endParaRPr>
+                    </a:p>
+                  </a:txBody>
+                  <a:tcPr marL="72384" marR="72384" marT="0" marB="0"/>
+                </a:tc>
+                <a:tc>
+                  <a:txBody>
+                    <a:bodyPr/>
+                    <a:lstStyle/>
+                    <a:p>
+                      <a:pPr algn="just"/>
+                      <a:r>
+                        <a:rPr lang="en-US" sz="1300" kern="100">
+                          <a:effectLst/>
+                        </a:rPr>
+                        <a:t>0.4813</a:t>
+                      </a:r>
+                      <a:endParaRPr lang="de-DE" sz="1100" kern="100">
+                        <a:effectLst/>
+                        <a:latin typeface="DengXian" panose="02010600030101010101" pitchFamily="2" charset="-122"/>
+                        <a:ea typeface="DengXian" panose="02010600030101010101" pitchFamily="2" charset="-122"/>
+                        <a:cs typeface="Arial" panose="020B0604020202020204" pitchFamily="34" charset="0"/>
+                      </a:endParaRPr>
+                    </a:p>
+                  </a:txBody>
+                  <a:tcPr marL="72384" marR="72384" marT="0" marB="0"/>
+                </a:tc>
+                <a:tc>
+                  <a:txBody>
+                    <a:bodyPr/>
+                    <a:lstStyle/>
+                    <a:p>
+                      <a:pPr algn="just"/>
+                      <a:r>
+                        <a:rPr lang="en-US" sz="1300" kern="100">
+                          <a:effectLst/>
+                        </a:rPr>
+                        <a:t>0.0022</a:t>
+                      </a:r>
+                      <a:endParaRPr lang="de-DE" sz="1100" kern="100">
+                        <a:effectLst/>
+                        <a:latin typeface="DengXian" panose="02010600030101010101" pitchFamily="2" charset="-122"/>
+                        <a:ea typeface="DengXian" panose="02010600030101010101" pitchFamily="2" charset="-122"/>
+                        <a:cs typeface="Arial" panose="020B0604020202020204" pitchFamily="34" charset="0"/>
+                      </a:endParaRPr>
+                    </a:p>
+                  </a:txBody>
+                  <a:tcPr marL="72384" marR="72384" marT="0" marB="0"/>
+                </a:tc>
+                <a:tc>
+                  <a:txBody>
+                    <a:bodyPr/>
+                    <a:lstStyle/>
+                    <a:p>
+                      <a:pPr algn="just"/>
+                      <a:r>
+                        <a:rPr lang="en-US" sz="1300" kern="100">
+                          <a:effectLst/>
+                        </a:rPr>
+                        <a:t>0.7137</a:t>
+                      </a:r>
+                      <a:endParaRPr lang="de-DE" sz="1100" kern="100">
+                        <a:effectLst/>
+                      </a:endParaRPr>
+                    </a:p>
+                    <a:p>
+                      <a:pPr algn="just"/>
+                      <a:r>
+                        <a:rPr lang="en-US" sz="1300" kern="100">
+                          <a:effectLst/>
+                        </a:rPr>
+                        <a:t> </a:t>
+                      </a:r>
+                      <a:endParaRPr lang="de-DE" sz="1100" kern="100">
+                        <a:effectLst/>
+                        <a:latin typeface="DengXian" panose="02010600030101010101" pitchFamily="2" charset="-122"/>
+                        <a:ea typeface="DengXian" panose="02010600030101010101" pitchFamily="2" charset="-122"/>
+                        <a:cs typeface="Arial" panose="020B0604020202020204" pitchFamily="34" charset="0"/>
+                      </a:endParaRPr>
+                    </a:p>
+                  </a:txBody>
+                  <a:tcPr marL="72384" marR="72384" marT="0" marB="0"/>
+                </a:tc>
+                <a:tc>
+                  <a:txBody>
+                    <a:bodyPr/>
+                    <a:lstStyle/>
+                    <a:p>
+                      <a:pPr algn="just"/>
+                      <a:r>
+                        <a:rPr lang="en-US" sz="1300" kern="100">
+                          <a:effectLst/>
+                        </a:rPr>
+                        <a:t>0.0383</a:t>
+                      </a:r>
+                      <a:endParaRPr lang="de-DE" sz="1100" kern="100">
+                        <a:effectLst/>
+                        <a:latin typeface="DengXian" panose="02010600030101010101" pitchFamily="2" charset="-122"/>
+                        <a:ea typeface="DengXian" panose="02010600030101010101" pitchFamily="2" charset="-122"/>
+                        <a:cs typeface="Arial" panose="020B0604020202020204" pitchFamily="34" charset="0"/>
+                      </a:endParaRPr>
+                    </a:p>
+                  </a:txBody>
+                  <a:tcPr marL="72384" marR="72384" marT="0" marB="0"/>
+                </a:tc>
+                <a:tc>
+                  <a:txBody>
+                    <a:bodyPr/>
+                    <a:lstStyle/>
+                    <a:p>
+                      <a:pPr algn="just"/>
+                      <a:r>
+                        <a:rPr lang="en-US" sz="1300" kern="100">
+                          <a:effectLst/>
+                        </a:rPr>
+                        <a:t>4.7048</a:t>
+                      </a:r>
+                      <a:endParaRPr lang="de-DE" sz="1100" kern="100">
+                        <a:effectLst/>
+                      </a:endParaRPr>
+                    </a:p>
+                    <a:p>
+                      <a:pPr algn="just"/>
+                      <a:r>
+                        <a:rPr lang="en-US" sz="1300" kern="100">
+                          <a:effectLst/>
+                        </a:rPr>
+                        <a:t> </a:t>
+                      </a:r>
+                      <a:endParaRPr lang="de-DE" sz="1100" kern="100">
+                        <a:effectLst/>
+                        <a:latin typeface="DengXian" panose="02010600030101010101" pitchFamily="2" charset="-122"/>
+                        <a:ea typeface="DengXian" panose="02010600030101010101" pitchFamily="2" charset="-122"/>
+                        <a:cs typeface="Arial" panose="020B0604020202020204" pitchFamily="34" charset="0"/>
+                      </a:endParaRPr>
+                    </a:p>
+                  </a:txBody>
+                  <a:tcPr marL="72384" marR="72384" marT="0" marB="0"/>
+                </a:tc>
+                <a:extLst>
+                  <a:ext uri="{0D108BD9-81ED-4DB2-BD59-A6C34878D82A}">
+                    <a16:rowId xmlns:a16="http://schemas.microsoft.com/office/drawing/2014/main" val="2533845923"/>
+                  </a:ext>
+                </a:extLst>
+              </a:tr>
+              <a:tr h="424652">
+                <a:tc>
+                  <a:txBody>
+                    <a:bodyPr/>
+                    <a:lstStyle/>
+                    <a:p>
+                      <a:pPr algn="just"/>
+                      <a:r>
+                        <a:rPr lang="en-US" sz="1300" kern="100">
+                          <a:effectLst/>
+                        </a:rPr>
+                        <a:t>Text-based(cosine, tf-idf)</a:t>
+                      </a:r>
+                      <a:endParaRPr lang="de-DE" sz="1100" kern="100">
+                        <a:effectLst/>
+                        <a:latin typeface="DengXian" panose="02010600030101010101" pitchFamily="2" charset="-122"/>
+                        <a:ea typeface="DengXian" panose="02010600030101010101" pitchFamily="2" charset="-122"/>
+                        <a:cs typeface="Arial" panose="020B0604020202020204" pitchFamily="34" charset="0"/>
+                      </a:endParaRPr>
+                    </a:p>
+                  </a:txBody>
+                  <a:tcPr marL="72384" marR="72384" marT="0" marB="0"/>
+                </a:tc>
+                <a:tc>
+                  <a:txBody>
+                    <a:bodyPr/>
+                    <a:lstStyle/>
+                    <a:p>
+                      <a:pPr algn="just"/>
+                      <a:r>
+                        <a:rPr lang="en-US" sz="1300" kern="100">
+                          <a:effectLst/>
+                        </a:rPr>
+                        <a:t>0.3794</a:t>
+                      </a:r>
+                      <a:endParaRPr lang="de-DE" sz="1100" kern="100">
+                        <a:effectLst/>
+                        <a:latin typeface="DengXian" panose="02010600030101010101" pitchFamily="2" charset="-122"/>
+                        <a:ea typeface="DengXian" panose="02010600030101010101" pitchFamily="2" charset="-122"/>
+                        <a:cs typeface="Arial" panose="020B0604020202020204" pitchFamily="34" charset="0"/>
+                      </a:endParaRPr>
+                    </a:p>
+                  </a:txBody>
+                  <a:tcPr marL="72384" marR="72384" marT="0" marB="0"/>
+                </a:tc>
+                <a:tc>
+                  <a:txBody>
+                    <a:bodyPr/>
+                    <a:lstStyle/>
+                    <a:p>
+                      <a:pPr algn="just"/>
+                      <a:r>
+                        <a:rPr lang="en-US" sz="1300" kern="100">
+                          <a:effectLst/>
+                        </a:rPr>
+                        <a:t>0.0014</a:t>
+                      </a:r>
+                      <a:endParaRPr lang="de-DE" sz="1100" kern="100">
+                        <a:effectLst/>
+                        <a:latin typeface="DengXian" panose="02010600030101010101" pitchFamily="2" charset="-122"/>
+                        <a:ea typeface="DengXian" panose="02010600030101010101" pitchFamily="2" charset="-122"/>
+                        <a:cs typeface="Arial" panose="020B0604020202020204" pitchFamily="34" charset="0"/>
+                      </a:endParaRPr>
+                    </a:p>
+                  </a:txBody>
+                  <a:tcPr marL="72384" marR="72384" marT="0" marB="0"/>
+                </a:tc>
+                <a:tc>
+                  <a:txBody>
+                    <a:bodyPr/>
+                    <a:lstStyle/>
+                    <a:p>
+                      <a:pPr algn="just"/>
+                      <a:r>
+                        <a:rPr lang="en-US" sz="1300" kern="100">
+                          <a:effectLst/>
+                        </a:rPr>
+                        <a:t>0.6820</a:t>
+                      </a:r>
+                      <a:endParaRPr lang="de-DE" sz="1100" kern="100">
+                        <a:effectLst/>
+                      </a:endParaRPr>
+                    </a:p>
+                    <a:p>
+                      <a:pPr algn="just"/>
+                      <a:r>
+                        <a:rPr lang="en-US" sz="1300" kern="100">
+                          <a:effectLst/>
+                        </a:rPr>
+                        <a:t> </a:t>
+                      </a:r>
+                      <a:endParaRPr lang="de-DE" sz="1100" kern="100">
+                        <a:effectLst/>
+                        <a:latin typeface="DengXian" panose="02010600030101010101" pitchFamily="2" charset="-122"/>
+                        <a:ea typeface="DengXian" panose="02010600030101010101" pitchFamily="2" charset="-122"/>
+                        <a:cs typeface="Arial" panose="020B0604020202020204" pitchFamily="34" charset="0"/>
+                      </a:endParaRPr>
+                    </a:p>
+                  </a:txBody>
+                  <a:tcPr marL="72384" marR="72384" marT="0" marB="0"/>
+                </a:tc>
+                <a:tc>
+                  <a:txBody>
+                    <a:bodyPr/>
+                    <a:lstStyle/>
+                    <a:p>
+                      <a:pPr algn="just"/>
+                      <a:r>
+                        <a:rPr lang="en-US" sz="1300" kern="100">
+                          <a:effectLst/>
+                        </a:rPr>
+                        <a:t>0.0377</a:t>
+                      </a:r>
+                      <a:endParaRPr lang="de-DE" sz="1100" kern="100">
+                        <a:effectLst/>
+                        <a:latin typeface="DengXian" panose="02010600030101010101" pitchFamily="2" charset="-122"/>
+                        <a:ea typeface="DengXian" panose="02010600030101010101" pitchFamily="2" charset="-122"/>
+                        <a:cs typeface="Arial" panose="020B0604020202020204" pitchFamily="34" charset="0"/>
+                      </a:endParaRPr>
+                    </a:p>
+                  </a:txBody>
+                  <a:tcPr marL="72384" marR="72384" marT="0" marB="0"/>
+                </a:tc>
+                <a:tc>
+                  <a:txBody>
+                    <a:bodyPr/>
+                    <a:lstStyle/>
+                    <a:p>
+                      <a:pPr algn="just"/>
+                      <a:r>
+                        <a:rPr lang="en-US" sz="1300" kern="100">
+                          <a:effectLst/>
+                        </a:rPr>
+                        <a:t>4.9743</a:t>
+                      </a:r>
+                      <a:endParaRPr lang="de-DE" sz="1100" kern="100">
+                        <a:effectLst/>
+                      </a:endParaRPr>
+                    </a:p>
+                    <a:p>
+                      <a:pPr algn="just"/>
+                      <a:r>
+                        <a:rPr lang="en-US" sz="1300" kern="100">
+                          <a:effectLst/>
+                        </a:rPr>
+                        <a:t> </a:t>
+                      </a:r>
+                      <a:endParaRPr lang="de-DE" sz="1100" kern="100">
+                        <a:effectLst/>
+                        <a:latin typeface="DengXian" panose="02010600030101010101" pitchFamily="2" charset="-122"/>
+                        <a:ea typeface="DengXian" panose="02010600030101010101" pitchFamily="2" charset="-122"/>
+                        <a:cs typeface="Arial" panose="020B0604020202020204" pitchFamily="34" charset="0"/>
+                      </a:endParaRPr>
+                    </a:p>
+                  </a:txBody>
+                  <a:tcPr marL="72384" marR="72384" marT="0" marB="0"/>
+                </a:tc>
+                <a:extLst>
+                  <a:ext uri="{0D108BD9-81ED-4DB2-BD59-A6C34878D82A}">
+                    <a16:rowId xmlns:a16="http://schemas.microsoft.com/office/drawing/2014/main" val="141560578"/>
+                  </a:ext>
+                </a:extLst>
+              </a:tr>
+              <a:tr h="424652">
+                <a:tc>
+                  <a:txBody>
+                    <a:bodyPr/>
+                    <a:lstStyle/>
+                    <a:p>
+                      <a:pPr algn="just"/>
+                      <a:r>
+                        <a:rPr lang="en-US" sz="1300" kern="100">
+                          <a:effectLst/>
+                        </a:rPr>
+                        <a:t>Text-based(cosine,</a:t>
+                      </a:r>
+                      <a:endParaRPr lang="de-DE" sz="1100" kern="100">
+                        <a:effectLst/>
+                      </a:endParaRPr>
+                    </a:p>
+                    <a:p>
+                      <a:pPr algn="just"/>
+                      <a:r>
+                        <a:rPr lang="en-US" sz="1300" kern="100">
+                          <a:effectLst/>
+                        </a:rPr>
+                        <a:t>word2vec)</a:t>
+                      </a:r>
+                      <a:endParaRPr lang="de-DE" sz="1100" kern="100">
+                        <a:effectLst/>
+                        <a:latin typeface="DengXian" panose="02010600030101010101" pitchFamily="2" charset="-122"/>
+                        <a:ea typeface="DengXian" panose="02010600030101010101" pitchFamily="2" charset="-122"/>
+                        <a:cs typeface="Arial" panose="020B0604020202020204" pitchFamily="34" charset="0"/>
+                      </a:endParaRPr>
+                    </a:p>
+                  </a:txBody>
+                  <a:tcPr marL="72384" marR="72384" marT="0" marB="0"/>
+                </a:tc>
+                <a:tc>
+                  <a:txBody>
+                    <a:bodyPr/>
+                    <a:lstStyle/>
+                    <a:p>
+                      <a:pPr algn="just"/>
+                      <a:r>
+                        <a:rPr lang="en-US" sz="1300" kern="100">
+                          <a:effectLst/>
+                        </a:rPr>
+                        <a:t>0.3851</a:t>
+                      </a:r>
+                      <a:endParaRPr lang="de-DE" sz="1100" kern="100">
+                        <a:effectLst/>
+                        <a:latin typeface="DengXian" panose="02010600030101010101" pitchFamily="2" charset="-122"/>
+                        <a:ea typeface="DengXian" panose="02010600030101010101" pitchFamily="2" charset="-122"/>
+                        <a:cs typeface="Arial" panose="020B0604020202020204" pitchFamily="34" charset="0"/>
+                      </a:endParaRPr>
+                    </a:p>
+                  </a:txBody>
+                  <a:tcPr marL="72384" marR="72384" marT="0" marB="0"/>
+                </a:tc>
+                <a:tc>
+                  <a:txBody>
+                    <a:bodyPr/>
+                    <a:lstStyle/>
+                    <a:p>
+                      <a:pPr algn="just"/>
+                      <a:r>
+                        <a:rPr lang="en-US" sz="1300" kern="100">
+                          <a:effectLst/>
+                        </a:rPr>
+                        <a:t>0.0017</a:t>
+                      </a:r>
+                      <a:endParaRPr lang="de-DE" sz="1100" kern="100">
+                        <a:effectLst/>
+                        <a:latin typeface="DengXian" panose="02010600030101010101" pitchFamily="2" charset="-122"/>
+                        <a:ea typeface="DengXian" panose="02010600030101010101" pitchFamily="2" charset="-122"/>
+                        <a:cs typeface="Arial" panose="020B0604020202020204" pitchFamily="34" charset="0"/>
+                      </a:endParaRPr>
+                    </a:p>
+                  </a:txBody>
+                  <a:tcPr marL="72384" marR="72384" marT="0" marB="0"/>
+                </a:tc>
+                <a:tc>
+                  <a:txBody>
+                    <a:bodyPr/>
+                    <a:lstStyle/>
+                    <a:p>
+                      <a:pPr algn="just"/>
+                      <a:r>
+                        <a:rPr lang="en-US" sz="1300" kern="100">
+                          <a:effectLst/>
+                        </a:rPr>
+                        <a:t>0.6639</a:t>
+                      </a:r>
+                      <a:endParaRPr lang="de-DE" sz="1100" kern="100">
+                        <a:effectLst/>
+                      </a:endParaRPr>
+                    </a:p>
+                    <a:p>
+                      <a:pPr algn="just"/>
+                      <a:r>
+                        <a:rPr lang="en-US" sz="1300" kern="100">
+                          <a:effectLst/>
+                        </a:rPr>
+                        <a:t> </a:t>
+                      </a:r>
+                      <a:endParaRPr lang="de-DE" sz="1100" kern="100">
+                        <a:effectLst/>
+                        <a:latin typeface="DengXian" panose="02010600030101010101" pitchFamily="2" charset="-122"/>
+                        <a:ea typeface="DengXian" panose="02010600030101010101" pitchFamily="2" charset="-122"/>
+                        <a:cs typeface="Arial" panose="020B0604020202020204" pitchFamily="34" charset="0"/>
+                      </a:endParaRPr>
+                    </a:p>
+                  </a:txBody>
+                  <a:tcPr marL="72384" marR="72384" marT="0" marB="0"/>
+                </a:tc>
+                <a:tc>
+                  <a:txBody>
+                    <a:bodyPr/>
+                    <a:lstStyle/>
+                    <a:p>
+                      <a:pPr algn="just"/>
+                      <a:r>
+                        <a:rPr lang="en-US" sz="1300" kern="100">
+                          <a:effectLst/>
+                        </a:rPr>
+                        <a:t>0.0378</a:t>
+                      </a:r>
+                      <a:endParaRPr lang="de-DE" sz="1100" kern="100">
+                        <a:effectLst/>
+                        <a:latin typeface="DengXian" panose="02010600030101010101" pitchFamily="2" charset="-122"/>
+                        <a:ea typeface="DengXian" panose="02010600030101010101" pitchFamily="2" charset="-122"/>
+                        <a:cs typeface="Arial" panose="020B0604020202020204" pitchFamily="34" charset="0"/>
+                      </a:endParaRPr>
+                    </a:p>
+                  </a:txBody>
+                  <a:tcPr marL="72384" marR="72384" marT="0" marB="0"/>
+                </a:tc>
+                <a:tc>
+                  <a:txBody>
+                    <a:bodyPr/>
+                    <a:lstStyle/>
+                    <a:p>
+                      <a:pPr algn="just"/>
+                      <a:r>
+                        <a:rPr lang="en-US" sz="1300" kern="100">
+                          <a:effectLst/>
+                        </a:rPr>
+                        <a:t>4.8492</a:t>
+                      </a:r>
+                      <a:endParaRPr lang="de-DE" sz="1100" kern="100">
+                        <a:effectLst/>
+                      </a:endParaRPr>
+                    </a:p>
+                    <a:p>
+                      <a:pPr algn="just"/>
+                      <a:r>
+                        <a:rPr lang="en-US" sz="1300" kern="100">
+                          <a:effectLst/>
+                        </a:rPr>
+                        <a:t> </a:t>
+                      </a:r>
+                      <a:endParaRPr lang="de-DE" sz="1100" kern="100">
+                        <a:effectLst/>
+                        <a:latin typeface="DengXian" panose="02010600030101010101" pitchFamily="2" charset="-122"/>
+                        <a:ea typeface="DengXian" panose="02010600030101010101" pitchFamily="2" charset="-122"/>
+                        <a:cs typeface="Arial" panose="020B0604020202020204" pitchFamily="34" charset="0"/>
+                      </a:endParaRPr>
+                    </a:p>
+                  </a:txBody>
+                  <a:tcPr marL="72384" marR="72384" marT="0" marB="0"/>
+                </a:tc>
+                <a:extLst>
+                  <a:ext uri="{0D108BD9-81ED-4DB2-BD59-A6C34878D82A}">
+                    <a16:rowId xmlns:a16="http://schemas.microsoft.com/office/drawing/2014/main" val="2344375003"/>
+                  </a:ext>
+                </a:extLst>
+              </a:tr>
+              <a:tr h="424652">
+                <a:tc>
+                  <a:txBody>
+                    <a:bodyPr/>
+                    <a:lstStyle/>
+                    <a:p>
+                      <a:pPr algn="just"/>
+                      <a:r>
+                        <a:rPr lang="en-US" sz="1300" kern="100">
+                          <a:effectLst/>
+                        </a:rPr>
+                        <a:t>Text-based(cosine,</a:t>
+                      </a:r>
+                      <a:endParaRPr lang="de-DE" sz="1100" kern="100">
+                        <a:effectLst/>
+                      </a:endParaRPr>
+                    </a:p>
+                    <a:p>
+                      <a:pPr algn="just"/>
+                      <a:r>
+                        <a:rPr lang="en-US" sz="1300" kern="100">
+                          <a:effectLst/>
+                        </a:rPr>
+                        <a:t>Bert)</a:t>
+                      </a:r>
+                      <a:endParaRPr lang="de-DE" sz="1100" kern="100">
+                        <a:effectLst/>
+                        <a:latin typeface="DengXian" panose="02010600030101010101" pitchFamily="2" charset="-122"/>
+                        <a:ea typeface="DengXian" panose="02010600030101010101" pitchFamily="2" charset="-122"/>
+                        <a:cs typeface="Arial" panose="020B0604020202020204" pitchFamily="34" charset="0"/>
+                      </a:endParaRPr>
+                    </a:p>
+                  </a:txBody>
+                  <a:tcPr marL="72384" marR="72384" marT="0" marB="0"/>
+                </a:tc>
+                <a:tc>
+                  <a:txBody>
+                    <a:bodyPr/>
+                    <a:lstStyle/>
+                    <a:p>
+                      <a:pPr algn="just"/>
+                      <a:r>
+                        <a:rPr lang="en-US" sz="1300" kern="100">
+                          <a:effectLst/>
+                        </a:rPr>
+                        <a:t>0.4192</a:t>
+                      </a:r>
+                      <a:endParaRPr lang="de-DE" sz="1100" kern="100">
+                        <a:effectLst/>
+                        <a:latin typeface="DengXian" panose="02010600030101010101" pitchFamily="2" charset="-122"/>
+                        <a:ea typeface="DengXian" panose="02010600030101010101" pitchFamily="2" charset="-122"/>
+                        <a:cs typeface="Arial" panose="020B0604020202020204" pitchFamily="34" charset="0"/>
+                      </a:endParaRPr>
+                    </a:p>
+                  </a:txBody>
+                  <a:tcPr marL="72384" marR="72384" marT="0" marB="0"/>
+                </a:tc>
+                <a:tc>
+                  <a:txBody>
+                    <a:bodyPr/>
+                    <a:lstStyle/>
+                    <a:p>
+                      <a:pPr algn="just"/>
+                      <a:r>
+                        <a:rPr lang="en-US" sz="1300" kern="100">
+                          <a:effectLst/>
+                        </a:rPr>
+                        <a:t>0.0020</a:t>
+                      </a:r>
+                      <a:endParaRPr lang="de-DE" sz="1100" kern="100">
+                        <a:effectLst/>
+                        <a:latin typeface="DengXian" panose="02010600030101010101" pitchFamily="2" charset="-122"/>
+                        <a:ea typeface="DengXian" panose="02010600030101010101" pitchFamily="2" charset="-122"/>
+                        <a:cs typeface="Arial" panose="020B0604020202020204" pitchFamily="34" charset="0"/>
+                      </a:endParaRPr>
+                    </a:p>
+                  </a:txBody>
+                  <a:tcPr marL="72384" marR="72384" marT="0" marB="0"/>
+                </a:tc>
+                <a:tc>
+                  <a:txBody>
+                    <a:bodyPr/>
+                    <a:lstStyle/>
+                    <a:p>
+                      <a:pPr algn="just"/>
+                      <a:r>
+                        <a:rPr lang="en-US" sz="1300" kern="100">
+                          <a:effectLst/>
+                        </a:rPr>
+                        <a:t>0.6820</a:t>
+                      </a:r>
+                      <a:r>
+                        <a:rPr lang="en-US" sz="1100" kern="100">
+                          <a:effectLst/>
+                        </a:rPr>
+                        <a:t> </a:t>
+                      </a:r>
+                      <a:r>
+                        <a:rPr lang="de-DE" sz="1100" kern="100">
+                          <a:effectLst/>
+                        </a:rPr>
+                        <a:t> </a:t>
+                      </a:r>
+                      <a:r>
+                        <a:rPr lang="en-US" sz="1300" kern="100">
+                          <a:effectLst/>
+                        </a:rPr>
+                        <a:t> </a:t>
+                      </a:r>
+                      <a:endParaRPr lang="de-DE" sz="1100" kern="100">
+                        <a:effectLst/>
+                        <a:latin typeface="DengXian" panose="02010600030101010101" pitchFamily="2" charset="-122"/>
+                        <a:ea typeface="DengXian" panose="02010600030101010101" pitchFamily="2" charset="-122"/>
+                        <a:cs typeface="Arial" panose="020B0604020202020204" pitchFamily="34" charset="0"/>
+                      </a:endParaRPr>
+                    </a:p>
+                  </a:txBody>
+                  <a:tcPr marL="72384" marR="72384" marT="0" marB="0"/>
+                </a:tc>
+                <a:tc>
+                  <a:txBody>
+                    <a:bodyPr/>
+                    <a:lstStyle/>
+                    <a:p>
+                      <a:pPr algn="just"/>
+                      <a:r>
+                        <a:rPr lang="en-US" sz="1300" kern="100">
+                          <a:effectLst/>
+                        </a:rPr>
+                        <a:t>0.0343</a:t>
+                      </a:r>
+                      <a:endParaRPr lang="de-DE" sz="1100" kern="100">
+                        <a:effectLst/>
+                        <a:latin typeface="DengXian" panose="02010600030101010101" pitchFamily="2" charset="-122"/>
+                        <a:ea typeface="DengXian" panose="02010600030101010101" pitchFamily="2" charset="-122"/>
+                        <a:cs typeface="Arial" panose="020B0604020202020204" pitchFamily="34" charset="0"/>
+                      </a:endParaRPr>
+                    </a:p>
+                  </a:txBody>
+                  <a:tcPr marL="72384" marR="72384" marT="0" marB="0"/>
+                </a:tc>
+                <a:tc>
+                  <a:txBody>
+                    <a:bodyPr/>
+                    <a:lstStyle/>
+                    <a:p>
+                      <a:pPr algn="just"/>
+                      <a:r>
+                        <a:rPr lang="en-US" sz="1300" kern="100">
+                          <a:effectLst/>
+                        </a:rPr>
+                        <a:t>4.8448</a:t>
+                      </a:r>
+                      <a:endParaRPr lang="de-DE" sz="1100" kern="100">
+                        <a:effectLst/>
+                      </a:endParaRPr>
+                    </a:p>
+                    <a:p>
+                      <a:pPr algn="just"/>
+                      <a:r>
+                        <a:rPr lang="en-US" sz="1300" kern="100">
+                          <a:effectLst/>
+                        </a:rPr>
+                        <a:t> </a:t>
+                      </a:r>
+                      <a:endParaRPr lang="de-DE" sz="1100" kern="100">
+                        <a:effectLst/>
+                        <a:latin typeface="DengXian" panose="02010600030101010101" pitchFamily="2" charset="-122"/>
+                        <a:ea typeface="DengXian" panose="02010600030101010101" pitchFamily="2" charset="-122"/>
+                        <a:cs typeface="Arial" panose="020B0604020202020204" pitchFamily="34" charset="0"/>
+                      </a:endParaRPr>
+                    </a:p>
+                  </a:txBody>
+                  <a:tcPr marL="72384" marR="72384" marT="0" marB="0"/>
+                </a:tc>
+                <a:extLst>
+                  <a:ext uri="{0D108BD9-81ED-4DB2-BD59-A6C34878D82A}">
+                    <a16:rowId xmlns:a16="http://schemas.microsoft.com/office/drawing/2014/main" val="1592222469"/>
+                  </a:ext>
+                </a:extLst>
+              </a:tr>
+              <a:tr h="231629">
+                <a:tc>
+                  <a:txBody>
+                    <a:bodyPr/>
+                    <a:lstStyle/>
+                    <a:p>
+                      <a:pPr algn="just"/>
+                      <a:r>
+                        <a:rPr lang="en-US" sz="1300" kern="100">
+                          <a:effectLst/>
+                        </a:rPr>
+                        <a:t>Random-Baseline</a:t>
+                      </a:r>
+                      <a:endParaRPr lang="de-DE" sz="1100" kern="100">
+                        <a:effectLst/>
+                        <a:latin typeface="DengXian" panose="02010600030101010101" pitchFamily="2" charset="-122"/>
+                        <a:ea typeface="DengXian" panose="02010600030101010101" pitchFamily="2" charset="-122"/>
+                        <a:cs typeface="Arial" panose="020B0604020202020204" pitchFamily="34" charset="0"/>
+                      </a:endParaRPr>
+                    </a:p>
+                  </a:txBody>
+                  <a:tcPr marL="72384" marR="72384" marT="0" marB="0"/>
+                </a:tc>
+                <a:tc>
+                  <a:txBody>
+                    <a:bodyPr/>
+                    <a:lstStyle/>
+                    <a:p>
+                      <a:pPr algn="just"/>
+                      <a:r>
+                        <a:rPr lang="en-US" sz="1300" kern="100">
+                          <a:effectLst/>
+                        </a:rPr>
+                        <a:t>0.3274</a:t>
+                      </a:r>
+                      <a:endParaRPr lang="de-DE" sz="1100" kern="100">
+                        <a:effectLst/>
+                        <a:latin typeface="DengXian" panose="02010600030101010101" pitchFamily="2" charset="-122"/>
+                        <a:ea typeface="DengXian" panose="02010600030101010101" pitchFamily="2" charset="-122"/>
+                        <a:cs typeface="Arial" panose="020B0604020202020204" pitchFamily="34" charset="0"/>
+                      </a:endParaRPr>
+                    </a:p>
+                  </a:txBody>
+                  <a:tcPr marL="72384" marR="72384" marT="0" marB="0"/>
+                </a:tc>
+                <a:tc>
+                  <a:txBody>
+                    <a:bodyPr/>
+                    <a:lstStyle/>
+                    <a:p>
+                      <a:pPr algn="just"/>
+                      <a:r>
+                        <a:rPr lang="en-US" sz="1300" kern="100">
+                          <a:effectLst/>
+                        </a:rPr>
+                        <a:t>0.0010</a:t>
+                      </a:r>
+                      <a:endParaRPr lang="de-DE" sz="1100" kern="100">
+                        <a:effectLst/>
+                        <a:latin typeface="DengXian" panose="02010600030101010101" pitchFamily="2" charset="-122"/>
+                        <a:ea typeface="DengXian" panose="02010600030101010101" pitchFamily="2" charset="-122"/>
+                        <a:cs typeface="Arial" panose="020B0604020202020204" pitchFamily="34" charset="0"/>
+                      </a:endParaRPr>
+                    </a:p>
+                  </a:txBody>
+                  <a:tcPr marL="72384" marR="72384" marT="0" marB="0"/>
+                </a:tc>
+                <a:tc>
+                  <a:txBody>
+                    <a:bodyPr/>
+                    <a:lstStyle/>
+                    <a:p>
+                      <a:pPr algn="just"/>
+                      <a:r>
+                        <a:rPr lang="en-US" sz="1300" kern="100">
+                          <a:effectLst/>
+                        </a:rPr>
+                        <a:t> </a:t>
+                      </a:r>
+                      <a:endParaRPr lang="de-DE" sz="1100" kern="100">
+                        <a:effectLst/>
+                        <a:latin typeface="DengXian" panose="02010600030101010101" pitchFamily="2" charset="-122"/>
+                        <a:ea typeface="DengXian" panose="02010600030101010101" pitchFamily="2" charset="-122"/>
+                        <a:cs typeface="Arial" panose="020B0604020202020204" pitchFamily="34" charset="0"/>
+                      </a:endParaRPr>
+                    </a:p>
+                  </a:txBody>
+                  <a:tcPr marL="72384" marR="72384" marT="0" marB="0"/>
+                </a:tc>
+                <a:tc>
+                  <a:txBody>
+                    <a:bodyPr/>
+                    <a:lstStyle/>
+                    <a:p>
+                      <a:pPr algn="just"/>
+                      <a:r>
+                        <a:rPr lang="en-US" sz="1300" kern="100">
+                          <a:effectLst/>
+                        </a:rPr>
+                        <a:t>0.0373</a:t>
+                      </a:r>
+                      <a:endParaRPr lang="de-DE" sz="1100" kern="100">
+                        <a:effectLst/>
+                        <a:latin typeface="DengXian" panose="02010600030101010101" pitchFamily="2" charset="-122"/>
+                        <a:ea typeface="DengXian" panose="02010600030101010101" pitchFamily="2" charset="-122"/>
+                        <a:cs typeface="Arial" panose="020B0604020202020204" pitchFamily="34" charset="0"/>
+                      </a:endParaRPr>
+                    </a:p>
+                  </a:txBody>
+                  <a:tcPr marL="72384" marR="72384" marT="0" marB="0"/>
+                </a:tc>
+                <a:tc>
+                  <a:txBody>
+                    <a:bodyPr/>
+                    <a:lstStyle/>
+                    <a:p>
+                      <a:pPr algn="just"/>
+                      <a:r>
+                        <a:rPr lang="en-US" sz="1300" kern="100">
+                          <a:effectLst/>
+                        </a:rPr>
+                        <a:t> </a:t>
+                      </a:r>
+                      <a:endParaRPr lang="de-DE" sz="1100" kern="100">
+                        <a:effectLst/>
+                        <a:latin typeface="DengXian" panose="02010600030101010101" pitchFamily="2" charset="-122"/>
+                        <a:ea typeface="DengXian" panose="02010600030101010101" pitchFamily="2" charset="-122"/>
+                        <a:cs typeface="Arial" panose="020B0604020202020204" pitchFamily="34" charset="0"/>
+                      </a:endParaRPr>
+                    </a:p>
+                  </a:txBody>
+                  <a:tcPr marL="72384" marR="72384" marT="0" marB="0"/>
+                </a:tc>
+                <a:extLst>
+                  <a:ext uri="{0D108BD9-81ED-4DB2-BD59-A6C34878D82A}">
+                    <a16:rowId xmlns:a16="http://schemas.microsoft.com/office/drawing/2014/main" val="2511065317"/>
+                  </a:ext>
+                </a:extLst>
+              </a:tr>
+              <a:tr h="424652">
+                <a:tc>
+                  <a:txBody>
+                    <a:bodyPr/>
+                    <a:lstStyle/>
+                    <a:p>
+                      <a:pPr algn="just"/>
+                      <a:r>
+                        <a:rPr lang="en-US" sz="1300" kern="100">
+                          <a:effectLst/>
+                        </a:rPr>
+                        <a:t>Video-Based(cosine,vgg19)</a:t>
+                      </a:r>
+                      <a:endParaRPr lang="de-DE" sz="1100" kern="100">
+                        <a:effectLst/>
+                        <a:latin typeface="DengXian" panose="02010600030101010101" pitchFamily="2" charset="-122"/>
+                        <a:ea typeface="DengXian" panose="02010600030101010101" pitchFamily="2" charset="-122"/>
+                        <a:cs typeface="Arial" panose="020B0604020202020204" pitchFamily="34" charset="0"/>
+                      </a:endParaRPr>
+                    </a:p>
+                  </a:txBody>
+                  <a:tcPr marL="72384" marR="72384" marT="0" marB="0"/>
+                </a:tc>
+                <a:tc>
+                  <a:txBody>
+                    <a:bodyPr/>
+                    <a:lstStyle/>
+                    <a:p>
+                      <a:pPr algn="just"/>
+                      <a:r>
+                        <a:rPr lang="en-US" sz="1300" kern="100">
+                          <a:effectLst/>
+                        </a:rPr>
+                        <a:t>0.3278</a:t>
+                      </a:r>
+                      <a:endParaRPr lang="de-DE" sz="1100" kern="100">
+                        <a:effectLst/>
+                        <a:latin typeface="DengXian" panose="02010600030101010101" pitchFamily="2" charset="-122"/>
+                        <a:ea typeface="DengXian" panose="02010600030101010101" pitchFamily="2" charset="-122"/>
+                        <a:cs typeface="Arial" panose="020B0604020202020204" pitchFamily="34" charset="0"/>
+                      </a:endParaRPr>
+                    </a:p>
+                  </a:txBody>
+                  <a:tcPr marL="72384" marR="72384" marT="0" marB="0"/>
+                </a:tc>
+                <a:tc>
+                  <a:txBody>
+                    <a:bodyPr/>
+                    <a:lstStyle/>
+                    <a:p>
+                      <a:pPr algn="just"/>
+                      <a:r>
+                        <a:rPr lang="en-US" sz="1300" kern="100">
+                          <a:effectLst/>
+                        </a:rPr>
+                        <a:t>0.0010</a:t>
+                      </a:r>
+                      <a:endParaRPr lang="de-DE" sz="1100" kern="100">
+                        <a:effectLst/>
+                        <a:latin typeface="DengXian" panose="02010600030101010101" pitchFamily="2" charset="-122"/>
+                        <a:ea typeface="DengXian" panose="02010600030101010101" pitchFamily="2" charset="-122"/>
+                        <a:cs typeface="Arial" panose="020B0604020202020204" pitchFamily="34" charset="0"/>
+                      </a:endParaRPr>
+                    </a:p>
+                  </a:txBody>
+                  <a:tcPr marL="72384" marR="72384" marT="0" marB="0"/>
+                </a:tc>
+                <a:tc>
+                  <a:txBody>
+                    <a:bodyPr/>
+                    <a:lstStyle/>
+                    <a:p>
+                      <a:pPr algn="just"/>
+                      <a:r>
+                        <a:rPr lang="en-US" sz="1300" kern="100">
+                          <a:effectLst/>
+                        </a:rPr>
+                        <a:t>0.7176</a:t>
+                      </a:r>
+                      <a:endParaRPr lang="de-DE" sz="1100" kern="100">
+                        <a:effectLst/>
+                      </a:endParaRPr>
+                    </a:p>
+                    <a:p>
+                      <a:pPr algn="just"/>
+                      <a:r>
+                        <a:rPr lang="en-US" sz="1300" kern="100">
+                          <a:effectLst/>
+                        </a:rPr>
+                        <a:t> </a:t>
+                      </a:r>
+                      <a:endParaRPr lang="de-DE" sz="1100" kern="100">
+                        <a:effectLst/>
+                        <a:latin typeface="DengXian" panose="02010600030101010101" pitchFamily="2" charset="-122"/>
+                        <a:ea typeface="DengXian" panose="02010600030101010101" pitchFamily="2" charset="-122"/>
+                        <a:cs typeface="Arial" panose="020B0604020202020204" pitchFamily="34" charset="0"/>
+                      </a:endParaRPr>
+                    </a:p>
+                  </a:txBody>
+                  <a:tcPr marL="72384" marR="72384" marT="0" marB="0"/>
+                </a:tc>
+                <a:tc>
+                  <a:txBody>
+                    <a:bodyPr/>
+                    <a:lstStyle/>
+                    <a:p>
+                      <a:pPr algn="just"/>
+                      <a:r>
+                        <a:rPr lang="en-US" sz="1300" kern="100">
+                          <a:effectLst/>
+                        </a:rPr>
+                        <a:t>0.0373</a:t>
+                      </a:r>
+                      <a:endParaRPr lang="de-DE" sz="1100" kern="100">
+                        <a:effectLst/>
+                        <a:latin typeface="DengXian" panose="02010600030101010101" pitchFamily="2" charset="-122"/>
+                        <a:ea typeface="DengXian" panose="02010600030101010101" pitchFamily="2" charset="-122"/>
+                        <a:cs typeface="Arial" panose="020B0604020202020204" pitchFamily="34" charset="0"/>
+                      </a:endParaRPr>
+                    </a:p>
+                  </a:txBody>
+                  <a:tcPr marL="72384" marR="72384" marT="0" marB="0"/>
+                </a:tc>
+                <a:tc>
+                  <a:txBody>
+                    <a:bodyPr/>
+                    <a:lstStyle/>
+                    <a:p>
+                      <a:pPr algn="just"/>
+                      <a:r>
+                        <a:rPr lang="en-US" sz="1300" kern="100">
+                          <a:effectLst/>
+                        </a:rPr>
+                        <a:t>4.9715</a:t>
+                      </a:r>
+                      <a:r>
+                        <a:rPr lang="de-DE" sz="1100" kern="100">
+                          <a:effectLst/>
+                        </a:rPr>
+                        <a:t> </a:t>
+                      </a:r>
+                      <a:r>
+                        <a:rPr lang="en-US" sz="1300" kern="100">
+                          <a:effectLst/>
+                        </a:rPr>
+                        <a:t> </a:t>
+                      </a:r>
+                      <a:endParaRPr lang="de-DE" sz="1100" kern="100">
+                        <a:effectLst/>
+                        <a:latin typeface="DengXian" panose="02010600030101010101" pitchFamily="2" charset="-122"/>
+                        <a:ea typeface="DengXian" panose="02010600030101010101" pitchFamily="2" charset="-122"/>
+                        <a:cs typeface="Arial" panose="020B0604020202020204" pitchFamily="34" charset="0"/>
+                      </a:endParaRPr>
+                    </a:p>
+                  </a:txBody>
+                  <a:tcPr marL="72384" marR="72384" marT="0" marB="0"/>
+                </a:tc>
+                <a:extLst>
+                  <a:ext uri="{0D108BD9-81ED-4DB2-BD59-A6C34878D82A}">
+                    <a16:rowId xmlns:a16="http://schemas.microsoft.com/office/drawing/2014/main" val="2437706677"/>
+                  </a:ext>
+                </a:extLst>
+              </a:tr>
+              <a:tr h="231629">
+                <a:tc>
+                  <a:txBody>
+                    <a:bodyPr/>
+                    <a:lstStyle/>
+                    <a:p>
+                      <a:pPr algn="just"/>
+                      <a:r>
+                        <a:rPr lang="en-US" sz="1300" kern="100">
+                          <a:effectLst/>
+                        </a:rPr>
+                        <a:t>Early-Fusion</a:t>
+                      </a:r>
+                      <a:endParaRPr lang="de-DE" sz="1100" kern="100">
+                        <a:effectLst/>
+                        <a:latin typeface="DengXian" panose="02010600030101010101" pitchFamily="2" charset="-122"/>
+                        <a:ea typeface="DengXian" panose="02010600030101010101" pitchFamily="2" charset="-122"/>
+                        <a:cs typeface="Arial" panose="020B0604020202020204" pitchFamily="34" charset="0"/>
+                      </a:endParaRPr>
+                    </a:p>
+                  </a:txBody>
+                  <a:tcPr marL="72384" marR="72384" marT="0" marB="0"/>
+                </a:tc>
+                <a:tc>
+                  <a:txBody>
+                    <a:bodyPr/>
+                    <a:lstStyle/>
+                    <a:p>
+                      <a:pPr algn="just"/>
+                      <a:r>
+                        <a:rPr lang="en-US" sz="1300" kern="100">
+                          <a:effectLst/>
+                        </a:rPr>
+                        <a:t>0.3202</a:t>
+                      </a:r>
+                      <a:endParaRPr lang="de-DE" sz="1100" kern="100">
+                        <a:effectLst/>
+                        <a:latin typeface="DengXian" panose="02010600030101010101" pitchFamily="2" charset="-122"/>
+                        <a:ea typeface="DengXian" panose="02010600030101010101" pitchFamily="2" charset="-122"/>
+                        <a:cs typeface="Arial" panose="020B0604020202020204" pitchFamily="34" charset="0"/>
+                      </a:endParaRPr>
+                    </a:p>
+                  </a:txBody>
+                  <a:tcPr marL="72384" marR="72384" marT="0" marB="0"/>
+                </a:tc>
+                <a:tc>
+                  <a:txBody>
+                    <a:bodyPr/>
+                    <a:lstStyle/>
+                    <a:p>
+                      <a:pPr algn="just"/>
+                      <a:r>
+                        <a:rPr lang="en-US" sz="1300" kern="100">
+                          <a:effectLst/>
+                        </a:rPr>
+                        <a:t>0.0009</a:t>
+                      </a:r>
+                      <a:endParaRPr lang="de-DE" sz="1100" kern="100">
+                        <a:effectLst/>
+                        <a:latin typeface="DengXian" panose="02010600030101010101" pitchFamily="2" charset="-122"/>
+                        <a:ea typeface="DengXian" panose="02010600030101010101" pitchFamily="2" charset="-122"/>
+                        <a:cs typeface="Arial" panose="020B0604020202020204" pitchFamily="34" charset="0"/>
+                      </a:endParaRPr>
+                    </a:p>
+                  </a:txBody>
+                  <a:tcPr marL="72384" marR="72384" marT="0" marB="0"/>
+                </a:tc>
+                <a:tc>
+                  <a:txBody>
+                    <a:bodyPr/>
+                    <a:lstStyle/>
+                    <a:p>
+                      <a:pPr algn="just"/>
+                      <a:r>
+                        <a:rPr lang="en-US" sz="1300" kern="100" dirty="0">
+                          <a:effectLst/>
+                        </a:rPr>
+                        <a:t> </a:t>
+                      </a:r>
+                      <a:endParaRPr lang="de-DE" sz="1100" kern="100" dirty="0">
+                        <a:effectLst/>
+                        <a:latin typeface="DengXian" panose="02010600030101010101" pitchFamily="2" charset="-122"/>
+                        <a:ea typeface="DengXian" panose="02010600030101010101" pitchFamily="2" charset="-122"/>
+                        <a:cs typeface="Arial" panose="020B0604020202020204" pitchFamily="34" charset="0"/>
+                      </a:endParaRPr>
+                    </a:p>
+                  </a:txBody>
+                  <a:tcPr marL="72384" marR="72384" marT="0" marB="0"/>
+                </a:tc>
+                <a:tc>
+                  <a:txBody>
+                    <a:bodyPr/>
+                    <a:lstStyle/>
+                    <a:p>
+                      <a:pPr algn="just"/>
+                      <a:r>
+                        <a:rPr lang="en-US" sz="1300" kern="100">
+                          <a:effectLst/>
+                        </a:rPr>
+                        <a:t>0.0373</a:t>
+                      </a:r>
+                      <a:endParaRPr lang="de-DE" sz="1100" kern="100">
+                        <a:effectLst/>
+                        <a:latin typeface="DengXian" panose="02010600030101010101" pitchFamily="2" charset="-122"/>
+                        <a:ea typeface="DengXian" panose="02010600030101010101" pitchFamily="2" charset="-122"/>
+                        <a:cs typeface="Arial" panose="020B0604020202020204" pitchFamily="34" charset="0"/>
+                      </a:endParaRPr>
+                    </a:p>
+                  </a:txBody>
+                  <a:tcPr marL="72384" marR="72384" marT="0" marB="0"/>
+                </a:tc>
+                <a:tc>
+                  <a:txBody>
+                    <a:bodyPr/>
+                    <a:lstStyle/>
+                    <a:p>
+                      <a:pPr algn="just"/>
+                      <a:r>
+                        <a:rPr lang="en-US" sz="1300" kern="100">
+                          <a:effectLst/>
+                        </a:rPr>
+                        <a:t> </a:t>
+                      </a:r>
+                      <a:endParaRPr lang="de-DE" sz="1100" kern="100">
+                        <a:effectLst/>
+                        <a:latin typeface="DengXian" panose="02010600030101010101" pitchFamily="2" charset="-122"/>
+                        <a:ea typeface="DengXian" panose="02010600030101010101" pitchFamily="2" charset="-122"/>
+                        <a:cs typeface="Arial" panose="020B0604020202020204" pitchFamily="34" charset="0"/>
+                      </a:endParaRPr>
+                    </a:p>
+                  </a:txBody>
+                  <a:tcPr marL="72384" marR="72384" marT="0" marB="0"/>
+                </a:tc>
+                <a:extLst>
+                  <a:ext uri="{0D108BD9-81ED-4DB2-BD59-A6C34878D82A}">
+                    <a16:rowId xmlns:a16="http://schemas.microsoft.com/office/drawing/2014/main" val="656596174"/>
+                  </a:ext>
+                </a:extLst>
+              </a:tr>
+              <a:tr h="231629">
+                <a:tc>
+                  <a:txBody>
+                    <a:bodyPr/>
+                    <a:lstStyle/>
+                    <a:p>
+                      <a:pPr algn="just"/>
+                      <a:r>
+                        <a:rPr lang="en-US" sz="1300" kern="100">
+                          <a:effectLst/>
+                        </a:rPr>
+                        <a:t>Late-Fusion</a:t>
+                      </a:r>
+                      <a:endParaRPr lang="de-DE" sz="1100" kern="100">
+                        <a:effectLst/>
+                        <a:latin typeface="DengXian" panose="02010600030101010101" pitchFamily="2" charset="-122"/>
+                        <a:ea typeface="DengXian" panose="02010600030101010101" pitchFamily="2" charset="-122"/>
+                        <a:cs typeface="Arial" panose="020B0604020202020204" pitchFamily="34" charset="0"/>
+                      </a:endParaRPr>
+                    </a:p>
+                  </a:txBody>
+                  <a:tcPr marL="72384" marR="72384" marT="0" marB="0"/>
+                </a:tc>
+                <a:tc>
+                  <a:txBody>
+                    <a:bodyPr/>
+                    <a:lstStyle/>
+                    <a:p>
+                      <a:pPr algn="just"/>
+                      <a:r>
+                        <a:rPr lang="en-US" sz="1300" kern="100">
+                          <a:effectLst/>
+                        </a:rPr>
+                        <a:t>0.3301</a:t>
+                      </a:r>
+                      <a:endParaRPr lang="de-DE" sz="1100" kern="100">
+                        <a:effectLst/>
+                        <a:latin typeface="DengXian" panose="02010600030101010101" pitchFamily="2" charset="-122"/>
+                        <a:ea typeface="DengXian" panose="02010600030101010101" pitchFamily="2" charset="-122"/>
+                        <a:cs typeface="Arial" panose="020B0604020202020204" pitchFamily="34" charset="0"/>
+                      </a:endParaRPr>
+                    </a:p>
+                  </a:txBody>
+                  <a:tcPr marL="72384" marR="72384" marT="0" marB="0"/>
+                </a:tc>
+                <a:tc>
+                  <a:txBody>
+                    <a:bodyPr/>
+                    <a:lstStyle/>
+                    <a:p>
+                      <a:pPr algn="just"/>
+                      <a:r>
+                        <a:rPr lang="en-US" sz="1300" kern="100">
+                          <a:effectLst/>
+                        </a:rPr>
+                        <a:t>0.0009</a:t>
+                      </a:r>
+                      <a:endParaRPr lang="de-DE" sz="1100" kern="100">
+                        <a:effectLst/>
+                        <a:latin typeface="DengXian" panose="02010600030101010101" pitchFamily="2" charset="-122"/>
+                        <a:ea typeface="DengXian" panose="02010600030101010101" pitchFamily="2" charset="-122"/>
+                        <a:cs typeface="Arial" panose="020B0604020202020204" pitchFamily="34" charset="0"/>
+                      </a:endParaRPr>
+                    </a:p>
+                  </a:txBody>
+                  <a:tcPr marL="72384" marR="72384" marT="0" marB="0"/>
+                </a:tc>
+                <a:tc>
+                  <a:txBody>
+                    <a:bodyPr/>
+                    <a:lstStyle/>
+                    <a:p>
+                      <a:pPr algn="just"/>
+                      <a:r>
+                        <a:rPr lang="en-US" sz="1300" kern="100">
+                          <a:effectLst/>
+                        </a:rPr>
+                        <a:t> </a:t>
+                      </a:r>
+                      <a:endParaRPr lang="de-DE" sz="1100" kern="100">
+                        <a:effectLst/>
+                        <a:latin typeface="DengXian" panose="02010600030101010101" pitchFamily="2" charset="-122"/>
+                        <a:ea typeface="DengXian" panose="02010600030101010101" pitchFamily="2" charset="-122"/>
+                        <a:cs typeface="Arial" panose="020B0604020202020204" pitchFamily="34" charset="0"/>
+                      </a:endParaRPr>
+                    </a:p>
+                  </a:txBody>
+                  <a:tcPr marL="72384" marR="72384" marT="0" marB="0"/>
+                </a:tc>
+                <a:tc>
+                  <a:txBody>
+                    <a:bodyPr/>
+                    <a:lstStyle/>
+                    <a:p>
+                      <a:pPr algn="just"/>
+                      <a:r>
+                        <a:rPr lang="en-US" sz="1300" kern="100">
+                          <a:effectLst/>
+                        </a:rPr>
+                        <a:t>0.0373</a:t>
+                      </a:r>
+                      <a:endParaRPr lang="de-DE" sz="1100" kern="100">
+                        <a:effectLst/>
+                        <a:latin typeface="DengXian" panose="02010600030101010101" pitchFamily="2" charset="-122"/>
+                        <a:ea typeface="DengXian" panose="02010600030101010101" pitchFamily="2" charset="-122"/>
+                        <a:cs typeface="Arial" panose="020B0604020202020204" pitchFamily="34" charset="0"/>
+                      </a:endParaRPr>
+                    </a:p>
+                  </a:txBody>
+                  <a:tcPr marL="72384" marR="72384" marT="0" marB="0"/>
+                </a:tc>
+                <a:tc>
+                  <a:txBody>
+                    <a:bodyPr/>
+                    <a:lstStyle/>
+                    <a:p>
+                      <a:pPr algn="just"/>
+                      <a:r>
+                        <a:rPr lang="en-US" sz="1300" kern="100" dirty="0">
+                          <a:effectLst/>
+                        </a:rPr>
+                        <a:t> </a:t>
+                      </a:r>
+                      <a:endParaRPr lang="de-DE" sz="1100" kern="100" dirty="0">
+                        <a:effectLst/>
+                        <a:latin typeface="DengXian" panose="02010600030101010101" pitchFamily="2" charset="-122"/>
+                        <a:ea typeface="DengXian" panose="02010600030101010101" pitchFamily="2" charset="-122"/>
+                        <a:cs typeface="Arial" panose="020B0604020202020204" pitchFamily="34" charset="0"/>
+                      </a:endParaRPr>
+                    </a:p>
+                  </a:txBody>
+                  <a:tcPr marL="72384" marR="72384" marT="0" marB="0"/>
+                </a:tc>
+                <a:extLst>
+                  <a:ext uri="{0D108BD9-81ED-4DB2-BD59-A6C34878D82A}">
+                    <a16:rowId xmlns:a16="http://schemas.microsoft.com/office/drawing/2014/main" val="3812417479"/>
+                  </a:ext>
+                </a:extLst>
+              </a:tr>
+            </a:tbl>
+          </a:graphicData>
+        </a:graphic>
+      </p:graphicFrame>
     </p:spTree>
     <p:extLst>
       <p:ext uri="{BB962C8B-B14F-4D97-AF65-F5344CB8AC3E}">
@@ -15920,7 +17803,18 @@
             <a:pPr marL="0" indent="0">
               <a:buNone/>
             </a:pPr>
-            <a:endParaRPr lang="en-US" sz="1600" dirty="0"/>
+            <a:r>
+              <a:rPr lang="en-US" b="1" dirty="0"/>
+              <a:t>best avg. </a:t>
+            </a:r>
+            <a:r>
+              <a:rPr lang="en-US" b="1" dirty="0" err="1"/>
+              <a:t>nDCG</a:t>
+            </a:r>
+            <a:r>
+              <a:rPr lang="en-US" b="1" dirty="0"/>
+              <a:t>: </a:t>
+            </a:r>
           </a:p>
           <a:p>
             <a:pPr marL="0" indent="0">
@@ -16049,6 +17943,122 @@
         <p:txBody>
           <a:bodyPr/>
           <a:lstStyle/>
+          <a:p>
+            <a:pPr algn="just">
+              <a:lnSpc>
+                <a:spcPct val="110000"/>
+              </a:lnSpc>
+            </a:pPr>
+            <a:r>
+              <a:rPr lang="en-US" sz="1800" dirty="0"/>
+              <a:t>DataStax. „What Is Cosine Similarity? A Comprehensive Guide“. </a:t>
+            </a:r>
+            <a:r>
+              <a:rPr lang="en-US" sz="1800" dirty="0" err="1"/>
+              <a:t>Zugegriffen</a:t>
+            </a:r>
+            <a:r>
+              <a:rPr lang="en-US" sz="1800" dirty="0"/>
+              <a:t> 17. </a:t>
+            </a:r>
+            <a:r>
+              <a:rPr lang="en-US" sz="1800" dirty="0" err="1"/>
+              <a:t>Januar</a:t>
+            </a:r>
+            <a:r>
+              <a:rPr lang="en-US" sz="1800" dirty="0"/>
+              <a:t> 2024. </a:t>
+            </a:r>
+            <a:r>
+              <a:rPr lang="en-US" sz="1800" dirty="0">
+                <a:hlinkClick r:id="rId2"/>
+              </a:rPr>
+              <a:t>https://www.datastax.com/guides/what-is-cosine-similarity</a:t>
+            </a:r>
+            <a:r>
+              <a:rPr lang="en-US" sz="1800" dirty="0"/>
+              <a:t>.</a:t>
+            </a:r>
+          </a:p>
+          <a:p>
+            <a:pPr marL="0" indent="0" algn="just">
+              <a:lnSpc>
+                <a:spcPct val="110000"/>
+              </a:lnSpc>
+              <a:buNone/>
+            </a:pPr>
+            <a:endParaRPr lang="en-US" dirty="0"/>
+          </a:p>
+          <a:p>
+            <a:r>
+              <a:rPr lang="de-DE" dirty="0" err="1"/>
+              <a:t>Depeursinge</a:t>
+            </a:r>
+            <a:r>
+              <a:rPr lang="de-DE" dirty="0"/>
+              <a:t>, Adrien, und Henning Müller. „Fusion </a:t>
+            </a:r>
+            <a:r>
+              <a:rPr lang="de-DE" dirty="0" err="1"/>
+              <a:t>Techniques</a:t>
+            </a:r>
+            <a:r>
+              <a:rPr lang="de-DE" dirty="0"/>
+              <a:t> </a:t>
+            </a:r>
+            <a:r>
+              <a:rPr lang="de-DE" dirty="0" err="1"/>
+              <a:t>for</a:t>
+            </a:r>
+            <a:r>
+              <a:rPr lang="de-DE" dirty="0"/>
+              <a:t> </a:t>
+            </a:r>
+            <a:r>
+              <a:rPr lang="de-DE" dirty="0" err="1"/>
+              <a:t>Combining</a:t>
+            </a:r>
+            <a:r>
+              <a:rPr lang="de-DE" dirty="0"/>
+              <a:t> </a:t>
+            </a:r>
+            <a:r>
+              <a:rPr lang="de-DE" dirty="0" err="1"/>
+              <a:t>Textual</a:t>
+            </a:r>
+            <a:r>
+              <a:rPr lang="de-DE" dirty="0"/>
+              <a:t> and Visual Information Retrieval“. In </a:t>
+            </a:r>
+            <a:r>
+              <a:rPr lang="de-DE" i="1" dirty="0" err="1"/>
+              <a:t>ImageCLEF</a:t>
+            </a:r>
+            <a:r>
+              <a:rPr lang="de-DE" i="1" dirty="0"/>
+              <a:t>: Experimental Evaluation in Visual Information Retrieval</a:t>
+            </a:r>
+            <a:r>
+              <a:rPr lang="de-DE" dirty="0"/>
+              <a:t>, herausgegeben von Henning Müller, Paul Clough, Thomas Deselaers, und Barbara Caputo, 95–114. Berlin, Heidelberg: Springer Berlin Heidelberg, 2010. </a:t>
+            </a:r>
+            <a:r>
+              <a:rPr lang="de-DE" dirty="0">
+                <a:hlinkClick r:id="rId3"/>
+              </a:rPr>
+              <a:t>https://doi.org/10.1007/978-3-642-15181-1_6</a:t>
+            </a:r>
+            <a:r>
+              <a:rPr lang="de-DE" dirty="0"/>
+              <a:t>.</a:t>
+            </a:r>
+          </a:p>
+          <a:p>
+            <a:pPr marL="0" indent="0">
+              <a:buNone/>
+            </a:pPr>
+            <a:endParaRPr lang="en-US" dirty="0"/>
+          </a:p>
           <a:p>
             <a:endParaRPr lang="de-DE" dirty="0"/>
           </a:p>
@@ -16761,7 +18771,7 @@
         <p:spPr>
           <a:xfrm>
             <a:off x="674703" y="1349406"/>
-            <a:ext cx="10164932" cy="2308324"/>
+            <a:ext cx="10164932" cy="3139321"/>
           </a:xfrm>
           <a:prstGeom prst="rect">
             <a:avLst/>
@@ -16817,22 +18827,6 @@
             </a:pPr>
             <a:r>
               <a:rPr lang="de-AT" dirty="0" err="1"/>
-              <a:t>It</a:t>
-            </a:r>
-            <a:r>
-              <a:rPr lang="de-AT" dirty="0"/>
-              <a:t> </a:t>
-            </a:r>
-            <a:r>
-              <a:rPr lang="de-AT" dirty="0" err="1"/>
-              <a:t>is</a:t>
-            </a:r>
-            <a:r>
-              <a:rPr lang="de-AT" dirty="0"/>
-              <a:t> </a:t>
-            </a:r>
-            <a:r>
-              <a:rPr lang="de-AT" dirty="0" err="1"/>
               <a:t>scale</a:t>
             </a:r>
             <a:r>
@@ -16859,11 +18853,19 @@
             </a:r>
             <a:r>
               <a:rPr lang="de-AT" dirty="0"/>
-              <a:t> (</a:t>
+              <a:t> (PCA </a:t>
             </a:r>
             <a:r>
               <a:rPr lang="de-AT" dirty="0" err="1"/>
-              <a:t>because</a:t>
+              <a:t>used</a:t>
+            </a:r>
+            <a:r>
+              <a:rPr lang="de-AT" dirty="0"/>
+              <a:t> in </a:t>
+            </a:r>
+            <a:r>
+              <a:rPr lang="de-AT" dirty="0" err="1"/>
+              <a:t>early</a:t>
             </a:r>
             <a:r>
               <a:rPr lang="de-AT" dirty="0"/>
@@ -16871,23 +18873,7 @@
             </a:r>
             <a:r>
               <a:rPr lang="de-AT" dirty="0" err="1"/>
-              <a:t>we</a:t>
-            </a:r>
-            <a:r>
-              <a:rPr lang="de-AT" dirty="0"/>
-              <a:t> </a:t>
-            </a:r>
-            <a:r>
-              <a:rPr lang="de-AT" dirty="0" err="1"/>
-              <a:t>used</a:t>
-            </a:r>
-            <a:r>
-              <a:rPr lang="de-AT" dirty="0"/>
-              <a:t> PCA -&gt; TODO: Further </a:t>
-            </a:r>
-            <a:r>
-              <a:rPr lang="de-AT" dirty="0" err="1"/>
-              <a:t>explaination</a:t>
+              <a:t>fusion</a:t>
             </a:r>
             <a:r>
               <a:rPr lang="de-AT" dirty="0"/>
@@ -16903,7 +18889,10 @@
               <a:rPr lang="de-AT" dirty="0" err="1"/>
               <a:t>Simplicity</a:t>
             </a:r>
-            <a:endParaRPr lang="de-AT" dirty="0"/>
+            <a:r>
+              <a:rPr lang="de-AT" dirty="0"/>
+              <a:t> </a:t>
+            </a:r>
           </a:p>
           <a:p>
             <a:pPr marL="285750" indent="-285750">
@@ -16962,6 +18951,77 @@
               <a:rPr lang="de-AT" dirty="0" err="1"/>
               <a:t>analysis</a:t>
             </a:r>
+            <a:endParaRPr lang="de-AT" dirty="0"/>
+          </a:p>
+          <a:p>
+            <a:pPr marL="285750" indent="-285750">
+              <a:buFont typeface="Arial" panose="020B0604020202020204" pitchFamily="34" charset="0"/>
+              <a:buChar char="•"/>
+            </a:pPr>
+            <a:r>
+              <a:rPr lang="de-AT" dirty="0" err="1"/>
+              <a:t>Useful</a:t>
+            </a:r>
+            <a:r>
+              <a:rPr lang="de-AT" dirty="0"/>
+              <a:t> </a:t>
+            </a:r>
+            <a:r>
+              <a:rPr lang="de-AT" dirty="0" err="1"/>
+              <a:t>for</a:t>
+            </a:r>
+            <a:r>
+              <a:rPr lang="de-AT" dirty="0"/>
+              <a:t> </a:t>
+            </a:r>
+            <a:r>
+              <a:rPr lang="de-AT" dirty="0" err="1"/>
+              <a:t>vectorization</a:t>
+            </a:r>
+            <a:r>
+              <a:rPr lang="de-AT" dirty="0"/>
+              <a:t> (</a:t>
+            </a:r>
+            <a:r>
+              <a:rPr lang="de-AT" dirty="0" err="1"/>
+              <a:t>cosine</a:t>
+            </a:r>
+            <a:r>
+              <a:rPr lang="de-AT" dirty="0"/>
+              <a:t> </a:t>
+            </a:r>
+            <a:r>
+              <a:rPr lang="de-AT" dirty="0" err="1"/>
+              <a:t>similarity</a:t>
+            </a:r>
+            <a:r>
+              <a:rPr lang="de-AT" dirty="0"/>
+              <a:t> </a:t>
+            </a:r>
+            <a:r>
+              <a:rPr lang="de-AT" dirty="0" err="1"/>
+              <a:t>matrix</a:t>
+            </a:r>
+            <a:r>
+              <a:rPr lang="de-AT" dirty="0"/>
+              <a:t>)</a:t>
+            </a:r>
+          </a:p>
+          <a:p>
+            <a:pPr marL="285750" indent="-285750">
+              <a:buFont typeface="Arial" panose="020B0604020202020204" pitchFamily="34" charset="0"/>
+              <a:buChar char="•"/>
+            </a:pPr>
+            <a:r>
+              <a:rPr lang="en-US" dirty="0"/>
+              <a:t>No significant difference to Euclidean distance </a:t>
+            </a:r>
+          </a:p>
+          <a:p>
+            <a:pPr marL="285750" indent="-285750">
+              <a:buFont typeface="Arial" panose="020B0604020202020204" pitchFamily="34" charset="0"/>
+              <a:buChar char="•"/>
+            </a:pPr>
             <a:endParaRPr lang="de-AT" dirty="0"/>
           </a:p>
         </p:txBody>
@@ -17075,7 +19135,7 @@
         <p:spPr>
           <a:xfrm>
             <a:off x="780176" y="1291905"/>
-            <a:ext cx="9605395" cy="923330"/>
+            <a:ext cx="9605395" cy="1754326"/>
           </a:xfrm>
           <a:prstGeom prst="rect">
             <a:avLst/>
@@ -17088,55 +19148,58 @@
           </a:bodyPr>
           <a:lstStyle/>
           <a:p>
+            <a:pPr marL="285750" indent="-285750">
+              <a:buFont typeface="Arial" panose="020B0604020202020204" pitchFamily="34" charset="0"/>
+              <a:buChar char="•"/>
+            </a:pPr>
             <a:r>
               <a:rPr lang="en-US" dirty="0"/>
-              <a:t>To improve the performance, when calculating the evaluation measures over all possible query tracks we created a cosine-similarity matrix which accelerated the execution of the code immensely</a:t>
-            </a:r>
+              <a:t>First calculate similarity of all queries to all queries</a:t>
+            </a:r>
+          </a:p>
+          <a:p>
+            <a:pPr marL="285750" indent="-285750">
+              <a:buFont typeface="Arial" panose="020B0604020202020204" pitchFamily="34" charset="0"/>
+              <a:buChar char="•"/>
+            </a:pPr>
+            <a:r>
+              <a:rPr lang="en-US" dirty="0"/>
+              <a:t>Save as cosine similarity matrix</a:t>
+            </a:r>
+          </a:p>
+          <a:p>
+            <a:pPr marL="285750" indent="-285750">
+              <a:buFont typeface="Arial" panose="020B0604020202020204" pitchFamily="34" charset="0"/>
+              <a:buChar char="•"/>
+            </a:pPr>
+            <a:r>
+              <a:rPr lang="en-US" dirty="0"/>
+              <a:t>Reuse similarity matrix for all queries</a:t>
+            </a:r>
+          </a:p>
+          <a:p>
+            <a:pPr marL="285750" indent="-285750">
+              <a:buFont typeface="Arial" panose="020B0604020202020204" pitchFamily="34" charset="0"/>
+              <a:buChar char="•"/>
+            </a:pPr>
+            <a:r>
+              <a:rPr lang="en-US" dirty="0"/>
+              <a:t>Performance improvement </a:t>
+            </a:r>
+          </a:p>
+          <a:p>
+            <a:pPr marL="285750" indent="-285750">
+              <a:buFont typeface="Arial" panose="020B0604020202020204" pitchFamily="34" charset="0"/>
+              <a:buChar char="•"/>
+            </a:pPr>
+            <a:endParaRPr lang="en-US" dirty="0"/>
+          </a:p>
+          <a:p>
+            <a:pPr marL="285750" indent="-285750">
+              <a:buFont typeface="Arial" panose="020B0604020202020204" pitchFamily="34" charset="0"/>
+              <a:buChar char="•"/>
+            </a:pPr>
             <a:endParaRPr lang="de-DE" dirty="0"/>
-          </a:p>
-        </p:txBody>
-      </p:sp>
-      <p:sp>
-        <p:nvSpPr>
-          <p:cNvPr id="4" name="Textfeld 3">
-            <a:extLst>
-              <a:ext uri="{FF2B5EF4-FFF2-40B4-BE49-F238E27FC236}">
-                <a16:creationId xmlns:a16="http://schemas.microsoft.com/office/drawing/2014/main" id="{82F31FE6-F815-4353-DD9B-3DAADBEFB107}"/>
-              </a:ext>
-            </a:extLst>
-          </p:cNvPr>
-          <p:cNvSpPr txBox="1"/>
-          <p:nvPr/>
-        </p:nvSpPr>
-        <p:spPr>
-          <a:xfrm>
-            <a:off x="989901" y="2097248"/>
-            <a:ext cx="9395670" cy="369332"/>
-          </a:xfrm>
-          <a:prstGeom prst="rect">
-            <a:avLst/>
-          </a:prstGeom>
-          <a:noFill/>
-        </p:spPr>
-        <p:txBody>
-          <a:bodyPr wrap="square" rtlCol="0">
-            <a:spAutoFit/>
-          </a:bodyPr>
-          <a:lstStyle/>
-          <a:p>
-            <a:r>
-              <a:rPr lang="en-US" dirty="0">
-                <a:solidFill>
-                  <a:srgbClr val="FF0000"/>
-                </a:solidFill>
-              </a:rPr>
-              <a:t>TODO: Add explanation of Cosine-Similarity Matrix</a:t>
-            </a:r>
-            <a:endParaRPr lang="de-DE" dirty="0">
-              <a:solidFill>
-                <a:srgbClr val="FF0000"/>
-              </a:solidFill>
-            </a:endParaRPr>
           </a:p>
         </p:txBody>
       </p:sp>
@@ -17214,7 +19277,7 @@
         <p:spPr>
           <a:xfrm>
             <a:off x="713064" y="1191237"/>
-            <a:ext cx="9865453" cy="5940088"/>
+            <a:ext cx="9865453" cy="4893647"/>
           </a:xfrm>
           <a:prstGeom prst="rect">
             <a:avLst/>
@@ -17329,21 +19392,6 @@
               <a:buFont typeface="Arial" panose="020B0604020202020204" pitchFamily="34" charset="0"/>
               <a:buChar char="•"/>
             </a:pPr>
-            <a:endParaRPr lang="en-US" dirty="0"/>
-          </a:p>
-          <a:p>
-            <a:r>
-              <a:rPr lang="en-US" dirty="0"/>
-              <a:t>We did not notice a significant difference in the results, as well as precision and recall when </a:t>
-            </a:r>
-          </a:p>
-          <a:p>
-            <a:r>
-              <a:rPr lang="en-US" dirty="0"/>
-              <a:t>Running these functions with the Euclidean-distance similarity measure. </a:t>
-            </a:r>
-          </a:p>
-          <a:p>
             <a:endParaRPr lang="en-US" dirty="0"/>
           </a:p>
           <a:p>
@@ -17374,7 +19422,7 @@
 </file>
 
 <file path=ppt/slides/slide8.xml><?xml version="1.0" encoding="utf-8"?>
-<p:sld xmlns:a="http://schemas.openxmlformats.org/drawingml/2006/main" xmlns:r="http://schemas.openxmlformats.org/officeDocument/2006/relationships" xmlns:p="http://schemas.openxmlformats.org/presentationml/2006/main">
+<p:sld xmlns:a="http://schemas.openxmlformats.org/drawingml/2006/main" xmlns:r="http://schemas.openxmlformats.org/officeDocument/2006/relationships" xmlns:p="http://schemas.openxmlformats.org/presentationml/2006/main" show="0">
   <p:cSld>
     <p:spTree>
       <p:nvGrpSpPr>
@@ -18679,7 +20727,7 @@
 </file>
 
 <file path=ppt/slides/slide9.xml><?xml version="1.0" encoding="utf-8"?>
-<p:sld xmlns:a="http://schemas.openxmlformats.org/drawingml/2006/main" xmlns:r="http://schemas.openxmlformats.org/officeDocument/2006/relationships" xmlns:p="http://schemas.openxmlformats.org/presentationml/2006/main">
+<p:sld xmlns:a="http://schemas.openxmlformats.org/drawingml/2006/main" xmlns:r="http://schemas.openxmlformats.org/officeDocument/2006/relationships" xmlns:p="http://schemas.openxmlformats.org/presentationml/2006/main" show="0">
   <p:cSld>
     <p:spTree>
       <p:nvGrpSpPr>

--- a/project_3_team_E/Final Presentation.pptx
+++ b/project_3_team_E/Final Presentation.pptx
@@ -287,7 +287,7 @@
           <a:p>
             <a:fld id="{5C731D18-B53C-4622-9947-A3FBDDB0C9B1}" type="slidenum">
               <a:rPr lang="de-AT" smtClean="0"/>
-              <a:t>‹Nr.›</a:t>
+              <a:t>‹#›</a:t>
             </a:fld>
             <a:endParaRPr lang="de-AT"/>
           </a:p>
@@ -545,7 +545,7 @@
           <a:p>
             <a:fld id="{BEF2A079-E7F8-4A78-8EEA-DD00A8D5DE37}" type="slidenum">
               <a:rPr lang="de-AT" smtClean="0"/>
-              <a:t>‹Nr.›</a:t>
+              <a:t>‹#›</a:t>
             </a:fld>
             <a:endParaRPr lang="de-AT"/>
           </a:p>
@@ -988,10 +988,6 @@
           <a:bodyPr/>
           <a:lstStyle/>
           <a:p>
-            <a:r>
-              <a:rPr lang="en-US"/>
-              <a:t>12/14/2015</a:t>
-            </a:r>
             <a:endParaRPr lang="en-US" dirty="0"/>
           </a:p>
         </p:txBody>
@@ -1011,10 +1007,6 @@
           <a:bodyPr/>
           <a:lstStyle/>
           <a:p>
-            <a:r>
-              <a:rPr lang="en-US"/>
-              <a:t>Space for author and course number </a:t>
-            </a:r>
             <a:endParaRPr lang="en-US" dirty="0"/>
           </a:p>
         </p:txBody>
@@ -1037,7 +1029,7 @@
             <a:fld id="{2E1B1CB6-5C5C-443C-B788-F7ADFC29778E}" type="slidenum">
               <a:rPr lang="en-US" smtClean="0"/>
               <a:pPr/>
-              <a:t>‹Nr.›</a:t>
+              <a:t>‹#›</a:t>
             </a:fld>
             <a:endParaRPr lang="en-US" dirty="0"/>
           </a:p>
@@ -1247,10 +1239,6 @@
           <a:bodyPr/>
           <a:lstStyle/>
           <a:p>
-            <a:r>
-              <a:rPr lang="en-US"/>
-              <a:t>12/14/2015</a:t>
-            </a:r>
             <a:endParaRPr lang="en-US" dirty="0"/>
           </a:p>
         </p:txBody>
@@ -1270,10 +1258,6 @@
           <a:bodyPr/>
           <a:lstStyle/>
           <a:p>
-            <a:r>
-              <a:rPr lang="en-US"/>
-              <a:t>Space for author and course number </a:t>
-            </a:r>
             <a:endParaRPr lang="en-US" dirty="0"/>
           </a:p>
         </p:txBody>
@@ -1296,7 +1280,7 @@
             <a:fld id="{2E1B1CB6-5C5C-443C-B788-F7ADFC29778E}" type="slidenum">
               <a:rPr lang="en-US" smtClean="0"/>
               <a:pPr/>
-              <a:t>‹Nr.›</a:t>
+              <a:t>‹#›</a:t>
             </a:fld>
             <a:endParaRPr lang="en-US" dirty="0"/>
           </a:p>
@@ -1497,10 +1481,6 @@
           <a:bodyPr/>
           <a:lstStyle/>
           <a:p>
-            <a:r>
-              <a:rPr lang="en-US"/>
-              <a:t>12/14/2015</a:t>
-            </a:r>
             <a:endParaRPr lang="en-US" dirty="0"/>
           </a:p>
         </p:txBody>
@@ -1520,10 +1500,6 @@
           <a:bodyPr/>
           <a:lstStyle/>
           <a:p>
-            <a:r>
-              <a:rPr lang="en-US"/>
-              <a:t>Space for author and course number </a:t>
-            </a:r>
             <a:endParaRPr lang="en-US" dirty="0"/>
           </a:p>
         </p:txBody>
@@ -1546,7 +1522,7 @@
             <a:fld id="{2E1B1CB6-5C5C-443C-B788-F7ADFC29778E}" type="slidenum">
               <a:rPr lang="en-US" smtClean="0"/>
               <a:pPr/>
-              <a:t>‹Nr.›</a:t>
+              <a:t>‹#›</a:t>
             </a:fld>
             <a:endParaRPr lang="en-US" dirty="0"/>
           </a:p>
@@ -1898,10 +1874,6 @@
           <a:bodyPr/>
           <a:lstStyle/>
           <a:p>
-            <a:r>
-              <a:rPr lang="en-US"/>
-              <a:t>12/14/2015</a:t>
-            </a:r>
             <a:endParaRPr lang="en-US" dirty="0"/>
           </a:p>
         </p:txBody>
@@ -1921,10 +1893,6 @@
           <a:bodyPr/>
           <a:lstStyle/>
           <a:p>
-            <a:r>
-              <a:rPr lang="en-US"/>
-              <a:t>Space for author and course number </a:t>
-            </a:r>
             <a:endParaRPr lang="en-US" dirty="0"/>
           </a:p>
         </p:txBody>
@@ -1947,7 +1915,7 @@
             <a:fld id="{2E1B1CB6-5C5C-443C-B788-F7ADFC29778E}" type="slidenum">
               <a:rPr lang="en-US" smtClean="0"/>
               <a:pPr/>
-              <a:t>‹Nr.›</a:t>
+              <a:t>‹#›</a:t>
             </a:fld>
             <a:endParaRPr lang="en-US" dirty="0"/>
           </a:p>
@@ -2146,10 +2114,6 @@
           <a:bodyPr/>
           <a:lstStyle/>
           <a:p>
-            <a:r>
-              <a:rPr lang="en-US"/>
-              <a:t>12/14/2015</a:t>
-            </a:r>
             <a:endParaRPr lang="en-US" dirty="0"/>
           </a:p>
         </p:txBody>
@@ -2169,10 +2133,6 @@
           <a:bodyPr/>
           <a:lstStyle/>
           <a:p>
-            <a:r>
-              <a:rPr lang="en-US"/>
-              <a:t>Space for author and course number </a:t>
-            </a:r>
             <a:endParaRPr lang="en-US" dirty="0"/>
           </a:p>
         </p:txBody>
@@ -2195,7 +2155,7 @@
             <a:fld id="{2E1B1CB6-5C5C-443C-B788-F7ADFC29778E}" type="slidenum">
               <a:rPr lang="en-US" smtClean="0"/>
               <a:pPr/>
-              <a:t>‹Nr.›</a:t>
+              <a:t>‹#›</a:t>
             </a:fld>
             <a:endParaRPr lang="en-US" dirty="0"/>
           </a:p>
@@ -2336,10 +2296,6 @@
           <a:bodyPr/>
           <a:lstStyle/>
           <a:p>
-            <a:r>
-              <a:rPr lang="en-US"/>
-              <a:t>12/14/2015</a:t>
-            </a:r>
             <a:endParaRPr lang="en-US" dirty="0"/>
           </a:p>
         </p:txBody>
@@ -2359,10 +2315,6 @@
           <a:bodyPr/>
           <a:lstStyle/>
           <a:p>
-            <a:r>
-              <a:rPr lang="en-US"/>
-              <a:t>Space for author and course number </a:t>
-            </a:r>
             <a:endParaRPr lang="en-US" dirty="0"/>
           </a:p>
         </p:txBody>
@@ -2385,7 +2337,7 @@
             <a:fld id="{2E1B1CB6-5C5C-443C-B788-F7ADFC29778E}" type="slidenum">
               <a:rPr lang="en-US" smtClean="0"/>
               <a:pPr/>
-              <a:t>‹Nr.›</a:t>
+              <a:t>‹#›</a:t>
             </a:fld>
             <a:endParaRPr lang="en-US" dirty="0"/>
           </a:p>
@@ -3149,10 +3101,6 @@
           <a:bodyPr/>
           <a:lstStyle/>
           <a:p>
-            <a:r>
-              <a:rPr lang="en-US"/>
-              <a:t>12/14/2015</a:t>
-            </a:r>
             <a:endParaRPr lang="en-US" dirty="0"/>
           </a:p>
         </p:txBody>
@@ -3172,10 +3120,6 @@
           <a:bodyPr/>
           <a:lstStyle/>
           <a:p>
-            <a:r>
-              <a:rPr lang="en-US"/>
-              <a:t>Space for author and course number </a:t>
-            </a:r>
             <a:endParaRPr lang="en-US" dirty="0"/>
           </a:p>
         </p:txBody>
@@ -3198,7 +3142,7 @@
             <a:fld id="{2E1B1CB6-5C5C-443C-B788-F7ADFC29778E}" type="slidenum">
               <a:rPr lang="en-US" smtClean="0"/>
               <a:pPr/>
-              <a:t>‹Nr.›</a:t>
+              <a:t>‹#›</a:t>
             </a:fld>
             <a:endParaRPr lang="en-US" dirty="0"/>
           </a:p>
@@ -4399,10 +4343,6 @@
           <a:bodyPr/>
           <a:lstStyle/>
           <a:p>
-            <a:r>
-              <a:rPr lang="en-US"/>
-              <a:t>12/14/2015</a:t>
-            </a:r>
             <a:endParaRPr lang="en-US" dirty="0"/>
           </a:p>
         </p:txBody>
@@ -4422,10 +4362,6 @@
           <a:bodyPr/>
           <a:lstStyle/>
           <a:p>
-            <a:r>
-              <a:rPr lang="en-US"/>
-              <a:t>Space for author and course number </a:t>
-            </a:r>
             <a:endParaRPr lang="en-US" dirty="0"/>
           </a:p>
         </p:txBody>
@@ -4448,7 +4384,7 @@
             <a:fld id="{2E1B1CB6-5C5C-443C-B788-F7ADFC29778E}" type="slidenum">
               <a:rPr lang="en-US" smtClean="0"/>
               <a:pPr/>
-              <a:t>‹Nr.›</a:t>
+              <a:t>‹#›</a:t>
             </a:fld>
             <a:endParaRPr lang="en-US" dirty="0"/>
           </a:p>
@@ -5231,10 +5167,6 @@
           <a:bodyPr/>
           <a:lstStyle/>
           <a:p>
-            <a:r>
-              <a:rPr lang="en-US"/>
-              <a:t>12/14/2015</a:t>
-            </a:r>
             <a:endParaRPr lang="en-US" dirty="0"/>
           </a:p>
         </p:txBody>
@@ -5254,10 +5186,6 @@
           <a:bodyPr/>
           <a:lstStyle/>
           <a:p>
-            <a:r>
-              <a:rPr lang="en-US"/>
-              <a:t>Space for author and course number </a:t>
-            </a:r>
             <a:endParaRPr lang="en-US" dirty="0"/>
           </a:p>
         </p:txBody>
@@ -5280,7 +5208,7 @@
             <a:fld id="{2E1B1CB6-5C5C-443C-B788-F7ADFC29778E}" type="slidenum">
               <a:rPr lang="en-US" smtClean="0"/>
               <a:pPr/>
-              <a:t>‹Nr.›</a:t>
+              <a:t>‹#›</a:t>
             </a:fld>
             <a:endParaRPr lang="en-US" dirty="0"/>
           </a:p>
@@ -6063,10 +5991,6 @@
           <a:bodyPr/>
           <a:lstStyle/>
           <a:p>
-            <a:r>
-              <a:rPr lang="en-US"/>
-              <a:t>12/14/2015</a:t>
-            </a:r>
             <a:endParaRPr lang="en-US" dirty="0"/>
           </a:p>
         </p:txBody>
@@ -6086,10 +6010,6 @@
           <a:bodyPr/>
           <a:lstStyle/>
           <a:p>
-            <a:r>
-              <a:rPr lang="en-US"/>
-              <a:t>Space for author and course number </a:t>
-            </a:r>
             <a:endParaRPr lang="en-US" dirty="0"/>
           </a:p>
         </p:txBody>
@@ -6112,7 +6032,7 @@
             <a:fld id="{2E1B1CB6-5C5C-443C-B788-F7ADFC29778E}" type="slidenum">
               <a:rPr lang="en-US" smtClean="0"/>
               <a:pPr/>
-              <a:t>‹Nr.›</a:t>
+              <a:t>‹#›</a:t>
             </a:fld>
             <a:endParaRPr lang="en-US" dirty="0"/>
           </a:p>
@@ -6840,10 +6760,6 @@
           <a:bodyPr/>
           <a:lstStyle/>
           <a:p>
-            <a:r>
-              <a:rPr lang="en-US"/>
-              <a:t>12/14/2015</a:t>
-            </a:r>
             <a:endParaRPr lang="en-US" dirty="0"/>
           </a:p>
         </p:txBody>
@@ -6863,10 +6779,6 @@
           <a:bodyPr/>
           <a:lstStyle/>
           <a:p>
-            <a:r>
-              <a:rPr lang="en-US"/>
-              <a:t>Space for author and course number </a:t>
-            </a:r>
             <a:endParaRPr lang="en-US" dirty="0"/>
           </a:p>
         </p:txBody>
@@ -6889,7 +6801,7 @@
             <a:fld id="{2E1B1CB6-5C5C-443C-B788-F7ADFC29778E}" type="slidenum">
               <a:rPr lang="en-US" smtClean="0"/>
               <a:pPr/>
-              <a:t>‹Nr.›</a:t>
+              <a:t>‹#›</a:t>
             </a:fld>
             <a:endParaRPr lang="en-US" dirty="0"/>
           </a:p>
@@ -7169,10 +7081,6 @@
           <a:bodyPr/>
           <a:lstStyle/>
           <a:p>
-            <a:r>
-              <a:rPr lang="en-US"/>
-              <a:t>12/14/2015</a:t>
-            </a:r>
             <a:endParaRPr lang="en-US" dirty="0"/>
           </a:p>
         </p:txBody>
@@ -7192,10 +7100,6 @@
           <a:bodyPr/>
           <a:lstStyle/>
           <a:p>
-            <a:r>
-              <a:rPr lang="en-US"/>
-              <a:t>Space for author and course number </a:t>
-            </a:r>
             <a:endParaRPr lang="en-US" dirty="0"/>
           </a:p>
         </p:txBody>
@@ -7218,7 +7122,7 @@
             <a:fld id="{2E1B1CB6-5C5C-443C-B788-F7ADFC29778E}" type="slidenum">
               <a:rPr lang="en-US" smtClean="0"/>
               <a:pPr/>
-              <a:t>‹Nr.›</a:t>
+              <a:t>‹#›</a:t>
             </a:fld>
             <a:endParaRPr lang="en-US" dirty="0"/>
           </a:p>
@@ -7285,10 +7189,6 @@
           <a:bodyPr/>
           <a:lstStyle/>
           <a:p>
-            <a:r>
-              <a:rPr lang="en-US"/>
-              <a:t>12/14/2015</a:t>
-            </a:r>
             <a:endParaRPr lang="en-US" dirty="0"/>
           </a:p>
         </p:txBody>
@@ -7308,10 +7208,6 @@
           <a:bodyPr/>
           <a:lstStyle/>
           <a:p>
-            <a:r>
-              <a:rPr lang="en-US"/>
-              <a:t>Space for author and course number </a:t>
-            </a:r>
             <a:endParaRPr lang="en-US" dirty="0"/>
           </a:p>
         </p:txBody>
@@ -7334,7 +7230,7 @@
             <a:fld id="{2E1B1CB6-5C5C-443C-B788-F7ADFC29778E}" type="slidenum">
               <a:rPr lang="en-US" smtClean="0"/>
               <a:pPr/>
-              <a:t>‹Nr.›</a:t>
+              <a:t>‹#›</a:t>
             </a:fld>
             <a:endParaRPr lang="en-US" dirty="0"/>
           </a:p>
@@ -8072,10 +7968,6 @@
           <a:bodyPr/>
           <a:lstStyle/>
           <a:p>
-            <a:r>
-              <a:rPr lang="en-US"/>
-              <a:t>12/14/2015</a:t>
-            </a:r>
             <a:endParaRPr lang="en-US" dirty="0"/>
           </a:p>
         </p:txBody>
@@ -8095,10 +7987,6 @@
           <a:bodyPr/>
           <a:lstStyle/>
           <a:p>
-            <a:r>
-              <a:rPr lang="en-US"/>
-              <a:t>Space for author and course number </a:t>
-            </a:r>
             <a:endParaRPr lang="en-US" dirty="0"/>
           </a:p>
         </p:txBody>
@@ -8121,7 +8009,7 @@
             <a:fld id="{2E1B1CB6-5C5C-443C-B788-F7ADFC29778E}" type="slidenum">
               <a:rPr lang="en-US" smtClean="0"/>
               <a:pPr/>
-              <a:t>‹Nr.›</a:t>
+              <a:t>‹#›</a:t>
             </a:fld>
             <a:endParaRPr lang="en-US" dirty="0"/>
           </a:p>
@@ -8263,10 +8151,6 @@
           <a:bodyPr/>
           <a:lstStyle/>
           <a:p>
-            <a:r>
-              <a:rPr lang="en-US"/>
-              <a:t>12/14/2015</a:t>
-            </a:r>
             <a:endParaRPr lang="en-US" dirty="0"/>
           </a:p>
         </p:txBody>
@@ -8286,10 +8170,6 @@
           <a:bodyPr/>
           <a:lstStyle/>
           <a:p>
-            <a:r>
-              <a:rPr lang="en-US"/>
-              <a:t>Space for author and course number </a:t>
-            </a:r>
             <a:endParaRPr lang="en-US" dirty="0"/>
           </a:p>
         </p:txBody>
@@ -8312,7 +8192,7 @@
             <a:fld id="{2E1B1CB6-5C5C-443C-B788-F7ADFC29778E}" type="slidenum">
               <a:rPr lang="en-US" smtClean="0"/>
               <a:pPr/>
-              <a:t>‹Nr.›</a:t>
+              <a:t>‹#›</a:t>
             </a:fld>
             <a:endParaRPr lang="en-US" dirty="0"/>
           </a:p>
@@ -8461,10 +8341,6 @@
           <a:bodyPr/>
           <a:lstStyle/>
           <a:p>
-            <a:r>
-              <a:rPr lang="en-US"/>
-              <a:t>12/14/2015</a:t>
-            </a:r>
             <a:endParaRPr lang="en-US" dirty="0"/>
           </a:p>
         </p:txBody>
@@ -8484,10 +8360,6 @@
           <a:bodyPr/>
           <a:lstStyle/>
           <a:p>
-            <a:r>
-              <a:rPr lang="en-US"/>
-              <a:t>Space for author and course number </a:t>
-            </a:r>
             <a:endParaRPr lang="en-US" dirty="0"/>
           </a:p>
         </p:txBody>
@@ -8510,7 +8382,7 @@
             <a:fld id="{2E1B1CB6-5C5C-443C-B788-F7ADFC29778E}" type="slidenum">
               <a:rPr lang="en-US" smtClean="0"/>
               <a:pPr/>
-              <a:t>‹Nr.›</a:t>
+              <a:t>‹#›</a:t>
             </a:fld>
             <a:endParaRPr lang="en-US" dirty="0"/>
           </a:p>
@@ -8781,10 +8653,6 @@
           <a:bodyPr/>
           <a:lstStyle/>
           <a:p>
-            <a:r>
-              <a:rPr lang="en-US"/>
-              <a:t>12/14/2015</a:t>
-            </a:r>
             <a:endParaRPr lang="en-US" dirty="0"/>
           </a:p>
         </p:txBody>
@@ -8804,10 +8672,6 @@
           <a:bodyPr/>
           <a:lstStyle/>
           <a:p>
-            <a:r>
-              <a:rPr lang="en-US"/>
-              <a:t>Space for author and course number </a:t>
-            </a:r>
             <a:endParaRPr lang="en-US" dirty="0"/>
           </a:p>
         </p:txBody>
@@ -8830,7 +8694,7 @@
             <a:fld id="{2E1B1CB6-5C5C-443C-B788-F7ADFC29778E}" type="slidenum">
               <a:rPr lang="en-US" smtClean="0"/>
               <a:pPr/>
-              <a:t>‹Nr.›</a:t>
+              <a:t>‹#›</a:t>
             </a:fld>
             <a:endParaRPr lang="en-US" dirty="0"/>
           </a:p>
@@ -9124,10 +8988,6 @@
           <a:bodyPr/>
           <a:lstStyle/>
           <a:p>
-            <a:r>
-              <a:rPr lang="en-US"/>
-              <a:t>12/14/2015</a:t>
-            </a:r>
             <a:endParaRPr lang="en-US" dirty="0"/>
           </a:p>
         </p:txBody>
@@ -9147,10 +9007,6 @@
           <a:bodyPr/>
           <a:lstStyle/>
           <a:p>
-            <a:r>
-              <a:rPr lang="en-US"/>
-              <a:t>Space for author and course number </a:t>
-            </a:r>
             <a:endParaRPr lang="en-US" dirty="0"/>
           </a:p>
         </p:txBody>
@@ -9173,7 +9029,7 @@
             <a:fld id="{2E1B1CB6-5C5C-443C-B788-F7ADFC29778E}" type="slidenum">
               <a:rPr lang="en-US" smtClean="0"/>
               <a:pPr/>
-              <a:t>‹Nr.›</a:t>
+              <a:t>‹#›</a:t>
             </a:fld>
             <a:endParaRPr lang="en-US" dirty="0"/>
           </a:p>
@@ -9341,10 +9197,6 @@
             </a:lvl1pPr>
           </a:lstStyle>
           <a:p>
-            <a:r>
-              <a:rPr lang="en-US"/>
-              <a:t>12/14/2015</a:t>
-            </a:r>
             <a:endParaRPr lang="en-US" dirty="0"/>
           </a:p>
         </p:txBody>
@@ -9381,10 +9233,6 @@
             </a:lvl1pPr>
           </a:lstStyle>
           <a:p>
-            <a:r>
-              <a:rPr lang="en-US"/>
-              <a:t>Space for author and course number </a:t>
-            </a:r>
             <a:endParaRPr lang="en-US" dirty="0"/>
           </a:p>
         </p:txBody>
@@ -9424,7 +9272,7 @@
             <a:fld id="{2E1B1CB6-5C5C-443C-B788-F7ADFC29778E}" type="slidenum">
               <a:rPr lang="en-US" smtClean="0"/>
               <a:pPr/>
-              <a:t>‹Nr.›</a:t>
+              <a:t>‹#›</a:t>
             </a:fld>
             <a:endParaRPr lang="en-US" dirty="0"/>
           </a:p>
@@ -9500,6 +9348,7 @@
     <p:sldLayoutId id="2147483699" r:id="rId29"/>
     <p:sldLayoutId id="2147483700" r:id="rId30"/>
   </p:sldLayoutIdLst>
+  <p:hf hdr="0" ftr="0" dt="0"/>
   <p:txStyles>
     <p:titleStyle>
       <a:lvl1pPr algn="l" defTabSz="914400" rtl="0" eaLnBrk="1" latinLnBrk="0" hangingPunct="1">
@@ -11095,6 +10944,36 @@
           </a:graphicData>
         </a:graphic>
       </p:graphicFrame>
+      <p:sp>
+        <p:nvSpPr>
+          <p:cNvPr id="2" name="Slide Number Placeholder 1">
+            <a:extLst>
+              <a:ext uri="{FF2B5EF4-FFF2-40B4-BE49-F238E27FC236}">
+                <a16:creationId xmlns:a16="http://schemas.microsoft.com/office/drawing/2014/main" id="{1DC0DB7D-E2BE-F65A-DDFA-B69DEC3F53A5}"/>
+              </a:ext>
+            </a:extLst>
+          </p:cNvPr>
+          <p:cNvSpPr>
+            <a:spLocks noGrp="1"/>
+          </p:cNvSpPr>
+          <p:nvPr>
+            <p:ph type="sldNum" sz="quarter" idx="28"/>
+          </p:nvPr>
+        </p:nvSpPr>
+        <p:spPr/>
+        <p:txBody>
+          <a:bodyPr/>
+          <a:lstStyle/>
+          <a:p>
+            <a:fld id="{2E1B1CB6-5C5C-443C-B788-F7ADFC29778E}" type="slidenum">
+              <a:rPr lang="en-US" smtClean="0"/>
+              <a:pPr/>
+              <a:t>10</a:t>
+            </a:fld>
+            <a:endParaRPr lang="en-US" dirty="0"/>
+          </a:p>
+        </p:txBody>
+      </p:sp>
     </p:spTree>
     <p:extLst>
       <p:ext uri="{BB962C8B-B14F-4D97-AF65-F5344CB8AC3E}">
@@ -11262,6 +11141,36 @@
           </a:p>
           <a:p>
             <a:endParaRPr lang="de-DE" dirty="0"/>
+          </a:p>
+        </p:txBody>
+      </p:sp>
+      <p:sp>
+        <p:nvSpPr>
+          <p:cNvPr id="3" name="Slide Number Placeholder 2">
+            <a:extLst>
+              <a:ext uri="{FF2B5EF4-FFF2-40B4-BE49-F238E27FC236}">
+                <a16:creationId xmlns:a16="http://schemas.microsoft.com/office/drawing/2014/main" id="{691076BF-81E0-4676-9594-82EAC9AD2228}"/>
+              </a:ext>
+            </a:extLst>
+          </p:cNvPr>
+          <p:cNvSpPr>
+            <a:spLocks noGrp="1"/>
+          </p:cNvSpPr>
+          <p:nvPr>
+            <p:ph type="sldNum" sz="quarter" idx="17"/>
+          </p:nvPr>
+        </p:nvSpPr>
+        <p:spPr/>
+        <p:txBody>
+          <a:bodyPr/>
+          <a:lstStyle/>
+          <a:p>
+            <a:fld id="{2E1B1CB6-5C5C-443C-B788-F7ADFC29778E}" type="slidenum">
+              <a:rPr lang="en-US" smtClean="0"/>
+              <a:pPr/>
+              <a:t>11</a:t>
+            </a:fld>
+            <a:endParaRPr lang="en-US" dirty="0"/>
           </a:p>
         </p:txBody>
       </p:sp>
@@ -12550,6 +12459,36 @@
           </a:graphicData>
         </a:graphic>
       </p:graphicFrame>
+      <p:sp>
+        <p:nvSpPr>
+          <p:cNvPr id="4" name="Slide Number Placeholder 3">
+            <a:extLst>
+              <a:ext uri="{FF2B5EF4-FFF2-40B4-BE49-F238E27FC236}">
+                <a16:creationId xmlns:a16="http://schemas.microsoft.com/office/drawing/2014/main" id="{7222A8A1-CD9C-31FC-A4B2-C61236DDC284}"/>
+              </a:ext>
+            </a:extLst>
+          </p:cNvPr>
+          <p:cNvSpPr>
+            <a:spLocks noGrp="1"/>
+          </p:cNvSpPr>
+          <p:nvPr>
+            <p:ph type="sldNum" sz="quarter" idx="28"/>
+          </p:nvPr>
+        </p:nvSpPr>
+        <p:spPr/>
+        <p:txBody>
+          <a:bodyPr/>
+          <a:lstStyle/>
+          <a:p>
+            <a:fld id="{2E1B1CB6-5C5C-443C-B788-F7ADFC29778E}" type="slidenum">
+              <a:rPr lang="en-US" smtClean="0"/>
+              <a:pPr/>
+              <a:t>12</a:t>
+            </a:fld>
+            <a:endParaRPr lang="en-US" dirty="0"/>
+          </a:p>
+        </p:txBody>
+      </p:sp>
     </p:spTree>
     <p:extLst>
       <p:ext uri="{BB962C8B-B14F-4D97-AF65-F5344CB8AC3E}">
@@ -13843,6 +13782,36 @@
           </a:graphicData>
         </a:graphic>
       </p:graphicFrame>
+      <p:sp>
+        <p:nvSpPr>
+          <p:cNvPr id="3" name="Slide Number Placeholder 2">
+            <a:extLst>
+              <a:ext uri="{FF2B5EF4-FFF2-40B4-BE49-F238E27FC236}">
+                <a16:creationId xmlns:a16="http://schemas.microsoft.com/office/drawing/2014/main" id="{15CE0F81-3DAF-1141-19CB-4DC4D913383C}"/>
+              </a:ext>
+            </a:extLst>
+          </p:cNvPr>
+          <p:cNvSpPr>
+            <a:spLocks noGrp="1"/>
+          </p:cNvSpPr>
+          <p:nvPr>
+            <p:ph type="sldNum" sz="quarter" idx="28"/>
+          </p:nvPr>
+        </p:nvSpPr>
+        <p:spPr/>
+        <p:txBody>
+          <a:bodyPr/>
+          <a:lstStyle/>
+          <a:p>
+            <a:fld id="{2E1B1CB6-5C5C-443C-B788-F7ADFC29778E}" type="slidenum">
+              <a:rPr lang="en-US" smtClean="0"/>
+              <a:pPr/>
+              <a:t>13</a:t>
+            </a:fld>
+            <a:endParaRPr lang="en-US" dirty="0"/>
+          </a:p>
+        </p:txBody>
+      </p:sp>
     </p:spTree>
     <p:extLst>
       <p:ext uri="{BB962C8B-B14F-4D97-AF65-F5344CB8AC3E}">
@@ -15120,6 +15089,36 @@
           </a:graphicData>
         </a:graphic>
       </p:graphicFrame>
+      <p:sp>
+        <p:nvSpPr>
+          <p:cNvPr id="3" name="Slide Number Placeholder 2">
+            <a:extLst>
+              <a:ext uri="{FF2B5EF4-FFF2-40B4-BE49-F238E27FC236}">
+                <a16:creationId xmlns:a16="http://schemas.microsoft.com/office/drawing/2014/main" id="{D3E00E5B-3799-DE68-2E8B-EA0E2C558BCD}"/>
+              </a:ext>
+            </a:extLst>
+          </p:cNvPr>
+          <p:cNvSpPr>
+            <a:spLocks noGrp="1"/>
+          </p:cNvSpPr>
+          <p:nvPr>
+            <p:ph type="sldNum" sz="quarter" idx="28"/>
+          </p:nvPr>
+        </p:nvSpPr>
+        <p:spPr/>
+        <p:txBody>
+          <a:bodyPr/>
+          <a:lstStyle/>
+          <a:p>
+            <a:fld id="{2E1B1CB6-5C5C-443C-B788-F7ADFC29778E}" type="slidenum">
+              <a:rPr lang="en-US" smtClean="0"/>
+              <a:pPr/>
+              <a:t>14</a:t>
+            </a:fld>
+            <a:endParaRPr lang="en-US" dirty="0"/>
+          </a:p>
+        </p:txBody>
+      </p:sp>
     </p:spTree>
     <p:extLst>
       <p:ext uri="{BB962C8B-B14F-4D97-AF65-F5344CB8AC3E}">
@@ -15194,7 +15193,7 @@
         <p:spPr>
           <a:xfrm>
             <a:off x="746620" y="1249960"/>
-            <a:ext cx="8800052" cy="1477328"/>
+            <a:ext cx="8800052" cy="1754326"/>
           </a:xfrm>
           <a:prstGeom prst="rect">
             <a:avLst/>
@@ -15213,6 +15212,9 @@
             </a:r>
           </a:p>
           <a:p>
+            <a:endParaRPr lang="en-US" dirty="0"/>
+          </a:p>
+          <a:p>
             <a:pPr marL="285750" indent="-285750">
               <a:buFont typeface="Arial" panose="020B0604020202020204" pitchFamily="34" charset="0"/>
               <a:buChar char="•"/>
@@ -15227,10 +15229,6 @@
             </a:r>
           </a:p>
           <a:p>
-            <a:pPr marL="285750" indent="-285750">
-              <a:buFont typeface="Arial" panose="020B0604020202020204" pitchFamily="34" charset="0"/>
-              <a:buChar char="•"/>
-            </a:pPr>
             <a:endParaRPr lang="de-DE" dirty="0"/>
           </a:p>
           <a:p>
@@ -15238,6 +15236,36 @@
           </a:p>
           <a:p>
             <a:endParaRPr lang="de-DE" dirty="0"/>
+          </a:p>
+        </p:txBody>
+      </p:sp>
+      <p:sp>
+        <p:nvSpPr>
+          <p:cNvPr id="3" name="Slide Number Placeholder 2">
+            <a:extLst>
+              <a:ext uri="{FF2B5EF4-FFF2-40B4-BE49-F238E27FC236}">
+                <a16:creationId xmlns:a16="http://schemas.microsoft.com/office/drawing/2014/main" id="{690AB799-01CB-D59C-86BD-903085175980}"/>
+              </a:ext>
+            </a:extLst>
+          </p:cNvPr>
+          <p:cNvSpPr>
+            <a:spLocks noGrp="1"/>
+          </p:cNvSpPr>
+          <p:nvPr>
+            <p:ph type="sldNum" sz="quarter" idx="17"/>
+          </p:nvPr>
+        </p:nvSpPr>
+        <p:spPr/>
+        <p:txBody>
+          <a:bodyPr/>
+          <a:lstStyle/>
+          <a:p>
+            <a:fld id="{2E1B1CB6-5C5C-443C-B788-F7ADFC29778E}" type="slidenum">
+              <a:rPr lang="en-US" smtClean="0"/>
+              <a:pPr/>
+              <a:t>15</a:t>
+            </a:fld>
+            <a:endParaRPr lang="en-US" dirty="0"/>
           </a:p>
         </p:txBody>
       </p:sp>
@@ -15608,6 +15636,36 @@
               <a:rPr lang="de-AT" sz="1200" dirty="0"/>
               <a:t>Source: https://www.fi.muni.cz/~xkohout7/Research/clanky_cizi/ranking/Depeur10.pdf</a:t>
             </a:r>
+          </a:p>
+        </p:txBody>
+      </p:sp>
+      <p:sp>
+        <p:nvSpPr>
+          <p:cNvPr id="5" name="Slide Number Placeholder 4">
+            <a:extLst>
+              <a:ext uri="{FF2B5EF4-FFF2-40B4-BE49-F238E27FC236}">
+                <a16:creationId xmlns:a16="http://schemas.microsoft.com/office/drawing/2014/main" id="{F2BFF4C1-62B3-8928-3958-991A784751A2}"/>
+              </a:ext>
+            </a:extLst>
+          </p:cNvPr>
+          <p:cNvSpPr>
+            <a:spLocks noGrp="1"/>
+          </p:cNvSpPr>
+          <p:nvPr>
+            <p:ph type="sldNum" sz="quarter" idx="17"/>
+          </p:nvPr>
+        </p:nvSpPr>
+        <p:spPr/>
+        <p:txBody>
+          <a:bodyPr/>
+          <a:lstStyle/>
+          <a:p>
+            <a:fld id="{2E1B1CB6-5C5C-443C-B788-F7ADFC29778E}" type="slidenum">
+              <a:rPr lang="en-US" smtClean="0"/>
+              <a:pPr/>
+              <a:t>16</a:t>
+            </a:fld>
+            <a:endParaRPr lang="en-US" dirty="0"/>
           </a:p>
         </p:txBody>
       </p:sp>
@@ -15692,7 +15750,7 @@
           <p:nvPr>
             <p:extLst>
               <p:ext uri="{D42A27DB-BD31-4B8C-83A1-F6EECF244321}">
-                <p14:modId xmlns:p14="http://schemas.microsoft.com/office/powerpoint/2010/main" val="3181501739"/>
+                <p14:modId xmlns:p14="http://schemas.microsoft.com/office/powerpoint/2010/main" val="1260249676"/>
               </p:ext>
             </p:extLst>
           </p:nvPr>
@@ -15825,12 +15883,12 @@
                     <a:p>
                       <a:pPr algn="just"/>
                       <a:r>
-                        <a:rPr lang="en-US" sz="1300" kern="100">
+                        <a:rPr lang="en-US" sz="1300" kern="100" dirty="0">
                           <a:effectLst/>
                         </a:rPr>
                         <a:t>Avg. nDCG@10</a:t>
                       </a:r>
-                      <a:endParaRPr lang="de-DE" sz="1100" kern="100">
+                      <a:endParaRPr lang="de-DE" sz="1100" kern="100" dirty="0">
                         <a:effectLst/>
                         <a:latin typeface="DengXian" panose="02010600030101010101" pitchFamily="2" charset="-122"/>
                         <a:ea typeface="DengXian" panose="02010600030101010101" pitchFamily="2" charset="-122"/>
@@ -15920,12 +15978,12 @@
                     <a:p>
                       <a:pPr algn="just"/>
                       <a:r>
-                        <a:rPr lang="en-US" sz="1300" kern="100">
+                        <a:rPr lang="en-US" sz="1300" kern="100" dirty="0">
                           <a:effectLst/>
                         </a:rPr>
                         <a:t>0.4289</a:t>
                       </a:r>
-                      <a:endParaRPr lang="de-DE" sz="1100" kern="100">
+                      <a:endParaRPr lang="de-DE" sz="1100" kern="100" dirty="0">
                         <a:effectLst/>
                         <a:latin typeface="DengXian" panose="02010600030101010101" pitchFamily="2" charset="-122"/>
                         <a:ea typeface="DengXian" panose="02010600030101010101" pitchFamily="2" charset="-122"/>
@@ -15942,12 +16000,12 @@
                     <a:p>
                       <a:pPr algn="just"/>
                       <a:r>
-                        <a:rPr lang="en-US" sz="1300" kern="100">
+                        <a:rPr lang="en-US" sz="1300" kern="100" dirty="0">
                           <a:effectLst/>
                         </a:rPr>
                         <a:t>0.0018</a:t>
                       </a:r>
-                      <a:endParaRPr lang="de-DE" sz="1100" kern="100">
+                      <a:endParaRPr lang="de-DE" sz="1100" kern="100" dirty="0">
                         <a:effectLst/>
                         <a:latin typeface="DengXian" panose="02010600030101010101" pitchFamily="2" charset="-122"/>
                         <a:ea typeface="DengXian" panose="02010600030101010101" pitchFamily="2" charset="-122"/>
@@ -15964,24 +16022,30 @@
                     <a:p>
                       <a:pPr algn="just"/>
                       <a:r>
-                        <a:rPr lang="en-US" sz="1300" kern="100">
+                        <a:rPr lang="en-US" sz="1300" kern="100" dirty="0">
+                          <a:solidFill>
+                            <a:srgbClr val="FF0000"/>
+                          </a:solidFill>
                           <a:effectLst/>
                         </a:rPr>
                         <a:t>0.7577</a:t>
                       </a:r>
-                      <a:endParaRPr lang="de-DE" sz="1100" kern="100">
+                      <a:endParaRPr lang="de-DE" sz="1100" kern="100" dirty="0">
+                        <a:solidFill>
+                          <a:srgbClr val="FF0000"/>
+                        </a:solidFill>
                         <a:effectLst/>
                       </a:endParaRPr>
                     </a:p>
                     <a:p>
                       <a:pPr algn="just"/>
                       <a:r>
-                        <a:rPr lang="en-US" sz="1300" kern="100">
+                        <a:rPr lang="en-US" sz="1300" kern="100" dirty="0">
                           <a:effectLst/>
                         </a:rPr>
                         <a:t> </a:t>
                       </a:r>
-                      <a:endParaRPr lang="de-DE" sz="1100" kern="100">
+                      <a:endParaRPr lang="de-DE" sz="1100" kern="100" dirty="0">
                         <a:effectLst/>
                         <a:latin typeface="DengXian" panose="02010600030101010101" pitchFamily="2" charset="-122"/>
                         <a:ea typeface="DengXian" panose="02010600030101010101" pitchFamily="2" charset="-122"/>
@@ -16280,12 +16344,12 @@
                     <a:p>
                       <a:pPr algn="just"/>
                       <a:r>
-                        <a:rPr lang="en-US" sz="1300" kern="100">
+                        <a:rPr lang="en-US" sz="1300" kern="100" dirty="0">
                           <a:effectLst/>
                         </a:rPr>
                         <a:t>0.0019</a:t>
                       </a:r>
-                      <a:endParaRPr lang="de-DE" sz="1100" kern="100">
+                      <a:endParaRPr lang="de-DE" sz="1100" kern="100" dirty="0">
                         <a:effectLst/>
                         <a:latin typeface="DengXian" panose="02010600030101010101" pitchFamily="2" charset="-122"/>
                         <a:ea typeface="DengXian" panose="02010600030101010101" pitchFamily="2" charset="-122"/>
@@ -16433,12 +16497,18 @@
                     <a:p>
                       <a:pPr algn="just"/>
                       <a:r>
-                        <a:rPr lang="en-US" sz="1300" kern="100">
+                        <a:rPr lang="en-US" sz="1300" kern="100" dirty="0">
+                          <a:solidFill>
+                            <a:srgbClr val="FF0000"/>
+                          </a:solidFill>
                           <a:effectLst/>
                         </a:rPr>
                         <a:t>0.4813</a:t>
                       </a:r>
-                      <a:endParaRPr lang="de-DE" sz="1100" kern="100">
+                      <a:endParaRPr lang="de-DE" sz="1100" kern="100" dirty="0">
+                        <a:solidFill>
+                          <a:srgbClr val="FF0000"/>
+                        </a:solidFill>
                         <a:effectLst/>
                         <a:latin typeface="DengXian" panose="02010600030101010101" pitchFamily="2" charset="-122"/>
                         <a:ea typeface="DengXian" panose="02010600030101010101" pitchFamily="2" charset="-122"/>
@@ -16455,12 +16525,18 @@
                     <a:p>
                       <a:pPr algn="just"/>
                       <a:r>
-                        <a:rPr lang="en-US" sz="1300" kern="100">
+                        <a:rPr lang="en-US" sz="1300" kern="100" dirty="0">
+                          <a:solidFill>
+                            <a:srgbClr val="FF0000"/>
+                          </a:solidFill>
                           <a:effectLst/>
                         </a:rPr>
                         <a:t>0.0022</a:t>
                       </a:r>
-                      <a:endParaRPr lang="de-DE" sz="1100" kern="100">
+                      <a:endParaRPr lang="de-DE" sz="1100" kern="100" dirty="0">
+                        <a:solidFill>
+                          <a:srgbClr val="FF0000"/>
+                        </a:solidFill>
                         <a:effectLst/>
                         <a:latin typeface="DengXian" panose="02010600030101010101" pitchFamily="2" charset="-122"/>
                         <a:ea typeface="DengXian" panose="02010600030101010101" pitchFamily="2" charset="-122"/>
@@ -17669,6 +17745,97 @@
           </a:graphicData>
         </a:graphic>
       </p:graphicFrame>
+      <p:sp>
+        <p:nvSpPr>
+          <p:cNvPr id="3" name="Slide Number Placeholder 2">
+            <a:extLst>
+              <a:ext uri="{FF2B5EF4-FFF2-40B4-BE49-F238E27FC236}">
+                <a16:creationId xmlns:a16="http://schemas.microsoft.com/office/drawing/2014/main" id="{BD72460E-53C8-EC37-A256-5EFE44F0BE16}"/>
+              </a:ext>
+            </a:extLst>
+          </p:cNvPr>
+          <p:cNvSpPr>
+            <a:spLocks noGrp="1"/>
+          </p:cNvSpPr>
+          <p:nvPr>
+            <p:ph type="sldNum" sz="quarter" idx="28"/>
+          </p:nvPr>
+        </p:nvSpPr>
+        <p:spPr/>
+        <p:txBody>
+          <a:bodyPr/>
+          <a:lstStyle/>
+          <a:p>
+            <a:fld id="{2E1B1CB6-5C5C-443C-B788-F7ADFC29778E}" type="slidenum">
+              <a:rPr lang="en-US" smtClean="0"/>
+              <a:pPr/>
+              <a:t>17</a:t>
+            </a:fld>
+            <a:endParaRPr lang="en-US" dirty="0"/>
+          </a:p>
+        </p:txBody>
+      </p:sp>
+      <p:sp>
+        <p:nvSpPr>
+          <p:cNvPr id="5" name="TextBox 4">
+            <a:extLst>
+              <a:ext uri="{FF2B5EF4-FFF2-40B4-BE49-F238E27FC236}">
+                <a16:creationId xmlns:a16="http://schemas.microsoft.com/office/drawing/2014/main" id="{4D4EEFE8-F781-16AA-298A-D9A3628629DA}"/>
+              </a:ext>
+            </a:extLst>
+          </p:cNvPr>
+          <p:cNvSpPr txBox="1"/>
+          <p:nvPr/>
+        </p:nvSpPr>
+        <p:spPr>
+          <a:xfrm>
+            <a:off x="6096000" y="942744"/>
+            <a:ext cx="2012924" cy="522071"/>
+          </a:xfrm>
+          <a:prstGeom prst="rect">
+            <a:avLst/>
+          </a:prstGeom>
+          <a:noFill/>
+        </p:spPr>
+        <p:txBody>
+          <a:bodyPr wrap="square" rtlCol="0">
+            <a:spAutoFit/>
+          </a:bodyPr>
+          <a:lstStyle/>
+          <a:p>
+            <a:r>
+              <a:rPr lang="de-AT" sz="1400" dirty="0" err="1"/>
+              <a:t>nDCG</a:t>
+            </a:r>
+            <a:r>
+              <a:rPr lang="de-AT" sz="1400" dirty="0"/>
+              <a:t> Numbers</a:t>
+            </a:r>
+          </a:p>
+          <a:p>
+            <a:r>
+              <a:rPr lang="de-AT" sz="1400" dirty="0"/>
+              <a:t>not </a:t>
+            </a:r>
+            <a:r>
+              <a:rPr lang="de-AT" sz="1400" dirty="0" err="1"/>
+              <a:t>yet</a:t>
+            </a:r>
+            <a:r>
+              <a:rPr lang="de-AT" sz="1400" dirty="0"/>
+              <a:t> </a:t>
+            </a:r>
+            <a:r>
+              <a:rPr lang="de-AT" sz="1400" dirty="0" err="1"/>
+              <a:t>correct</a:t>
+            </a:r>
+            <a:r>
+              <a:rPr lang="de-AT" sz="1400" dirty="0"/>
+              <a:t>!</a:t>
+            </a:r>
+          </a:p>
+        </p:txBody>
+      </p:sp>
     </p:spTree>
     <p:extLst>
       <p:ext uri="{BB962C8B-B14F-4D97-AF65-F5344CB8AC3E}">
@@ -17815,6 +17982,19 @@
               <a:rPr lang="en-US" b="1" dirty="0"/>
               <a:t>: </a:t>
             </a:r>
+            <a:r>
+              <a:rPr lang="en-US" sz="1600" dirty="0"/>
+              <a:t>Audio-based retrieval System using cosine similarity and </a:t>
+            </a:r>
+            <a:r>
+              <a:rPr lang="en-US" sz="1600" dirty="0" err="1"/>
+              <a:t>mfcc</a:t>
+            </a:r>
+            <a:r>
+              <a:rPr lang="en-US" sz="1600" dirty="0"/>
+              <a:t> stats representation</a:t>
+            </a:r>
+            <a:endParaRPr lang="en-US" dirty="0"/>
           </a:p>
           <a:p>
             <a:pPr marL="0" indent="0">
@@ -17861,6 +18041,36 @@
           <a:lstStyle/>
           <a:p>
             <a:endParaRPr lang="de-DE"/>
+          </a:p>
+        </p:txBody>
+      </p:sp>
+      <p:sp>
+        <p:nvSpPr>
+          <p:cNvPr id="5" name="Slide Number Placeholder 4">
+            <a:extLst>
+              <a:ext uri="{FF2B5EF4-FFF2-40B4-BE49-F238E27FC236}">
+                <a16:creationId xmlns:a16="http://schemas.microsoft.com/office/drawing/2014/main" id="{A438EBC0-530A-63B5-F871-5D30C7A80435}"/>
+              </a:ext>
+            </a:extLst>
+          </p:cNvPr>
+          <p:cNvSpPr>
+            <a:spLocks noGrp="1"/>
+          </p:cNvSpPr>
+          <p:nvPr>
+            <p:ph type="sldNum" sz="quarter" idx="28"/>
+          </p:nvPr>
+        </p:nvSpPr>
+        <p:spPr/>
+        <p:txBody>
+          <a:bodyPr/>
+          <a:lstStyle/>
+          <a:p>
+            <a:fld id="{2E1B1CB6-5C5C-443C-B788-F7ADFC29778E}" type="slidenum">
+              <a:rPr lang="en-US" smtClean="0"/>
+              <a:pPr/>
+              <a:t>18</a:t>
+            </a:fld>
+            <a:endParaRPr lang="en-US" dirty="0"/>
           </a:p>
         </p:txBody>
       </p:sp>
@@ -18086,6 +18296,36 @@
           <a:lstStyle/>
           <a:p>
             <a:endParaRPr lang="de-DE"/>
+          </a:p>
+        </p:txBody>
+      </p:sp>
+      <p:sp>
+        <p:nvSpPr>
+          <p:cNvPr id="5" name="Slide Number Placeholder 4">
+            <a:extLst>
+              <a:ext uri="{FF2B5EF4-FFF2-40B4-BE49-F238E27FC236}">
+                <a16:creationId xmlns:a16="http://schemas.microsoft.com/office/drawing/2014/main" id="{21B7950C-B23E-57BD-836A-097FBF8C6153}"/>
+              </a:ext>
+            </a:extLst>
+          </p:cNvPr>
+          <p:cNvSpPr>
+            <a:spLocks noGrp="1"/>
+          </p:cNvSpPr>
+          <p:nvPr>
+            <p:ph type="sldNum" sz="quarter" idx="28"/>
+          </p:nvPr>
+        </p:nvSpPr>
+        <p:spPr/>
+        <p:txBody>
+          <a:bodyPr/>
+          <a:lstStyle/>
+          <a:p>
+            <a:fld id="{2E1B1CB6-5C5C-443C-B788-F7ADFC29778E}" type="slidenum">
+              <a:rPr lang="en-US" smtClean="0"/>
+              <a:pPr/>
+              <a:t>19</a:t>
+            </a:fld>
+            <a:endParaRPr lang="en-US" dirty="0"/>
           </a:p>
         </p:txBody>
       </p:sp>
@@ -18410,7 +18650,7 @@
             </a:pPr>
             <a:r>
               <a:rPr lang="en-US" dirty="0" err="1"/>
-              <a:t>Ndcg</a:t>
+              <a:t>nDCG</a:t>
             </a:r>
             <a:endParaRPr lang="en-US" dirty="0"/>
           </a:p>
@@ -18430,6 +18670,36 @@
           </a:p>
           <a:p>
             <a:endParaRPr lang="de-DE" dirty="0"/>
+          </a:p>
+        </p:txBody>
+      </p:sp>
+      <p:sp>
+        <p:nvSpPr>
+          <p:cNvPr id="3" name="Slide Number Placeholder 2">
+            <a:extLst>
+              <a:ext uri="{FF2B5EF4-FFF2-40B4-BE49-F238E27FC236}">
+                <a16:creationId xmlns:a16="http://schemas.microsoft.com/office/drawing/2014/main" id="{E03DB669-CBBD-AF78-6ECD-7F73B16DE333}"/>
+              </a:ext>
+            </a:extLst>
+          </p:cNvPr>
+          <p:cNvSpPr>
+            <a:spLocks noGrp="1"/>
+          </p:cNvSpPr>
+          <p:nvPr>
+            <p:ph type="sldNum" sz="quarter" idx="17"/>
+          </p:nvPr>
+        </p:nvSpPr>
+        <p:spPr/>
+        <p:txBody>
+          <a:bodyPr/>
+          <a:lstStyle/>
+          <a:p>
+            <a:fld id="{2E1B1CB6-5C5C-443C-B788-F7ADFC29778E}" type="slidenum">
+              <a:rPr lang="en-US" smtClean="0"/>
+              <a:pPr/>
+              <a:t>3</a:t>
+            </a:fld>
+            <a:endParaRPr lang="en-US" dirty="0"/>
           </a:p>
         </p:txBody>
       </p:sp>
@@ -18677,6 +18947,36 @@
           </a:prstGeom>
         </p:spPr>
       </p:pic>
+      <p:sp>
+        <p:nvSpPr>
+          <p:cNvPr id="3" name="Slide Number Placeholder 2">
+            <a:extLst>
+              <a:ext uri="{FF2B5EF4-FFF2-40B4-BE49-F238E27FC236}">
+                <a16:creationId xmlns:a16="http://schemas.microsoft.com/office/drawing/2014/main" id="{35B0D7FC-D66F-4933-5F61-47672CDC011F}"/>
+              </a:ext>
+            </a:extLst>
+          </p:cNvPr>
+          <p:cNvSpPr>
+            <a:spLocks noGrp="1"/>
+          </p:cNvSpPr>
+          <p:nvPr>
+            <p:ph type="sldNum" sz="quarter" idx="17"/>
+          </p:nvPr>
+        </p:nvSpPr>
+        <p:spPr/>
+        <p:txBody>
+          <a:bodyPr/>
+          <a:lstStyle/>
+          <a:p>
+            <a:fld id="{2E1B1CB6-5C5C-443C-B788-F7ADFC29778E}" type="slidenum">
+              <a:rPr lang="en-US" smtClean="0"/>
+              <a:pPr/>
+              <a:t>4</a:t>
+            </a:fld>
+            <a:endParaRPr lang="en-US" dirty="0"/>
+          </a:p>
+        </p:txBody>
+      </p:sp>
     </p:spTree>
     <p:extLst>
       <p:ext uri="{BB962C8B-B14F-4D97-AF65-F5344CB8AC3E}">
@@ -19058,6 +19358,36 @@
               <a:rPr lang="de-AT" sz="1100" dirty="0"/>
               <a:t>Source: https://www.datastax.com/guides/what-is-cosine-similarity</a:t>
             </a:r>
+          </a:p>
+        </p:txBody>
+      </p:sp>
+      <p:sp>
+        <p:nvSpPr>
+          <p:cNvPr id="3" name="Slide Number Placeholder 2">
+            <a:extLst>
+              <a:ext uri="{FF2B5EF4-FFF2-40B4-BE49-F238E27FC236}">
+                <a16:creationId xmlns:a16="http://schemas.microsoft.com/office/drawing/2014/main" id="{79CCA3B0-3CCB-6BC1-2F92-CB828D9E8510}"/>
+              </a:ext>
+            </a:extLst>
+          </p:cNvPr>
+          <p:cNvSpPr>
+            <a:spLocks noGrp="1"/>
+          </p:cNvSpPr>
+          <p:nvPr>
+            <p:ph type="sldNum" sz="quarter" idx="17"/>
+          </p:nvPr>
+        </p:nvSpPr>
+        <p:spPr/>
+        <p:txBody>
+          <a:bodyPr/>
+          <a:lstStyle/>
+          <a:p>
+            <a:fld id="{2E1B1CB6-5C5C-443C-B788-F7ADFC29778E}" type="slidenum">
+              <a:rPr lang="en-US" smtClean="0"/>
+              <a:pPr/>
+              <a:t>5</a:t>
+            </a:fld>
+            <a:endParaRPr lang="en-US" dirty="0"/>
           </a:p>
         </p:txBody>
       </p:sp>
@@ -19203,6 +19533,36 @@
           </a:p>
         </p:txBody>
       </p:sp>
+      <p:sp>
+        <p:nvSpPr>
+          <p:cNvPr id="4" name="Slide Number Placeholder 3">
+            <a:extLst>
+              <a:ext uri="{FF2B5EF4-FFF2-40B4-BE49-F238E27FC236}">
+                <a16:creationId xmlns:a16="http://schemas.microsoft.com/office/drawing/2014/main" id="{3169D358-AFA8-DA60-7E1C-A7BD0CDD97BA}"/>
+              </a:ext>
+            </a:extLst>
+          </p:cNvPr>
+          <p:cNvSpPr>
+            <a:spLocks noGrp="1"/>
+          </p:cNvSpPr>
+          <p:nvPr>
+            <p:ph type="sldNum" sz="quarter" idx="17"/>
+          </p:nvPr>
+        </p:nvSpPr>
+        <p:spPr/>
+        <p:txBody>
+          <a:bodyPr/>
+          <a:lstStyle/>
+          <a:p>
+            <a:fld id="{2E1B1CB6-5C5C-443C-B788-F7ADFC29778E}" type="slidenum">
+              <a:rPr lang="en-US" smtClean="0"/>
+              <a:pPr/>
+              <a:t>6</a:t>
+            </a:fld>
+            <a:endParaRPr lang="en-US" dirty="0"/>
+          </a:p>
+        </p:txBody>
+      </p:sp>
     </p:spTree>
     <p:extLst>
       <p:ext uri="{BB962C8B-B14F-4D97-AF65-F5344CB8AC3E}">
@@ -19404,6 +19764,36 @@
             <a:endParaRPr lang="en-US" dirty="0"/>
           </a:p>
           <a:p>
+            <a:endParaRPr lang="en-US" dirty="0"/>
+          </a:p>
+        </p:txBody>
+      </p:sp>
+      <p:sp>
+        <p:nvSpPr>
+          <p:cNvPr id="4" name="Slide Number Placeholder 3">
+            <a:extLst>
+              <a:ext uri="{FF2B5EF4-FFF2-40B4-BE49-F238E27FC236}">
+                <a16:creationId xmlns:a16="http://schemas.microsoft.com/office/drawing/2014/main" id="{9871A733-8835-17DF-A436-8C71D671C459}"/>
+              </a:ext>
+            </a:extLst>
+          </p:cNvPr>
+          <p:cNvSpPr>
+            <a:spLocks noGrp="1"/>
+          </p:cNvSpPr>
+          <p:nvPr>
+            <p:ph type="sldNum" sz="quarter" idx="17"/>
+          </p:nvPr>
+        </p:nvSpPr>
+        <p:spPr/>
+        <p:txBody>
+          <a:bodyPr/>
+          <a:lstStyle/>
+          <a:p>
+            <a:fld id="{2E1B1CB6-5C5C-443C-B788-F7ADFC29778E}" type="slidenum">
+              <a:rPr lang="en-US" smtClean="0"/>
+              <a:pPr/>
+              <a:t>7</a:t>
+            </a:fld>
             <a:endParaRPr lang="en-US" dirty="0"/>
           </a:p>
         </p:txBody>
@@ -20713,6 +21103,36 @@
           </a:graphicData>
         </a:graphic>
       </p:graphicFrame>
+      <p:sp>
+        <p:nvSpPr>
+          <p:cNvPr id="3" name="Slide Number Placeholder 2">
+            <a:extLst>
+              <a:ext uri="{FF2B5EF4-FFF2-40B4-BE49-F238E27FC236}">
+                <a16:creationId xmlns:a16="http://schemas.microsoft.com/office/drawing/2014/main" id="{BE13AD93-A18E-4B1E-E73F-732EA5CF3F73}"/>
+              </a:ext>
+            </a:extLst>
+          </p:cNvPr>
+          <p:cNvSpPr>
+            <a:spLocks noGrp="1"/>
+          </p:cNvSpPr>
+          <p:nvPr>
+            <p:ph type="sldNum" sz="quarter" idx="28"/>
+          </p:nvPr>
+        </p:nvSpPr>
+        <p:spPr/>
+        <p:txBody>
+          <a:bodyPr/>
+          <a:lstStyle/>
+          <a:p>
+            <a:fld id="{2E1B1CB6-5C5C-443C-B788-F7ADFC29778E}" type="slidenum">
+              <a:rPr lang="en-US" smtClean="0"/>
+              <a:pPr/>
+              <a:t>8</a:t>
+            </a:fld>
+            <a:endParaRPr lang="en-US" dirty="0"/>
+          </a:p>
+        </p:txBody>
+      </p:sp>
     </p:spTree>
     <p:extLst>
       <p:ext uri="{BB962C8B-B14F-4D97-AF65-F5344CB8AC3E}">
@@ -21990,6 +22410,36 @@
           </a:graphicData>
         </a:graphic>
       </p:graphicFrame>
+      <p:sp>
+        <p:nvSpPr>
+          <p:cNvPr id="3" name="Slide Number Placeholder 2">
+            <a:extLst>
+              <a:ext uri="{FF2B5EF4-FFF2-40B4-BE49-F238E27FC236}">
+                <a16:creationId xmlns:a16="http://schemas.microsoft.com/office/drawing/2014/main" id="{A20D6F8E-DCF6-C8B2-A2BC-7597B9F7D375}"/>
+              </a:ext>
+            </a:extLst>
+          </p:cNvPr>
+          <p:cNvSpPr>
+            <a:spLocks noGrp="1"/>
+          </p:cNvSpPr>
+          <p:nvPr>
+            <p:ph type="sldNum" sz="quarter" idx="28"/>
+          </p:nvPr>
+        </p:nvSpPr>
+        <p:spPr/>
+        <p:txBody>
+          <a:bodyPr/>
+          <a:lstStyle/>
+          <a:p>
+            <a:fld id="{2E1B1CB6-5C5C-443C-B788-F7ADFC29778E}" type="slidenum">
+              <a:rPr lang="en-US" smtClean="0"/>
+              <a:pPr/>
+              <a:t>9</a:t>
+            </a:fld>
+            <a:endParaRPr lang="en-US" dirty="0"/>
+          </a:p>
+        </p:txBody>
+      </p:sp>
     </p:spTree>
     <p:extLst>
       <p:ext uri="{BB962C8B-B14F-4D97-AF65-F5344CB8AC3E}">
